--- a/14_big_data/05-Duragan-Veri-Analizi/01_apache_spark_giris/01_apache_spark_giris.pptx
+++ b/14_big_data/05-Duragan-Veri-Analizi/01_apache_spark_giris/01_apache_spark_giris.pptx
@@ -140,6 +140,365 @@
 </p:presentation>
 </file>
 
+<file path=ppt/changesInfos/changesInfo1.xml><?xml version="1.0" encoding="utf-8"?>
+<pc:chgInfo xmlns:a="http://schemas.openxmlformats.org/drawingml/2006/main" xmlns:r="http://schemas.openxmlformats.org/officeDocument/2006/relationships" xmlns:ac="http://schemas.microsoft.com/office/drawing/2013/main/command" xmlns:pc="http://schemas.microsoft.com/office/powerpoint/2013/main/command">
+  <pc:docChgLst>
+    <pc:chgData name="Erkan ŞİRİN" userId="7f10ce1d6aaf8c5d" providerId="LiveId" clId="{1708BECF-0CD3-4E2C-BBDD-41B7F5D0C25B}"/>
+    <pc:docChg chg="custSel modSld">
+      <pc:chgData name="Erkan ŞİRİN" userId="7f10ce1d6aaf8c5d" providerId="LiveId" clId="{1708BECF-0CD3-4E2C-BBDD-41B7F5D0C25B}" dt="2019-07-23T20:42:19.768" v="14" actId="478"/>
+      <pc:docMkLst>
+        <pc:docMk/>
+      </pc:docMkLst>
+      <pc:sldChg chg="delSp">
+        <pc:chgData name="Erkan ŞİRİN" userId="7f10ce1d6aaf8c5d" providerId="LiveId" clId="{1708BECF-0CD3-4E2C-BBDD-41B7F5D0C25B}" dt="2019-07-23T20:40:44.597" v="0" actId="478"/>
+        <pc:sldMkLst>
+          <pc:docMk/>
+          <pc:sldMk cId="1416118015" sldId="257"/>
+        </pc:sldMkLst>
+        <pc:grpChg chg="del">
+          <ac:chgData name="Erkan ŞİRİN" userId="7f10ce1d6aaf8c5d" providerId="LiveId" clId="{1708BECF-0CD3-4E2C-BBDD-41B7F5D0C25B}" dt="2019-07-23T20:40:44.597" v="0" actId="478"/>
+          <ac:grpSpMkLst>
+            <pc:docMk/>
+            <pc:sldMk cId="1416118015" sldId="257"/>
+            <ac:grpSpMk id="11" creationId="{00000000-0000-0000-0000-000000000000}"/>
+          </ac:grpSpMkLst>
+        </pc:grpChg>
+        <pc:grpChg chg="del">
+          <ac:chgData name="Erkan ŞİRİN" userId="7f10ce1d6aaf8c5d" providerId="LiveId" clId="{1708BECF-0CD3-4E2C-BBDD-41B7F5D0C25B}" dt="2019-07-23T20:40:44.597" v="0" actId="478"/>
+          <ac:grpSpMkLst>
+            <pc:docMk/>
+            <pc:sldMk cId="1416118015" sldId="257"/>
+            <ac:grpSpMk id="15" creationId="{00000000-0000-0000-0000-000000000000}"/>
+          </ac:grpSpMkLst>
+        </pc:grpChg>
+      </pc:sldChg>
+      <pc:sldChg chg="delSp">
+        <pc:chgData name="Erkan ŞİRİN" userId="7f10ce1d6aaf8c5d" providerId="LiveId" clId="{1708BECF-0CD3-4E2C-BBDD-41B7F5D0C25B}" dt="2019-07-23T20:40:49.666" v="1" actId="478"/>
+        <pc:sldMkLst>
+          <pc:docMk/>
+          <pc:sldMk cId="1165316917" sldId="260"/>
+        </pc:sldMkLst>
+        <pc:grpChg chg="del">
+          <ac:chgData name="Erkan ŞİRİN" userId="7f10ce1d6aaf8c5d" providerId="LiveId" clId="{1708BECF-0CD3-4E2C-BBDD-41B7F5D0C25B}" dt="2019-07-23T20:40:49.666" v="1" actId="478"/>
+          <ac:grpSpMkLst>
+            <pc:docMk/>
+            <pc:sldMk cId="1165316917" sldId="260"/>
+            <ac:grpSpMk id="11" creationId="{00000000-0000-0000-0000-000000000000}"/>
+          </ac:grpSpMkLst>
+        </pc:grpChg>
+        <pc:grpChg chg="del">
+          <ac:chgData name="Erkan ŞİRİN" userId="7f10ce1d6aaf8c5d" providerId="LiveId" clId="{1708BECF-0CD3-4E2C-BBDD-41B7F5D0C25B}" dt="2019-07-23T20:40:49.666" v="1" actId="478"/>
+          <ac:grpSpMkLst>
+            <pc:docMk/>
+            <pc:sldMk cId="1165316917" sldId="260"/>
+            <ac:grpSpMk id="15" creationId="{00000000-0000-0000-0000-000000000000}"/>
+          </ac:grpSpMkLst>
+        </pc:grpChg>
+      </pc:sldChg>
+      <pc:sldChg chg="delSp">
+        <pc:chgData name="Erkan ŞİRİN" userId="7f10ce1d6aaf8c5d" providerId="LiveId" clId="{1708BECF-0CD3-4E2C-BBDD-41B7F5D0C25B}" dt="2019-07-23T20:41:10.988" v="5" actId="478"/>
+        <pc:sldMkLst>
+          <pc:docMk/>
+          <pc:sldMk cId="2238535446" sldId="261"/>
+        </pc:sldMkLst>
+        <pc:grpChg chg="del">
+          <ac:chgData name="Erkan ŞİRİN" userId="7f10ce1d6aaf8c5d" providerId="LiveId" clId="{1708BECF-0CD3-4E2C-BBDD-41B7F5D0C25B}" dt="2019-07-23T20:41:10.988" v="5" actId="478"/>
+          <ac:grpSpMkLst>
+            <pc:docMk/>
+            <pc:sldMk cId="2238535446" sldId="261"/>
+            <ac:grpSpMk id="11" creationId="{00000000-0000-0000-0000-000000000000}"/>
+          </ac:grpSpMkLst>
+        </pc:grpChg>
+        <pc:grpChg chg="del">
+          <ac:chgData name="Erkan ŞİRİN" userId="7f10ce1d6aaf8c5d" providerId="LiveId" clId="{1708BECF-0CD3-4E2C-BBDD-41B7F5D0C25B}" dt="2019-07-23T20:41:10.988" v="5" actId="478"/>
+          <ac:grpSpMkLst>
+            <pc:docMk/>
+            <pc:sldMk cId="2238535446" sldId="261"/>
+            <ac:grpSpMk id="15" creationId="{00000000-0000-0000-0000-000000000000}"/>
+          </ac:grpSpMkLst>
+        </pc:grpChg>
+      </pc:sldChg>
+      <pc:sldChg chg="delSp">
+        <pc:chgData name="Erkan ŞİRİN" userId="7f10ce1d6aaf8c5d" providerId="LiveId" clId="{1708BECF-0CD3-4E2C-BBDD-41B7F5D0C25B}" dt="2019-07-23T20:42:09.019" v="12" actId="478"/>
+        <pc:sldMkLst>
+          <pc:docMk/>
+          <pc:sldMk cId="1356585496" sldId="262"/>
+        </pc:sldMkLst>
+        <pc:grpChg chg="del">
+          <ac:chgData name="Erkan ŞİRİN" userId="7f10ce1d6aaf8c5d" providerId="LiveId" clId="{1708BECF-0CD3-4E2C-BBDD-41B7F5D0C25B}" dt="2019-07-23T20:42:09.019" v="12" actId="478"/>
+          <ac:grpSpMkLst>
+            <pc:docMk/>
+            <pc:sldMk cId="1356585496" sldId="262"/>
+            <ac:grpSpMk id="11" creationId="{00000000-0000-0000-0000-000000000000}"/>
+          </ac:grpSpMkLst>
+        </pc:grpChg>
+        <pc:grpChg chg="del">
+          <ac:chgData name="Erkan ŞİRİN" userId="7f10ce1d6aaf8c5d" providerId="LiveId" clId="{1708BECF-0CD3-4E2C-BBDD-41B7F5D0C25B}" dt="2019-07-23T20:42:09.019" v="12" actId="478"/>
+          <ac:grpSpMkLst>
+            <pc:docMk/>
+            <pc:sldMk cId="1356585496" sldId="262"/>
+            <ac:grpSpMk id="15" creationId="{00000000-0000-0000-0000-000000000000}"/>
+          </ac:grpSpMkLst>
+        </pc:grpChg>
+      </pc:sldChg>
+      <pc:sldChg chg="delSp">
+        <pc:chgData name="Erkan ŞİRİN" userId="7f10ce1d6aaf8c5d" providerId="LiveId" clId="{1708BECF-0CD3-4E2C-BBDD-41B7F5D0C25B}" dt="2019-07-23T20:41:18.627" v="6" actId="478"/>
+        <pc:sldMkLst>
+          <pc:docMk/>
+          <pc:sldMk cId="459180382" sldId="263"/>
+        </pc:sldMkLst>
+        <pc:grpChg chg="del">
+          <ac:chgData name="Erkan ŞİRİN" userId="7f10ce1d6aaf8c5d" providerId="LiveId" clId="{1708BECF-0CD3-4E2C-BBDD-41B7F5D0C25B}" dt="2019-07-23T20:41:18.627" v="6" actId="478"/>
+          <ac:grpSpMkLst>
+            <pc:docMk/>
+            <pc:sldMk cId="459180382" sldId="263"/>
+            <ac:grpSpMk id="11" creationId="{00000000-0000-0000-0000-000000000000}"/>
+          </ac:grpSpMkLst>
+        </pc:grpChg>
+        <pc:grpChg chg="del">
+          <ac:chgData name="Erkan ŞİRİN" userId="7f10ce1d6aaf8c5d" providerId="LiveId" clId="{1708BECF-0CD3-4E2C-BBDD-41B7F5D0C25B}" dt="2019-07-23T20:41:18.627" v="6" actId="478"/>
+          <ac:grpSpMkLst>
+            <pc:docMk/>
+            <pc:sldMk cId="459180382" sldId="263"/>
+            <ac:grpSpMk id="15" creationId="{00000000-0000-0000-0000-000000000000}"/>
+          </ac:grpSpMkLst>
+        </pc:grpChg>
+      </pc:sldChg>
+      <pc:sldChg chg="delSp">
+        <pc:chgData name="Erkan ŞİRİN" userId="7f10ce1d6aaf8c5d" providerId="LiveId" clId="{1708BECF-0CD3-4E2C-BBDD-41B7F5D0C25B}" dt="2019-07-23T20:41:23.927" v="7" actId="478"/>
+        <pc:sldMkLst>
+          <pc:docMk/>
+          <pc:sldMk cId="3728125884" sldId="264"/>
+        </pc:sldMkLst>
+        <pc:grpChg chg="del">
+          <ac:chgData name="Erkan ŞİRİN" userId="7f10ce1d6aaf8c5d" providerId="LiveId" clId="{1708BECF-0CD3-4E2C-BBDD-41B7F5D0C25B}" dt="2019-07-23T20:41:23.927" v="7" actId="478"/>
+          <ac:grpSpMkLst>
+            <pc:docMk/>
+            <pc:sldMk cId="3728125884" sldId="264"/>
+            <ac:grpSpMk id="11" creationId="{00000000-0000-0000-0000-000000000000}"/>
+          </ac:grpSpMkLst>
+        </pc:grpChg>
+        <pc:grpChg chg="del">
+          <ac:chgData name="Erkan ŞİRİN" userId="7f10ce1d6aaf8c5d" providerId="LiveId" clId="{1708BECF-0CD3-4E2C-BBDD-41B7F5D0C25B}" dt="2019-07-23T20:41:23.927" v="7" actId="478"/>
+          <ac:grpSpMkLst>
+            <pc:docMk/>
+            <pc:sldMk cId="3728125884" sldId="264"/>
+            <ac:grpSpMk id="15" creationId="{00000000-0000-0000-0000-000000000000}"/>
+          </ac:grpSpMkLst>
+        </pc:grpChg>
+      </pc:sldChg>
+      <pc:sldChg chg="delSp">
+        <pc:chgData name="Erkan ŞİRİN" userId="7f10ce1d6aaf8c5d" providerId="LiveId" clId="{1708BECF-0CD3-4E2C-BBDD-41B7F5D0C25B}" dt="2019-07-23T20:42:19.768" v="14" actId="478"/>
+        <pc:sldMkLst>
+          <pc:docMk/>
+          <pc:sldMk cId="164255382" sldId="265"/>
+        </pc:sldMkLst>
+        <pc:grpChg chg="del">
+          <ac:chgData name="Erkan ŞİRİN" userId="7f10ce1d6aaf8c5d" providerId="LiveId" clId="{1708BECF-0CD3-4E2C-BBDD-41B7F5D0C25B}" dt="2019-07-23T20:42:19.768" v="14" actId="478"/>
+          <ac:grpSpMkLst>
+            <pc:docMk/>
+            <pc:sldMk cId="164255382" sldId="265"/>
+            <ac:grpSpMk id="11" creationId="{00000000-0000-0000-0000-000000000000}"/>
+          </ac:grpSpMkLst>
+        </pc:grpChg>
+        <pc:grpChg chg="del">
+          <ac:chgData name="Erkan ŞİRİN" userId="7f10ce1d6aaf8c5d" providerId="LiveId" clId="{1708BECF-0CD3-4E2C-BBDD-41B7F5D0C25B}" dt="2019-07-23T20:42:19.768" v="14" actId="478"/>
+          <ac:grpSpMkLst>
+            <pc:docMk/>
+            <pc:sldMk cId="164255382" sldId="265"/>
+            <ac:grpSpMk id="15" creationId="{00000000-0000-0000-0000-000000000000}"/>
+          </ac:grpSpMkLst>
+        </pc:grpChg>
+      </pc:sldChg>
+      <pc:sldChg chg="delSp">
+        <pc:chgData name="Erkan ŞİRİN" userId="7f10ce1d6aaf8c5d" providerId="LiveId" clId="{1708BECF-0CD3-4E2C-BBDD-41B7F5D0C25B}" dt="2019-07-23T20:40:54.272" v="2" actId="478"/>
+        <pc:sldMkLst>
+          <pc:docMk/>
+          <pc:sldMk cId="2700576662" sldId="266"/>
+        </pc:sldMkLst>
+        <pc:grpChg chg="del">
+          <ac:chgData name="Erkan ŞİRİN" userId="7f10ce1d6aaf8c5d" providerId="LiveId" clId="{1708BECF-0CD3-4E2C-BBDD-41B7F5D0C25B}" dt="2019-07-23T20:40:54.272" v="2" actId="478"/>
+          <ac:grpSpMkLst>
+            <pc:docMk/>
+            <pc:sldMk cId="2700576662" sldId="266"/>
+            <ac:grpSpMk id="11" creationId="{00000000-0000-0000-0000-000000000000}"/>
+          </ac:grpSpMkLst>
+        </pc:grpChg>
+        <pc:grpChg chg="del">
+          <ac:chgData name="Erkan ŞİRİN" userId="7f10ce1d6aaf8c5d" providerId="LiveId" clId="{1708BECF-0CD3-4E2C-BBDD-41B7F5D0C25B}" dt="2019-07-23T20:40:54.272" v="2" actId="478"/>
+          <ac:grpSpMkLst>
+            <pc:docMk/>
+            <pc:sldMk cId="2700576662" sldId="266"/>
+            <ac:grpSpMk id="15" creationId="{00000000-0000-0000-0000-000000000000}"/>
+          </ac:grpSpMkLst>
+        </pc:grpChg>
+      </pc:sldChg>
+      <pc:sldChg chg="delSp">
+        <pc:chgData name="Erkan ŞİRİN" userId="7f10ce1d6aaf8c5d" providerId="LiveId" clId="{1708BECF-0CD3-4E2C-BBDD-41B7F5D0C25B}" dt="2019-07-23T20:41:05.067" v="4" actId="478"/>
+        <pc:sldMkLst>
+          <pc:docMk/>
+          <pc:sldMk cId="641082685" sldId="267"/>
+        </pc:sldMkLst>
+        <pc:grpChg chg="del">
+          <ac:chgData name="Erkan ŞİRİN" userId="7f10ce1d6aaf8c5d" providerId="LiveId" clId="{1708BECF-0CD3-4E2C-BBDD-41B7F5D0C25B}" dt="2019-07-23T20:41:05.067" v="4" actId="478"/>
+          <ac:grpSpMkLst>
+            <pc:docMk/>
+            <pc:sldMk cId="641082685" sldId="267"/>
+            <ac:grpSpMk id="11" creationId="{00000000-0000-0000-0000-000000000000}"/>
+          </ac:grpSpMkLst>
+        </pc:grpChg>
+        <pc:grpChg chg="del">
+          <ac:chgData name="Erkan ŞİRİN" userId="7f10ce1d6aaf8c5d" providerId="LiveId" clId="{1708BECF-0CD3-4E2C-BBDD-41B7F5D0C25B}" dt="2019-07-23T20:41:05.067" v="4" actId="478"/>
+          <ac:grpSpMkLst>
+            <pc:docMk/>
+            <pc:sldMk cId="641082685" sldId="267"/>
+            <ac:grpSpMk id="15" creationId="{00000000-0000-0000-0000-000000000000}"/>
+          </ac:grpSpMkLst>
+        </pc:grpChg>
+      </pc:sldChg>
+      <pc:sldChg chg="delSp">
+        <pc:chgData name="Erkan ŞİRİN" userId="7f10ce1d6aaf8c5d" providerId="LiveId" clId="{1708BECF-0CD3-4E2C-BBDD-41B7F5D0C25B}" dt="2019-07-23T20:40:59.433" v="3" actId="478"/>
+        <pc:sldMkLst>
+          <pc:docMk/>
+          <pc:sldMk cId="3170926840" sldId="268"/>
+        </pc:sldMkLst>
+        <pc:grpChg chg="del">
+          <ac:chgData name="Erkan ŞİRİN" userId="7f10ce1d6aaf8c5d" providerId="LiveId" clId="{1708BECF-0CD3-4E2C-BBDD-41B7F5D0C25B}" dt="2019-07-23T20:40:59.433" v="3" actId="478"/>
+          <ac:grpSpMkLst>
+            <pc:docMk/>
+            <pc:sldMk cId="3170926840" sldId="268"/>
+            <ac:grpSpMk id="11" creationId="{00000000-0000-0000-0000-000000000000}"/>
+          </ac:grpSpMkLst>
+        </pc:grpChg>
+        <pc:grpChg chg="del">
+          <ac:chgData name="Erkan ŞİRİN" userId="7f10ce1d6aaf8c5d" providerId="LiveId" clId="{1708BECF-0CD3-4E2C-BBDD-41B7F5D0C25B}" dt="2019-07-23T20:40:59.433" v="3" actId="478"/>
+          <ac:grpSpMkLst>
+            <pc:docMk/>
+            <pc:sldMk cId="3170926840" sldId="268"/>
+            <ac:grpSpMk id="15" creationId="{00000000-0000-0000-0000-000000000000}"/>
+          </ac:grpSpMkLst>
+        </pc:grpChg>
+      </pc:sldChg>
+      <pc:sldChg chg="delSp">
+        <pc:chgData name="Erkan ŞİRİN" userId="7f10ce1d6aaf8c5d" providerId="LiveId" clId="{1708BECF-0CD3-4E2C-BBDD-41B7F5D0C25B}" dt="2019-07-23T20:41:38.453" v="9" actId="478"/>
+        <pc:sldMkLst>
+          <pc:docMk/>
+          <pc:sldMk cId="2782032095" sldId="269"/>
+        </pc:sldMkLst>
+        <pc:grpChg chg="del">
+          <ac:chgData name="Erkan ŞİRİN" userId="7f10ce1d6aaf8c5d" providerId="LiveId" clId="{1708BECF-0CD3-4E2C-BBDD-41B7F5D0C25B}" dt="2019-07-23T20:41:38.453" v="9" actId="478"/>
+          <ac:grpSpMkLst>
+            <pc:docMk/>
+            <pc:sldMk cId="2782032095" sldId="269"/>
+            <ac:grpSpMk id="11" creationId="{00000000-0000-0000-0000-000000000000}"/>
+          </ac:grpSpMkLst>
+        </pc:grpChg>
+        <pc:grpChg chg="del">
+          <ac:chgData name="Erkan ŞİRİN" userId="7f10ce1d6aaf8c5d" providerId="LiveId" clId="{1708BECF-0CD3-4E2C-BBDD-41B7F5D0C25B}" dt="2019-07-23T20:41:38.453" v="9" actId="478"/>
+          <ac:grpSpMkLst>
+            <pc:docMk/>
+            <pc:sldMk cId="2782032095" sldId="269"/>
+            <ac:grpSpMk id="15" creationId="{00000000-0000-0000-0000-000000000000}"/>
+          </ac:grpSpMkLst>
+        </pc:grpChg>
+      </pc:sldChg>
+      <pc:sldChg chg="delSp">
+        <pc:chgData name="Erkan ŞİRİN" userId="7f10ce1d6aaf8c5d" providerId="LiveId" clId="{1708BECF-0CD3-4E2C-BBDD-41B7F5D0C25B}" dt="2019-07-23T20:42:03.729" v="11" actId="478"/>
+        <pc:sldMkLst>
+          <pc:docMk/>
+          <pc:sldMk cId="4127427314" sldId="270"/>
+        </pc:sldMkLst>
+        <pc:grpChg chg="del">
+          <ac:chgData name="Erkan ŞİRİN" userId="7f10ce1d6aaf8c5d" providerId="LiveId" clId="{1708BECF-0CD3-4E2C-BBDD-41B7F5D0C25B}" dt="2019-07-23T20:42:03.729" v="11" actId="478"/>
+          <ac:grpSpMkLst>
+            <pc:docMk/>
+            <pc:sldMk cId="4127427314" sldId="270"/>
+            <ac:grpSpMk id="11" creationId="{00000000-0000-0000-0000-000000000000}"/>
+          </ac:grpSpMkLst>
+        </pc:grpChg>
+        <pc:grpChg chg="del">
+          <ac:chgData name="Erkan ŞİRİN" userId="7f10ce1d6aaf8c5d" providerId="LiveId" clId="{1708BECF-0CD3-4E2C-BBDD-41B7F5D0C25B}" dt="2019-07-23T20:42:03.729" v="11" actId="478"/>
+          <ac:grpSpMkLst>
+            <pc:docMk/>
+            <pc:sldMk cId="4127427314" sldId="270"/>
+            <ac:grpSpMk id="15" creationId="{00000000-0000-0000-0000-000000000000}"/>
+          </ac:grpSpMkLst>
+        </pc:grpChg>
+      </pc:sldChg>
+      <pc:sldChg chg="delSp">
+        <pc:chgData name="Erkan ŞİRİN" userId="7f10ce1d6aaf8c5d" providerId="LiveId" clId="{1708BECF-0CD3-4E2C-BBDD-41B7F5D0C25B}" dt="2019-07-23T20:41:58.863" v="10" actId="478"/>
+        <pc:sldMkLst>
+          <pc:docMk/>
+          <pc:sldMk cId="721318653" sldId="271"/>
+        </pc:sldMkLst>
+        <pc:grpChg chg="del">
+          <ac:chgData name="Erkan ŞİRİN" userId="7f10ce1d6aaf8c5d" providerId="LiveId" clId="{1708BECF-0CD3-4E2C-BBDD-41B7F5D0C25B}" dt="2019-07-23T20:41:58.863" v="10" actId="478"/>
+          <ac:grpSpMkLst>
+            <pc:docMk/>
+            <pc:sldMk cId="721318653" sldId="271"/>
+            <ac:grpSpMk id="11" creationId="{00000000-0000-0000-0000-000000000000}"/>
+          </ac:grpSpMkLst>
+        </pc:grpChg>
+        <pc:grpChg chg="del">
+          <ac:chgData name="Erkan ŞİRİN" userId="7f10ce1d6aaf8c5d" providerId="LiveId" clId="{1708BECF-0CD3-4E2C-BBDD-41B7F5D0C25B}" dt="2019-07-23T20:41:58.863" v="10" actId="478"/>
+          <ac:grpSpMkLst>
+            <pc:docMk/>
+            <pc:sldMk cId="721318653" sldId="271"/>
+            <ac:grpSpMk id="15" creationId="{00000000-0000-0000-0000-000000000000}"/>
+          </ac:grpSpMkLst>
+        </pc:grpChg>
+      </pc:sldChg>
+      <pc:sldChg chg="delSp">
+        <pc:chgData name="Erkan ŞİRİN" userId="7f10ce1d6aaf8c5d" providerId="LiveId" clId="{1708BECF-0CD3-4E2C-BBDD-41B7F5D0C25B}" dt="2019-07-23T20:42:14.303" v="13" actId="478"/>
+        <pc:sldMkLst>
+          <pc:docMk/>
+          <pc:sldMk cId="2184004941" sldId="272"/>
+        </pc:sldMkLst>
+        <pc:grpChg chg="del">
+          <ac:chgData name="Erkan ŞİRİN" userId="7f10ce1d6aaf8c5d" providerId="LiveId" clId="{1708BECF-0CD3-4E2C-BBDD-41B7F5D0C25B}" dt="2019-07-23T20:42:14.303" v="13" actId="478"/>
+          <ac:grpSpMkLst>
+            <pc:docMk/>
+            <pc:sldMk cId="2184004941" sldId="272"/>
+            <ac:grpSpMk id="11" creationId="{00000000-0000-0000-0000-000000000000}"/>
+          </ac:grpSpMkLst>
+        </pc:grpChg>
+        <pc:grpChg chg="del">
+          <ac:chgData name="Erkan ŞİRİN" userId="7f10ce1d6aaf8c5d" providerId="LiveId" clId="{1708BECF-0CD3-4E2C-BBDD-41B7F5D0C25B}" dt="2019-07-23T20:42:14.303" v="13" actId="478"/>
+          <ac:grpSpMkLst>
+            <pc:docMk/>
+            <pc:sldMk cId="2184004941" sldId="272"/>
+            <ac:grpSpMk id="15" creationId="{00000000-0000-0000-0000-000000000000}"/>
+          </ac:grpSpMkLst>
+        </pc:grpChg>
+      </pc:sldChg>
+      <pc:sldChg chg="delSp">
+        <pc:chgData name="Erkan ŞİRİN" userId="7f10ce1d6aaf8c5d" providerId="LiveId" clId="{1708BECF-0CD3-4E2C-BBDD-41B7F5D0C25B}" dt="2019-07-23T20:41:30.302" v="8" actId="478"/>
+        <pc:sldMkLst>
+          <pc:docMk/>
+          <pc:sldMk cId="544530395" sldId="273"/>
+        </pc:sldMkLst>
+        <pc:grpChg chg="del">
+          <ac:chgData name="Erkan ŞİRİN" userId="7f10ce1d6aaf8c5d" providerId="LiveId" clId="{1708BECF-0CD3-4E2C-BBDD-41B7F5D0C25B}" dt="2019-07-23T20:41:30.302" v="8" actId="478"/>
+          <ac:grpSpMkLst>
+            <pc:docMk/>
+            <pc:sldMk cId="544530395" sldId="273"/>
+            <ac:grpSpMk id="11" creationId="{00000000-0000-0000-0000-000000000000}"/>
+          </ac:grpSpMkLst>
+        </pc:grpChg>
+        <pc:grpChg chg="del">
+          <ac:chgData name="Erkan ŞİRİN" userId="7f10ce1d6aaf8c5d" providerId="LiveId" clId="{1708BECF-0CD3-4E2C-BBDD-41B7F5D0C25B}" dt="2019-07-23T20:41:30.302" v="8" actId="478"/>
+          <ac:grpSpMkLst>
+            <pc:docMk/>
+            <pc:sldMk cId="544530395" sldId="273"/>
+            <ac:grpSpMk id="15" creationId="{00000000-0000-0000-0000-000000000000}"/>
+          </ac:grpSpMkLst>
+        </pc:grpChg>
+      </pc:sldChg>
+    </pc:docChg>
+  </pc:docChgLst>
+</pc:chgInfo>
+</file>
+
 <file path=ppt/notesMasters/notesMaster1.xml><?xml version="1.0" encoding="utf-8"?>
 <p:notesMaster xmlns:a="http://schemas.openxmlformats.org/drawingml/2006/main" xmlns:r="http://schemas.openxmlformats.org/officeDocument/2006/relationships" xmlns:p="http://schemas.openxmlformats.org/presentationml/2006/main">
   <p:cSld>
@@ -222,7 +581,7 @@
           <a:p>
             <a:fld id="{6F77F576-AE14-466D-AA6B-335273622B21}" type="datetimeFigureOut">
               <a:rPr lang="en-US" smtClean="0"/>
-              <a:t>4/7/2018</a:t>
+              <a:t>7/23/2019</a:t>
             </a:fld>
             <a:endParaRPr lang="en-US"/>
           </a:p>
@@ -286,35 +645,35 @@
           <a:p>
             <a:pPr lvl="0"/>
             <a:r>
-              <a:rPr lang="tr-TR" smtClean="0"/>
+              <a:rPr lang="tr-TR"/>
               <a:t>Asıl metin stillerini düzenlemek için tıklatın</a:t>
             </a:r>
           </a:p>
           <a:p>
             <a:pPr lvl="1"/>
             <a:r>
-              <a:rPr lang="tr-TR" smtClean="0"/>
+              <a:rPr lang="tr-TR"/>
               <a:t>İkinci düzey</a:t>
             </a:r>
           </a:p>
           <a:p>
             <a:pPr lvl="2"/>
             <a:r>
-              <a:rPr lang="tr-TR" smtClean="0"/>
+              <a:rPr lang="tr-TR"/>
               <a:t>Üçüncü düzey</a:t>
             </a:r>
           </a:p>
           <a:p>
             <a:pPr lvl="3"/>
             <a:r>
-              <a:rPr lang="tr-TR" smtClean="0"/>
+              <a:rPr lang="tr-TR"/>
               <a:t>Dördüncü düzey</a:t>
             </a:r>
           </a:p>
           <a:p>
             <a:pPr lvl="4"/>
             <a:r>
-              <a:rPr lang="tr-TR" smtClean="0"/>
+              <a:rPr lang="tr-TR"/>
               <a:t>Beşinci düzey</a:t>
             </a:r>
             <a:endParaRPr lang="en-US"/>
@@ -532,7 +891,7 @@
           </a:lstStyle>
           <a:p>
             <a:r>
-              <a:rPr lang="tr-TR" smtClean="0"/>
+              <a:rPr lang="tr-TR"/>
               <a:t>Asıl başlık stili için tıklatın</a:t>
             </a:r>
             <a:endParaRPr lang="en-US"/>
@@ -597,7 +956,7 @@
           </a:lstStyle>
           <a:p>
             <a:r>
-              <a:rPr lang="tr-TR" smtClean="0"/>
+              <a:rPr lang="tr-TR"/>
               <a:t>Asıl alt başlık stilini düzenlemek için tıklatın</a:t>
             </a:r>
             <a:endParaRPr lang="en-US"/>
@@ -621,7 +980,7 @@
           <a:p>
             <a:fld id="{54AA066D-271F-4C1A-B89A-0705A7689EE9}" type="datetimeFigureOut">
               <a:rPr lang="en-US" smtClean="0"/>
-              <a:t>4/7/2018</a:t>
+              <a:t>7/23/2019</a:t>
             </a:fld>
             <a:endParaRPr lang="en-US"/>
           </a:p>
@@ -715,7 +1074,7 @@
           <a:lstStyle/>
           <a:p>
             <a:r>
-              <a:rPr lang="tr-TR" smtClean="0"/>
+              <a:rPr lang="tr-TR"/>
               <a:t>Asıl başlık stili için tıklatın</a:t>
             </a:r>
             <a:endParaRPr lang="en-US"/>
@@ -739,35 +1098,35 @@
           <a:p>
             <a:pPr lvl="0"/>
             <a:r>
-              <a:rPr lang="tr-TR" smtClean="0"/>
+              <a:rPr lang="tr-TR"/>
               <a:t>Asıl metin stillerini düzenlemek için tıklatın</a:t>
             </a:r>
           </a:p>
           <a:p>
             <a:pPr lvl="1"/>
             <a:r>
-              <a:rPr lang="tr-TR" smtClean="0"/>
+              <a:rPr lang="tr-TR"/>
               <a:t>İkinci düzey</a:t>
             </a:r>
           </a:p>
           <a:p>
             <a:pPr lvl="2"/>
             <a:r>
-              <a:rPr lang="tr-TR" smtClean="0"/>
+              <a:rPr lang="tr-TR"/>
               <a:t>Üçüncü düzey</a:t>
             </a:r>
           </a:p>
           <a:p>
             <a:pPr lvl="3"/>
             <a:r>
-              <a:rPr lang="tr-TR" smtClean="0"/>
+              <a:rPr lang="tr-TR"/>
               <a:t>Dördüncü düzey</a:t>
             </a:r>
           </a:p>
           <a:p>
             <a:pPr lvl="4"/>
             <a:r>
-              <a:rPr lang="tr-TR" smtClean="0"/>
+              <a:rPr lang="tr-TR"/>
               <a:t>Beşinci düzey</a:t>
             </a:r>
             <a:endParaRPr lang="en-US"/>
@@ -791,7 +1150,7 @@
           <a:p>
             <a:fld id="{54AA066D-271F-4C1A-B89A-0705A7689EE9}" type="datetimeFigureOut">
               <a:rPr lang="en-US" smtClean="0"/>
-              <a:t>4/7/2018</a:t>
+              <a:t>7/23/2019</a:t>
             </a:fld>
             <a:endParaRPr lang="en-US"/>
           </a:p>
@@ -890,7 +1249,7 @@
           <a:lstStyle/>
           <a:p>
             <a:r>
-              <a:rPr lang="tr-TR" smtClean="0"/>
+              <a:rPr lang="tr-TR"/>
               <a:t>Asıl başlık stili için tıklatın</a:t>
             </a:r>
             <a:endParaRPr lang="en-US"/>
@@ -919,35 +1278,35 @@
           <a:p>
             <a:pPr lvl="0"/>
             <a:r>
-              <a:rPr lang="tr-TR" smtClean="0"/>
+              <a:rPr lang="tr-TR"/>
               <a:t>Asıl metin stillerini düzenlemek için tıklatın</a:t>
             </a:r>
           </a:p>
           <a:p>
             <a:pPr lvl="1"/>
             <a:r>
-              <a:rPr lang="tr-TR" smtClean="0"/>
+              <a:rPr lang="tr-TR"/>
               <a:t>İkinci düzey</a:t>
             </a:r>
           </a:p>
           <a:p>
             <a:pPr lvl="2"/>
             <a:r>
-              <a:rPr lang="tr-TR" smtClean="0"/>
+              <a:rPr lang="tr-TR"/>
               <a:t>Üçüncü düzey</a:t>
             </a:r>
           </a:p>
           <a:p>
             <a:pPr lvl="3"/>
             <a:r>
-              <a:rPr lang="tr-TR" smtClean="0"/>
+              <a:rPr lang="tr-TR"/>
               <a:t>Dördüncü düzey</a:t>
             </a:r>
           </a:p>
           <a:p>
             <a:pPr lvl="4"/>
             <a:r>
-              <a:rPr lang="tr-TR" smtClean="0"/>
+              <a:rPr lang="tr-TR"/>
               <a:t>Beşinci düzey</a:t>
             </a:r>
             <a:endParaRPr lang="en-US"/>
@@ -971,7 +1330,7 @@
           <a:p>
             <a:fld id="{54AA066D-271F-4C1A-B89A-0705A7689EE9}" type="datetimeFigureOut">
               <a:rPr lang="en-US" smtClean="0"/>
-              <a:t>4/7/2018</a:t>
+              <a:t>7/23/2019</a:t>
             </a:fld>
             <a:endParaRPr lang="en-US"/>
           </a:p>
@@ -1065,7 +1424,7 @@
           <a:lstStyle/>
           <a:p>
             <a:r>
-              <a:rPr lang="tr-TR" smtClean="0"/>
+              <a:rPr lang="tr-TR"/>
               <a:t>Asıl başlık stili için tıklatın</a:t>
             </a:r>
             <a:endParaRPr lang="en-US"/>
@@ -1089,35 +1448,35 @@
           <a:p>
             <a:pPr lvl="0"/>
             <a:r>
-              <a:rPr lang="tr-TR" smtClean="0"/>
+              <a:rPr lang="tr-TR"/>
               <a:t>Asıl metin stillerini düzenlemek için tıklatın</a:t>
             </a:r>
           </a:p>
           <a:p>
             <a:pPr lvl="1"/>
             <a:r>
-              <a:rPr lang="tr-TR" smtClean="0"/>
+              <a:rPr lang="tr-TR"/>
               <a:t>İkinci düzey</a:t>
             </a:r>
           </a:p>
           <a:p>
             <a:pPr lvl="2"/>
             <a:r>
-              <a:rPr lang="tr-TR" smtClean="0"/>
+              <a:rPr lang="tr-TR"/>
               <a:t>Üçüncü düzey</a:t>
             </a:r>
           </a:p>
           <a:p>
             <a:pPr lvl="3"/>
             <a:r>
-              <a:rPr lang="tr-TR" smtClean="0"/>
+              <a:rPr lang="tr-TR"/>
               <a:t>Dördüncü düzey</a:t>
             </a:r>
           </a:p>
           <a:p>
             <a:pPr lvl="4"/>
             <a:r>
-              <a:rPr lang="tr-TR" smtClean="0"/>
+              <a:rPr lang="tr-TR"/>
               <a:t>Beşinci düzey</a:t>
             </a:r>
             <a:endParaRPr lang="en-US"/>
@@ -1141,7 +1500,7 @@
           <a:p>
             <a:fld id="{54AA066D-271F-4C1A-B89A-0705A7689EE9}" type="datetimeFigureOut">
               <a:rPr lang="en-US" smtClean="0"/>
-              <a:t>4/7/2018</a:t>
+              <a:t>7/23/2019</a:t>
             </a:fld>
             <a:endParaRPr lang="en-US"/>
           </a:p>
@@ -1244,7 +1603,7 @@
           </a:lstStyle>
           <a:p>
             <a:r>
-              <a:rPr lang="tr-TR" smtClean="0"/>
+              <a:rPr lang="tr-TR"/>
               <a:t>Asıl başlık stili için tıklatın</a:t>
             </a:r>
             <a:endParaRPr lang="en-US"/>
@@ -1364,7 +1723,7 @@
           <a:p>
             <a:pPr lvl="0"/>
             <a:r>
-              <a:rPr lang="tr-TR" smtClean="0"/>
+              <a:rPr lang="tr-TR"/>
               <a:t>Asıl metin stillerini düzenlemek için tıklatın</a:t>
             </a:r>
           </a:p>
@@ -1387,7 +1746,7 @@
           <a:p>
             <a:fld id="{54AA066D-271F-4C1A-B89A-0705A7689EE9}" type="datetimeFigureOut">
               <a:rPr lang="en-US" smtClean="0"/>
-              <a:t>4/7/2018</a:t>
+              <a:t>7/23/2019</a:t>
             </a:fld>
             <a:endParaRPr lang="en-US"/>
           </a:p>
@@ -1481,7 +1840,7 @@
           <a:lstStyle/>
           <a:p>
             <a:r>
-              <a:rPr lang="tr-TR" smtClean="0"/>
+              <a:rPr lang="tr-TR"/>
               <a:t>Asıl başlık stili için tıklatın</a:t>
             </a:r>
             <a:endParaRPr lang="en-US"/>
@@ -1510,35 +1869,35 @@
           <a:p>
             <a:pPr lvl="0"/>
             <a:r>
-              <a:rPr lang="tr-TR" smtClean="0"/>
+              <a:rPr lang="tr-TR"/>
               <a:t>Asıl metin stillerini düzenlemek için tıklatın</a:t>
             </a:r>
           </a:p>
           <a:p>
             <a:pPr lvl="1"/>
             <a:r>
-              <a:rPr lang="tr-TR" smtClean="0"/>
+              <a:rPr lang="tr-TR"/>
               <a:t>İkinci düzey</a:t>
             </a:r>
           </a:p>
           <a:p>
             <a:pPr lvl="2"/>
             <a:r>
-              <a:rPr lang="tr-TR" smtClean="0"/>
+              <a:rPr lang="tr-TR"/>
               <a:t>Üçüncü düzey</a:t>
             </a:r>
           </a:p>
           <a:p>
             <a:pPr lvl="3"/>
             <a:r>
-              <a:rPr lang="tr-TR" smtClean="0"/>
+              <a:rPr lang="tr-TR"/>
               <a:t>Dördüncü düzey</a:t>
             </a:r>
           </a:p>
           <a:p>
             <a:pPr lvl="4"/>
             <a:r>
-              <a:rPr lang="tr-TR" smtClean="0"/>
+              <a:rPr lang="tr-TR"/>
               <a:t>Beşinci düzey</a:t>
             </a:r>
             <a:endParaRPr lang="en-US"/>
@@ -1567,35 +1926,35 @@
           <a:p>
             <a:pPr lvl="0"/>
             <a:r>
-              <a:rPr lang="tr-TR" smtClean="0"/>
+              <a:rPr lang="tr-TR"/>
               <a:t>Asıl metin stillerini düzenlemek için tıklatın</a:t>
             </a:r>
           </a:p>
           <a:p>
             <a:pPr lvl="1"/>
             <a:r>
-              <a:rPr lang="tr-TR" smtClean="0"/>
+              <a:rPr lang="tr-TR"/>
               <a:t>İkinci düzey</a:t>
             </a:r>
           </a:p>
           <a:p>
             <a:pPr lvl="2"/>
             <a:r>
-              <a:rPr lang="tr-TR" smtClean="0"/>
+              <a:rPr lang="tr-TR"/>
               <a:t>Üçüncü düzey</a:t>
             </a:r>
           </a:p>
           <a:p>
             <a:pPr lvl="3"/>
             <a:r>
-              <a:rPr lang="tr-TR" smtClean="0"/>
+              <a:rPr lang="tr-TR"/>
               <a:t>Dördüncü düzey</a:t>
             </a:r>
           </a:p>
           <a:p>
             <a:pPr lvl="4"/>
             <a:r>
-              <a:rPr lang="tr-TR" smtClean="0"/>
+              <a:rPr lang="tr-TR"/>
               <a:t>Beşinci düzey</a:t>
             </a:r>
             <a:endParaRPr lang="en-US"/>
@@ -1619,7 +1978,7 @@
           <a:p>
             <a:fld id="{54AA066D-271F-4C1A-B89A-0705A7689EE9}" type="datetimeFigureOut">
               <a:rPr lang="en-US" smtClean="0"/>
-              <a:t>4/7/2018</a:t>
+              <a:t>7/23/2019</a:t>
             </a:fld>
             <a:endParaRPr lang="en-US"/>
           </a:p>
@@ -1718,7 +2077,7 @@
           <a:lstStyle/>
           <a:p>
             <a:r>
-              <a:rPr lang="tr-TR" smtClean="0"/>
+              <a:rPr lang="tr-TR"/>
               <a:t>Asıl başlık stili için tıklatın</a:t>
             </a:r>
             <a:endParaRPr lang="en-US"/>
@@ -1784,7 +2143,7 @@
           <a:p>
             <a:pPr lvl="0"/>
             <a:r>
-              <a:rPr lang="tr-TR" smtClean="0"/>
+              <a:rPr lang="tr-TR"/>
               <a:t>Asıl metin stillerini düzenlemek için tıklatın</a:t>
             </a:r>
           </a:p>
@@ -1812,35 +2171,35 @@
           <a:p>
             <a:pPr lvl="0"/>
             <a:r>
-              <a:rPr lang="tr-TR" smtClean="0"/>
+              <a:rPr lang="tr-TR"/>
               <a:t>Asıl metin stillerini düzenlemek için tıklatın</a:t>
             </a:r>
           </a:p>
           <a:p>
             <a:pPr lvl="1"/>
             <a:r>
-              <a:rPr lang="tr-TR" smtClean="0"/>
+              <a:rPr lang="tr-TR"/>
               <a:t>İkinci düzey</a:t>
             </a:r>
           </a:p>
           <a:p>
             <a:pPr lvl="2"/>
             <a:r>
-              <a:rPr lang="tr-TR" smtClean="0"/>
+              <a:rPr lang="tr-TR"/>
               <a:t>Üçüncü düzey</a:t>
             </a:r>
           </a:p>
           <a:p>
             <a:pPr lvl="3"/>
             <a:r>
-              <a:rPr lang="tr-TR" smtClean="0"/>
+              <a:rPr lang="tr-TR"/>
               <a:t>Dördüncü düzey</a:t>
             </a:r>
           </a:p>
           <a:p>
             <a:pPr lvl="4"/>
             <a:r>
-              <a:rPr lang="tr-TR" smtClean="0"/>
+              <a:rPr lang="tr-TR"/>
               <a:t>Beşinci düzey</a:t>
             </a:r>
             <a:endParaRPr lang="en-US"/>
@@ -1906,7 +2265,7 @@
           <a:p>
             <a:pPr lvl="0"/>
             <a:r>
-              <a:rPr lang="tr-TR" smtClean="0"/>
+              <a:rPr lang="tr-TR"/>
               <a:t>Asıl metin stillerini düzenlemek için tıklatın</a:t>
             </a:r>
           </a:p>
@@ -1934,35 +2293,35 @@
           <a:p>
             <a:pPr lvl="0"/>
             <a:r>
-              <a:rPr lang="tr-TR" smtClean="0"/>
+              <a:rPr lang="tr-TR"/>
               <a:t>Asıl metin stillerini düzenlemek için tıklatın</a:t>
             </a:r>
           </a:p>
           <a:p>
             <a:pPr lvl="1"/>
             <a:r>
-              <a:rPr lang="tr-TR" smtClean="0"/>
+              <a:rPr lang="tr-TR"/>
               <a:t>İkinci düzey</a:t>
             </a:r>
           </a:p>
           <a:p>
             <a:pPr lvl="2"/>
             <a:r>
-              <a:rPr lang="tr-TR" smtClean="0"/>
+              <a:rPr lang="tr-TR"/>
               <a:t>Üçüncü düzey</a:t>
             </a:r>
           </a:p>
           <a:p>
             <a:pPr lvl="3"/>
             <a:r>
-              <a:rPr lang="tr-TR" smtClean="0"/>
+              <a:rPr lang="tr-TR"/>
               <a:t>Dördüncü düzey</a:t>
             </a:r>
           </a:p>
           <a:p>
             <a:pPr lvl="4"/>
             <a:r>
-              <a:rPr lang="tr-TR" smtClean="0"/>
+              <a:rPr lang="tr-TR"/>
               <a:t>Beşinci düzey</a:t>
             </a:r>
             <a:endParaRPr lang="en-US"/>
@@ -1986,7 +2345,7 @@
           <a:p>
             <a:fld id="{54AA066D-271F-4C1A-B89A-0705A7689EE9}" type="datetimeFigureOut">
               <a:rPr lang="en-US" smtClean="0"/>
-              <a:t>4/7/2018</a:t>
+              <a:t>7/23/2019</a:t>
             </a:fld>
             <a:endParaRPr lang="en-US"/>
           </a:p>
@@ -2080,7 +2439,7 @@
           <a:lstStyle/>
           <a:p>
             <a:r>
-              <a:rPr lang="tr-TR" smtClean="0"/>
+              <a:rPr lang="tr-TR"/>
               <a:t>Asıl başlık stili için tıklatın</a:t>
             </a:r>
             <a:endParaRPr lang="en-US"/>
@@ -2104,7 +2463,7 @@
           <a:p>
             <a:fld id="{54AA066D-271F-4C1A-B89A-0705A7689EE9}" type="datetimeFigureOut">
               <a:rPr lang="en-US" smtClean="0"/>
-              <a:t>4/7/2018</a:t>
+              <a:t>7/23/2019</a:t>
             </a:fld>
             <a:endParaRPr lang="en-US"/>
           </a:p>
@@ -2199,7 +2558,7 @@
           <a:p>
             <a:fld id="{54AA066D-271F-4C1A-B89A-0705A7689EE9}" type="datetimeFigureOut">
               <a:rPr lang="en-US" smtClean="0"/>
-              <a:t>4/7/2018</a:t>
+              <a:t>7/23/2019</a:t>
             </a:fld>
             <a:endParaRPr lang="en-US"/>
           </a:p>
@@ -2302,7 +2661,7 @@
           </a:lstStyle>
           <a:p>
             <a:r>
-              <a:rPr lang="tr-TR" smtClean="0"/>
+              <a:rPr lang="tr-TR"/>
               <a:t>Asıl başlık stili için tıklatın</a:t>
             </a:r>
             <a:endParaRPr lang="en-US"/>
@@ -2359,35 +2718,35 @@
           <a:p>
             <a:pPr lvl="0"/>
             <a:r>
-              <a:rPr lang="tr-TR" smtClean="0"/>
+              <a:rPr lang="tr-TR"/>
               <a:t>Asıl metin stillerini düzenlemek için tıklatın</a:t>
             </a:r>
           </a:p>
           <a:p>
             <a:pPr lvl="1"/>
             <a:r>
-              <a:rPr lang="tr-TR" smtClean="0"/>
+              <a:rPr lang="tr-TR"/>
               <a:t>İkinci düzey</a:t>
             </a:r>
           </a:p>
           <a:p>
             <a:pPr lvl="2"/>
             <a:r>
-              <a:rPr lang="tr-TR" smtClean="0"/>
+              <a:rPr lang="tr-TR"/>
               <a:t>Üçüncü düzey</a:t>
             </a:r>
           </a:p>
           <a:p>
             <a:pPr lvl="3"/>
             <a:r>
-              <a:rPr lang="tr-TR" smtClean="0"/>
+              <a:rPr lang="tr-TR"/>
               <a:t>Dördüncü düzey</a:t>
             </a:r>
           </a:p>
           <a:p>
             <a:pPr lvl="4"/>
             <a:r>
-              <a:rPr lang="tr-TR" smtClean="0"/>
+              <a:rPr lang="tr-TR"/>
               <a:t>Beşinci düzey</a:t>
             </a:r>
             <a:endParaRPr lang="en-US"/>
@@ -2453,7 +2812,7 @@
           <a:p>
             <a:pPr lvl="0"/>
             <a:r>
-              <a:rPr lang="tr-TR" smtClean="0"/>
+              <a:rPr lang="tr-TR"/>
               <a:t>Asıl metin stillerini düzenlemek için tıklatın</a:t>
             </a:r>
           </a:p>
@@ -2476,7 +2835,7 @@
           <a:p>
             <a:fld id="{54AA066D-271F-4C1A-B89A-0705A7689EE9}" type="datetimeFigureOut">
               <a:rPr lang="en-US" smtClean="0"/>
-              <a:t>4/7/2018</a:t>
+              <a:t>7/23/2019</a:t>
             </a:fld>
             <a:endParaRPr lang="en-US"/>
           </a:p>
@@ -2579,7 +2938,7 @@
           </a:lstStyle>
           <a:p>
             <a:r>
-              <a:rPr lang="tr-TR" smtClean="0"/>
+              <a:rPr lang="tr-TR"/>
               <a:t>Asıl başlık stili için tıklatın</a:t>
             </a:r>
             <a:endParaRPr lang="en-US"/>
@@ -2706,7 +3065,7 @@
           <a:p>
             <a:pPr lvl="0"/>
             <a:r>
-              <a:rPr lang="tr-TR" smtClean="0"/>
+              <a:rPr lang="tr-TR"/>
               <a:t>Asıl metin stillerini düzenlemek için tıklatın</a:t>
             </a:r>
           </a:p>
@@ -2729,7 +3088,7 @@
           <a:p>
             <a:fld id="{54AA066D-271F-4C1A-B89A-0705A7689EE9}" type="datetimeFigureOut">
               <a:rPr lang="en-US" smtClean="0"/>
-              <a:t>4/7/2018</a:t>
+              <a:t>7/23/2019</a:t>
             </a:fld>
             <a:endParaRPr lang="en-US"/>
           </a:p>
@@ -2838,7 +3197,7 @@
           <a:lstStyle/>
           <a:p>
             <a:r>
-              <a:rPr lang="tr-TR" smtClean="0"/>
+              <a:rPr lang="tr-TR"/>
               <a:t>Asıl başlık stili için tıklatın</a:t>
             </a:r>
             <a:endParaRPr lang="en-US"/>
@@ -2872,35 +3231,35 @@
           <a:p>
             <a:pPr lvl="0"/>
             <a:r>
-              <a:rPr lang="tr-TR" smtClean="0"/>
+              <a:rPr lang="tr-TR"/>
               <a:t>Asıl metin stillerini düzenlemek için tıklatın</a:t>
             </a:r>
           </a:p>
           <a:p>
             <a:pPr lvl="1"/>
             <a:r>
-              <a:rPr lang="tr-TR" smtClean="0"/>
+              <a:rPr lang="tr-TR"/>
               <a:t>İkinci düzey</a:t>
             </a:r>
           </a:p>
           <a:p>
             <a:pPr lvl="2"/>
             <a:r>
-              <a:rPr lang="tr-TR" smtClean="0"/>
+              <a:rPr lang="tr-TR"/>
               <a:t>Üçüncü düzey</a:t>
             </a:r>
           </a:p>
           <a:p>
             <a:pPr lvl="3"/>
             <a:r>
-              <a:rPr lang="tr-TR" smtClean="0"/>
+              <a:rPr lang="tr-TR"/>
               <a:t>Dördüncü düzey</a:t>
             </a:r>
           </a:p>
           <a:p>
             <a:pPr lvl="4"/>
             <a:r>
-              <a:rPr lang="tr-TR" smtClean="0"/>
+              <a:rPr lang="tr-TR"/>
               <a:t>Beşinci düzey</a:t>
             </a:r>
             <a:endParaRPr lang="en-US"/>
@@ -2942,7 +3301,7 @@
           <a:p>
             <a:fld id="{54AA066D-271F-4C1A-B89A-0705A7689EE9}" type="datetimeFigureOut">
               <a:rPr lang="en-US" smtClean="0"/>
-              <a:t>4/7/2018</a:t>
+              <a:t>7/23/2019</a:t>
             </a:fld>
             <a:endParaRPr lang="en-US"/>
           </a:p>
@@ -3384,369 +3743,6 @@
           </a:fontRef>
         </p:style>
       </p:cxnSp>
-      <p:grpSp>
-        <p:nvGrpSpPr>
-          <p:cNvPr id="15" name="Grup 14"/>
-          <p:cNvGrpSpPr/>
-          <p:nvPr/>
-        </p:nvGrpSpPr>
-        <p:grpSpPr>
-          <a:xfrm>
-            <a:off x="228596" y="6231467"/>
-            <a:ext cx="3041654" cy="492576"/>
-            <a:chOff x="228596" y="6231467"/>
-            <a:chExt cx="3041654" cy="492576"/>
-          </a:xfrm>
-        </p:grpSpPr>
-        <p:grpSp>
-          <p:nvGrpSpPr>
-            <p:cNvPr id="8" name="Grup 7"/>
-            <p:cNvGrpSpPr/>
-            <p:nvPr/>
-          </p:nvGrpSpPr>
-          <p:grpSpPr>
-            <a:xfrm>
-              <a:off x="228596" y="6231467"/>
-              <a:ext cx="2802471" cy="457084"/>
-              <a:chOff x="127000" y="5901146"/>
-              <a:chExt cx="5156200" cy="838200"/>
-            </a:xfrm>
-          </p:grpSpPr>
-          <p:sp>
-            <p:nvSpPr>
-              <p:cNvPr id="7" name="Dikdörtgen 6"/>
-              <p:cNvSpPr/>
-              <p:nvPr/>
-            </p:nvSpPr>
-            <p:spPr>
-              <a:xfrm>
-                <a:off x="127000" y="5901146"/>
-                <a:ext cx="5156200" cy="838200"/>
-              </a:xfrm>
-              <a:prstGeom prst="rect">
-                <a:avLst/>
-              </a:prstGeom>
-              <a:solidFill>
-                <a:schemeClr val="bg1">
-                  <a:lumMod val="95000"/>
-                </a:schemeClr>
-              </a:solidFill>
-              <a:ln>
-                <a:noFill/>
-              </a:ln>
-            </p:spPr>
-            <p:style>
-              <a:lnRef idx="2">
-                <a:schemeClr val="accent1">
-                  <a:shade val="50000"/>
-                </a:schemeClr>
-              </a:lnRef>
-              <a:fillRef idx="1">
-                <a:schemeClr val="accent1"/>
-              </a:fillRef>
-              <a:effectRef idx="0">
-                <a:schemeClr val="accent1"/>
-              </a:effectRef>
-              <a:fontRef idx="minor">
-                <a:schemeClr val="lt1"/>
-              </a:fontRef>
-            </p:style>
-            <p:txBody>
-              <a:bodyPr rtlCol="0" anchor="ctr"/>
-              <a:lstStyle/>
-              <a:p>
-                <a:pPr algn="ctr"/>
-                <a:endParaRPr lang="en-US" sz="2000"/>
-              </a:p>
-            </p:txBody>
-          </p:sp>
-          <p:grpSp>
-            <p:nvGrpSpPr>
-              <p:cNvPr id="6" name="Grup 5"/>
-              <p:cNvGrpSpPr/>
-              <p:nvPr/>
-            </p:nvGrpSpPr>
-            <p:grpSpPr>
-              <a:xfrm>
-                <a:off x="211667" y="6019800"/>
-                <a:ext cx="5012266" cy="605115"/>
-                <a:chOff x="211667" y="6019800"/>
-                <a:chExt cx="5012266" cy="605115"/>
-              </a:xfrm>
-            </p:grpSpPr>
-            <p:pic>
-              <p:nvPicPr>
-                <p:cNvPr id="4" name="Resim 3"/>
-                <p:cNvPicPr>
-                  <a:picLocks noChangeAspect="1"/>
-                </p:cNvPicPr>
-                <p:nvPr/>
-              </p:nvPicPr>
-              <p:blipFill rotWithShape="1">
-                <a:blip r:embed="rId2" cstate="print">
-                  <a:extLst>
-                    <a:ext uri="{28A0092B-C50C-407E-A947-70E740481C1C}">
-                      <a14:useLocalDpi xmlns:a14="http://schemas.microsoft.com/office/drawing/2010/main" val="0"/>
-                    </a:ext>
-                  </a:extLst>
-                </a:blip>
-                <a:srcRect l="24387" t="8319" r="18355" b="50150"/>
-                <a:stretch/>
-              </p:blipFill>
-              <p:spPr>
-                <a:xfrm>
-                  <a:off x="211667" y="6019800"/>
-                  <a:ext cx="1072095" cy="600892"/>
-                </a:xfrm>
-                <a:prstGeom prst="rect">
-                  <a:avLst/>
-                </a:prstGeom>
-              </p:spPr>
-            </p:pic>
-            <p:sp>
-              <p:nvSpPr>
-                <p:cNvPr id="5" name="Unvan 1"/>
-                <p:cNvSpPr txBox="1">
-                  <a:spLocks/>
-                </p:cNvSpPr>
-                <p:nvPr/>
-              </p:nvSpPr>
-              <p:spPr>
-                <a:xfrm>
-                  <a:off x="1283763" y="6024023"/>
-                  <a:ext cx="3940170" cy="600892"/>
-                </a:xfrm>
-                <a:prstGeom prst="rect">
-                  <a:avLst/>
-                </a:prstGeom>
-              </p:spPr>
-              <p:txBody>
-                <a:bodyPr vert="horz" lIns="91440" tIns="45720" rIns="91440" bIns="45720" rtlCol="0" anchor="b">
-                  <a:noAutofit/>
-                </a:bodyPr>
-                <a:lstStyle>
-                  <a:lvl1pPr algn="ctr" defTabSz="914400" rtl="0" eaLnBrk="1" latinLnBrk="0" hangingPunct="1">
-                    <a:lnSpc>
-                      <a:spcPct val="90000"/>
-                    </a:lnSpc>
-                    <a:spcBef>
-                      <a:spcPct val="0"/>
-                    </a:spcBef>
-                    <a:buNone/>
-                    <a:defRPr sz="6000" kern="1200">
-                      <a:solidFill>
-                        <a:schemeClr val="tx1"/>
-                      </a:solidFill>
-                      <a:latin typeface="+mj-lt"/>
-                      <a:ea typeface="+mj-ea"/>
-                      <a:cs typeface="+mj-cs"/>
-                    </a:defRPr>
-                  </a:lvl1pPr>
-                </a:lstStyle>
-                <a:p>
-                  <a:pPr algn="l"/>
-                  <a:r>
-                    <a:rPr lang="tr-TR" sz="2000" dirty="0" smtClean="0">
-                      <a:solidFill>
-                        <a:srgbClr val="CB171F"/>
-                      </a:solidFill>
-                      <a:latin typeface="Constantia" panose="02030602050306030303" pitchFamily="18" charset="0"/>
-                      <a:ea typeface="Verdana" panose="020B0604030504040204" pitchFamily="34" charset="0"/>
-                      <a:cs typeface="Arial" panose="020B0604020202020204" pitchFamily="34" charset="0"/>
-                    </a:rPr>
-                    <a:t>Veri Bilimi Okulu</a:t>
-                  </a:r>
-                  <a:endParaRPr lang="en-US" sz="2000" dirty="0">
-                    <a:solidFill>
-                      <a:srgbClr val="CB171F"/>
-                    </a:solidFill>
-                    <a:latin typeface="Constantia" panose="02030602050306030303" pitchFamily="18" charset="0"/>
-                    <a:ea typeface="Verdana" panose="020B0604030504040204" pitchFamily="34" charset="0"/>
-                    <a:cs typeface="Arial" panose="020B0604020202020204" pitchFamily="34" charset="0"/>
-                  </a:endParaRPr>
-                </a:p>
-              </p:txBody>
-            </p:sp>
-          </p:grpSp>
-        </p:grpSp>
-        <p:sp>
-          <p:nvSpPr>
-            <p:cNvPr id="12" name="Metin kutusu 11"/>
-            <p:cNvSpPr txBox="1"/>
-            <p:nvPr/>
-          </p:nvSpPr>
-          <p:spPr>
-            <a:xfrm>
-              <a:off x="1582782" y="6493211"/>
-              <a:ext cx="1687468" cy="230832"/>
-            </a:xfrm>
-            <a:prstGeom prst="rect">
-              <a:avLst/>
-            </a:prstGeom>
-            <a:noFill/>
-          </p:spPr>
-          <p:txBody>
-            <a:bodyPr wrap="square" rtlCol="0">
-              <a:spAutoFit/>
-            </a:bodyPr>
-            <a:lstStyle/>
-            <a:p>
-              <a:r>
-                <a:rPr lang="en-US" sz="900" dirty="0" smtClean="0">
-                  <a:solidFill>
-                    <a:srgbClr val="0B8043"/>
-                  </a:solidFill>
-                </a:rPr>
-                <a:t>https:</a:t>
-              </a:r>
-              <a:r>
-                <a:rPr lang="en-US" sz="900" dirty="0" smtClean="0">
-                  <a:solidFill>
-                    <a:schemeClr val="bg1">
-                      <a:lumMod val="50000"/>
-                    </a:schemeClr>
-                  </a:solidFill>
-                </a:rPr>
-                <a:t>//www.veribilimi.co</a:t>
-              </a:r>
-              <a:endParaRPr lang="en-US" sz="900" dirty="0">
-                <a:solidFill>
-                  <a:schemeClr val="bg1">
-                    <a:lumMod val="50000"/>
-                  </a:schemeClr>
-                </a:solidFill>
-              </a:endParaRPr>
-            </a:p>
-          </p:txBody>
-        </p:sp>
-      </p:grpSp>
-      <p:grpSp>
-        <p:nvGrpSpPr>
-          <p:cNvPr id="11" name="Grup 10"/>
-          <p:cNvGrpSpPr/>
-          <p:nvPr/>
-        </p:nvGrpSpPr>
-        <p:grpSpPr>
-          <a:xfrm>
-            <a:off x="9194796" y="6231467"/>
-            <a:ext cx="2802471" cy="457084"/>
-            <a:chOff x="184993" y="5905369"/>
-            <a:chExt cx="5156200" cy="838200"/>
-          </a:xfrm>
-        </p:grpSpPr>
-        <p:sp>
-          <p:nvSpPr>
-            <p:cNvPr id="13" name="Dikdörtgen 12"/>
-            <p:cNvSpPr/>
-            <p:nvPr/>
-          </p:nvSpPr>
-          <p:spPr>
-            <a:xfrm>
-              <a:off x="184993" y="5905369"/>
-              <a:ext cx="5156200" cy="838200"/>
-            </a:xfrm>
-            <a:prstGeom prst="rect">
-              <a:avLst/>
-            </a:prstGeom>
-            <a:solidFill>
-              <a:schemeClr val="bg1">
-                <a:lumMod val="95000"/>
-              </a:schemeClr>
-            </a:solidFill>
-            <a:ln>
-              <a:noFill/>
-            </a:ln>
-          </p:spPr>
-          <p:style>
-            <a:lnRef idx="2">
-              <a:schemeClr val="accent1">
-                <a:shade val="50000"/>
-              </a:schemeClr>
-            </a:lnRef>
-            <a:fillRef idx="1">
-              <a:schemeClr val="accent1"/>
-            </a:fillRef>
-            <a:effectRef idx="0">
-              <a:schemeClr val="accent1"/>
-            </a:effectRef>
-            <a:fontRef idx="minor">
-              <a:schemeClr val="lt1"/>
-            </a:fontRef>
-          </p:style>
-          <p:txBody>
-            <a:bodyPr rtlCol="0" anchor="ctr"/>
-            <a:lstStyle/>
-            <a:p>
-              <a:pPr algn="ctr"/>
-              <a:endParaRPr lang="en-US" sz="2000"/>
-            </a:p>
-          </p:txBody>
-        </p:sp>
-        <p:sp>
-          <p:nvSpPr>
-            <p:cNvPr id="14" name="Unvan 1"/>
-            <p:cNvSpPr txBox="1">
-              <a:spLocks/>
-            </p:cNvSpPr>
-            <p:nvPr/>
-          </p:nvSpPr>
-          <p:spPr>
-            <a:xfrm>
-              <a:off x="302252" y="6024023"/>
-              <a:ext cx="4921678" cy="600892"/>
-            </a:xfrm>
-            <a:prstGeom prst="rect">
-              <a:avLst/>
-            </a:prstGeom>
-          </p:spPr>
-          <p:txBody>
-            <a:bodyPr vert="horz" lIns="91440" tIns="45720" rIns="91440" bIns="45720" rtlCol="0" anchor="b">
-              <a:noAutofit/>
-            </a:bodyPr>
-            <a:lstStyle>
-              <a:lvl1pPr algn="ctr" defTabSz="914400" rtl="0" eaLnBrk="1" latinLnBrk="0" hangingPunct="1">
-                <a:lnSpc>
-                  <a:spcPct val="90000"/>
-                </a:lnSpc>
-                <a:spcBef>
-                  <a:spcPct val="0"/>
-                </a:spcBef>
-                <a:buNone/>
-                <a:defRPr sz="6000" kern="1200">
-                  <a:solidFill>
-                    <a:schemeClr val="tx1"/>
-                  </a:solidFill>
-                  <a:latin typeface="+mj-lt"/>
-                  <a:ea typeface="+mj-ea"/>
-                  <a:cs typeface="+mj-cs"/>
-                </a:defRPr>
-              </a:lvl1pPr>
-            </a:lstStyle>
-            <a:p>
-              <a:pPr algn="l"/>
-              <a:r>
-                <a:rPr lang="tr-TR" sz="2000" dirty="0">
-                  <a:solidFill>
-                    <a:srgbClr val="CB171F"/>
-                  </a:solidFill>
-                  <a:latin typeface="Constantia" panose="02030602050306030303" pitchFamily="18" charset="0"/>
-                  <a:ea typeface="Verdana" panose="020B0604030504040204" pitchFamily="34" charset="0"/>
-                  <a:cs typeface="Arial" panose="020B0604020202020204" pitchFamily="34" charset="0"/>
-                </a:rPr>
-                <a:t>A’dan Z’ye Büyük Veri</a:t>
-              </a:r>
-              <a:endParaRPr lang="en-US" sz="2000" dirty="0">
-                <a:solidFill>
-                  <a:srgbClr val="CB171F"/>
-                </a:solidFill>
-                <a:latin typeface="Constantia" panose="02030602050306030303" pitchFamily="18" charset="0"/>
-                <a:ea typeface="Verdana" panose="020B0604030504040204" pitchFamily="34" charset="0"/>
-                <a:cs typeface="Arial" panose="020B0604020202020204" pitchFamily="34" charset="0"/>
-              </a:endParaRPr>
-            </a:p>
-          </p:txBody>
-        </p:sp>
-      </p:grpSp>
       <p:pic>
         <p:nvPicPr>
           <p:cNvPr id="2" name="Resim 1"/>
@@ -3756,7 +3752,7 @@
           <p:nvPr/>
         </p:nvPicPr>
         <p:blipFill>
-          <a:blip r:embed="rId3">
+          <a:blip r:embed="rId2">
             <a:extLst>
               <a:ext uri="{28A0092B-C50C-407E-A947-70E740481C1C}">
                 <a14:useLocalDpi xmlns:a14="http://schemas.microsoft.com/office/drawing/2010/main" val="0"/>
@@ -3787,13 +3783,6 @@
   <p:clrMapOvr>
     <a:masterClrMapping/>
   </p:clrMapOvr>
-  <p:timing>
-    <p:tnLst>
-      <p:par>
-        <p:cTn id="1" dur="indefinite" restart="never" nodeType="tmRoot"/>
-      </p:par>
-    </p:tnLst>
-  </p:timing>
 </p:sld>
 </file>
 
@@ -3851,369 +3840,6 @@
           </a:fontRef>
         </p:style>
       </p:cxnSp>
-      <p:grpSp>
-        <p:nvGrpSpPr>
-          <p:cNvPr id="15" name="Grup 14"/>
-          <p:cNvGrpSpPr/>
-          <p:nvPr/>
-        </p:nvGrpSpPr>
-        <p:grpSpPr>
-          <a:xfrm>
-            <a:off x="228596" y="6231467"/>
-            <a:ext cx="3041654" cy="492576"/>
-            <a:chOff x="228596" y="6231467"/>
-            <a:chExt cx="3041654" cy="492576"/>
-          </a:xfrm>
-        </p:grpSpPr>
-        <p:grpSp>
-          <p:nvGrpSpPr>
-            <p:cNvPr id="8" name="Grup 7"/>
-            <p:cNvGrpSpPr/>
-            <p:nvPr/>
-          </p:nvGrpSpPr>
-          <p:grpSpPr>
-            <a:xfrm>
-              <a:off x="228596" y="6231467"/>
-              <a:ext cx="2802471" cy="457084"/>
-              <a:chOff x="127000" y="5901146"/>
-              <a:chExt cx="5156200" cy="838200"/>
-            </a:xfrm>
-          </p:grpSpPr>
-          <p:sp>
-            <p:nvSpPr>
-              <p:cNvPr id="7" name="Dikdörtgen 6"/>
-              <p:cNvSpPr/>
-              <p:nvPr/>
-            </p:nvSpPr>
-            <p:spPr>
-              <a:xfrm>
-                <a:off x="127000" y="5901146"/>
-                <a:ext cx="5156200" cy="838200"/>
-              </a:xfrm>
-              <a:prstGeom prst="rect">
-                <a:avLst/>
-              </a:prstGeom>
-              <a:solidFill>
-                <a:schemeClr val="bg1">
-                  <a:lumMod val="95000"/>
-                </a:schemeClr>
-              </a:solidFill>
-              <a:ln>
-                <a:noFill/>
-              </a:ln>
-            </p:spPr>
-            <p:style>
-              <a:lnRef idx="2">
-                <a:schemeClr val="accent1">
-                  <a:shade val="50000"/>
-                </a:schemeClr>
-              </a:lnRef>
-              <a:fillRef idx="1">
-                <a:schemeClr val="accent1"/>
-              </a:fillRef>
-              <a:effectRef idx="0">
-                <a:schemeClr val="accent1"/>
-              </a:effectRef>
-              <a:fontRef idx="minor">
-                <a:schemeClr val="lt1"/>
-              </a:fontRef>
-            </p:style>
-            <p:txBody>
-              <a:bodyPr rtlCol="0" anchor="ctr"/>
-              <a:lstStyle/>
-              <a:p>
-                <a:pPr algn="ctr"/>
-                <a:endParaRPr lang="en-US" sz="2000"/>
-              </a:p>
-            </p:txBody>
-          </p:sp>
-          <p:grpSp>
-            <p:nvGrpSpPr>
-              <p:cNvPr id="6" name="Grup 5"/>
-              <p:cNvGrpSpPr/>
-              <p:nvPr/>
-            </p:nvGrpSpPr>
-            <p:grpSpPr>
-              <a:xfrm>
-                <a:off x="211667" y="6019800"/>
-                <a:ext cx="5012266" cy="605115"/>
-                <a:chOff x="211667" y="6019800"/>
-                <a:chExt cx="5012266" cy="605115"/>
-              </a:xfrm>
-            </p:grpSpPr>
-            <p:pic>
-              <p:nvPicPr>
-                <p:cNvPr id="4" name="Resim 3"/>
-                <p:cNvPicPr>
-                  <a:picLocks noChangeAspect="1"/>
-                </p:cNvPicPr>
-                <p:nvPr/>
-              </p:nvPicPr>
-              <p:blipFill rotWithShape="1">
-                <a:blip r:embed="rId2" cstate="print">
-                  <a:extLst>
-                    <a:ext uri="{28A0092B-C50C-407E-A947-70E740481C1C}">
-                      <a14:useLocalDpi xmlns:a14="http://schemas.microsoft.com/office/drawing/2010/main" val="0"/>
-                    </a:ext>
-                  </a:extLst>
-                </a:blip>
-                <a:srcRect l="24387" t="8319" r="18355" b="50150"/>
-                <a:stretch/>
-              </p:blipFill>
-              <p:spPr>
-                <a:xfrm>
-                  <a:off x="211667" y="6019800"/>
-                  <a:ext cx="1072095" cy="600892"/>
-                </a:xfrm>
-                <a:prstGeom prst="rect">
-                  <a:avLst/>
-                </a:prstGeom>
-              </p:spPr>
-            </p:pic>
-            <p:sp>
-              <p:nvSpPr>
-                <p:cNvPr id="5" name="Unvan 1"/>
-                <p:cNvSpPr txBox="1">
-                  <a:spLocks/>
-                </p:cNvSpPr>
-                <p:nvPr/>
-              </p:nvSpPr>
-              <p:spPr>
-                <a:xfrm>
-                  <a:off x="1283763" y="6024023"/>
-                  <a:ext cx="3940170" cy="600892"/>
-                </a:xfrm>
-                <a:prstGeom prst="rect">
-                  <a:avLst/>
-                </a:prstGeom>
-              </p:spPr>
-              <p:txBody>
-                <a:bodyPr vert="horz" lIns="91440" tIns="45720" rIns="91440" bIns="45720" rtlCol="0" anchor="b">
-                  <a:noAutofit/>
-                </a:bodyPr>
-                <a:lstStyle>
-                  <a:lvl1pPr algn="ctr" defTabSz="914400" rtl="0" eaLnBrk="1" latinLnBrk="0" hangingPunct="1">
-                    <a:lnSpc>
-                      <a:spcPct val="90000"/>
-                    </a:lnSpc>
-                    <a:spcBef>
-                      <a:spcPct val="0"/>
-                    </a:spcBef>
-                    <a:buNone/>
-                    <a:defRPr sz="6000" kern="1200">
-                      <a:solidFill>
-                        <a:schemeClr val="tx1"/>
-                      </a:solidFill>
-                      <a:latin typeface="+mj-lt"/>
-                      <a:ea typeface="+mj-ea"/>
-                      <a:cs typeface="+mj-cs"/>
-                    </a:defRPr>
-                  </a:lvl1pPr>
-                </a:lstStyle>
-                <a:p>
-                  <a:pPr algn="l"/>
-                  <a:r>
-                    <a:rPr lang="tr-TR" sz="2000" dirty="0" smtClean="0">
-                      <a:solidFill>
-                        <a:srgbClr val="CB171F"/>
-                      </a:solidFill>
-                      <a:latin typeface="Constantia" panose="02030602050306030303" pitchFamily="18" charset="0"/>
-                      <a:ea typeface="Verdana" panose="020B0604030504040204" pitchFamily="34" charset="0"/>
-                      <a:cs typeface="Arial" panose="020B0604020202020204" pitchFamily="34" charset="0"/>
-                    </a:rPr>
-                    <a:t>Veri Bilimi Okulu</a:t>
-                  </a:r>
-                  <a:endParaRPr lang="en-US" sz="2000" dirty="0">
-                    <a:solidFill>
-                      <a:srgbClr val="CB171F"/>
-                    </a:solidFill>
-                    <a:latin typeface="Constantia" panose="02030602050306030303" pitchFamily="18" charset="0"/>
-                    <a:ea typeface="Verdana" panose="020B0604030504040204" pitchFamily="34" charset="0"/>
-                    <a:cs typeface="Arial" panose="020B0604020202020204" pitchFamily="34" charset="0"/>
-                  </a:endParaRPr>
-                </a:p>
-              </p:txBody>
-            </p:sp>
-          </p:grpSp>
-        </p:grpSp>
-        <p:sp>
-          <p:nvSpPr>
-            <p:cNvPr id="12" name="Metin kutusu 11"/>
-            <p:cNvSpPr txBox="1"/>
-            <p:nvPr/>
-          </p:nvSpPr>
-          <p:spPr>
-            <a:xfrm>
-              <a:off x="1582782" y="6493211"/>
-              <a:ext cx="1687468" cy="230832"/>
-            </a:xfrm>
-            <a:prstGeom prst="rect">
-              <a:avLst/>
-            </a:prstGeom>
-            <a:noFill/>
-          </p:spPr>
-          <p:txBody>
-            <a:bodyPr wrap="square" rtlCol="0">
-              <a:spAutoFit/>
-            </a:bodyPr>
-            <a:lstStyle/>
-            <a:p>
-              <a:r>
-                <a:rPr lang="en-US" sz="900" dirty="0" smtClean="0">
-                  <a:solidFill>
-                    <a:srgbClr val="0B8043"/>
-                  </a:solidFill>
-                </a:rPr>
-                <a:t>https:</a:t>
-              </a:r>
-              <a:r>
-                <a:rPr lang="en-US" sz="900" dirty="0" smtClean="0">
-                  <a:solidFill>
-                    <a:schemeClr val="bg1">
-                      <a:lumMod val="50000"/>
-                    </a:schemeClr>
-                  </a:solidFill>
-                </a:rPr>
-                <a:t>//www.veribilimi.co</a:t>
-              </a:r>
-              <a:endParaRPr lang="en-US" sz="900" dirty="0">
-                <a:solidFill>
-                  <a:schemeClr val="bg1">
-                    <a:lumMod val="50000"/>
-                  </a:schemeClr>
-                </a:solidFill>
-              </a:endParaRPr>
-            </a:p>
-          </p:txBody>
-        </p:sp>
-      </p:grpSp>
-      <p:grpSp>
-        <p:nvGrpSpPr>
-          <p:cNvPr id="11" name="Grup 10"/>
-          <p:cNvGrpSpPr/>
-          <p:nvPr/>
-        </p:nvGrpSpPr>
-        <p:grpSpPr>
-          <a:xfrm>
-            <a:off x="9194796" y="6231467"/>
-            <a:ext cx="2802471" cy="457084"/>
-            <a:chOff x="184993" y="5905369"/>
-            <a:chExt cx="5156200" cy="838200"/>
-          </a:xfrm>
-        </p:grpSpPr>
-        <p:sp>
-          <p:nvSpPr>
-            <p:cNvPr id="13" name="Dikdörtgen 12"/>
-            <p:cNvSpPr/>
-            <p:nvPr/>
-          </p:nvSpPr>
-          <p:spPr>
-            <a:xfrm>
-              <a:off x="184993" y="5905369"/>
-              <a:ext cx="5156200" cy="838200"/>
-            </a:xfrm>
-            <a:prstGeom prst="rect">
-              <a:avLst/>
-            </a:prstGeom>
-            <a:solidFill>
-              <a:schemeClr val="bg1">
-                <a:lumMod val="95000"/>
-              </a:schemeClr>
-            </a:solidFill>
-            <a:ln>
-              <a:noFill/>
-            </a:ln>
-          </p:spPr>
-          <p:style>
-            <a:lnRef idx="2">
-              <a:schemeClr val="accent1">
-                <a:shade val="50000"/>
-              </a:schemeClr>
-            </a:lnRef>
-            <a:fillRef idx="1">
-              <a:schemeClr val="accent1"/>
-            </a:fillRef>
-            <a:effectRef idx="0">
-              <a:schemeClr val="accent1"/>
-            </a:effectRef>
-            <a:fontRef idx="minor">
-              <a:schemeClr val="lt1"/>
-            </a:fontRef>
-          </p:style>
-          <p:txBody>
-            <a:bodyPr rtlCol="0" anchor="ctr"/>
-            <a:lstStyle/>
-            <a:p>
-              <a:pPr algn="ctr"/>
-              <a:endParaRPr lang="en-US" sz="2000"/>
-            </a:p>
-          </p:txBody>
-        </p:sp>
-        <p:sp>
-          <p:nvSpPr>
-            <p:cNvPr id="14" name="Unvan 1"/>
-            <p:cNvSpPr txBox="1">
-              <a:spLocks/>
-            </p:cNvSpPr>
-            <p:nvPr/>
-          </p:nvSpPr>
-          <p:spPr>
-            <a:xfrm>
-              <a:off x="302252" y="6024023"/>
-              <a:ext cx="4921678" cy="600892"/>
-            </a:xfrm>
-            <a:prstGeom prst="rect">
-              <a:avLst/>
-            </a:prstGeom>
-          </p:spPr>
-          <p:txBody>
-            <a:bodyPr vert="horz" lIns="91440" tIns="45720" rIns="91440" bIns="45720" rtlCol="0" anchor="b">
-              <a:noAutofit/>
-            </a:bodyPr>
-            <a:lstStyle>
-              <a:lvl1pPr algn="ctr" defTabSz="914400" rtl="0" eaLnBrk="1" latinLnBrk="0" hangingPunct="1">
-                <a:lnSpc>
-                  <a:spcPct val="90000"/>
-                </a:lnSpc>
-                <a:spcBef>
-                  <a:spcPct val="0"/>
-                </a:spcBef>
-                <a:buNone/>
-                <a:defRPr sz="6000" kern="1200">
-                  <a:solidFill>
-                    <a:schemeClr val="tx1"/>
-                  </a:solidFill>
-                  <a:latin typeface="+mj-lt"/>
-                  <a:ea typeface="+mj-ea"/>
-                  <a:cs typeface="+mj-cs"/>
-                </a:defRPr>
-              </a:lvl1pPr>
-            </a:lstStyle>
-            <a:p>
-              <a:pPr algn="l"/>
-              <a:r>
-                <a:rPr lang="tr-TR" sz="2000" dirty="0">
-                  <a:solidFill>
-                    <a:srgbClr val="CB171F"/>
-                  </a:solidFill>
-                  <a:latin typeface="Constantia" panose="02030602050306030303" pitchFamily="18" charset="0"/>
-                  <a:ea typeface="Verdana" panose="020B0604030504040204" pitchFamily="34" charset="0"/>
-                  <a:cs typeface="Arial" panose="020B0604020202020204" pitchFamily="34" charset="0"/>
-                </a:rPr>
-                <a:t>A’dan Z’ye Büyük Veri</a:t>
-              </a:r>
-              <a:endParaRPr lang="en-US" sz="2000" dirty="0">
-                <a:solidFill>
-                  <a:srgbClr val="CB171F"/>
-                </a:solidFill>
-                <a:latin typeface="Constantia" panose="02030602050306030303" pitchFamily="18" charset="0"/>
-                <a:ea typeface="Verdana" panose="020B0604030504040204" pitchFamily="34" charset="0"/>
-                <a:cs typeface="Arial" panose="020B0604020202020204" pitchFamily="34" charset="0"/>
-              </a:endParaRPr>
-            </a:p>
-          </p:txBody>
-        </p:sp>
-      </p:grpSp>
       <p:sp>
         <p:nvSpPr>
           <p:cNvPr id="16" name="Unvan 1"/>
@@ -4237,7 +3863,7 @@
           <a:lstStyle/>
           <a:p>
             <a:r>
-              <a:rPr lang="tr-TR" sz="4200" b="1" dirty="0" err="1" smtClean="0">
+              <a:rPr lang="tr-TR" sz="4200" b="1" dirty="0" err="1">
                 <a:solidFill>
                   <a:srgbClr val="CD1F26"/>
                 </a:solidFill>
@@ -4248,7 +3874,7 @@
               <a:t>Spark</a:t>
             </a:r>
             <a:r>
-              <a:rPr lang="tr-TR" sz="4200" b="1" dirty="0" smtClean="0">
+              <a:rPr lang="tr-TR" sz="4200" b="1" dirty="0">
                 <a:solidFill>
                   <a:srgbClr val="CD1F26"/>
                 </a:solidFill>
@@ -4304,19 +3930,10 @@
                 </a:solidFill>
                 <a:latin typeface="Roboto"/>
               </a:rPr>
-              <a:t>s</a:t>
-            </a:r>
-            <a:r>
-              <a:rPr lang="tr-TR" sz="3600" dirty="0" err="1" smtClean="0">
-                <a:solidFill>
-                  <a:srgbClr val="404041"/>
-                </a:solidFill>
-                <a:latin typeface="Roboto"/>
-              </a:rPr>
-              <a:t>park</a:t>
-            </a:r>
-            <a:r>
-              <a:rPr lang="tr-TR" sz="3600" dirty="0" smtClean="0">
+              <a:t>spark</a:t>
+            </a:r>
+            <a:r>
+              <a:rPr lang="tr-TR" sz="3600" dirty="0">
                 <a:solidFill>
                   <a:srgbClr val="404041"/>
                 </a:solidFill>
@@ -4325,7 +3942,7 @@
               <a:t> </a:t>
             </a:r>
             <a:r>
-              <a:rPr lang="tr-TR" sz="3600" dirty="0" err="1" smtClean="0">
+              <a:rPr lang="tr-TR" sz="3600" dirty="0" err="1">
                 <a:solidFill>
                   <a:srgbClr val="404041"/>
                 </a:solidFill>
@@ -4333,7 +3950,7 @@
               </a:rPr>
               <a:t>submit</a:t>
             </a:r>
-            <a:endParaRPr lang="tr-TR" sz="3600" dirty="0" smtClean="0">
+            <a:endParaRPr lang="tr-TR" sz="3600" dirty="0">
               <a:solidFill>
                 <a:srgbClr val="404041"/>
               </a:solidFill>
@@ -4347,7 +3964,7 @@
               </a:lnSpc>
             </a:pPr>
             <a:r>
-              <a:rPr lang="tr-TR" sz="2800" dirty="0" err="1" smtClean="0">
+              <a:rPr lang="tr-TR" sz="2800" dirty="0" err="1">
                 <a:solidFill>
                   <a:srgbClr val="404041"/>
                 </a:solidFill>
@@ -4356,7 +3973,7 @@
               <a:t>Spark</a:t>
             </a:r>
             <a:r>
-              <a:rPr lang="tr-TR" sz="2800" dirty="0" smtClean="0">
+              <a:rPr lang="tr-TR" sz="2800" dirty="0">
                 <a:solidFill>
                   <a:srgbClr val="404041"/>
                 </a:solidFill>
@@ -4365,7 +3982,7 @@
               <a:t> </a:t>
             </a:r>
             <a:r>
-              <a:rPr lang="tr-TR" sz="2800" dirty="0" err="1" smtClean="0">
+              <a:rPr lang="tr-TR" sz="2800" dirty="0" err="1">
                 <a:solidFill>
                   <a:srgbClr val="404041"/>
                 </a:solidFill>
@@ -4374,7 +3991,7 @@
               <a:t>Session</a:t>
             </a:r>
             <a:r>
-              <a:rPr lang="tr-TR" sz="2800" dirty="0" smtClean="0">
+              <a:rPr lang="tr-TR" sz="2800" dirty="0">
                 <a:solidFill>
                   <a:srgbClr val="404041"/>
                 </a:solidFill>
@@ -4408,18 +4025,18 @@
               <a:t> </a:t>
             </a:r>
             <a:r>
-              <a:rPr lang="tr-TR" sz="2400" i="1" dirty="0" err="1" smtClean="0">
+              <a:rPr lang="tr-TR" sz="2400" i="1" dirty="0" err="1">
                 <a:latin typeface="Consolas" panose="020B0609020204030204" pitchFamily="49" charset="0"/>
               </a:rPr>
               <a:t>benimUygulamam</a:t>
             </a:r>
             <a:r>
-              <a:rPr lang="en-US" sz="2400" dirty="0" smtClean="0">
+              <a:rPr lang="en-US" sz="2400" dirty="0">
                 <a:latin typeface="Consolas" panose="020B0609020204030204" pitchFamily="49" charset="0"/>
               </a:rPr>
               <a:t>.jar</a:t>
             </a:r>
-            <a:endParaRPr lang="tr-TR" sz="2800" dirty="0" smtClean="0">
+            <a:endParaRPr lang="tr-TR" sz="2800" dirty="0">
               <a:solidFill>
                 <a:srgbClr val="404041"/>
               </a:solidFill>
@@ -4435,24 +4052,15 @@
               <a:buChar char="ü"/>
             </a:pPr>
             <a:r>
-              <a:rPr lang="tr-TR" sz="3600" dirty="0" err="1" smtClean="0">
-                <a:solidFill>
-                  <a:srgbClr val="404041"/>
-                </a:solidFill>
-                <a:latin typeface="Roboto"/>
-              </a:rPr>
-              <a:t>s</a:t>
-            </a:r>
-            <a:r>
-              <a:rPr lang="tr-TR" sz="3600" dirty="0" err="1" smtClean="0">
-                <a:solidFill>
-                  <a:srgbClr val="404041"/>
-                </a:solidFill>
-                <a:latin typeface="Roboto"/>
-              </a:rPr>
-              <a:t>park-shell</a:t>
-            </a:r>
-            <a:endParaRPr lang="tr-TR" sz="3600" dirty="0" smtClean="0">
+              <a:rPr lang="tr-TR" sz="3600" dirty="0" err="1">
+                <a:solidFill>
+                  <a:srgbClr val="404041"/>
+                </a:solidFill>
+                <a:latin typeface="Roboto"/>
+              </a:rPr>
+              <a:t>spark-shell</a:t>
+            </a:r>
+            <a:endParaRPr lang="tr-TR" sz="3600" dirty="0">
               <a:solidFill>
                 <a:srgbClr val="404041"/>
               </a:solidFill>
@@ -4484,7 +4092,7 @@
               <a:t> </a:t>
             </a:r>
             <a:r>
-              <a:rPr lang="tr-TR" sz="2800" dirty="0" err="1" smtClean="0">
+              <a:rPr lang="tr-TR" sz="2800" dirty="0" err="1">
                 <a:solidFill>
                   <a:srgbClr val="404041"/>
                 </a:solidFill>
@@ -4493,31 +4101,13 @@
               <a:t>shell</a:t>
             </a:r>
             <a:r>
-              <a:rPr lang="tr-TR" sz="2800" dirty="0" smtClean="0">
-                <a:solidFill>
-                  <a:srgbClr val="404041"/>
-                </a:solidFill>
-                <a:latin typeface="Roboto"/>
-              </a:rPr>
-              <a:t> </a:t>
-            </a:r>
-            <a:r>
               <a:rPr lang="tr-TR" sz="2800" dirty="0">
                 <a:solidFill>
                   <a:srgbClr val="404041"/>
                 </a:solidFill>
                 <a:latin typeface="Roboto"/>
               </a:rPr>
-              <a:t>uygulaması başlarken </a:t>
-            </a:r>
-            <a:r>
-              <a:rPr lang="tr-TR" sz="2800" dirty="0" smtClean="0">
-                <a:solidFill>
-                  <a:srgbClr val="404041"/>
-                </a:solidFill>
-                <a:latin typeface="Roboto"/>
-              </a:rPr>
-              <a:t>açılır</a:t>
+              <a:t> uygulaması başlarken açılır</a:t>
             </a:r>
           </a:p>
           <a:p>
@@ -4581,13 +4171,6 @@
   <p:clrMapOvr>
     <a:masterClrMapping/>
   </p:clrMapOvr>
-  <p:timing>
-    <p:tnLst>
-      <p:par>
-        <p:cTn id="1" dur="indefinite" restart="never" nodeType="tmRoot"/>
-      </p:par>
-    </p:tnLst>
-  </p:timing>
 </p:sld>
 </file>
 
@@ -4645,369 +4228,6 @@
           </a:fontRef>
         </p:style>
       </p:cxnSp>
-      <p:grpSp>
-        <p:nvGrpSpPr>
-          <p:cNvPr id="15" name="Grup 14"/>
-          <p:cNvGrpSpPr/>
-          <p:nvPr/>
-        </p:nvGrpSpPr>
-        <p:grpSpPr>
-          <a:xfrm>
-            <a:off x="228596" y="6231467"/>
-            <a:ext cx="3041654" cy="492576"/>
-            <a:chOff x="228596" y="6231467"/>
-            <a:chExt cx="3041654" cy="492576"/>
-          </a:xfrm>
-        </p:grpSpPr>
-        <p:grpSp>
-          <p:nvGrpSpPr>
-            <p:cNvPr id="8" name="Grup 7"/>
-            <p:cNvGrpSpPr/>
-            <p:nvPr/>
-          </p:nvGrpSpPr>
-          <p:grpSpPr>
-            <a:xfrm>
-              <a:off x="228596" y="6231467"/>
-              <a:ext cx="2802471" cy="457084"/>
-              <a:chOff x="127000" y="5901146"/>
-              <a:chExt cx="5156200" cy="838200"/>
-            </a:xfrm>
-          </p:grpSpPr>
-          <p:sp>
-            <p:nvSpPr>
-              <p:cNvPr id="7" name="Dikdörtgen 6"/>
-              <p:cNvSpPr/>
-              <p:nvPr/>
-            </p:nvSpPr>
-            <p:spPr>
-              <a:xfrm>
-                <a:off x="127000" y="5901146"/>
-                <a:ext cx="5156200" cy="838200"/>
-              </a:xfrm>
-              <a:prstGeom prst="rect">
-                <a:avLst/>
-              </a:prstGeom>
-              <a:solidFill>
-                <a:schemeClr val="bg1">
-                  <a:lumMod val="95000"/>
-                </a:schemeClr>
-              </a:solidFill>
-              <a:ln>
-                <a:noFill/>
-              </a:ln>
-            </p:spPr>
-            <p:style>
-              <a:lnRef idx="2">
-                <a:schemeClr val="accent1">
-                  <a:shade val="50000"/>
-                </a:schemeClr>
-              </a:lnRef>
-              <a:fillRef idx="1">
-                <a:schemeClr val="accent1"/>
-              </a:fillRef>
-              <a:effectRef idx="0">
-                <a:schemeClr val="accent1"/>
-              </a:effectRef>
-              <a:fontRef idx="minor">
-                <a:schemeClr val="lt1"/>
-              </a:fontRef>
-            </p:style>
-            <p:txBody>
-              <a:bodyPr rtlCol="0" anchor="ctr"/>
-              <a:lstStyle/>
-              <a:p>
-                <a:pPr algn="ctr"/>
-                <a:endParaRPr lang="en-US" sz="2000"/>
-              </a:p>
-            </p:txBody>
-          </p:sp>
-          <p:grpSp>
-            <p:nvGrpSpPr>
-              <p:cNvPr id="6" name="Grup 5"/>
-              <p:cNvGrpSpPr/>
-              <p:nvPr/>
-            </p:nvGrpSpPr>
-            <p:grpSpPr>
-              <a:xfrm>
-                <a:off x="211667" y="6019800"/>
-                <a:ext cx="5012266" cy="605115"/>
-                <a:chOff x="211667" y="6019800"/>
-                <a:chExt cx="5012266" cy="605115"/>
-              </a:xfrm>
-            </p:grpSpPr>
-            <p:pic>
-              <p:nvPicPr>
-                <p:cNvPr id="4" name="Resim 3"/>
-                <p:cNvPicPr>
-                  <a:picLocks noChangeAspect="1"/>
-                </p:cNvPicPr>
-                <p:nvPr/>
-              </p:nvPicPr>
-              <p:blipFill rotWithShape="1">
-                <a:blip r:embed="rId2" cstate="print">
-                  <a:extLst>
-                    <a:ext uri="{28A0092B-C50C-407E-A947-70E740481C1C}">
-                      <a14:useLocalDpi xmlns:a14="http://schemas.microsoft.com/office/drawing/2010/main" val="0"/>
-                    </a:ext>
-                  </a:extLst>
-                </a:blip>
-                <a:srcRect l="24387" t="8319" r="18355" b="50150"/>
-                <a:stretch/>
-              </p:blipFill>
-              <p:spPr>
-                <a:xfrm>
-                  <a:off x="211667" y="6019800"/>
-                  <a:ext cx="1072095" cy="600892"/>
-                </a:xfrm>
-                <a:prstGeom prst="rect">
-                  <a:avLst/>
-                </a:prstGeom>
-              </p:spPr>
-            </p:pic>
-            <p:sp>
-              <p:nvSpPr>
-                <p:cNvPr id="5" name="Unvan 1"/>
-                <p:cNvSpPr txBox="1">
-                  <a:spLocks/>
-                </p:cNvSpPr>
-                <p:nvPr/>
-              </p:nvSpPr>
-              <p:spPr>
-                <a:xfrm>
-                  <a:off x="1283763" y="6024023"/>
-                  <a:ext cx="3940170" cy="600892"/>
-                </a:xfrm>
-                <a:prstGeom prst="rect">
-                  <a:avLst/>
-                </a:prstGeom>
-              </p:spPr>
-              <p:txBody>
-                <a:bodyPr vert="horz" lIns="91440" tIns="45720" rIns="91440" bIns="45720" rtlCol="0" anchor="b">
-                  <a:noAutofit/>
-                </a:bodyPr>
-                <a:lstStyle>
-                  <a:lvl1pPr algn="ctr" defTabSz="914400" rtl="0" eaLnBrk="1" latinLnBrk="0" hangingPunct="1">
-                    <a:lnSpc>
-                      <a:spcPct val="90000"/>
-                    </a:lnSpc>
-                    <a:spcBef>
-                      <a:spcPct val="0"/>
-                    </a:spcBef>
-                    <a:buNone/>
-                    <a:defRPr sz="6000" kern="1200">
-                      <a:solidFill>
-                        <a:schemeClr val="tx1"/>
-                      </a:solidFill>
-                      <a:latin typeface="+mj-lt"/>
-                      <a:ea typeface="+mj-ea"/>
-                      <a:cs typeface="+mj-cs"/>
-                    </a:defRPr>
-                  </a:lvl1pPr>
-                </a:lstStyle>
-                <a:p>
-                  <a:pPr algn="l"/>
-                  <a:r>
-                    <a:rPr lang="tr-TR" sz="2000" dirty="0" smtClean="0">
-                      <a:solidFill>
-                        <a:srgbClr val="CB171F"/>
-                      </a:solidFill>
-                      <a:latin typeface="Constantia" panose="02030602050306030303" pitchFamily="18" charset="0"/>
-                      <a:ea typeface="Verdana" panose="020B0604030504040204" pitchFamily="34" charset="0"/>
-                      <a:cs typeface="Arial" panose="020B0604020202020204" pitchFamily="34" charset="0"/>
-                    </a:rPr>
-                    <a:t>Veri Bilimi Okulu</a:t>
-                  </a:r>
-                  <a:endParaRPr lang="en-US" sz="2000" dirty="0">
-                    <a:solidFill>
-                      <a:srgbClr val="CB171F"/>
-                    </a:solidFill>
-                    <a:latin typeface="Constantia" panose="02030602050306030303" pitchFamily="18" charset="0"/>
-                    <a:ea typeface="Verdana" panose="020B0604030504040204" pitchFamily="34" charset="0"/>
-                    <a:cs typeface="Arial" panose="020B0604020202020204" pitchFamily="34" charset="0"/>
-                  </a:endParaRPr>
-                </a:p>
-              </p:txBody>
-            </p:sp>
-          </p:grpSp>
-        </p:grpSp>
-        <p:sp>
-          <p:nvSpPr>
-            <p:cNvPr id="12" name="Metin kutusu 11"/>
-            <p:cNvSpPr txBox="1"/>
-            <p:nvPr/>
-          </p:nvSpPr>
-          <p:spPr>
-            <a:xfrm>
-              <a:off x="1582782" y="6493211"/>
-              <a:ext cx="1687468" cy="230832"/>
-            </a:xfrm>
-            <a:prstGeom prst="rect">
-              <a:avLst/>
-            </a:prstGeom>
-            <a:noFill/>
-          </p:spPr>
-          <p:txBody>
-            <a:bodyPr wrap="square" rtlCol="0">
-              <a:spAutoFit/>
-            </a:bodyPr>
-            <a:lstStyle/>
-            <a:p>
-              <a:r>
-                <a:rPr lang="en-US" sz="900" dirty="0" smtClean="0">
-                  <a:solidFill>
-                    <a:srgbClr val="0B8043"/>
-                  </a:solidFill>
-                </a:rPr>
-                <a:t>https:</a:t>
-              </a:r>
-              <a:r>
-                <a:rPr lang="en-US" sz="900" dirty="0" smtClean="0">
-                  <a:solidFill>
-                    <a:schemeClr val="bg1">
-                      <a:lumMod val="50000"/>
-                    </a:schemeClr>
-                  </a:solidFill>
-                </a:rPr>
-                <a:t>//www.veribilimi.co</a:t>
-              </a:r>
-              <a:endParaRPr lang="en-US" sz="900" dirty="0">
-                <a:solidFill>
-                  <a:schemeClr val="bg1">
-                    <a:lumMod val="50000"/>
-                  </a:schemeClr>
-                </a:solidFill>
-              </a:endParaRPr>
-            </a:p>
-          </p:txBody>
-        </p:sp>
-      </p:grpSp>
-      <p:grpSp>
-        <p:nvGrpSpPr>
-          <p:cNvPr id="11" name="Grup 10"/>
-          <p:cNvGrpSpPr/>
-          <p:nvPr/>
-        </p:nvGrpSpPr>
-        <p:grpSpPr>
-          <a:xfrm>
-            <a:off x="9194796" y="6231467"/>
-            <a:ext cx="2802471" cy="457084"/>
-            <a:chOff x="184993" y="5905369"/>
-            <a:chExt cx="5156200" cy="838200"/>
-          </a:xfrm>
-        </p:grpSpPr>
-        <p:sp>
-          <p:nvSpPr>
-            <p:cNvPr id="13" name="Dikdörtgen 12"/>
-            <p:cNvSpPr/>
-            <p:nvPr/>
-          </p:nvSpPr>
-          <p:spPr>
-            <a:xfrm>
-              <a:off x="184993" y="5905369"/>
-              <a:ext cx="5156200" cy="838200"/>
-            </a:xfrm>
-            <a:prstGeom prst="rect">
-              <a:avLst/>
-            </a:prstGeom>
-            <a:solidFill>
-              <a:schemeClr val="bg1">
-                <a:lumMod val="95000"/>
-              </a:schemeClr>
-            </a:solidFill>
-            <a:ln>
-              <a:noFill/>
-            </a:ln>
-          </p:spPr>
-          <p:style>
-            <a:lnRef idx="2">
-              <a:schemeClr val="accent1">
-                <a:shade val="50000"/>
-              </a:schemeClr>
-            </a:lnRef>
-            <a:fillRef idx="1">
-              <a:schemeClr val="accent1"/>
-            </a:fillRef>
-            <a:effectRef idx="0">
-              <a:schemeClr val="accent1"/>
-            </a:effectRef>
-            <a:fontRef idx="minor">
-              <a:schemeClr val="lt1"/>
-            </a:fontRef>
-          </p:style>
-          <p:txBody>
-            <a:bodyPr rtlCol="0" anchor="ctr"/>
-            <a:lstStyle/>
-            <a:p>
-              <a:pPr algn="ctr"/>
-              <a:endParaRPr lang="en-US" sz="2000"/>
-            </a:p>
-          </p:txBody>
-        </p:sp>
-        <p:sp>
-          <p:nvSpPr>
-            <p:cNvPr id="14" name="Unvan 1"/>
-            <p:cNvSpPr txBox="1">
-              <a:spLocks/>
-            </p:cNvSpPr>
-            <p:nvPr/>
-          </p:nvSpPr>
-          <p:spPr>
-            <a:xfrm>
-              <a:off x="302252" y="6024023"/>
-              <a:ext cx="4921678" cy="600892"/>
-            </a:xfrm>
-            <a:prstGeom prst="rect">
-              <a:avLst/>
-            </a:prstGeom>
-          </p:spPr>
-          <p:txBody>
-            <a:bodyPr vert="horz" lIns="91440" tIns="45720" rIns="91440" bIns="45720" rtlCol="0" anchor="b">
-              <a:noAutofit/>
-            </a:bodyPr>
-            <a:lstStyle>
-              <a:lvl1pPr algn="ctr" defTabSz="914400" rtl="0" eaLnBrk="1" latinLnBrk="0" hangingPunct="1">
-                <a:lnSpc>
-                  <a:spcPct val="90000"/>
-                </a:lnSpc>
-                <a:spcBef>
-                  <a:spcPct val="0"/>
-                </a:spcBef>
-                <a:buNone/>
-                <a:defRPr sz="6000" kern="1200">
-                  <a:solidFill>
-                    <a:schemeClr val="tx1"/>
-                  </a:solidFill>
-                  <a:latin typeface="+mj-lt"/>
-                  <a:ea typeface="+mj-ea"/>
-                  <a:cs typeface="+mj-cs"/>
-                </a:defRPr>
-              </a:lvl1pPr>
-            </a:lstStyle>
-            <a:p>
-              <a:pPr algn="l"/>
-              <a:r>
-                <a:rPr lang="tr-TR" sz="2000" dirty="0">
-                  <a:solidFill>
-                    <a:srgbClr val="CB171F"/>
-                  </a:solidFill>
-                  <a:latin typeface="Constantia" panose="02030602050306030303" pitchFamily="18" charset="0"/>
-                  <a:ea typeface="Verdana" panose="020B0604030504040204" pitchFamily="34" charset="0"/>
-                  <a:cs typeface="Arial" panose="020B0604020202020204" pitchFamily="34" charset="0"/>
-                </a:rPr>
-                <a:t>A’dan Z’ye Büyük Veri</a:t>
-              </a:r>
-              <a:endParaRPr lang="en-US" sz="2000" dirty="0">
-                <a:solidFill>
-                  <a:srgbClr val="CB171F"/>
-                </a:solidFill>
-                <a:latin typeface="Constantia" panose="02030602050306030303" pitchFamily="18" charset="0"/>
-                <a:ea typeface="Verdana" panose="020B0604030504040204" pitchFamily="34" charset="0"/>
-                <a:cs typeface="Arial" panose="020B0604020202020204" pitchFamily="34" charset="0"/>
-              </a:endParaRPr>
-            </a:p>
-          </p:txBody>
-        </p:sp>
-      </p:grpSp>
       <p:sp>
         <p:nvSpPr>
           <p:cNvPr id="16" name="Unvan 1"/>
@@ -5031,7 +4251,7 @@
           <a:lstStyle/>
           <a:p>
             <a:r>
-              <a:rPr lang="tr-TR" sz="4200" b="1" dirty="0" err="1" smtClean="0">
+              <a:rPr lang="tr-TR" sz="4200" b="1" dirty="0" err="1">
                 <a:solidFill>
                   <a:srgbClr val="CD1F26"/>
                 </a:solidFill>
@@ -5042,7 +4262,7 @@
               <a:t>Spark</a:t>
             </a:r>
             <a:r>
-              <a:rPr lang="tr-TR" sz="4200" b="1" dirty="0" smtClean="0">
+              <a:rPr lang="tr-TR" sz="4200" b="1" dirty="0">
                 <a:solidFill>
                   <a:srgbClr val="CD1F26"/>
                 </a:solidFill>
@@ -5092,7 +4312,7 @@
               <a:buChar char="ü"/>
             </a:pPr>
             <a:r>
-              <a:rPr lang="tr-TR" sz="2600" dirty="0" smtClean="0">
+              <a:rPr lang="tr-TR" sz="2600" dirty="0">
                 <a:solidFill>
                   <a:srgbClr val="404041"/>
                 </a:solidFill>
@@ -5101,7 +4321,7 @@
               <a:t>Driver program (main </a:t>
             </a:r>
             <a:r>
-              <a:rPr lang="tr-TR" sz="2600" dirty="0" err="1" smtClean="0">
+              <a:rPr lang="tr-TR" sz="2600" dirty="0" err="1">
                 <a:solidFill>
                   <a:srgbClr val="404041"/>
                 </a:solidFill>
@@ -5110,7 +4330,7 @@
               <a:t>function</a:t>
             </a:r>
             <a:r>
-              <a:rPr lang="tr-TR" sz="2600" dirty="0" smtClean="0">
+              <a:rPr lang="tr-TR" sz="2600" dirty="0">
                 <a:solidFill>
                   <a:srgbClr val="404041"/>
                 </a:solidFill>
@@ -5128,7 +4348,7 @@
               <a:buChar char="ü"/>
             </a:pPr>
             <a:r>
-              <a:rPr lang="tr-TR" sz="2600" dirty="0" err="1" smtClean="0">
+              <a:rPr lang="tr-TR" sz="2600" dirty="0" err="1">
                 <a:solidFill>
                   <a:srgbClr val="404041"/>
                 </a:solidFill>
@@ -5137,7 +4357,7 @@
               <a:t>Apllication</a:t>
             </a:r>
             <a:r>
-              <a:rPr lang="tr-TR" sz="2600" dirty="0" smtClean="0">
+              <a:rPr lang="tr-TR" sz="2600" dirty="0">
                 <a:solidFill>
                   <a:srgbClr val="404041"/>
                 </a:solidFill>
@@ -5146,7 +4366,7 @@
               <a:t>: Tek bir </a:t>
             </a:r>
             <a:r>
-              <a:rPr lang="tr-TR" sz="2600" dirty="0" err="1" smtClean="0">
+              <a:rPr lang="tr-TR" sz="2600" dirty="0" err="1">
                 <a:solidFill>
                   <a:srgbClr val="404041"/>
                 </a:solidFill>
@@ -5155,7 +4375,7 @@
               <a:t>driver</a:t>
             </a:r>
             <a:r>
-              <a:rPr lang="tr-TR" sz="2600" dirty="0" smtClean="0">
+              <a:rPr lang="tr-TR" sz="2600" dirty="0">
                 <a:solidFill>
                   <a:srgbClr val="404041"/>
                 </a:solidFill>
@@ -5173,7 +4393,7 @@
               <a:buChar char="ü"/>
             </a:pPr>
             <a:r>
-              <a:rPr lang="tr-TR" sz="2600" dirty="0" err="1" smtClean="0">
+              <a:rPr lang="tr-TR" sz="2600" dirty="0" err="1">
                 <a:solidFill>
                   <a:srgbClr val="404041"/>
                 </a:solidFill>
@@ -5182,7 +4402,7 @@
               <a:t>Job</a:t>
             </a:r>
             <a:r>
-              <a:rPr lang="tr-TR" sz="2600" dirty="0" smtClean="0">
+              <a:rPr lang="tr-TR" sz="2600" dirty="0">
                 <a:solidFill>
                   <a:srgbClr val="404041"/>
                 </a:solidFill>
@@ -5191,7 +4411,7 @@
               <a:t>: Bir dizi </a:t>
             </a:r>
             <a:r>
-              <a:rPr lang="tr-TR" sz="2600" dirty="0" err="1" smtClean="0">
+              <a:rPr lang="tr-TR" sz="2600" dirty="0" err="1">
                 <a:solidFill>
                   <a:srgbClr val="404041"/>
                 </a:solidFill>
@@ -5200,7 +4420,7 @@
               <a:t>task’dan</a:t>
             </a:r>
             <a:r>
-              <a:rPr lang="tr-TR" sz="2600" dirty="0" smtClean="0">
+              <a:rPr lang="tr-TR" sz="2600" dirty="0">
                 <a:solidFill>
                   <a:srgbClr val="404041"/>
                 </a:solidFill>
@@ -5218,7 +4438,7 @@
               <a:buChar char="ü"/>
             </a:pPr>
             <a:r>
-              <a:rPr lang="tr-TR" sz="2600" dirty="0" err="1" smtClean="0">
+              <a:rPr lang="tr-TR" sz="2600" dirty="0" err="1">
                 <a:solidFill>
                   <a:srgbClr val="404041"/>
                 </a:solidFill>
@@ -5227,7 +4447,7 @@
               <a:t>Stage</a:t>
             </a:r>
             <a:r>
-              <a:rPr lang="tr-TR" sz="2600" dirty="0" smtClean="0">
+              <a:rPr lang="tr-TR" sz="2600" dirty="0">
                 <a:solidFill>
                   <a:srgbClr val="404041"/>
                 </a:solidFill>
@@ -5236,7 +4456,7 @@
               <a:t>: Bir </a:t>
             </a:r>
             <a:r>
-              <a:rPr lang="tr-TR" sz="2600" dirty="0" err="1" smtClean="0">
+              <a:rPr lang="tr-TR" sz="2600" dirty="0" err="1">
                 <a:solidFill>
                   <a:srgbClr val="404041"/>
                 </a:solidFill>
@@ -5245,7 +4465,7 @@
               <a:t>job</a:t>
             </a:r>
             <a:r>
-              <a:rPr lang="tr-TR" sz="2600" dirty="0" smtClean="0">
+              <a:rPr lang="tr-TR" sz="2600" dirty="0">
                 <a:solidFill>
                   <a:srgbClr val="404041"/>
                 </a:solidFill>
@@ -5254,7 +4474,7 @@
               <a:t> içinde paralel işleyebilen </a:t>
             </a:r>
             <a:r>
-              <a:rPr lang="tr-TR" sz="2600" dirty="0" err="1" smtClean="0">
+              <a:rPr lang="tr-TR" sz="2600" dirty="0" err="1">
                 <a:solidFill>
                   <a:srgbClr val="404041"/>
                 </a:solidFill>
@@ -5263,7 +4483,7 @@
               <a:t>task’lar</a:t>
             </a:r>
             <a:r>
-              <a:rPr lang="tr-TR" sz="2600" dirty="0" smtClean="0">
+              <a:rPr lang="tr-TR" sz="2600" dirty="0">
                 <a:solidFill>
                   <a:srgbClr val="404041"/>
                 </a:solidFill>
@@ -5281,7 +4501,7 @@
               <a:buChar char="ü"/>
             </a:pPr>
             <a:r>
-              <a:rPr lang="tr-TR" sz="2600" dirty="0" err="1" smtClean="0">
+              <a:rPr lang="tr-TR" sz="2600" dirty="0" err="1">
                 <a:solidFill>
                   <a:srgbClr val="404041"/>
                 </a:solidFill>
@@ -5290,7 +4510,7 @@
               <a:t>Task</a:t>
             </a:r>
             <a:r>
-              <a:rPr lang="tr-TR" sz="2600" dirty="0" smtClean="0">
+              <a:rPr lang="tr-TR" sz="2600" dirty="0">
                 <a:solidFill>
                   <a:srgbClr val="404041"/>
                 </a:solidFill>
@@ -5299,25 +4519,16 @@
               <a:t>: Bir </a:t>
             </a:r>
             <a:r>
-              <a:rPr lang="tr-TR" sz="2600" dirty="0" err="1" smtClean="0">
-                <a:solidFill>
-                  <a:srgbClr val="404041"/>
-                </a:solidFill>
-                <a:latin typeface="Roboto"/>
-              </a:rPr>
-              <a:t>executor</a:t>
-            </a:r>
-            <a:r>
-              <a:rPr lang="tr-TR" sz="2600" dirty="0" err="1" smtClean="0">
-                <a:solidFill>
-                  <a:srgbClr val="404041"/>
-                </a:solidFill>
-                <a:latin typeface="Roboto"/>
-              </a:rPr>
-              <a:t>’a</a:t>
-            </a:r>
-            <a:r>
-              <a:rPr lang="tr-TR" sz="2600" dirty="0" smtClean="0">
+              <a:rPr lang="tr-TR" sz="2600" dirty="0" err="1">
+                <a:solidFill>
+                  <a:srgbClr val="404041"/>
+                </a:solidFill>
+                <a:latin typeface="Roboto"/>
+              </a:rPr>
+              <a:t>executor’a</a:t>
+            </a:r>
+            <a:r>
+              <a:rPr lang="tr-TR" sz="2600" dirty="0">
                 <a:solidFill>
                   <a:srgbClr val="404041"/>
                 </a:solidFill>
@@ -5325,12 +4536,6 @@
               </a:rPr>
               <a:t> atanan tek bir iş.</a:t>
             </a:r>
-            <a:endParaRPr lang="tr-TR" sz="2600" dirty="0" smtClean="0">
-              <a:solidFill>
-                <a:srgbClr val="404041"/>
-              </a:solidFill>
-              <a:latin typeface="Roboto"/>
-            </a:endParaRPr>
           </a:p>
         </p:txBody>
       </p:sp>
@@ -5344,13 +4549,6 @@
   <p:clrMapOvr>
     <a:masterClrMapping/>
   </p:clrMapOvr>
-  <p:timing>
-    <p:tnLst>
-      <p:par>
-        <p:cTn id="1" dur="indefinite" restart="never" nodeType="tmRoot"/>
-      </p:par>
-    </p:tnLst>
-  </p:timing>
 </p:sld>
 </file>
 
@@ -5408,369 +4606,6 @@
           </a:fontRef>
         </p:style>
       </p:cxnSp>
-      <p:grpSp>
-        <p:nvGrpSpPr>
-          <p:cNvPr id="15" name="Grup 14"/>
-          <p:cNvGrpSpPr/>
-          <p:nvPr/>
-        </p:nvGrpSpPr>
-        <p:grpSpPr>
-          <a:xfrm>
-            <a:off x="228596" y="6231467"/>
-            <a:ext cx="3041654" cy="492576"/>
-            <a:chOff x="228596" y="6231467"/>
-            <a:chExt cx="3041654" cy="492576"/>
-          </a:xfrm>
-        </p:grpSpPr>
-        <p:grpSp>
-          <p:nvGrpSpPr>
-            <p:cNvPr id="8" name="Grup 7"/>
-            <p:cNvGrpSpPr/>
-            <p:nvPr/>
-          </p:nvGrpSpPr>
-          <p:grpSpPr>
-            <a:xfrm>
-              <a:off x="228596" y="6231467"/>
-              <a:ext cx="2802471" cy="457084"/>
-              <a:chOff x="127000" y="5901146"/>
-              <a:chExt cx="5156200" cy="838200"/>
-            </a:xfrm>
-          </p:grpSpPr>
-          <p:sp>
-            <p:nvSpPr>
-              <p:cNvPr id="7" name="Dikdörtgen 6"/>
-              <p:cNvSpPr/>
-              <p:nvPr/>
-            </p:nvSpPr>
-            <p:spPr>
-              <a:xfrm>
-                <a:off x="127000" y="5901146"/>
-                <a:ext cx="5156200" cy="838200"/>
-              </a:xfrm>
-              <a:prstGeom prst="rect">
-                <a:avLst/>
-              </a:prstGeom>
-              <a:solidFill>
-                <a:schemeClr val="bg1">
-                  <a:lumMod val="95000"/>
-                </a:schemeClr>
-              </a:solidFill>
-              <a:ln>
-                <a:noFill/>
-              </a:ln>
-            </p:spPr>
-            <p:style>
-              <a:lnRef idx="2">
-                <a:schemeClr val="accent1">
-                  <a:shade val="50000"/>
-                </a:schemeClr>
-              </a:lnRef>
-              <a:fillRef idx="1">
-                <a:schemeClr val="accent1"/>
-              </a:fillRef>
-              <a:effectRef idx="0">
-                <a:schemeClr val="accent1"/>
-              </a:effectRef>
-              <a:fontRef idx="minor">
-                <a:schemeClr val="lt1"/>
-              </a:fontRef>
-            </p:style>
-            <p:txBody>
-              <a:bodyPr rtlCol="0" anchor="ctr"/>
-              <a:lstStyle/>
-              <a:p>
-                <a:pPr algn="ctr"/>
-                <a:endParaRPr lang="en-US" sz="2000"/>
-              </a:p>
-            </p:txBody>
-          </p:sp>
-          <p:grpSp>
-            <p:nvGrpSpPr>
-              <p:cNvPr id="6" name="Grup 5"/>
-              <p:cNvGrpSpPr/>
-              <p:nvPr/>
-            </p:nvGrpSpPr>
-            <p:grpSpPr>
-              <a:xfrm>
-                <a:off x="211667" y="6019800"/>
-                <a:ext cx="5012266" cy="605115"/>
-                <a:chOff x="211667" y="6019800"/>
-                <a:chExt cx="5012266" cy="605115"/>
-              </a:xfrm>
-            </p:grpSpPr>
-            <p:pic>
-              <p:nvPicPr>
-                <p:cNvPr id="4" name="Resim 3"/>
-                <p:cNvPicPr>
-                  <a:picLocks noChangeAspect="1"/>
-                </p:cNvPicPr>
-                <p:nvPr/>
-              </p:nvPicPr>
-              <p:blipFill rotWithShape="1">
-                <a:blip r:embed="rId2" cstate="print">
-                  <a:extLst>
-                    <a:ext uri="{28A0092B-C50C-407E-A947-70E740481C1C}">
-                      <a14:useLocalDpi xmlns:a14="http://schemas.microsoft.com/office/drawing/2010/main" val="0"/>
-                    </a:ext>
-                  </a:extLst>
-                </a:blip>
-                <a:srcRect l="24387" t="8319" r="18355" b="50150"/>
-                <a:stretch/>
-              </p:blipFill>
-              <p:spPr>
-                <a:xfrm>
-                  <a:off x="211667" y="6019800"/>
-                  <a:ext cx="1072095" cy="600892"/>
-                </a:xfrm>
-                <a:prstGeom prst="rect">
-                  <a:avLst/>
-                </a:prstGeom>
-              </p:spPr>
-            </p:pic>
-            <p:sp>
-              <p:nvSpPr>
-                <p:cNvPr id="5" name="Unvan 1"/>
-                <p:cNvSpPr txBox="1">
-                  <a:spLocks/>
-                </p:cNvSpPr>
-                <p:nvPr/>
-              </p:nvSpPr>
-              <p:spPr>
-                <a:xfrm>
-                  <a:off x="1283763" y="6024023"/>
-                  <a:ext cx="3940170" cy="600892"/>
-                </a:xfrm>
-                <a:prstGeom prst="rect">
-                  <a:avLst/>
-                </a:prstGeom>
-              </p:spPr>
-              <p:txBody>
-                <a:bodyPr vert="horz" lIns="91440" tIns="45720" rIns="91440" bIns="45720" rtlCol="0" anchor="b">
-                  <a:noAutofit/>
-                </a:bodyPr>
-                <a:lstStyle>
-                  <a:lvl1pPr algn="ctr" defTabSz="914400" rtl="0" eaLnBrk="1" latinLnBrk="0" hangingPunct="1">
-                    <a:lnSpc>
-                      <a:spcPct val="90000"/>
-                    </a:lnSpc>
-                    <a:spcBef>
-                      <a:spcPct val="0"/>
-                    </a:spcBef>
-                    <a:buNone/>
-                    <a:defRPr sz="6000" kern="1200">
-                      <a:solidFill>
-                        <a:schemeClr val="tx1"/>
-                      </a:solidFill>
-                      <a:latin typeface="+mj-lt"/>
-                      <a:ea typeface="+mj-ea"/>
-                      <a:cs typeface="+mj-cs"/>
-                    </a:defRPr>
-                  </a:lvl1pPr>
-                </a:lstStyle>
-                <a:p>
-                  <a:pPr algn="l"/>
-                  <a:r>
-                    <a:rPr lang="tr-TR" sz="2000" dirty="0" smtClean="0">
-                      <a:solidFill>
-                        <a:srgbClr val="CB171F"/>
-                      </a:solidFill>
-                      <a:latin typeface="Constantia" panose="02030602050306030303" pitchFamily="18" charset="0"/>
-                      <a:ea typeface="Verdana" panose="020B0604030504040204" pitchFamily="34" charset="0"/>
-                      <a:cs typeface="Arial" panose="020B0604020202020204" pitchFamily="34" charset="0"/>
-                    </a:rPr>
-                    <a:t>Veri Bilimi Okulu</a:t>
-                  </a:r>
-                  <a:endParaRPr lang="en-US" sz="2000" dirty="0">
-                    <a:solidFill>
-                      <a:srgbClr val="CB171F"/>
-                    </a:solidFill>
-                    <a:latin typeface="Constantia" panose="02030602050306030303" pitchFamily="18" charset="0"/>
-                    <a:ea typeface="Verdana" panose="020B0604030504040204" pitchFamily="34" charset="0"/>
-                    <a:cs typeface="Arial" panose="020B0604020202020204" pitchFamily="34" charset="0"/>
-                  </a:endParaRPr>
-                </a:p>
-              </p:txBody>
-            </p:sp>
-          </p:grpSp>
-        </p:grpSp>
-        <p:sp>
-          <p:nvSpPr>
-            <p:cNvPr id="12" name="Metin kutusu 11"/>
-            <p:cNvSpPr txBox="1"/>
-            <p:nvPr/>
-          </p:nvSpPr>
-          <p:spPr>
-            <a:xfrm>
-              <a:off x="1582782" y="6493211"/>
-              <a:ext cx="1687468" cy="230832"/>
-            </a:xfrm>
-            <a:prstGeom prst="rect">
-              <a:avLst/>
-            </a:prstGeom>
-            <a:noFill/>
-          </p:spPr>
-          <p:txBody>
-            <a:bodyPr wrap="square" rtlCol="0">
-              <a:spAutoFit/>
-            </a:bodyPr>
-            <a:lstStyle/>
-            <a:p>
-              <a:r>
-                <a:rPr lang="en-US" sz="900" dirty="0" smtClean="0">
-                  <a:solidFill>
-                    <a:srgbClr val="0B8043"/>
-                  </a:solidFill>
-                </a:rPr>
-                <a:t>https:</a:t>
-              </a:r>
-              <a:r>
-                <a:rPr lang="en-US" sz="900" dirty="0" smtClean="0">
-                  <a:solidFill>
-                    <a:schemeClr val="bg1">
-                      <a:lumMod val="50000"/>
-                    </a:schemeClr>
-                  </a:solidFill>
-                </a:rPr>
-                <a:t>//www.veribilimi.co</a:t>
-              </a:r>
-              <a:endParaRPr lang="en-US" sz="900" dirty="0">
-                <a:solidFill>
-                  <a:schemeClr val="bg1">
-                    <a:lumMod val="50000"/>
-                  </a:schemeClr>
-                </a:solidFill>
-              </a:endParaRPr>
-            </a:p>
-          </p:txBody>
-        </p:sp>
-      </p:grpSp>
-      <p:grpSp>
-        <p:nvGrpSpPr>
-          <p:cNvPr id="11" name="Grup 10"/>
-          <p:cNvGrpSpPr/>
-          <p:nvPr/>
-        </p:nvGrpSpPr>
-        <p:grpSpPr>
-          <a:xfrm>
-            <a:off x="9194796" y="6231467"/>
-            <a:ext cx="2802471" cy="457084"/>
-            <a:chOff x="184993" y="5905369"/>
-            <a:chExt cx="5156200" cy="838200"/>
-          </a:xfrm>
-        </p:grpSpPr>
-        <p:sp>
-          <p:nvSpPr>
-            <p:cNvPr id="13" name="Dikdörtgen 12"/>
-            <p:cNvSpPr/>
-            <p:nvPr/>
-          </p:nvSpPr>
-          <p:spPr>
-            <a:xfrm>
-              <a:off x="184993" y="5905369"/>
-              <a:ext cx="5156200" cy="838200"/>
-            </a:xfrm>
-            <a:prstGeom prst="rect">
-              <a:avLst/>
-            </a:prstGeom>
-            <a:solidFill>
-              <a:schemeClr val="bg1">
-                <a:lumMod val="95000"/>
-              </a:schemeClr>
-            </a:solidFill>
-            <a:ln>
-              <a:noFill/>
-            </a:ln>
-          </p:spPr>
-          <p:style>
-            <a:lnRef idx="2">
-              <a:schemeClr val="accent1">
-                <a:shade val="50000"/>
-              </a:schemeClr>
-            </a:lnRef>
-            <a:fillRef idx="1">
-              <a:schemeClr val="accent1"/>
-            </a:fillRef>
-            <a:effectRef idx="0">
-              <a:schemeClr val="accent1"/>
-            </a:effectRef>
-            <a:fontRef idx="minor">
-              <a:schemeClr val="lt1"/>
-            </a:fontRef>
-          </p:style>
-          <p:txBody>
-            <a:bodyPr rtlCol="0" anchor="ctr"/>
-            <a:lstStyle/>
-            <a:p>
-              <a:pPr algn="ctr"/>
-              <a:endParaRPr lang="en-US" sz="2000"/>
-            </a:p>
-          </p:txBody>
-        </p:sp>
-        <p:sp>
-          <p:nvSpPr>
-            <p:cNvPr id="14" name="Unvan 1"/>
-            <p:cNvSpPr txBox="1">
-              <a:spLocks/>
-            </p:cNvSpPr>
-            <p:nvPr/>
-          </p:nvSpPr>
-          <p:spPr>
-            <a:xfrm>
-              <a:off x="302252" y="6024023"/>
-              <a:ext cx="4921678" cy="600892"/>
-            </a:xfrm>
-            <a:prstGeom prst="rect">
-              <a:avLst/>
-            </a:prstGeom>
-          </p:spPr>
-          <p:txBody>
-            <a:bodyPr vert="horz" lIns="91440" tIns="45720" rIns="91440" bIns="45720" rtlCol="0" anchor="b">
-              <a:noAutofit/>
-            </a:bodyPr>
-            <a:lstStyle>
-              <a:lvl1pPr algn="ctr" defTabSz="914400" rtl="0" eaLnBrk="1" latinLnBrk="0" hangingPunct="1">
-                <a:lnSpc>
-                  <a:spcPct val="90000"/>
-                </a:lnSpc>
-                <a:spcBef>
-                  <a:spcPct val="0"/>
-                </a:spcBef>
-                <a:buNone/>
-                <a:defRPr sz="6000" kern="1200">
-                  <a:solidFill>
-                    <a:schemeClr val="tx1"/>
-                  </a:solidFill>
-                  <a:latin typeface="+mj-lt"/>
-                  <a:ea typeface="+mj-ea"/>
-                  <a:cs typeface="+mj-cs"/>
-                </a:defRPr>
-              </a:lvl1pPr>
-            </a:lstStyle>
-            <a:p>
-              <a:pPr algn="l"/>
-              <a:r>
-                <a:rPr lang="tr-TR" sz="2000" dirty="0">
-                  <a:solidFill>
-                    <a:srgbClr val="CB171F"/>
-                  </a:solidFill>
-                  <a:latin typeface="Constantia" panose="02030602050306030303" pitchFamily="18" charset="0"/>
-                  <a:ea typeface="Verdana" panose="020B0604030504040204" pitchFamily="34" charset="0"/>
-                  <a:cs typeface="Arial" panose="020B0604020202020204" pitchFamily="34" charset="0"/>
-                </a:rPr>
-                <a:t>A’dan Z’ye Büyük Veri</a:t>
-              </a:r>
-              <a:endParaRPr lang="en-US" sz="2000" dirty="0">
-                <a:solidFill>
-                  <a:srgbClr val="CB171F"/>
-                </a:solidFill>
-                <a:latin typeface="Constantia" panose="02030602050306030303" pitchFamily="18" charset="0"/>
-                <a:ea typeface="Verdana" panose="020B0604030504040204" pitchFamily="34" charset="0"/>
-                <a:cs typeface="Arial" panose="020B0604020202020204" pitchFamily="34" charset="0"/>
-              </a:endParaRPr>
-            </a:p>
-          </p:txBody>
-        </p:sp>
-      </p:grpSp>
       <p:sp>
         <p:nvSpPr>
           <p:cNvPr id="16" name="Unvan 1"/>
@@ -5794,7 +4629,7 @@
           <a:lstStyle/>
           <a:p>
             <a:r>
-              <a:rPr lang="tr-TR" sz="4200" b="1" dirty="0" err="1" smtClean="0">
+              <a:rPr lang="tr-TR" sz="4200" b="1" dirty="0" err="1">
                 <a:solidFill>
                   <a:srgbClr val="CD1F26"/>
                 </a:solidFill>
@@ -5805,7 +4640,7 @@
               <a:t>Spark</a:t>
             </a:r>
             <a:r>
-              <a:rPr lang="tr-TR" sz="4200" b="1" dirty="0" smtClean="0">
+              <a:rPr lang="tr-TR" sz="4200" b="1" dirty="0">
                 <a:solidFill>
                   <a:srgbClr val="CD1F26"/>
                 </a:solidFill>
@@ -5855,7 +4690,7 @@
               <a:buChar char="ü"/>
             </a:pPr>
             <a:r>
-              <a:rPr lang="tr-TR" sz="2600" dirty="0" smtClean="0">
+              <a:rPr lang="tr-TR" sz="2600" dirty="0">
                 <a:solidFill>
                   <a:srgbClr val="404041"/>
                 </a:solidFill>
@@ -5873,7 +4708,7 @@
               <a:buChar char="ü"/>
             </a:pPr>
             <a:r>
-              <a:rPr lang="tr-TR" sz="2600" dirty="0" smtClean="0">
+              <a:rPr lang="tr-TR" sz="2600" dirty="0">
                 <a:solidFill>
                   <a:srgbClr val="404041"/>
                 </a:solidFill>
@@ -5881,12 +4716,6 @@
               </a:rPr>
               <a:t>Cluster Manager</a:t>
             </a:r>
-            <a:endParaRPr lang="tr-TR" sz="2600" dirty="0">
-              <a:solidFill>
-                <a:srgbClr val="404041"/>
-              </a:solidFill>
-              <a:latin typeface="Roboto"/>
-            </a:endParaRPr>
           </a:p>
           <a:p>
             <a:pPr marL="571500" indent="-571500">
@@ -5897,7 +4726,7 @@
               <a:buChar char="ü"/>
             </a:pPr>
             <a:r>
-              <a:rPr lang="tr-TR" sz="2600" dirty="0" err="1" smtClean="0">
+              <a:rPr lang="tr-TR" sz="2600" dirty="0" err="1">
                 <a:solidFill>
                   <a:srgbClr val="404041"/>
                 </a:solidFill>
@@ -5906,7 +4735,7 @@
               <a:t>Worker</a:t>
             </a:r>
             <a:r>
-              <a:rPr lang="tr-TR" sz="2600" dirty="0" smtClean="0">
+              <a:rPr lang="tr-TR" sz="2600" dirty="0">
                 <a:solidFill>
                   <a:srgbClr val="404041"/>
                 </a:solidFill>
@@ -5915,7 +4744,7 @@
               <a:t> sunucularda çalışan </a:t>
             </a:r>
             <a:r>
-              <a:rPr lang="tr-TR" sz="2600" dirty="0" err="1" smtClean="0">
+              <a:rPr lang="tr-TR" sz="2600" dirty="0" err="1">
                 <a:solidFill>
                   <a:srgbClr val="404041"/>
                 </a:solidFill>
@@ -5924,7 +4753,7 @@
               <a:t>worker</a:t>
             </a:r>
             <a:r>
-              <a:rPr lang="tr-TR" sz="2600" dirty="0" smtClean="0">
+              <a:rPr lang="tr-TR" sz="2600" dirty="0">
                 <a:solidFill>
                   <a:srgbClr val="404041"/>
                 </a:solidFill>
@@ -5933,7 +4762,7 @@
               <a:t> </a:t>
             </a:r>
             <a:r>
-              <a:rPr lang="tr-TR" sz="2600" dirty="0" err="1" smtClean="0">
+              <a:rPr lang="tr-TR" sz="2600" dirty="0" err="1">
                 <a:solidFill>
                   <a:srgbClr val="404041"/>
                 </a:solidFill>
@@ -5942,7 +4771,7 @@
               <a:t>process’ler</a:t>
             </a:r>
             <a:r>
-              <a:rPr lang="tr-TR" sz="2600" dirty="0" smtClean="0">
+              <a:rPr lang="tr-TR" sz="2600" dirty="0">
                 <a:solidFill>
                   <a:srgbClr val="404041"/>
                 </a:solidFill>
@@ -5960,7 +4789,7 @@
               <a:buChar char="ü"/>
             </a:pPr>
             <a:r>
-              <a:rPr lang="tr-TR" sz="1400" dirty="0" smtClean="0">
+              <a:rPr lang="tr-TR" sz="1400" dirty="0">
                 <a:solidFill>
                   <a:srgbClr val="404041"/>
                 </a:solidFill>
@@ -5969,34 +4798,16 @@
               <a:t>(</a:t>
             </a:r>
             <a:r>
-              <a:rPr lang="en-US" sz="1400" dirty="0" smtClean="0">
-                <a:solidFill>
-                  <a:srgbClr val="404041"/>
-                </a:solidFill>
-                <a:latin typeface="Roboto"/>
-              </a:rPr>
-              <a:t>CPU</a:t>
-            </a:r>
-            <a:r>
               <a:rPr lang="en-US" sz="1400" dirty="0">
                 <a:solidFill>
                   <a:srgbClr val="404041"/>
                 </a:solidFill>
                 <a:latin typeface="Roboto"/>
               </a:rPr>
-              <a:t>, memory and storage </a:t>
-            </a:r>
-            <a:r>
-              <a:rPr lang="en-US" sz="1400" dirty="0" smtClean="0">
-                <a:solidFill>
-                  <a:srgbClr val="404041"/>
-                </a:solidFill>
-                <a:latin typeface="Roboto"/>
-              </a:rPr>
-              <a:t>resources</a:t>
-            </a:r>
-            <a:r>
-              <a:rPr lang="tr-TR" sz="1400" dirty="0" smtClean="0">
+              <a:t>CPU, memory and storage resources</a:t>
+            </a:r>
+            <a:r>
+              <a:rPr lang="tr-TR" sz="1400" dirty="0">
                 <a:solidFill>
                   <a:srgbClr val="404041"/>
                 </a:solidFill>
@@ -6014,7 +4825,7 @@
               <a:buChar char="ü"/>
             </a:pPr>
             <a:r>
-              <a:rPr lang="tr-TR" sz="2600" dirty="0" err="1" smtClean="0">
+              <a:rPr lang="tr-TR" sz="2600" dirty="0" err="1">
                 <a:solidFill>
                   <a:srgbClr val="404041"/>
                 </a:solidFill>
@@ -6023,7 +4834,7 @@
               <a:t>Worker</a:t>
             </a:r>
             <a:r>
-              <a:rPr lang="tr-TR" sz="2600" dirty="0" smtClean="0">
+              <a:rPr lang="tr-TR" sz="2600" dirty="0">
                 <a:solidFill>
                   <a:srgbClr val="404041"/>
                 </a:solidFill>
@@ -6032,7 +4843,7 @@
               <a:t> sunucularda çalışan </a:t>
             </a:r>
             <a:r>
-              <a:rPr lang="tr-TR" sz="2600" dirty="0" err="1" smtClean="0">
+              <a:rPr lang="tr-TR" sz="2600" dirty="0" err="1">
                 <a:solidFill>
                   <a:srgbClr val="404041"/>
                 </a:solidFill>
@@ -6041,7 +4852,7 @@
               <a:t>executor’lar</a:t>
             </a:r>
             <a:r>
-              <a:rPr lang="tr-TR" sz="2600" dirty="0" smtClean="0">
+              <a:rPr lang="tr-TR" sz="2600" dirty="0">
                 <a:solidFill>
                   <a:srgbClr val="404041"/>
                 </a:solidFill>
@@ -6059,7 +4870,7 @@
               <a:buChar char="ü"/>
             </a:pPr>
             <a:r>
-              <a:rPr lang="tr-TR" sz="1400" dirty="0" smtClean="0">
+              <a:rPr lang="tr-TR" sz="1400" dirty="0">
                 <a:solidFill>
                   <a:srgbClr val="404041"/>
                 </a:solidFill>
@@ -6068,7 +4879,7 @@
               <a:t>(JVM, her uygulamanın </a:t>
             </a:r>
             <a:r>
-              <a:rPr lang="tr-TR" sz="1400" dirty="0" err="1" smtClean="0">
+              <a:rPr lang="tr-TR" sz="1400" dirty="0" err="1">
                 <a:solidFill>
                   <a:srgbClr val="404041"/>
                 </a:solidFill>
@@ -6077,7 +4888,7 @@
               <a:t>executor’ları</a:t>
             </a:r>
             <a:r>
-              <a:rPr lang="tr-TR" sz="1400" dirty="0" smtClean="0">
+              <a:rPr lang="tr-TR" sz="1400" dirty="0">
                 <a:solidFill>
                   <a:srgbClr val="404041"/>
                 </a:solidFill>
@@ -6086,7 +4897,7 @@
               <a:t> ayrı, tahsis edildiği kadar, </a:t>
             </a:r>
             <a:r>
-              <a:rPr lang="tr-TR" sz="1400" dirty="0" err="1" smtClean="0">
+              <a:rPr lang="tr-TR" sz="1400" dirty="0" err="1">
                 <a:solidFill>
                   <a:srgbClr val="404041"/>
                 </a:solidFill>
@@ -6095,7 +4906,7 @@
               <a:t>cache</a:t>
             </a:r>
             <a:r>
-              <a:rPr lang="tr-TR" sz="1400" dirty="0" smtClean="0">
+              <a:rPr lang="tr-TR" sz="1400" dirty="0">
                 <a:solidFill>
                   <a:srgbClr val="404041"/>
                 </a:solidFill>
@@ -6104,7 +4915,7 @@
               <a:t>, disk </a:t>
             </a:r>
             <a:r>
-              <a:rPr lang="tr-TR" sz="1400" dirty="0" err="1" smtClean="0">
+              <a:rPr lang="tr-TR" sz="1400" dirty="0" err="1">
                 <a:solidFill>
                   <a:srgbClr val="404041"/>
                 </a:solidFill>
@@ -6113,7 +4924,7 @@
               <a:t>storage</a:t>
             </a:r>
             <a:r>
-              <a:rPr lang="tr-TR" sz="1400" dirty="0" smtClean="0">
+              <a:rPr lang="tr-TR" sz="1400" dirty="0">
                 <a:solidFill>
                   <a:srgbClr val="404041"/>
                 </a:solidFill>
@@ -6131,7 +4942,7 @@
               <a:buChar char="ü"/>
             </a:pPr>
             <a:r>
-              <a:rPr lang="tr-TR" sz="2600" dirty="0" err="1" smtClean="0">
+              <a:rPr lang="tr-TR" sz="2600" dirty="0" err="1">
                 <a:solidFill>
                   <a:srgbClr val="404041"/>
                 </a:solidFill>
@@ -6140,7 +4951,7 @@
               <a:t>Worker</a:t>
             </a:r>
             <a:r>
-              <a:rPr lang="tr-TR" sz="2600" dirty="0" smtClean="0">
+              <a:rPr lang="tr-TR" sz="2600" dirty="0">
                 <a:solidFill>
                   <a:srgbClr val="404041"/>
                 </a:solidFill>
@@ -6149,7 +4960,7 @@
               <a:t> </a:t>
             </a:r>
             <a:r>
-              <a:rPr lang="tr-TR" sz="2600" dirty="0" err="1" smtClean="0">
+              <a:rPr lang="tr-TR" sz="2600" dirty="0" err="1">
                 <a:solidFill>
                   <a:srgbClr val="404041"/>
                 </a:solidFill>
@@ -6158,7 +4969,7 @@
               <a:t>sunuclarda</a:t>
             </a:r>
             <a:r>
-              <a:rPr lang="tr-TR" sz="2600" dirty="0" smtClean="0">
+              <a:rPr lang="tr-TR" sz="2600" dirty="0">
                 <a:solidFill>
                   <a:srgbClr val="404041"/>
                 </a:solidFill>
@@ -6167,7 +4978,7 @@
               <a:t> çalışan </a:t>
             </a:r>
             <a:r>
-              <a:rPr lang="tr-TR" sz="2600" dirty="0" err="1" smtClean="0">
+              <a:rPr lang="tr-TR" sz="2600" dirty="0" err="1">
                 <a:solidFill>
                   <a:srgbClr val="404041"/>
                 </a:solidFill>
@@ -6176,7 +4987,7 @@
               <a:t>task’lar</a:t>
             </a:r>
             <a:r>
-              <a:rPr lang="tr-TR" sz="2600" dirty="0" smtClean="0">
+              <a:rPr lang="tr-TR" sz="2600" dirty="0">
                 <a:solidFill>
                   <a:srgbClr val="404041"/>
                 </a:solidFill>
@@ -6194,7 +5005,7 @@
               <a:buChar char="ü"/>
             </a:pPr>
             <a:r>
-              <a:rPr lang="tr-TR" sz="1400" dirty="0" smtClean="0">
+              <a:rPr lang="tr-TR" sz="1400" dirty="0">
                 <a:solidFill>
                   <a:srgbClr val="404041"/>
                 </a:solidFill>
@@ -6203,7 +5014,7 @@
               <a:t>(Bir </a:t>
             </a:r>
             <a:r>
-              <a:rPr lang="tr-TR" sz="1400" dirty="0" err="1" smtClean="0">
+              <a:rPr lang="tr-TR" sz="1400" dirty="0" err="1">
                 <a:solidFill>
                   <a:srgbClr val="404041"/>
                 </a:solidFill>
@@ -6212,7 +5023,7 @@
               <a:t>executor’da</a:t>
             </a:r>
             <a:r>
-              <a:rPr lang="tr-TR" sz="1400" dirty="0" smtClean="0">
+              <a:rPr lang="tr-TR" sz="1400" dirty="0">
                 <a:solidFill>
                   <a:srgbClr val="404041"/>
                 </a:solidFill>
@@ -6221,7 +5032,7 @@
               <a:t> birden fazla </a:t>
             </a:r>
             <a:r>
-              <a:rPr lang="tr-TR" sz="1400" dirty="0" err="1" smtClean="0">
+              <a:rPr lang="tr-TR" sz="1400" dirty="0" err="1">
                 <a:solidFill>
                   <a:srgbClr val="404041"/>
                 </a:solidFill>
@@ -6230,7 +5041,7 @@
               <a:t>thread</a:t>
             </a:r>
             <a:r>
-              <a:rPr lang="tr-TR" sz="1400" dirty="0" smtClean="0">
+              <a:rPr lang="tr-TR" sz="1400" dirty="0">
                 <a:solidFill>
                   <a:srgbClr val="404041"/>
                 </a:solidFill>
@@ -6239,7 +5050,7 @@
               <a:t> olabilir, her </a:t>
             </a:r>
             <a:r>
-              <a:rPr lang="tr-TR" sz="1400" dirty="0" err="1" smtClean="0">
+              <a:rPr lang="tr-TR" sz="1400" dirty="0" err="1">
                 <a:solidFill>
                   <a:srgbClr val="404041"/>
                 </a:solidFill>
@@ -6248,7 +5059,7 @@
               <a:t>thread’de</a:t>
             </a:r>
             <a:r>
-              <a:rPr lang="tr-TR" sz="1400" dirty="0" smtClean="0">
+              <a:rPr lang="tr-TR" sz="1400" dirty="0">
                 <a:solidFill>
                   <a:srgbClr val="404041"/>
                 </a:solidFill>
@@ -6257,7 +5068,7 @@
               <a:t> bir </a:t>
             </a:r>
             <a:r>
-              <a:rPr lang="tr-TR" sz="1400" dirty="0" err="1" smtClean="0">
+              <a:rPr lang="tr-TR" sz="1400" dirty="0" err="1">
                 <a:solidFill>
                   <a:srgbClr val="404041"/>
                 </a:solidFill>
@@ -6266,7 +5077,7 @@
               <a:t>task</a:t>
             </a:r>
             <a:r>
-              <a:rPr lang="tr-TR" sz="1400" dirty="0" smtClean="0">
+              <a:rPr lang="tr-TR" sz="1400" dirty="0">
                 <a:solidFill>
                   <a:srgbClr val="404041"/>
                 </a:solidFill>
@@ -6284,7 +5095,7 @@
               <a:buChar char="ü"/>
             </a:pPr>
             <a:r>
-              <a:rPr lang="tr-TR" sz="1400" dirty="0" smtClean="0">
+              <a:rPr lang="tr-TR" sz="1400" dirty="0">
                 <a:solidFill>
                   <a:srgbClr val="404041"/>
                 </a:solidFill>
@@ -6293,7 +5104,7 @@
               <a:t>Bir </a:t>
             </a:r>
             <a:r>
-              <a:rPr lang="tr-TR" sz="1400" dirty="0" err="1" smtClean="0">
+              <a:rPr lang="tr-TR" sz="1400" dirty="0" err="1">
                 <a:solidFill>
                   <a:srgbClr val="404041"/>
                 </a:solidFill>
@@ -6302,7 +5113,7 @@
               <a:t>job</a:t>
             </a:r>
             <a:r>
-              <a:rPr lang="tr-TR" sz="1400" dirty="0" smtClean="0">
+              <a:rPr lang="tr-TR" sz="1400" dirty="0">
                 <a:solidFill>
                   <a:srgbClr val="404041"/>
                 </a:solidFill>
@@ -6311,7 +5122,7 @@
               <a:t> için çalışacak </a:t>
             </a:r>
             <a:r>
-              <a:rPr lang="tr-TR" sz="1400" dirty="0" err="1" smtClean="0">
+              <a:rPr lang="tr-TR" sz="1400" dirty="0" err="1">
                 <a:solidFill>
                   <a:srgbClr val="404041"/>
                 </a:solidFill>
@@ -6320,7 +5131,7 @@
               <a:t>task’ların</a:t>
             </a:r>
             <a:r>
-              <a:rPr lang="tr-TR" sz="1400" dirty="0" smtClean="0">
+              <a:rPr lang="tr-TR" sz="1400" dirty="0">
                 <a:solidFill>
                   <a:srgbClr val="404041"/>
                 </a:solidFill>
@@ -6329,7 +5140,7 @@
               <a:t> sayısı </a:t>
             </a:r>
             <a:r>
-              <a:rPr lang="tr-TR" sz="1400" dirty="0" err="1" smtClean="0">
+              <a:rPr lang="tr-TR" sz="1400" dirty="0" err="1">
                 <a:solidFill>
                   <a:srgbClr val="404041"/>
                 </a:solidFill>
@@ -6338,7 +5149,7 @@
               <a:t>partition</a:t>
             </a:r>
             <a:r>
-              <a:rPr lang="tr-TR" sz="1400" dirty="0" smtClean="0">
+              <a:rPr lang="tr-TR" sz="1400" dirty="0">
                 <a:solidFill>
                   <a:srgbClr val="404041"/>
                 </a:solidFill>
@@ -6347,7 +5158,7 @@
               <a:t> </a:t>
             </a:r>
             <a:r>
-              <a:rPr lang="tr-TR" sz="1400" dirty="0" err="1" smtClean="0">
+              <a:rPr lang="tr-TR" sz="1400" dirty="0" err="1">
                 <a:solidFill>
                   <a:srgbClr val="404041"/>
                 </a:solidFill>
@@ -6356,7 +5167,7 @@
               <a:t>sayısna</a:t>
             </a:r>
             <a:r>
-              <a:rPr lang="tr-TR" sz="1400" dirty="0" smtClean="0">
+              <a:rPr lang="tr-TR" sz="1400" dirty="0">
                 <a:solidFill>
                   <a:srgbClr val="404041"/>
                 </a:solidFill>
@@ -6377,13 +5188,6 @@
   <p:clrMapOvr>
     <a:masterClrMapping/>
   </p:clrMapOvr>
-  <p:timing>
-    <p:tnLst>
-      <p:par>
-        <p:cTn id="1" dur="indefinite" restart="never" nodeType="tmRoot"/>
-      </p:par>
-    </p:tnLst>
-  </p:timing>
 </p:sld>
 </file>
 
@@ -6441,369 +5245,6 @@
           </a:fontRef>
         </p:style>
       </p:cxnSp>
-      <p:grpSp>
-        <p:nvGrpSpPr>
-          <p:cNvPr id="15" name="Grup 14"/>
-          <p:cNvGrpSpPr/>
-          <p:nvPr/>
-        </p:nvGrpSpPr>
-        <p:grpSpPr>
-          <a:xfrm>
-            <a:off x="228596" y="6231467"/>
-            <a:ext cx="3041654" cy="492576"/>
-            <a:chOff x="228596" y="6231467"/>
-            <a:chExt cx="3041654" cy="492576"/>
-          </a:xfrm>
-        </p:grpSpPr>
-        <p:grpSp>
-          <p:nvGrpSpPr>
-            <p:cNvPr id="8" name="Grup 7"/>
-            <p:cNvGrpSpPr/>
-            <p:nvPr/>
-          </p:nvGrpSpPr>
-          <p:grpSpPr>
-            <a:xfrm>
-              <a:off x="228596" y="6231467"/>
-              <a:ext cx="2802471" cy="457084"/>
-              <a:chOff x="127000" y="5901146"/>
-              <a:chExt cx="5156200" cy="838200"/>
-            </a:xfrm>
-          </p:grpSpPr>
-          <p:sp>
-            <p:nvSpPr>
-              <p:cNvPr id="7" name="Dikdörtgen 6"/>
-              <p:cNvSpPr/>
-              <p:nvPr/>
-            </p:nvSpPr>
-            <p:spPr>
-              <a:xfrm>
-                <a:off x="127000" y="5901146"/>
-                <a:ext cx="5156200" cy="838200"/>
-              </a:xfrm>
-              <a:prstGeom prst="rect">
-                <a:avLst/>
-              </a:prstGeom>
-              <a:solidFill>
-                <a:schemeClr val="bg1">
-                  <a:lumMod val="95000"/>
-                </a:schemeClr>
-              </a:solidFill>
-              <a:ln>
-                <a:noFill/>
-              </a:ln>
-            </p:spPr>
-            <p:style>
-              <a:lnRef idx="2">
-                <a:schemeClr val="accent1">
-                  <a:shade val="50000"/>
-                </a:schemeClr>
-              </a:lnRef>
-              <a:fillRef idx="1">
-                <a:schemeClr val="accent1"/>
-              </a:fillRef>
-              <a:effectRef idx="0">
-                <a:schemeClr val="accent1"/>
-              </a:effectRef>
-              <a:fontRef idx="minor">
-                <a:schemeClr val="lt1"/>
-              </a:fontRef>
-            </p:style>
-            <p:txBody>
-              <a:bodyPr rtlCol="0" anchor="ctr"/>
-              <a:lstStyle/>
-              <a:p>
-                <a:pPr algn="ctr"/>
-                <a:endParaRPr lang="en-US" sz="2000"/>
-              </a:p>
-            </p:txBody>
-          </p:sp>
-          <p:grpSp>
-            <p:nvGrpSpPr>
-              <p:cNvPr id="6" name="Grup 5"/>
-              <p:cNvGrpSpPr/>
-              <p:nvPr/>
-            </p:nvGrpSpPr>
-            <p:grpSpPr>
-              <a:xfrm>
-                <a:off x="211667" y="6019800"/>
-                <a:ext cx="5012266" cy="605115"/>
-                <a:chOff x="211667" y="6019800"/>
-                <a:chExt cx="5012266" cy="605115"/>
-              </a:xfrm>
-            </p:grpSpPr>
-            <p:pic>
-              <p:nvPicPr>
-                <p:cNvPr id="4" name="Resim 3"/>
-                <p:cNvPicPr>
-                  <a:picLocks noChangeAspect="1"/>
-                </p:cNvPicPr>
-                <p:nvPr/>
-              </p:nvPicPr>
-              <p:blipFill rotWithShape="1">
-                <a:blip r:embed="rId2" cstate="print">
-                  <a:extLst>
-                    <a:ext uri="{28A0092B-C50C-407E-A947-70E740481C1C}">
-                      <a14:useLocalDpi xmlns:a14="http://schemas.microsoft.com/office/drawing/2010/main" val="0"/>
-                    </a:ext>
-                  </a:extLst>
-                </a:blip>
-                <a:srcRect l="24387" t="8319" r="18355" b="50150"/>
-                <a:stretch/>
-              </p:blipFill>
-              <p:spPr>
-                <a:xfrm>
-                  <a:off x="211667" y="6019800"/>
-                  <a:ext cx="1072095" cy="600892"/>
-                </a:xfrm>
-                <a:prstGeom prst="rect">
-                  <a:avLst/>
-                </a:prstGeom>
-              </p:spPr>
-            </p:pic>
-            <p:sp>
-              <p:nvSpPr>
-                <p:cNvPr id="5" name="Unvan 1"/>
-                <p:cNvSpPr txBox="1">
-                  <a:spLocks/>
-                </p:cNvSpPr>
-                <p:nvPr/>
-              </p:nvSpPr>
-              <p:spPr>
-                <a:xfrm>
-                  <a:off x="1283763" y="6024023"/>
-                  <a:ext cx="3940170" cy="600892"/>
-                </a:xfrm>
-                <a:prstGeom prst="rect">
-                  <a:avLst/>
-                </a:prstGeom>
-              </p:spPr>
-              <p:txBody>
-                <a:bodyPr vert="horz" lIns="91440" tIns="45720" rIns="91440" bIns="45720" rtlCol="0" anchor="b">
-                  <a:noAutofit/>
-                </a:bodyPr>
-                <a:lstStyle>
-                  <a:lvl1pPr algn="ctr" defTabSz="914400" rtl="0" eaLnBrk="1" latinLnBrk="0" hangingPunct="1">
-                    <a:lnSpc>
-                      <a:spcPct val="90000"/>
-                    </a:lnSpc>
-                    <a:spcBef>
-                      <a:spcPct val="0"/>
-                    </a:spcBef>
-                    <a:buNone/>
-                    <a:defRPr sz="6000" kern="1200">
-                      <a:solidFill>
-                        <a:schemeClr val="tx1"/>
-                      </a:solidFill>
-                      <a:latin typeface="+mj-lt"/>
-                      <a:ea typeface="+mj-ea"/>
-                      <a:cs typeface="+mj-cs"/>
-                    </a:defRPr>
-                  </a:lvl1pPr>
-                </a:lstStyle>
-                <a:p>
-                  <a:pPr algn="l"/>
-                  <a:r>
-                    <a:rPr lang="tr-TR" sz="2000" dirty="0" smtClean="0">
-                      <a:solidFill>
-                        <a:srgbClr val="CB171F"/>
-                      </a:solidFill>
-                      <a:latin typeface="Constantia" panose="02030602050306030303" pitchFamily="18" charset="0"/>
-                      <a:ea typeface="Verdana" panose="020B0604030504040204" pitchFamily="34" charset="0"/>
-                      <a:cs typeface="Arial" panose="020B0604020202020204" pitchFamily="34" charset="0"/>
-                    </a:rPr>
-                    <a:t>Veri Bilimi Okulu</a:t>
-                  </a:r>
-                  <a:endParaRPr lang="en-US" sz="2000" dirty="0">
-                    <a:solidFill>
-                      <a:srgbClr val="CB171F"/>
-                    </a:solidFill>
-                    <a:latin typeface="Constantia" panose="02030602050306030303" pitchFamily="18" charset="0"/>
-                    <a:ea typeface="Verdana" panose="020B0604030504040204" pitchFamily="34" charset="0"/>
-                    <a:cs typeface="Arial" panose="020B0604020202020204" pitchFamily="34" charset="0"/>
-                  </a:endParaRPr>
-                </a:p>
-              </p:txBody>
-            </p:sp>
-          </p:grpSp>
-        </p:grpSp>
-        <p:sp>
-          <p:nvSpPr>
-            <p:cNvPr id="12" name="Metin kutusu 11"/>
-            <p:cNvSpPr txBox="1"/>
-            <p:nvPr/>
-          </p:nvSpPr>
-          <p:spPr>
-            <a:xfrm>
-              <a:off x="1582782" y="6493211"/>
-              <a:ext cx="1687468" cy="230832"/>
-            </a:xfrm>
-            <a:prstGeom prst="rect">
-              <a:avLst/>
-            </a:prstGeom>
-            <a:noFill/>
-          </p:spPr>
-          <p:txBody>
-            <a:bodyPr wrap="square" rtlCol="0">
-              <a:spAutoFit/>
-            </a:bodyPr>
-            <a:lstStyle/>
-            <a:p>
-              <a:r>
-                <a:rPr lang="en-US" sz="900" dirty="0" smtClean="0">
-                  <a:solidFill>
-                    <a:srgbClr val="0B8043"/>
-                  </a:solidFill>
-                </a:rPr>
-                <a:t>https:</a:t>
-              </a:r>
-              <a:r>
-                <a:rPr lang="en-US" sz="900" dirty="0" smtClean="0">
-                  <a:solidFill>
-                    <a:schemeClr val="bg1">
-                      <a:lumMod val="50000"/>
-                    </a:schemeClr>
-                  </a:solidFill>
-                </a:rPr>
-                <a:t>//www.veribilimi.co</a:t>
-              </a:r>
-              <a:endParaRPr lang="en-US" sz="900" dirty="0">
-                <a:solidFill>
-                  <a:schemeClr val="bg1">
-                    <a:lumMod val="50000"/>
-                  </a:schemeClr>
-                </a:solidFill>
-              </a:endParaRPr>
-            </a:p>
-          </p:txBody>
-        </p:sp>
-      </p:grpSp>
-      <p:grpSp>
-        <p:nvGrpSpPr>
-          <p:cNvPr id="11" name="Grup 10"/>
-          <p:cNvGrpSpPr/>
-          <p:nvPr/>
-        </p:nvGrpSpPr>
-        <p:grpSpPr>
-          <a:xfrm>
-            <a:off x="9194796" y="6231467"/>
-            <a:ext cx="2802471" cy="457084"/>
-            <a:chOff x="184993" y="5905369"/>
-            <a:chExt cx="5156200" cy="838200"/>
-          </a:xfrm>
-        </p:grpSpPr>
-        <p:sp>
-          <p:nvSpPr>
-            <p:cNvPr id="13" name="Dikdörtgen 12"/>
-            <p:cNvSpPr/>
-            <p:nvPr/>
-          </p:nvSpPr>
-          <p:spPr>
-            <a:xfrm>
-              <a:off x="184993" y="5905369"/>
-              <a:ext cx="5156200" cy="838200"/>
-            </a:xfrm>
-            <a:prstGeom prst="rect">
-              <a:avLst/>
-            </a:prstGeom>
-            <a:solidFill>
-              <a:schemeClr val="bg1">
-                <a:lumMod val="95000"/>
-              </a:schemeClr>
-            </a:solidFill>
-            <a:ln>
-              <a:noFill/>
-            </a:ln>
-          </p:spPr>
-          <p:style>
-            <a:lnRef idx="2">
-              <a:schemeClr val="accent1">
-                <a:shade val="50000"/>
-              </a:schemeClr>
-            </a:lnRef>
-            <a:fillRef idx="1">
-              <a:schemeClr val="accent1"/>
-            </a:fillRef>
-            <a:effectRef idx="0">
-              <a:schemeClr val="accent1"/>
-            </a:effectRef>
-            <a:fontRef idx="minor">
-              <a:schemeClr val="lt1"/>
-            </a:fontRef>
-          </p:style>
-          <p:txBody>
-            <a:bodyPr rtlCol="0" anchor="ctr"/>
-            <a:lstStyle/>
-            <a:p>
-              <a:pPr algn="ctr"/>
-              <a:endParaRPr lang="en-US" sz="2000"/>
-            </a:p>
-          </p:txBody>
-        </p:sp>
-        <p:sp>
-          <p:nvSpPr>
-            <p:cNvPr id="14" name="Unvan 1"/>
-            <p:cNvSpPr txBox="1">
-              <a:spLocks/>
-            </p:cNvSpPr>
-            <p:nvPr/>
-          </p:nvSpPr>
-          <p:spPr>
-            <a:xfrm>
-              <a:off x="302252" y="6024023"/>
-              <a:ext cx="4921678" cy="600892"/>
-            </a:xfrm>
-            <a:prstGeom prst="rect">
-              <a:avLst/>
-            </a:prstGeom>
-          </p:spPr>
-          <p:txBody>
-            <a:bodyPr vert="horz" lIns="91440" tIns="45720" rIns="91440" bIns="45720" rtlCol="0" anchor="b">
-              <a:noAutofit/>
-            </a:bodyPr>
-            <a:lstStyle>
-              <a:lvl1pPr algn="ctr" defTabSz="914400" rtl="0" eaLnBrk="1" latinLnBrk="0" hangingPunct="1">
-                <a:lnSpc>
-                  <a:spcPct val="90000"/>
-                </a:lnSpc>
-                <a:spcBef>
-                  <a:spcPct val="0"/>
-                </a:spcBef>
-                <a:buNone/>
-                <a:defRPr sz="6000" kern="1200">
-                  <a:solidFill>
-                    <a:schemeClr val="tx1"/>
-                  </a:solidFill>
-                  <a:latin typeface="+mj-lt"/>
-                  <a:ea typeface="+mj-ea"/>
-                  <a:cs typeface="+mj-cs"/>
-                </a:defRPr>
-              </a:lvl1pPr>
-            </a:lstStyle>
-            <a:p>
-              <a:pPr algn="l"/>
-              <a:r>
-                <a:rPr lang="tr-TR" sz="2000" dirty="0">
-                  <a:solidFill>
-                    <a:srgbClr val="CB171F"/>
-                  </a:solidFill>
-                  <a:latin typeface="Constantia" panose="02030602050306030303" pitchFamily="18" charset="0"/>
-                  <a:ea typeface="Verdana" panose="020B0604030504040204" pitchFamily="34" charset="0"/>
-                  <a:cs typeface="Arial" panose="020B0604020202020204" pitchFamily="34" charset="0"/>
-                </a:rPr>
-                <a:t>A’dan Z’ye Büyük Veri</a:t>
-              </a:r>
-              <a:endParaRPr lang="en-US" sz="2000" dirty="0">
-                <a:solidFill>
-                  <a:srgbClr val="CB171F"/>
-                </a:solidFill>
-                <a:latin typeface="Constantia" panose="02030602050306030303" pitchFamily="18" charset="0"/>
-                <a:ea typeface="Verdana" panose="020B0604030504040204" pitchFamily="34" charset="0"/>
-                <a:cs typeface="Arial" panose="020B0604020202020204" pitchFamily="34" charset="0"/>
-              </a:endParaRPr>
-            </a:p>
-          </p:txBody>
-        </p:sp>
-      </p:grpSp>
       <p:sp>
         <p:nvSpPr>
           <p:cNvPr id="16" name="Unvan 1"/>
@@ -6827,7 +5268,7 @@
           <a:lstStyle/>
           <a:p>
             <a:r>
-              <a:rPr lang="tr-TR" sz="4200" b="1" dirty="0" smtClean="0">
+              <a:rPr lang="tr-TR" sz="4200" b="1" dirty="0">
                 <a:solidFill>
                   <a:srgbClr val="CD1F26"/>
                 </a:solidFill>
@@ -6985,7 +5426,7 @@
             <a:p>
               <a:pPr algn="ctr"/>
               <a:r>
-                <a:rPr lang="tr-TR" sz="2400" b="1" dirty="0" smtClean="0">
+                <a:rPr lang="tr-TR" sz="2400" b="1" dirty="0">
                   <a:solidFill>
                     <a:srgbClr val="CD1F26"/>
                   </a:solidFill>
@@ -6994,7 +5435,7 @@
                 </a:rPr>
                 <a:t>Cluster Manager</a:t>
               </a:r>
-              <a:endParaRPr lang="tr-TR" sz="2400" dirty="0" smtClean="0">
+              <a:endParaRPr lang="tr-TR" sz="2400" dirty="0">
                 <a:latin typeface="Arial" panose="020B0604020202020204" pitchFamily="34" charset="0"/>
                 <a:cs typeface="Arial" panose="020B0604020202020204" pitchFamily="34" charset="0"/>
               </a:endParaRPr>
@@ -7002,18 +5443,11 @@
             <a:p>
               <a:pPr algn="ctr"/>
               <a:r>
-                <a:rPr lang="tr-TR" b="1" dirty="0" smtClean="0">
+                <a:rPr lang="tr-TR" b="1" dirty="0">
                   <a:latin typeface="Arial" panose="020B0604020202020204" pitchFamily="34" charset="0"/>
                   <a:cs typeface="Arial" panose="020B0604020202020204" pitchFamily="34" charset="0"/>
                 </a:rPr>
-                <a:t>(</a:t>
-              </a:r>
-              <a:r>
-                <a:rPr lang="tr-TR" b="1" dirty="0" smtClean="0">
-                  <a:latin typeface="Arial" panose="020B0604020202020204" pitchFamily="34" charset="0"/>
-                  <a:cs typeface="Arial" panose="020B0604020202020204" pitchFamily="34" charset="0"/>
-                </a:rPr>
-                <a:t>YARN)</a:t>
+                <a:t>(YARN)</a:t>
               </a:r>
               <a:endParaRPr lang="en-US" dirty="0">
                 <a:latin typeface="Arial" panose="020B0604020202020204" pitchFamily="34" charset="0"/>
@@ -7175,7 +5609,7 @@
               <a:p>
                 <a:pPr algn="ctr"/>
                 <a:r>
-                  <a:rPr lang="tr-TR" sz="1400" b="1" dirty="0" err="1" smtClean="0">
+                  <a:rPr lang="tr-TR" sz="1400" b="1" dirty="0" err="1">
                     <a:solidFill>
                       <a:srgbClr val="CD1F26"/>
                     </a:solidFill>
@@ -7185,7 +5619,7 @@
                   <a:t>Spark</a:t>
                 </a:r>
                 <a:r>
-                  <a:rPr lang="tr-TR" sz="1400" b="1" dirty="0" smtClean="0">
+                  <a:rPr lang="tr-TR" sz="1400" b="1" dirty="0">
                     <a:solidFill>
                       <a:srgbClr val="CD1F26"/>
                     </a:solidFill>
@@ -7195,7 +5629,7 @@
                   <a:t> </a:t>
                 </a:r>
                 <a:r>
-                  <a:rPr lang="tr-TR" sz="1400" b="1" dirty="0" err="1" smtClean="0">
+                  <a:rPr lang="tr-TR" sz="1400" b="1" dirty="0" err="1">
                     <a:solidFill>
                       <a:srgbClr val="CD1F26"/>
                     </a:solidFill>
@@ -7282,7 +5716,7 @@
             <a:p>
               <a:pPr algn="ctr"/>
               <a:r>
-                <a:rPr lang="tr-TR" sz="1400" b="1" dirty="0" smtClean="0">
+                <a:rPr lang="tr-TR" sz="1400" b="1" dirty="0">
                   <a:solidFill>
                     <a:srgbClr val="CD1F26"/>
                   </a:solidFill>
@@ -7292,7 +5726,7 @@
                 <a:t>User </a:t>
               </a:r>
               <a:r>
-                <a:rPr lang="tr-TR" sz="1400" b="1" dirty="0" err="1" smtClean="0">
+                <a:rPr lang="tr-TR" sz="1400" b="1" dirty="0" err="1">
                   <a:solidFill>
                     <a:srgbClr val="CD1F26"/>
                   </a:solidFill>
@@ -7401,14 +5835,14 @@
             <a:p>
               <a:pPr algn="ctr"/>
               <a:r>
-                <a:rPr lang="tr-TR" sz="1400" b="1" dirty="0" smtClean="0">
+                <a:rPr lang="tr-TR" sz="1400" b="1" dirty="0">
                   <a:latin typeface="Arial" panose="020B0604020202020204" pitchFamily="34" charset="0"/>
                   <a:cs typeface="Arial" panose="020B0604020202020204" pitchFamily="34" charset="0"/>
                 </a:rPr>
                 <a:t>Driver </a:t>
               </a:r>
               <a:r>
-                <a:rPr lang="tr-TR" sz="1400" b="1" dirty="0" err="1" smtClean="0">
+                <a:rPr lang="tr-TR" sz="1400" b="1" dirty="0" err="1">
                   <a:latin typeface="Arial" panose="020B0604020202020204" pitchFamily="34" charset="0"/>
                   <a:cs typeface="Arial" panose="020B0604020202020204" pitchFamily="34" charset="0"/>
                 </a:rPr>
@@ -7431,7 +5865,7 @@
           <p:nvPr/>
         </p:nvPicPr>
         <p:blipFill>
-          <a:blip r:embed="rId3" cstate="print">
+          <a:blip r:embed="rId2" cstate="print">
             <a:extLst>
               <a:ext uri="{28A0092B-C50C-407E-A947-70E740481C1C}">
                 <a14:useLocalDpi xmlns:a14="http://schemas.microsoft.com/office/drawing/2010/main" val="0"/>
@@ -7580,7 +6014,7 @@
               <a:p>
                 <a:pPr algn="ctr"/>
                 <a:r>
-                  <a:rPr lang="tr-TR" sz="1200" b="1" dirty="0" smtClean="0">
+                  <a:rPr lang="tr-TR" sz="1200" b="1" dirty="0">
                     <a:solidFill>
                       <a:schemeClr val="bg1"/>
                     </a:solidFill>
@@ -7590,7 +6024,7 @@
                   <a:t>YARN </a:t>
                 </a:r>
                 <a:r>
-                  <a:rPr lang="tr-TR" sz="1200" b="1" dirty="0" err="1" smtClean="0">
+                  <a:rPr lang="tr-TR" sz="1200" b="1" dirty="0" err="1">
                     <a:solidFill>
                       <a:schemeClr val="bg1"/>
                     </a:solidFill>
@@ -7692,7 +6126,7 @@
               <a:p>
                 <a:pPr algn="ctr"/>
                 <a:r>
-                  <a:rPr lang="tr-TR" sz="1200" b="1" dirty="0" err="1" smtClean="0">
+                  <a:rPr lang="tr-TR" sz="1200" b="1" dirty="0" err="1">
                     <a:solidFill>
                       <a:schemeClr val="bg1"/>
                     </a:solidFill>
@@ -7702,7 +6136,7 @@
                   <a:t>Spark</a:t>
                 </a:r>
                 <a:r>
-                  <a:rPr lang="tr-TR" sz="1200" b="1" dirty="0" smtClean="0">
+                  <a:rPr lang="tr-TR" sz="1200" b="1" dirty="0">
                     <a:solidFill>
                       <a:schemeClr val="bg1"/>
                     </a:solidFill>
@@ -7712,7 +6146,7 @@
                   <a:t> </a:t>
                 </a:r>
                 <a:r>
-                  <a:rPr lang="tr-TR" sz="1200" b="1" dirty="0" err="1" smtClean="0">
+                  <a:rPr lang="tr-TR" sz="1200" b="1" dirty="0" err="1">
                     <a:solidFill>
                       <a:schemeClr val="bg1"/>
                     </a:solidFill>
@@ -7722,7 +6156,7 @@
                   <a:t>App</a:t>
                 </a:r>
                 <a:r>
-                  <a:rPr lang="tr-TR" sz="1200" b="1" dirty="0" smtClean="0">
+                  <a:rPr lang="tr-TR" sz="1200" b="1" dirty="0">
                     <a:solidFill>
                       <a:schemeClr val="bg1"/>
                     </a:solidFill>
@@ -7767,7 +6201,7 @@
               <a:p>
                 <a:pPr algn="ctr"/>
                 <a:r>
-                  <a:rPr lang="tr-TR" sz="1200" b="1" dirty="0" err="1" smtClean="0">
+                  <a:rPr lang="tr-TR" sz="1200" b="1" dirty="0" err="1">
                     <a:solidFill>
                       <a:schemeClr val="bg1"/>
                     </a:solidFill>
@@ -7777,7 +6211,7 @@
                   <a:t>Spark</a:t>
                 </a:r>
                 <a:r>
-                  <a:rPr lang="tr-TR" sz="1200" b="1" dirty="0" smtClean="0">
+                  <a:rPr lang="tr-TR" sz="1200" b="1" dirty="0">
                     <a:solidFill>
                       <a:schemeClr val="bg1"/>
                     </a:solidFill>
@@ -7914,7 +6348,7 @@
               <a:p>
                 <a:pPr algn="ctr"/>
                 <a:r>
-                  <a:rPr lang="tr-TR" b="1" dirty="0" err="1" smtClean="0">
+                  <a:rPr lang="tr-TR" b="1" dirty="0" err="1">
                     <a:solidFill>
                       <a:schemeClr val="tx1">
                         <a:lumMod val="75000"/>
@@ -7927,7 +6361,7 @@
                   <a:t>Yarn</a:t>
                 </a:r>
                 <a:r>
-                  <a:rPr lang="tr-TR" b="1" dirty="0" smtClean="0">
+                  <a:rPr lang="tr-TR" b="1" dirty="0">
                     <a:solidFill>
                       <a:schemeClr val="tx1">
                         <a:lumMod val="75000"/>
@@ -7940,7 +6374,7 @@
                   <a:t> </a:t>
                 </a:r>
                 <a:r>
-                  <a:rPr lang="tr-TR" b="1" dirty="0" err="1" smtClean="0">
+                  <a:rPr lang="tr-TR" b="1" dirty="0" err="1">
                     <a:solidFill>
                       <a:schemeClr val="tx1">
                         <a:lumMod val="75000"/>
@@ -7953,7 +6387,7 @@
                   <a:t>Node</a:t>
                 </a:r>
                 <a:r>
-                  <a:rPr lang="tr-TR" b="1" dirty="0" smtClean="0">
+                  <a:rPr lang="tr-TR" b="1" dirty="0">
                     <a:solidFill>
                       <a:schemeClr val="tx1">
                         <a:lumMod val="75000"/>
@@ -8085,7 +6519,7 @@
                   <a:p>
                     <a:pPr algn="ctr"/>
                     <a:r>
-                      <a:rPr lang="tr-TR" sz="1200" b="1" dirty="0" smtClean="0">
+                      <a:rPr lang="tr-TR" sz="1200" b="1" dirty="0">
                         <a:solidFill>
                           <a:schemeClr val="bg1"/>
                         </a:solidFill>
@@ -8095,7 +6529,7 @@
                       <a:t>YARN </a:t>
                     </a:r>
                     <a:r>
-                      <a:rPr lang="tr-TR" sz="1200" b="1" dirty="0" err="1" smtClean="0">
+                      <a:rPr lang="tr-TR" sz="1200" b="1" dirty="0" err="1">
                         <a:solidFill>
                           <a:schemeClr val="bg1"/>
                         </a:solidFill>
@@ -8197,7 +6631,7 @@
                   <a:p>
                     <a:pPr algn="ctr"/>
                     <a:r>
-                      <a:rPr lang="tr-TR" sz="1600" b="1" dirty="0" err="1" smtClean="0">
+                      <a:rPr lang="tr-TR" sz="1600" b="1" dirty="0" err="1">
                         <a:solidFill>
                           <a:schemeClr val="bg1"/>
                         </a:solidFill>
@@ -8246,7 +6680,7 @@
               <a:p>
                 <a:pPr algn="ctr"/>
                 <a:r>
-                  <a:rPr lang="tr-TR" sz="1200" b="1" dirty="0" err="1" smtClean="0">
+                  <a:rPr lang="tr-TR" sz="1200" b="1" dirty="0" err="1">
                     <a:solidFill>
                       <a:schemeClr val="bg1"/>
                     </a:solidFill>
@@ -8293,7 +6727,7 @@
               <a:p>
                 <a:pPr algn="ctr"/>
                 <a:r>
-                  <a:rPr lang="tr-TR" sz="1200" b="1" dirty="0" err="1" smtClean="0">
+                  <a:rPr lang="tr-TR" sz="1200" b="1" dirty="0" err="1">
                     <a:solidFill>
                       <a:schemeClr val="bg1"/>
                     </a:solidFill>
@@ -8340,7 +6774,7 @@
               <a:p>
                 <a:pPr algn="ctr"/>
                 <a:r>
-                  <a:rPr lang="tr-TR" sz="1200" b="1" dirty="0" err="1" smtClean="0">
+                  <a:rPr lang="tr-TR" sz="1200" b="1" dirty="0" err="1">
                     <a:solidFill>
                       <a:schemeClr val="bg1"/>
                     </a:solidFill>
@@ -8466,7 +6900,7 @@
                   <a:p>
                     <a:pPr algn="ctr"/>
                     <a:r>
-                      <a:rPr lang="tr-TR" sz="1200" b="1" dirty="0" smtClean="0">
+                      <a:rPr lang="tr-TR" sz="1200" b="1" dirty="0">
                         <a:solidFill>
                           <a:schemeClr val="bg1"/>
                         </a:solidFill>
@@ -8476,7 +6910,7 @@
                       <a:t>YARN </a:t>
                     </a:r>
                     <a:r>
-                      <a:rPr lang="tr-TR" sz="1200" b="1" dirty="0" err="1" smtClean="0">
+                      <a:rPr lang="tr-TR" sz="1200" b="1" dirty="0" err="1">
                         <a:solidFill>
                           <a:schemeClr val="bg1"/>
                         </a:solidFill>
@@ -8578,7 +7012,7 @@
                   <a:p>
                     <a:pPr algn="ctr"/>
                     <a:r>
-                      <a:rPr lang="tr-TR" sz="1600" b="1" dirty="0" err="1" smtClean="0">
+                      <a:rPr lang="tr-TR" sz="1600" b="1" dirty="0" err="1">
                         <a:solidFill>
                           <a:schemeClr val="bg1"/>
                         </a:solidFill>
@@ -8627,7 +7061,7 @@
               <a:p>
                 <a:pPr algn="ctr"/>
                 <a:r>
-                  <a:rPr lang="tr-TR" sz="1200" b="1" dirty="0" err="1" smtClean="0">
+                  <a:rPr lang="tr-TR" sz="1200" b="1" dirty="0" err="1">
                     <a:solidFill>
                       <a:schemeClr val="bg1"/>
                     </a:solidFill>
@@ -8674,7 +7108,7 @@
               <a:p>
                 <a:pPr algn="ctr"/>
                 <a:r>
-                  <a:rPr lang="tr-TR" sz="1200" b="1" dirty="0" err="1" smtClean="0">
+                  <a:rPr lang="tr-TR" sz="1200" b="1" dirty="0" err="1">
                     <a:solidFill>
                       <a:schemeClr val="bg1"/>
                     </a:solidFill>
@@ -8721,7 +7155,7 @@
               <a:p>
                 <a:pPr algn="ctr"/>
                 <a:r>
-                  <a:rPr lang="tr-TR" sz="1200" b="1" dirty="0" err="1" smtClean="0">
+                  <a:rPr lang="tr-TR" sz="1200" b="1" dirty="0" err="1">
                     <a:solidFill>
                       <a:schemeClr val="bg1"/>
                     </a:solidFill>
@@ -8858,7 +7292,7 @@
               <a:p>
                 <a:pPr algn="ctr"/>
                 <a:r>
-                  <a:rPr lang="tr-TR" b="1" dirty="0" err="1" smtClean="0">
+                  <a:rPr lang="tr-TR" b="1" dirty="0" err="1">
                     <a:solidFill>
                       <a:schemeClr val="tx1">
                         <a:lumMod val="75000"/>
@@ -8871,7 +7305,7 @@
                   <a:t>Yarn</a:t>
                 </a:r>
                 <a:r>
-                  <a:rPr lang="tr-TR" b="1" dirty="0" smtClean="0">
+                  <a:rPr lang="tr-TR" b="1" dirty="0">
                     <a:solidFill>
                       <a:schemeClr val="tx1">
                         <a:lumMod val="75000"/>
@@ -8884,7 +7318,7 @@
                   <a:t> </a:t>
                 </a:r>
                 <a:r>
-                  <a:rPr lang="tr-TR" b="1" dirty="0" err="1" smtClean="0">
+                  <a:rPr lang="tr-TR" b="1" dirty="0" err="1">
                     <a:solidFill>
                       <a:schemeClr val="tx1">
                         <a:lumMod val="75000"/>
@@ -8897,7 +7331,7 @@
                   <a:t>Node</a:t>
                 </a:r>
                 <a:r>
-                  <a:rPr lang="tr-TR" b="1" dirty="0" smtClean="0">
+                  <a:rPr lang="tr-TR" b="1" dirty="0">
                     <a:solidFill>
                       <a:schemeClr val="tx1">
                         <a:lumMod val="75000"/>
@@ -9029,7 +7463,7 @@
                   <a:p>
                     <a:pPr algn="ctr"/>
                     <a:r>
-                      <a:rPr lang="tr-TR" sz="1200" b="1" dirty="0" smtClean="0">
+                      <a:rPr lang="tr-TR" sz="1200" b="1" dirty="0">
                         <a:solidFill>
                           <a:schemeClr val="bg1"/>
                         </a:solidFill>
@@ -9039,7 +7473,7 @@
                       <a:t>YARN </a:t>
                     </a:r>
                     <a:r>
-                      <a:rPr lang="tr-TR" sz="1200" b="1" dirty="0" err="1" smtClean="0">
+                      <a:rPr lang="tr-TR" sz="1200" b="1" dirty="0" err="1">
                         <a:solidFill>
                           <a:schemeClr val="bg1"/>
                         </a:solidFill>
@@ -9141,7 +7575,7 @@
                   <a:p>
                     <a:pPr algn="ctr"/>
                     <a:r>
-                      <a:rPr lang="tr-TR" sz="1600" b="1" dirty="0" err="1" smtClean="0">
+                      <a:rPr lang="tr-TR" sz="1600" b="1" dirty="0" err="1">
                         <a:solidFill>
                           <a:schemeClr val="bg1"/>
                         </a:solidFill>
@@ -9190,7 +7624,7 @@
               <a:p>
                 <a:pPr algn="ctr"/>
                 <a:r>
-                  <a:rPr lang="tr-TR" sz="1200" b="1" dirty="0" err="1" smtClean="0">
+                  <a:rPr lang="tr-TR" sz="1200" b="1" dirty="0" err="1">
                     <a:solidFill>
                       <a:schemeClr val="bg1"/>
                     </a:solidFill>
@@ -9237,7 +7671,7 @@
               <a:p>
                 <a:pPr algn="ctr"/>
                 <a:r>
-                  <a:rPr lang="tr-TR" sz="1200" b="1" dirty="0" err="1" smtClean="0">
+                  <a:rPr lang="tr-TR" sz="1200" b="1" dirty="0" err="1">
                     <a:solidFill>
                       <a:schemeClr val="bg1"/>
                     </a:solidFill>
@@ -9284,7 +7718,7 @@
               <a:p>
                 <a:pPr algn="ctr"/>
                 <a:r>
-                  <a:rPr lang="tr-TR" sz="1200" b="1" dirty="0" err="1" smtClean="0">
+                  <a:rPr lang="tr-TR" sz="1200" b="1" dirty="0" err="1">
                     <a:solidFill>
                       <a:schemeClr val="bg1"/>
                     </a:solidFill>
@@ -9410,7 +7844,7 @@
                   <a:p>
                     <a:pPr algn="ctr"/>
                     <a:r>
-                      <a:rPr lang="tr-TR" sz="1200" b="1" dirty="0" smtClean="0">
+                      <a:rPr lang="tr-TR" sz="1200" b="1" dirty="0">
                         <a:solidFill>
                           <a:schemeClr val="bg1"/>
                         </a:solidFill>
@@ -9420,7 +7854,7 @@
                       <a:t>YARN </a:t>
                     </a:r>
                     <a:r>
-                      <a:rPr lang="tr-TR" sz="1200" b="1" dirty="0" err="1" smtClean="0">
+                      <a:rPr lang="tr-TR" sz="1200" b="1" dirty="0" err="1">
                         <a:solidFill>
                           <a:schemeClr val="bg1"/>
                         </a:solidFill>
@@ -9522,7 +7956,7 @@
                   <a:p>
                     <a:pPr algn="ctr"/>
                     <a:r>
-                      <a:rPr lang="tr-TR" sz="1600" b="1" dirty="0" err="1" smtClean="0">
+                      <a:rPr lang="tr-TR" sz="1600" b="1" dirty="0" err="1">
                         <a:solidFill>
                           <a:schemeClr val="bg1"/>
                         </a:solidFill>
@@ -9571,7 +8005,7 @@
               <a:p>
                 <a:pPr algn="ctr"/>
                 <a:r>
-                  <a:rPr lang="tr-TR" sz="1200" b="1" dirty="0" err="1" smtClean="0">
+                  <a:rPr lang="tr-TR" sz="1200" b="1" dirty="0" err="1">
                     <a:solidFill>
                       <a:schemeClr val="bg1"/>
                     </a:solidFill>
@@ -9618,7 +8052,7 @@
               <a:p>
                 <a:pPr algn="ctr"/>
                 <a:r>
-                  <a:rPr lang="tr-TR" sz="1200" b="1" dirty="0" err="1" smtClean="0">
+                  <a:rPr lang="tr-TR" sz="1200" b="1" dirty="0" err="1">
                     <a:solidFill>
                       <a:schemeClr val="bg1"/>
                     </a:solidFill>
@@ -9665,7 +8099,7 @@
               <a:p>
                 <a:pPr algn="ctr"/>
                 <a:r>
-                  <a:rPr lang="tr-TR" sz="1200" b="1" dirty="0" err="1" smtClean="0">
+                  <a:rPr lang="tr-TR" sz="1200" b="1" dirty="0" err="1">
                     <a:solidFill>
                       <a:schemeClr val="bg1"/>
                     </a:solidFill>
@@ -9809,13 +8243,6 @@
   <p:clrMapOvr>
     <a:masterClrMapping/>
   </p:clrMapOvr>
-  <p:timing>
-    <p:tnLst>
-      <p:par>
-        <p:cTn id="1" dur="indefinite" restart="never" nodeType="tmRoot"/>
-      </p:par>
-    </p:tnLst>
-  </p:timing>
 </p:sld>
 </file>
 
@@ -9873,369 +8300,6 @@
           </a:fontRef>
         </p:style>
       </p:cxnSp>
-      <p:grpSp>
-        <p:nvGrpSpPr>
-          <p:cNvPr id="15" name="Grup 14"/>
-          <p:cNvGrpSpPr/>
-          <p:nvPr/>
-        </p:nvGrpSpPr>
-        <p:grpSpPr>
-          <a:xfrm>
-            <a:off x="228596" y="6231467"/>
-            <a:ext cx="3041654" cy="492576"/>
-            <a:chOff x="228596" y="6231467"/>
-            <a:chExt cx="3041654" cy="492576"/>
-          </a:xfrm>
-        </p:grpSpPr>
-        <p:grpSp>
-          <p:nvGrpSpPr>
-            <p:cNvPr id="8" name="Grup 7"/>
-            <p:cNvGrpSpPr/>
-            <p:nvPr/>
-          </p:nvGrpSpPr>
-          <p:grpSpPr>
-            <a:xfrm>
-              <a:off x="228596" y="6231467"/>
-              <a:ext cx="2802471" cy="457084"/>
-              <a:chOff x="127000" y="5901146"/>
-              <a:chExt cx="5156200" cy="838200"/>
-            </a:xfrm>
-          </p:grpSpPr>
-          <p:sp>
-            <p:nvSpPr>
-              <p:cNvPr id="7" name="Dikdörtgen 6"/>
-              <p:cNvSpPr/>
-              <p:nvPr/>
-            </p:nvSpPr>
-            <p:spPr>
-              <a:xfrm>
-                <a:off x="127000" y="5901146"/>
-                <a:ext cx="5156200" cy="838200"/>
-              </a:xfrm>
-              <a:prstGeom prst="rect">
-                <a:avLst/>
-              </a:prstGeom>
-              <a:solidFill>
-                <a:schemeClr val="bg1">
-                  <a:lumMod val="95000"/>
-                </a:schemeClr>
-              </a:solidFill>
-              <a:ln>
-                <a:noFill/>
-              </a:ln>
-            </p:spPr>
-            <p:style>
-              <a:lnRef idx="2">
-                <a:schemeClr val="accent1">
-                  <a:shade val="50000"/>
-                </a:schemeClr>
-              </a:lnRef>
-              <a:fillRef idx="1">
-                <a:schemeClr val="accent1"/>
-              </a:fillRef>
-              <a:effectRef idx="0">
-                <a:schemeClr val="accent1"/>
-              </a:effectRef>
-              <a:fontRef idx="minor">
-                <a:schemeClr val="lt1"/>
-              </a:fontRef>
-            </p:style>
-            <p:txBody>
-              <a:bodyPr rtlCol="0" anchor="ctr"/>
-              <a:lstStyle/>
-              <a:p>
-                <a:pPr algn="ctr"/>
-                <a:endParaRPr lang="en-US" sz="2000"/>
-              </a:p>
-            </p:txBody>
-          </p:sp>
-          <p:grpSp>
-            <p:nvGrpSpPr>
-              <p:cNvPr id="6" name="Grup 5"/>
-              <p:cNvGrpSpPr/>
-              <p:nvPr/>
-            </p:nvGrpSpPr>
-            <p:grpSpPr>
-              <a:xfrm>
-                <a:off x="211667" y="6019800"/>
-                <a:ext cx="5012266" cy="605115"/>
-                <a:chOff x="211667" y="6019800"/>
-                <a:chExt cx="5012266" cy="605115"/>
-              </a:xfrm>
-            </p:grpSpPr>
-            <p:pic>
-              <p:nvPicPr>
-                <p:cNvPr id="4" name="Resim 3"/>
-                <p:cNvPicPr>
-                  <a:picLocks noChangeAspect="1"/>
-                </p:cNvPicPr>
-                <p:nvPr/>
-              </p:nvPicPr>
-              <p:blipFill rotWithShape="1">
-                <a:blip r:embed="rId2" cstate="print">
-                  <a:extLst>
-                    <a:ext uri="{28A0092B-C50C-407E-A947-70E740481C1C}">
-                      <a14:useLocalDpi xmlns:a14="http://schemas.microsoft.com/office/drawing/2010/main" val="0"/>
-                    </a:ext>
-                  </a:extLst>
-                </a:blip>
-                <a:srcRect l="24387" t="8319" r="18355" b="50150"/>
-                <a:stretch/>
-              </p:blipFill>
-              <p:spPr>
-                <a:xfrm>
-                  <a:off x="211667" y="6019800"/>
-                  <a:ext cx="1072095" cy="600892"/>
-                </a:xfrm>
-                <a:prstGeom prst="rect">
-                  <a:avLst/>
-                </a:prstGeom>
-              </p:spPr>
-            </p:pic>
-            <p:sp>
-              <p:nvSpPr>
-                <p:cNvPr id="5" name="Unvan 1"/>
-                <p:cNvSpPr txBox="1">
-                  <a:spLocks/>
-                </p:cNvSpPr>
-                <p:nvPr/>
-              </p:nvSpPr>
-              <p:spPr>
-                <a:xfrm>
-                  <a:off x="1283763" y="6024023"/>
-                  <a:ext cx="3940170" cy="600892"/>
-                </a:xfrm>
-                <a:prstGeom prst="rect">
-                  <a:avLst/>
-                </a:prstGeom>
-              </p:spPr>
-              <p:txBody>
-                <a:bodyPr vert="horz" lIns="91440" tIns="45720" rIns="91440" bIns="45720" rtlCol="0" anchor="b">
-                  <a:noAutofit/>
-                </a:bodyPr>
-                <a:lstStyle>
-                  <a:lvl1pPr algn="ctr" defTabSz="914400" rtl="0" eaLnBrk="1" latinLnBrk="0" hangingPunct="1">
-                    <a:lnSpc>
-                      <a:spcPct val="90000"/>
-                    </a:lnSpc>
-                    <a:spcBef>
-                      <a:spcPct val="0"/>
-                    </a:spcBef>
-                    <a:buNone/>
-                    <a:defRPr sz="6000" kern="1200">
-                      <a:solidFill>
-                        <a:schemeClr val="tx1"/>
-                      </a:solidFill>
-                      <a:latin typeface="+mj-lt"/>
-                      <a:ea typeface="+mj-ea"/>
-                      <a:cs typeface="+mj-cs"/>
-                    </a:defRPr>
-                  </a:lvl1pPr>
-                </a:lstStyle>
-                <a:p>
-                  <a:pPr algn="l"/>
-                  <a:r>
-                    <a:rPr lang="tr-TR" sz="2000" dirty="0" smtClean="0">
-                      <a:solidFill>
-                        <a:srgbClr val="CB171F"/>
-                      </a:solidFill>
-                      <a:latin typeface="Constantia" panose="02030602050306030303" pitchFamily="18" charset="0"/>
-                      <a:ea typeface="Verdana" panose="020B0604030504040204" pitchFamily="34" charset="0"/>
-                      <a:cs typeface="Arial" panose="020B0604020202020204" pitchFamily="34" charset="0"/>
-                    </a:rPr>
-                    <a:t>Veri Bilimi Okulu</a:t>
-                  </a:r>
-                  <a:endParaRPr lang="en-US" sz="2000" dirty="0">
-                    <a:solidFill>
-                      <a:srgbClr val="CB171F"/>
-                    </a:solidFill>
-                    <a:latin typeface="Constantia" panose="02030602050306030303" pitchFamily="18" charset="0"/>
-                    <a:ea typeface="Verdana" panose="020B0604030504040204" pitchFamily="34" charset="0"/>
-                    <a:cs typeface="Arial" panose="020B0604020202020204" pitchFamily="34" charset="0"/>
-                  </a:endParaRPr>
-                </a:p>
-              </p:txBody>
-            </p:sp>
-          </p:grpSp>
-        </p:grpSp>
-        <p:sp>
-          <p:nvSpPr>
-            <p:cNvPr id="12" name="Metin kutusu 11"/>
-            <p:cNvSpPr txBox="1"/>
-            <p:nvPr/>
-          </p:nvSpPr>
-          <p:spPr>
-            <a:xfrm>
-              <a:off x="1582782" y="6493211"/>
-              <a:ext cx="1687468" cy="230832"/>
-            </a:xfrm>
-            <a:prstGeom prst="rect">
-              <a:avLst/>
-            </a:prstGeom>
-            <a:noFill/>
-          </p:spPr>
-          <p:txBody>
-            <a:bodyPr wrap="square" rtlCol="0">
-              <a:spAutoFit/>
-            </a:bodyPr>
-            <a:lstStyle/>
-            <a:p>
-              <a:r>
-                <a:rPr lang="en-US" sz="900" dirty="0" smtClean="0">
-                  <a:solidFill>
-                    <a:srgbClr val="0B8043"/>
-                  </a:solidFill>
-                </a:rPr>
-                <a:t>https:</a:t>
-              </a:r>
-              <a:r>
-                <a:rPr lang="en-US" sz="900" dirty="0" smtClean="0">
-                  <a:solidFill>
-                    <a:schemeClr val="bg1">
-                      <a:lumMod val="50000"/>
-                    </a:schemeClr>
-                  </a:solidFill>
-                </a:rPr>
-                <a:t>//www.veribilimi.co</a:t>
-              </a:r>
-              <a:endParaRPr lang="en-US" sz="900" dirty="0">
-                <a:solidFill>
-                  <a:schemeClr val="bg1">
-                    <a:lumMod val="50000"/>
-                  </a:schemeClr>
-                </a:solidFill>
-              </a:endParaRPr>
-            </a:p>
-          </p:txBody>
-        </p:sp>
-      </p:grpSp>
-      <p:grpSp>
-        <p:nvGrpSpPr>
-          <p:cNvPr id="11" name="Grup 10"/>
-          <p:cNvGrpSpPr/>
-          <p:nvPr/>
-        </p:nvGrpSpPr>
-        <p:grpSpPr>
-          <a:xfrm>
-            <a:off x="9194796" y="6231467"/>
-            <a:ext cx="2802471" cy="457084"/>
-            <a:chOff x="184993" y="5905369"/>
-            <a:chExt cx="5156200" cy="838200"/>
-          </a:xfrm>
-        </p:grpSpPr>
-        <p:sp>
-          <p:nvSpPr>
-            <p:cNvPr id="13" name="Dikdörtgen 12"/>
-            <p:cNvSpPr/>
-            <p:nvPr/>
-          </p:nvSpPr>
-          <p:spPr>
-            <a:xfrm>
-              <a:off x="184993" y="5905369"/>
-              <a:ext cx="5156200" cy="838200"/>
-            </a:xfrm>
-            <a:prstGeom prst="rect">
-              <a:avLst/>
-            </a:prstGeom>
-            <a:solidFill>
-              <a:schemeClr val="bg1">
-                <a:lumMod val="95000"/>
-              </a:schemeClr>
-            </a:solidFill>
-            <a:ln>
-              <a:noFill/>
-            </a:ln>
-          </p:spPr>
-          <p:style>
-            <a:lnRef idx="2">
-              <a:schemeClr val="accent1">
-                <a:shade val="50000"/>
-              </a:schemeClr>
-            </a:lnRef>
-            <a:fillRef idx="1">
-              <a:schemeClr val="accent1"/>
-            </a:fillRef>
-            <a:effectRef idx="0">
-              <a:schemeClr val="accent1"/>
-            </a:effectRef>
-            <a:fontRef idx="minor">
-              <a:schemeClr val="lt1"/>
-            </a:fontRef>
-          </p:style>
-          <p:txBody>
-            <a:bodyPr rtlCol="0" anchor="ctr"/>
-            <a:lstStyle/>
-            <a:p>
-              <a:pPr algn="ctr"/>
-              <a:endParaRPr lang="en-US" sz="2000"/>
-            </a:p>
-          </p:txBody>
-        </p:sp>
-        <p:sp>
-          <p:nvSpPr>
-            <p:cNvPr id="14" name="Unvan 1"/>
-            <p:cNvSpPr txBox="1">
-              <a:spLocks/>
-            </p:cNvSpPr>
-            <p:nvPr/>
-          </p:nvSpPr>
-          <p:spPr>
-            <a:xfrm>
-              <a:off x="302252" y="6024023"/>
-              <a:ext cx="4921678" cy="600892"/>
-            </a:xfrm>
-            <a:prstGeom prst="rect">
-              <a:avLst/>
-            </a:prstGeom>
-          </p:spPr>
-          <p:txBody>
-            <a:bodyPr vert="horz" lIns="91440" tIns="45720" rIns="91440" bIns="45720" rtlCol="0" anchor="b">
-              <a:noAutofit/>
-            </a:bodyPr>
-            <a:lstStyle>
-              <a:lvl1pPr algn="ctr" defTabSz="914400" rtl="0" eaLnBrk="1" latinLnBrk="0" hangingPunct="1">
-                <a:lnSpc>
-                  <a:spcPct val="90000"/>
-                </a:lnSpc>
-                <a:spcBef>
-                  <a:spcPct val="0"/>
-                </a:spcBef>
-                <a:buNone/>
-                <a:defRPr sz="6000" kern="1200">
-                  <a:solidFill>
-                    <a:schemeClr val="tx1"/>
-                  </a:solidFill>
-                  <a:latin typeface="+mj-lt"/>
-                  <a:ea typeface="+mj-ea"/>
-                  <a:cs typeface="+mj-cs"/>
-                </a:defRPr>
-              </a:lvl1pPr>
-            </a:lstStyle>
-            <a:p>
-              <a:pPr algn="l"/>
-              <a:r>
-                <a:rPr lang="tr-TR" sz="2000" dirty="0">
-                  <a:solidFill>
-                    <a:srgbClr val="CB171F"/>
-                  </a:solidFill>
-                  <a:latin typeface="Constantia" panose="02030602050306030303" pitchFamily="18" charset="0"/>
-                  <a:ea typeface="Verdana" panose="020B0604030504040204" pitchFamily="34" charset="0"/>
-                  <a:cs typeface="Arial" panose="020B0604020202020204" pitchFamily="34" charset="0"/>
-                </a:rPr>
-                <a:t>A’dan Z’ye Büyük Veri</a:t>
-              </a:r>
-              <a:endParaRPr lang="en-US" sz="2000" dirty="0">
-                <a:solidFill>
-                  <a:srgbClr val="CB171F"/>
-                </a:solidFill>
-                <a:latin typeface="Constantia" panose="02030602050306030303" pitchFamily="18" charset="0"/>
-                <a:ea typeface="Verdana" panose="020B0604030504040204" pitchFamily="34" charset="0"/>
-                <a:cs typeface="Arial" panose="020B0604020202020204" pitchFamily="34" charset="0"/>
-              </a:endParaRPr>
-            </a:p>
-          </p:txBody>
-        </p:sp>
-      </p:grpSp>
       <p:sp>
         <p:nvSpPr>
           <p:cNvPr id="16" name="Unvan 1"/>
@@ -10259,7 +8323,7 @@
           <a:lstStyle/>
           <a:p>
             <a:r>
-              <a:rPr lang="tr-TR" sz="4200" b="1" dirty="0" err="1" smtClean="0">
+              <a:rPr lang="tr-TR" sz="4200" b="1" dirty="0" err="1">
                 <a:solidFill>
                   <a:srgbClr val="CD1F26"/>
                 </a:solidFill>
@@ -10270,7 +8334,7 @@
               <a:t>Spark</a:t>
             </a:r>
             <a:r>
-              <a:rPr lang="tr-TR" sz="4200" b="1" dirty="0" smtClean="0">
+              <a:rPr lang="tr-TR" sz="4200" b="1" dirty="0">
                 <a:solidFill>
                   <a:srgbClr val="CD1F26"/>
                 </a:solidFill>
@@ -10382,7 +8446,7 @@
             <a:p>
               <a:pPr algn="ctr"/>
               <a:r>
-                <a:rPr lang="tr-TR" dirty="0" err="1" smtClean="0"/>
+                <a:rPr lang="tr-TR" dirty="0" err="1"/>
                 <a:t>Task</a:t>
               </a:r>
               <a:endParaRPr lang="en-US" dirty="0"/>
@@ -10426,7 +8490,7 @@
             <a:p>
               <a:pPr algn="ctr"/>
               <a:r>
-                <a:rPr lang="tr-TR" dirty="0" err="1" smtClean="0"/>
+                <a:rPr lang="tr-TR" dirty="0" err="1"/>
                 <a:t>Task</a:t>
               </a:r>
               <a:endParaRPr lang="en-US" dirty="0"/>
@@ -10470,7 +8534,7 @@
             <a:p>
               <a:pPr algn="ctr"/>
               <a:r>
-                <a:rPr lang="tr-TR" dirty="0" err="1" smtClean="0"/>
+                <a:rPr lang="tr-TR" dirty="0" err="1"/>
                 <a:t>Task</a:t>
               </a:r>
               <a:endParaRPr lang="en-US" dirty="0"/>
@@ -10514,7 +8578,7 @@
             <a:p>
               <a:pPr algn="ctr"/>
               <a:r>
-                <a:rPr lang="tr-TR" dirty="0" err="1" smtClean="0"/>
+                <a:rPr lang="tr-TR" dirty="0" err="1"/>
                 <a:t>Task</a:t>
               </a:r>
               <a:endParaRPr lang="en-US" dirty="0"/>
@@ -10544,7 +8608,7 @@
             <a:lstStyle/>
             <a:p>
               <a:r>
-                <a:rPr lang="tr-TR" dirty="0" smtClean="0">
+                <a:rPr lang="tr-TR" dirty="0">
                   <a:latin typeface="Roboto"/>
                 </a:rPr>
                 <a:t>Stage-1</a:t>
@@ -10647,7 +8711,7 @@
             <a:p>
               <a:pPr algn="ctr"/>
               <a:r>
-                <a:rPr lang="tr-TR" dirty="0" err="1" smtClean="0"/>
+                <a:rPr lang="tr-TR" dirty="0" err="1"/>
                 <a:t>Task</a:t>
               </a:r>
               <a:endParaRPr lang="en-US" dirty="0"/>
@@ -10691,7 +8755,7 @@
             <a:p>
               <a:pPr algn="ctr"/>
               <a:r>
-                <a:rPr lang="tr-TR" dirty="0" err="1" smtClean="0"/>
+                <a:rPr lang="tr-TR" dirty="0" err="1"/>
                 <a:t>Task</a:t>
               </a:r>
               <a:endParaRPr lang="en-US" dirty="0"/>
@@ -10721,7 +8785,7 @@
             <a:lstStyle/>
             <a:p>
               <a:r>
-                <a:rPr lang="tr-TR" dirty="0" smtClean="0">
+                <a:rPr lang="tr-TR" dirty="0">
                   <a:latin typeface="Roboto"/>
                 </a:rPr>
                 <a:t>Stage-2</a:t>
@@ -10770,7 +8834,7 @@
           <a:p>
             <a:pPr algn="ctr"/>
             <a:r>
-              <a:rPr lang="tr-TR" dirty="0" smtClean="0"/>
+              <a:rPr lang="tr-TR" dirty="0"/>
               <a:t>Application</a:t>
             </a:r>
             <a:endParaRPr lang="en-US" dirty="0"/>
@@ -10828,7 +8892,7 @@
             <a:p>
               <a:pPr algn="ctr"/>
               <a:r>
-                <a:rPr lang="tr-TR" dirty="0" err="1" smtClean="0"/>
+                <a:rPr lang="tr-TR" dirty="0" err="1"/>
                 <a:t>Job</a:t>
               </a:r>
               <a:endParaRPr lang="en-US" dirty="0"/>
@@ -10872,7 +8936,7 @@
             <a:p>
               <a:pPr algn="ctr"/>
               <a:r>
-                <a:rPr lang="tr-TR" dirty="0" err="1" smtClean="0"/>
+                <a:rPr lang="tr-TR" dirty="0" err="1"/>
                 <a:t>Job</a:t>
               </a:r>
               <a:endParaRPr lang="en-US" dirty="0"/>
@@ -10916,7 +8980,7 @@
             <a:p>
               <a:pPr algn="ctr"/>
               <a:r>
-                <a:rPr lang="tr-TR" dirty="0" err="1" smtClean="0"/>
+                <a:rPr lang="tr-TR" dirty="0" err="1"/>
                 <a:t>Job</a:t>
               </a:r>
               <a:endParaRPr lang="en-US" dirty="0"/>
@@ -10934,13 +8998,6 @@
   <p:clrMapOvr>
     <a:masterClrMapping/>
   </p:clrMapOvr>
-  <p:timing>
-    <p:tnLst>
-      <p:par>
-        <p:cTn id="1" dur="indefinite" restart="never" nodeType="tmRoot"/>
-      </p:par>
-    </p:tnLst>
-  </p:timing>
 </p:sld>
 </file>
 
@@ -10998,369 +9055,6 @@
           </a:fontRef>
         </p:style>
       </p:cxnSp>
-      <p:grpSp>
-        <p:nvGrpSpPr>
-          <p:cNvPr id="15" name="Grup 14"/>
-          <p:cNvGrpSpPr/>
-          <p:nvPr/>
-        </p:nvGrpSpPr>
-        <p:grpSpPr>
-          <a:xfrm>
-            <a:off x="228596" y="6231467"/>
-            <a:ext cx="3041654" cy="492576"/>
-            <a:chOff x="228596" y="6231467"/>
-            <a:chExt cx="3041654" cy="492576"/>
-          </a:xfrm>
-        </p:grpSpPr>
-        <p:grpSp>
-          <p:nvGrpSpPr>
-            <p:cNvPr id="8" name="Grup 7"/>
-            <p:cNvGrpSpPr/>
-            <p:nvPr/>
-          </p:nvGrpSpPr>
-          <p:grpSpPr>
-            <a:xfrm>
-              <a:off x="228596" y="6231467"/>
-              <a:ext cx="2802471" cy="457084"/>
-              <a:chOff x="127000" y="5901146"/>
-              <a:chExt cx="5156200" cy="838200"/>
-            </a:xfrm>
-          </p:grpSpPr>
-          <p:sp>
-            <p:nvSpPr>
-              <p:cNvPr id="7" name="Dikdörtgen 6"/>
-              <p:cNvSpPr/>
-              <p:nvPr/>
-            </p:nvSpPr>
-            <p:spPr>
-              <a:xfrm>
-                <a:off x="127000" y="5901146"/>
-                <a:ext cx="5156200" cy="838200"/>
-              </a:xfrm>
-              <a:prstGeom prst="rect">
-                <a:avLst/>
-              </a:prstGeom>
-              <a:solidFill>
-                <a:schemeClr val="bg1">
-                  <a:lumMod val="95000"/>
-                </a:schemeClr>
-              </a:solidFill>
-              <a:ln>
-                <a:noFill/>
-              </a:ln>
-            </p:spPr>
-            <p:style>
-              <a:lnRef idx="2">
-                <a:schemeClr val="accent1">
-                  <a:shade val="50000"/>
-                </a:schemeClr>
-              </a:lnRef>
-              <a:fillRef idx="1">
-                <a:schemeClr val="accent1"/>
-              </a:fillRef>
-              <a:effectRef idx="0">
-                <a:schemeClr val="accent1"/>
-              </a:effectRef>
-              <a:fontRef idx="minor">
-                <a:schemeClr val="lt1"/>
-              </a:fontRef>
-            </p:style>
-            <p:txBody>
-              <a:bodyPr rtlCol="0" anchor="ctr"/>
-              <a:lstStyle/>
-              <a:p>
-                <a:pPr algn="ctr"/>
-                <a:endParaRPr lang="en-US" sz="2000"/>
-              </a:p>
-            </p:txBody>
-          </p:sp>
-          <p:grpSp>
-            <p:nvGrpSpPr>
-              <p:cNvPr id="6" name="Grup 5"/>
-              <p:cNvGrpSpPr/>
-              <p:nvPr/>
-            </p:nvGrpSpPr>
-            <p:grpSpPr>
-              <a:xfrm>
-                <a:off x="211667" y="6019800"/>
-                <a:ext cx="5012266" cy="605115"/>
-                <a:chOff x="211667" y="6019800"/>
-                <a:chExt cx="5012266" cy="605115"/>
-              </a:xfrm>
-            </p:grpSpPr>
-            <p:pic>
-              <p:nvPicPr>
-                <p:cNvPr id="4" name="Resim 3"/>
-                <p:cNvPicPr>
-                  <a:picLocks noChangeAspect="1"/>
-                </p:cNvPicPr>
-                <p:nvPr/>
-              </p:nvPicPr>
-              <p:blipFill rotWithShape="1">
-                <a:blip r:embed="rId2" cstate="print">
-                  <a:extLst>
-                    <a:ext uri="{28A0092B-C50C-407E-A947-70E740481C1C}">
-                      <a14:useLocalDpi xmlns:a14="http://schemas.microsoft.com/office/drawing/2010/main" val="0"/>
-                    </a:ext>
-                  </a:extLst>
-                </a:blip>
-                <a:srcRect l="24387" t="8319" r="18355" b="50150"/>
-                <a:stretch/>
-              </p:blipFill>
-              <p:spPr>
-                <a:xfrm>
-                  <a:off x="211667" y="6019800"/>
-                  <a:ext cx="1072095" cy="600892"/>
-                </a:xfrm>
-                <a:prstGeom prst="rect">
-                  <a:avLst/>
-                </a:prstGeom>
-              </p:spPr>
-            </p:pic>
-            <p:sp>
-              <p:nvSpPr>
-                <p:cNvPr id="5" name="Unvan 1"/>
-                <p:cNvSpPr txBox="1">
-                  <a:spLocks/>
-                </p:cNvSpPr>
-                <p:nvPr/>
-              </p:nvSpPr>
-              <p:spPr>
-                <a:xfrm>
-                  <a:off x="1283763" y="6024023"/>
-                  <a:ext cx="3940170" cy="600892"/>
-                </a:xfrm>
-                <a:prstGeom prst="rect">
-                  <a:avLst/>
-                </a:prstGeom>
-              </p:spPr>
-              <p:txBody>
-                <a:bodyPr vert="horz" lIns="91440" tIns="45720" rIns="91440" bIns="45720" rtlCol="0" anchor="b">
-                  <a:noAutofit/>
-                </a:bodyPr>
-                <a:lstStyle>
-                  <a:lvl1pPr algn="ctr" defTabSz="914400" rtl="0" eaLnBrk="1" latinLnBrk="0" hangingPunct="1">
-                    <a:lnSpc>
-                      <a:spcPct val="90000"/>
-                    </a:lnSpc>
-                    <a:spcBef>
-                      <a:spcPct val="0"/>
-                    </a:spcBef>
-                    <a:buNone/>
-                    <a:defRPr sz="6000" kern="1200">
-                      <a:solidFill>
-                        <a:schemeClr val="tx1"/>
-                      </a:solidFill>
-                      <a:latin typeface="+mj-lt"/>
-                      <a:ea typeface="+mj-ea"/>
-                      <a:cs typeface="+mj-cs"/>
-                    </a:defRPr>
-                  </a:lvl1pPr>
-                </a:lstStyle>
-                <a:p>
-                  <a:pPr algn="l"/>
-                  <a:r>
-                    <a:rPr lang="tr-TR" sz="2000" dirty="0" smtClean="0">
-                      <a:solidFill>
-                        <a:srgbClr val="CB171F"/>
-                      </a:solidFill>
-                      <a:latin typeface="Constantia" panose="02030602050306030303" pitchFamily="18" charset="0"/>
-                      <a:ea typeface="Verdana" panose="020B0604030504040204" pitchFamily="34" charset="0"/>
-                      <a:cs typeface="Arial" panose="020B0604020202020204" pitchFamily="34" charset="0"/>
-                    </a:rPr>
-                    <a:t>Veri Bilimi Okulu</a:t>
-                  </a:r>
-                  <a:endParaRPr lang="en-US" sz="2000" dirty="0">
-                    <a:solidFill>
-                      <a:srgbClr val="CB171F"/>
-                    </a:solidFill>
-                    <a:latin typeface="Constantia" panose="02030602050306030303" pitchFamily="18" charset="0"/>
-                    <a:ea typeface="Verdana" panose="020B0604030504040204" pitchFamily="34" charset="0"/>
-                    <a:cs typeface="Arial" panose="020B0604020202020204" pitchFamily="34" charset="0"/>
-                  </a:endParaRPr>
-                </a:p>
-              </p:txBody>
-            </p:sp>
-          </p:grpSp>
-        </p:grpSp>
-        <p:sp>
-          <p:nvSpPr>
-            <p:cNvPr id="12" name="Metin kutusu 11"/>
-            <p:cNvSpPr txBox="1"/>
-            <p:nvPr/>
-          </p:nvSpPr>
-          <p:spPr>
-            <a:xfrm>
-              <a:off x="1582782" y="6493211"/>
-              <a:ext cx="1687468" cy="230832"/>
-            </a:xfrm>
-            <a:prstGeom prst="rect">
-              <a:avLst/>
-            </a:prstGeom>
-            <a:noFill/>
-          </p:spPr>
-          <p:txBody>
-            <a:bodyPr wrap="square" rtlCol="0">
-              <a:spAutoFit/>
-            </a:bodyPr>
-            <a:lstStyle/>
-            <a:p>
-              <a:r>
-                <a:rPr lang="en-US" sz="900" dirty="0" smtClean="0">
-                  <a:solidFill>
-                    <a:srgbClr val="0B8043"/>
-                  </a:solidFill>
-                </a:rPr>
-                <a:t>https:</a:t>
-              </a:r>
-              <a:r>
-                <a:rPr lang="en-US" sz="900" dirty="0" smtClean="0">
-                  <a:solidFill>
-                    <a:schemeClr val="bg1">
-                      <a:lumMod val="50000"/>
-                    </a:schemeClr>
-                  </a:solidFill>
-                </a:rPr>
-                <a:t>//www.veribilimi.co</a:t>
-              </a:r>
-              <a:endParaRPr lang="en-US" sz="900" dirty="0">
-                <a:solidFill>
-                  <a:schemeClr val="bg1">
-                    <a:lumMod val="50000"/>
-                  </a:schemeClr>
-                </a:solidFill>
-              </a:endParaRPr>
-            </a:p>
-          </p:txBody>
-        </p:sp>
-      </p:grpSp>
-      <p:grpSp>
-        <p:nvGrpSpPr>
-          <p:cNvPr id="11" name="Grup 10"/>
-          <p:cNvGrpSpPr/>
-          <p:nvPr/>
-        </p:nvGrpSpPr>
-        <p:grpSpPr>
-          <a:xfrm>
-            <a:off x="9194796" y="6231467"/>
-            <a:ext cx="2802471" cy="457084"/>
-            <a:chOff x="184993" y="5905369"/>
-            <a:chExt cx="5156200" cy="838200"/>
-          </a:xfrm>
-        </p:grpSpPr>
-        <p:sp>
-          <p:nvSpPr>
-            <p:cNvPr id="13" name="Dikdörtgen 12"/>
-            <p:cNvSpPr/>
-            <p:nvPr/>
-          </p:nvSpPr>
-          <p:spPr>
-            <a:xfrm>
-              <a:off x="184993" y="5905369"/>
-              <a:ext cx="5156200" cy="838200"/>
-            </a:xfrm>
-            <a:prstGeom prst="rect">
-              <a:avLst/>
-            </a:prstGeom>
-            <a:solidFill>
-              <a:schemeClr val="bg1">
-                <a:lumMod val="95000"/>
-              </a:schemeClr>
-            </a:solidFill>
-            <a:ln>
-              <a:noFill/>
-            </a:ln>
-          </p:spPr>
-          <p:style>
-            <a:lnRef idx="2">
-              <a:schemeClr val="accent1">
-                <a:shade val="50000"/>
-              </a:schemeClr>
-            </a:lnRef>
-            <a:fillRef idx="1">
-              <a:schemeClr val="accent1"/>
-            </a:fillRef>
-            <a:effectRef idx="0">
-              <a:schemeClr val="accent1"/>
-            </a:effectRef>
-            <a:fontRef idx="minor">
-              <a:schemeClr val="lt1"/>
-            </a:fontRef>
-          </p:style>
-          <p:txBody>
-            <a:bodyPr rtlCol="0" anchor="ctr"/>
-            <a:lstStyle/>
-            <a:p>
-              <a:pPr algn="ctr"/>
-              <a:endParaRPr lang="en-US" sz="2000"/>
-            </a:p>
-          </p:txBody>
-        </p:sp>
-        <p:sp>
-          <p:nvSpPr>
-            <p:cNvPr id="14" name="Unvan 1"/>
-            <p:cNvSpPr txBox="1">
-              <a:spLocks/>
-            </p:cNvSpPr>
-            <p:nvPr/>
-          </p:nvSpPr>
-          <p:spPr>
-            <a:xfrm>
-              <a:off x="302252" y="6024023"/>
-              <a:ext cx="4921678" cy="600892"/>
-            </a:xfrm>
-            <a:prstGeom prst="rect">
-              <a:avLst/>
-            </a:prstGeom>
-          </p:spPr>
-          <p:txBody>
-            <a:bodyPr vert="horz" lIns="91440" tIns="45720" rIns="91440" bIns="45720" rtlCol="0" anchor="b">
-              <a:noAutofit/>
-            </a:bodyPr>
-            <a:lstStyle>
-              <a:lvl1pPr algn="ctr" defTabSz="914400" rtl="0" eaLnBrk="1" latinLnBrk="0" hangingPunct="1">
-                <a:lnSpc>
-                  <a:spcPct val="90000"/>
-                </a:lnSpc>
-                <a:spcBef>
-                  <a:spcPct val="0"/>
-                </a:spcBef>
-                <a:buNone/>
-                <a:defRPr sz="6000" kern="1200">
-                  <a:solidFill>
-                    <a:schemeClr val="tx1"/>
-                  </a:solidFill>
-                  <a:latin typeface="+mj-lt"/>
-                  <a:ea typeface="+mj-ea"/>
-                  <a:cs typeface="+mj-cs"/>
-                </a:defRPr>
-              </a:lvl1pPr>
-            </a:lstStyle>
-            <a:p>
-              <a:pPr algn="l"/>
-              <a:r>
-                <a:rPr lang="tr-TR" sz="2000" dirty="0">
-                  <a:solidFill>
-                    <a:srgbClr val="CB171F"/>
-                  </a:solidFill>
-                  <a:latin typeface="Constantia" panose="02030602050306030303" pitchFamily="18" charset="0"/>
-                  <a:ea typeface="Verdana" panose="020B0604030504040204" pitchFamily="34" charset="0"/>
-                  <a:cs typeface="Arial" panose="020B0604020202020204" pitchFamily="34" charset="0"/>
-                </a:rPr>
-                <a:t>A’dan Z’ye Büyük Veri</a:t>
-              </a:r>
-              <a:endParaRPr lang="en-US" sz="2000" dirty="0">
-                <a:solidFill>
-                  <a:srgbClr val="CB171F"/>
-                </a:solidFill>
-                <a:latin typeface="Constantia" panose="02030602050306030303" pitchFamily="18" charset="0"/>
-                <a:ea typeface="Verdana" panose="020B0604030504040204" pitchFamily="34" charset="0"/>
-                <a:cs typeface="Arial" panose="020B0604020202020204" pitchFamily="34" charset="0"/>
-              </a:endParaRPr>
-            </a:p>
-          </p:txBody>
-        </p:sp>
-      </p:grpSp>
       <p:sp>
         <p:nvSpPr>
           <p:cNvPr id="16" name="Unvan 1"/>
@@ -11384,7 +9078,7 @@
           <a:lstStyle/>
           <a:p>
             <a:r>
-              <a:rPr lang="tr-TR" sz="4200" b="1" dirty="0" err="1" smtClean="0">
+              <a:rPr lang="tr-TR" sz="4200" b="1" dirty="0" err="1">
                 <a:solidFill>
                   <a:srgbClr val="CD1F26"/>
                 </a:solidFill>
@@ -11395,7 +9089,7 @@
               <a:t>Spark</a:t>
             </a:r>
             <a:r>
-              <a:rPr lang="tr-TR" sz="4200" b="1" dirty="0" smtClean="0">
+              <a:rPr lang="tr-TR" sz="4200" b="1" dirty="0">
                 <a:solidFill>
                   <a:srgbClr val="CD1F26"/>
                 </a:solidFill>
@@ -11406,7 +9100,7 @@
               <a:t> </a:t>
             </a:r>
             <a:r>
-              <a:rPr lang="tr-TR" sz="4200" b="1" dirty="0" err="1" smtClean="0">
+              <a:rPr lang="tr-TR" sz="4200" b="1" dirty="0" err="1">
                 <a:solidFill>
                   <a:srgbClr val="CD1F26"/>
                 </a:solidFill>
@@ -11456,7 +9150,7 @@
               <a:buChar char="ü"/>
             </a:pPr>
             <a:r>
-              <a:rPr lang="tr-TR" sz="3600" dirty="0" smtClean="0">
+              <a:rPr lang="tr-TR" sz="3600" dirty="0">
                 <a:solidFill>
                   <a:srgbClr val="404041"/>
                 </a:solidFill>
@@ -11465,7 +9159,7 @@
               <a:t>Driver </a:t>
             </a:r>
             <a:r>
-              <a:rPr lang="tr-TR" sz="3600" dirty="0" err="1" smtClean="0">
+              <a:rPr lang="tr-TR" sz="3600" dirty="0" err="1">
                 <a:solidFill>
                   <a:srgbClr val="404041"/>
                 </a:solidFill>
@@ -11473,7 +9167,7 @@
               </a:rPr>
               <a:t>process</a:t>
             </a:r>
-            <a:endParaRPr lang="tr-TR" sz="3600" dirty="0" smtClean="0">
+            <a:endParaRPr lang="tr-TR" sz="3600" dirty="0">
               <a:solidFill>
                 <a:srgbClr val="404041"/>
               </a:solidFill>
@@ -11498,7 +9192,7 @@
               <a:t> </a:t>
             </a:r>
             <a:r>
-              <a:rPr lang="tr-TR" sz="3600" dirty="0" err="1" smtClean="0">
+              <a:rPr lang="tr-TR" sz="3600" dirty="0" err="1">
                 <a:solidFill>
                   <a:srgbClr val="404041"/>
                 </a:solidFill>
@@ -11507,7 +9201,7 @@
               <a:t>Spark</a:t>
             </a:r>
             <a:r>
-              <a:rPr lang="tr-TR" sz="3600" dirty="0" smtClean="0">
+              <a:rPr lang="tr-TR" sz="3600" dirty="0">
                 <a:solidFill>
                   <a:srgbClr val="404041"/>
                 </a:solidFill>
@@ -11525,7 +9219,7 @@
               <a:buChar char="ü"/>
             </a:pPr>
             <a:r>
-              <a:rPr lang="tr-TR" sz="3600" dirty="0" err="1" smtClean="0">
+              <a:rPr lang="tr-TR" sz="3600" dirty="0" err="1">
                 <a:solidFill>
                   <a:srgbClr val="404041"/>
                 </a:solidFill>
@@ -11534,7 +9228,7 @@
               <a:t>Scala</a:t>
             </a:r>
             <a:r>
-              <a:rPr lang="tr-TR" sz="3600" dirty="0" smtClean="0">
+              <a:rPr lang="tr-TR" sz="3600" dirty="0">
                 <a:solidFill>
                   <a:srgbClr val="404041"/>
                 </a:solidFill>
@@ -11543,7 +9237,7 @@
               <a:t> ve </a:t>
             </a:r>
             <a:r>
-              <a:rPr lang="tr-TR" sz="3600" dirty="0" err="1" smtClean="0">
+              <a:rPr lang="tr-TR" sz="3600" dirty="0" err="1">
                 <a:solidFill>
                   <a:srgbClr val="404041"/>
                 </a:solidFill>
@@ -11552,7 +9246,7 @@
               <a:t>Python’da</a:t>
             </a:r>
             <a:r>
-              <a:rPr lang="tr-TR" sz="3600" dirty="0" smtClean="0">
+              <a:rPr lang="tr-TR" sz="3600" dirty="0">
                 <a:solidFill>
                   <a:srgbClr val="404041"/>
                 </a:solidFill>
@@ -11561,7 +9255,7 @@
               <a:t> «</a:t>
             </a:r>
             <a:r>
-              <a:rPr lang="tr-TR" sz="3600" dirty="0" err="1" smtClean="0">
+              <a:rPr lang="tr-TR" sz="3600" dirty="0" err="1">
                 <a:solidFill>
                   <a:srgbClr val="404041"/>
                 </a:solidFill>
@@ -11570,7 +9264,7 @@
               <a:t>spark</a:t>
             </a:r>
             <a:r>
-              <a:rPr lang="tr-TR" sz="3600" dirty="0" smtClean="0">
+              <a:rPr lang="tr-TR" sz="3600" dirty="0">
                 <a:solidFill>
                   <a:srgbClr val="404041"/>
                 </a:solidFill>
@@ -11588,7 +9282,7 @@
               <a:buChar char="ü"/>
             </a:pPr>
             <a:r>
-              <a:rPr lang="tr-TR" sz="3600" dirty="0" smtClean="0">
+              <a:rPr lang="tr-TR" sz="3600" dirty="0">
                 <a:solidFill>
                   <a:srgbClr val="404041"/>
                 </a:solidFill>
@@ -11605,7 +9299,7 @@
               <a:buFont typeface="Wingdings" panose="05000000000000000000" pitchFamily="2" charset="2"/>
               <a:buChar char="ü"/>
             </a:pPr>
-            <a:endParaRPr lang="tr-TR" sz="3600" dirty="0" smtClean="0">
+            <a:endParaRPr lang="tr-TR" sz="3600" dirty="0">
               <a:solidFill>
                 <a:srgbClr val="404041"/>
               </a:solidFill>
@@ -11624,13 +9318,6 @@
   <p:clrMapOvr>
     <a:masterClrMapping/>
   </p:clrMapOvr>
-  <p:timing>
-    <p:tnLst>
-      <p:par>
-        <p:cTn id="1" dur="indefinite" restart="never" nodeType="tmRoot"/>
-      </p:par>
-    </p:tnLst>
-  </p:timing>
 </p:sld>
 </file>
 
@@ -11688,369 +9375,6 @@
           </a:fontRef>
         </p:style>
       </p:cxnSp>
-      <p:grpSp>
-        <p:nvGrpSpPr>
-          <p:cNvPr id="15" name="Grup 14"/>
-          <p:cNvGrpSpPr/>
-          <p:nvPr/>
-        </p:nvGrpSpPr>
-        <p:grpSpPr>
-          <a:xfrm>
-            <a:off x="228596" y="6231467"/>
-            <a:ext cx="3041654" cy="492576"/>
-            <a:chOff x="228596" y="6231467"/>
-            <a:chExt cx="3041654" cy="492576"/>
-          </a:xfrm>
-        </p:grpSpPr>
-        <p:grpSp>
-          <p:nvGrpSpPr>
-            <p:cNvPr id="8" name="Grup 7"/>
-            <p:cNvGrpSpPr/>
-            <p:nvPr/>
-          </p:nvGrpSpPr>
-          <p:grpSpPr>
-            <a:xfrm>
-              <a:off x="228596" y="6231467"/>
-              <a:ext cx="2802471" cy="457084"/>
-              <a:chOff x="127000" y="5901146"/>
-              <a:chExt cx="5156200" cy="838200"/>
-            </a:xfrm>
-          </p:grpSpPr>
-          <p:sp>
-            <p:nvSpPr>
-              <p:cNvPr id="7" name="Dikdörtgen 6"/>
-              <p:cNvSpPr/>
-              <p:nvPr/>
-            </p:nvSpPr>
-            <p:spPr>
-              <a:xfrm>
-                <a:off x="127000" y="5901146"/>
-                <a:ext cx="5156200" cy="838200"/>
-              </a:xfrm>
-              <a:prstGeom prst="rect">
-                <a:avLst/>
-              </a:prstGeom>
-              <a:solidFill>
-                <a:schemeClr val="bg1">
-                  <a:lumMod val="95000"/>
-                </a:schemeClr>
-              </a:solidFill>
-              <a:ln>
-                <a:noFill/>
-              </a:ln>
-            </p:spPr>
-            <p:style>
-              <a:lnRef idx="2">
-                <a:schemeClr val="accent1">
-                  <a:shade val="50000"/>
-                </a:schemeClr>
-              </a:lnRef>
-              <a:fillRef idx="1">
-                <a:schemeClr val="accent1"/>
-              </a:fillRef>
-              <a:effectRef idx="0">
-                <a:schemeClr val="accent1"/>
-              </a:effectRef>
-              <a:fontRef idx="minor">
-                <a:schemeClr val="lt1"/>
-              </a:fontRef>
-            </p:style>
-            <p:txBody>
-              <a:bodyPr rtlCol="0" anchor="ctr"/>
-              <a:lstStyle/>
-              <a:p>
-                <a:pPr algn="ctr"/>
-                <a:endParaRPr lang="en-US" sz="2000"/>
-              </a:p>
-            </p:txBody>
-          </p:sp>
-          <p:grpSp>
-            <p:nvGrpSpPr>
-              <p:cNvPr id="6" name="Grup 5"/>
-              <p:cNvGrpSpPr/>
-              <p:nvPr/>
-            </p:nvGrpSpPr>
-            <p:grpSpPr>
-              <a:xfrm>
-                <a:off x="211667" y="6019800"/>
-                <a:ext cx="5012266" cy="605115"/>
-                <a:chOff x="211667" y="6019800"/>
-                <a:chExt cx="5012266" cy="605115"/>
-              </a:xfrm>
-            </p:grpSpPr>
-            <p:pic>
-              <p:nvPicPr>
-                <p:cNvPr id="4" name="Resim 3"/>
-                <p:cNvPicPr>
-                  <a:picLocks noChangeAspect="1"/>
-                </p:cNvPicPr>
-                <p:nvPr/>
-              </p:nvPicPr>
-              <p:blipFill rotWithShape="1">
-                <a:blip r:embed="rId2" cstate="print">
-                  <a:extLst>
-                    <a:ext uri="{28A0092B-C50C-407E-A947-70E740481C1C}">
-                      <a14:useLocalDpi xmlns:a14="http://schemas.microsoft.com/office/drawing/2010/main" val="0"/>
-                    </a:ext>
-                  </a:extLst>
-                </a:blip>
-                <a:srcRect l="24387" t="8319" r="18355" b="50150"/>
-                <a:stretch/>
-              </p:blipFill>
-              <p:spPr>
-                <a:xfrm>
-                  <a:off x="211667" y="6019800"/>
-                  <a:ext cx="1072095" cy="600892"/>
-                </a:xfrm>
-                <a:prstGeom prst="rect">
-                  <a:avLst/>
-                </a:prstGeom>
-              </p:spPr>
-            </p:pic>
-            <p:sp>
-              <p:nvSpPr>
-                <p:cNvPr id="5" name="Unvan 1"/>
-                <p:cNvSpPr txBox="1">
-                  <a:spLocks/>
-                </p:cNvSpPr>
-                <p:nvPr/>
-              </p:nvSpPr>
-              <p:spPr>
-                <a:xfrm>
-                  <a:off x="1283763" y="6024023"/>
-                  <a:ext cx="3940170" cy="600892"/>
-                </a:xfrm>
-                <a:prstGeom prst="rect">
-                  <a:avLst/>
-                </a:prstGeom>
-              </p:spPr>
-              <p:txBody>
-                <a:bodyPr vert="horz" lIns="91440" tIns="45720" rIns="91440" bIns="45720" rtlCol="0" anchor="b">
-                  <a:noAutofit/>
-                </a:bodyPr>
-                <a:lstStyle>
-                  <a:lvl1pPr algn="ctr" defTabSz="914400" rtl="0" eaLnBrk="1" latinLnBrk="0" hangingPunct="1">
-                    <a:lnSpc>
-                      <a:spcPct val="90000"/>
-                    </a:lnSpc>
-                    <a:spcBef>
-                      <a:spcPct val="0"/>
-                    </a:spcBef>
-                    <a:buNone/>
-                    <a:defRPr sz="6000" kern="1200">
-                      <a:solidFill>
-                        <a:schemeClr val="tx1"/>
-                      </a:solidFill>
-                      <a:latin typeface="+mj-lt"/>
-                      <a:ea typeface="+mj-ea"/>
-                      <a:cs typeface="+mj-cs"/>
-                    </a:defRPr>
-                  </a:lvl1pPr>
-                </a:lstStyle>
-                <a:p>
-                  <a:pPr algn="l"/>
-                  <a:r>
-                    <a:rPr lang="tr-TR" sz="2000" dirty="0" smtClean="0">
-                      <a:solidFill>
-                        <a:srgbClr val="CB171F"/>
-                      </a:solidFill>
-                      <a:latin typeface="Constantia" panose="02030602050306030303" pitchFamily="18" charset="0"/>
-                      <a:ea typeface="Verdana" panose="020B0604030504040204" pitchFamily="34" charset="0"/>
-                      <a:cs typeface="Arial" panose="020B0604020202020204" pitchFamily="34" charset="0"/>
-                    </a:rPr>
-                    <a:t>Veri Bilimi Okulu</a:t>
-                  </a:r>
-                  <a:endParaRPr lang="en-US" sz="2000" dirty="0">
-                    <a:solidFill>
-                      <a:srgbClr val="CB171F"/>
-                    </a:solidFill>
-                    <a:latin typeface="Constantia" panose="02030602050306030303" pitchFamily="18" charset="0"/>
-                    <a:ea typeface="Verdana" panose="020B0604030504040204" pitchFamily="34" charset="0"/>
-                    <a:cs typeface="Arial" panose="020B0604020202020204" pitchFamily="34" charset="0"/>
-                  </a:endParaRPr>
-                </a:p>
-              </p:txBody>
-            </p:sp>
-          </p:grpSp>
-        </p:grpSp>
-        <p:sp>
-          <p:nvSpPr>
-            <p:cNvPr id="12" name="Metin kutusu 11"/>
-            <p:cNvSpPr txBox="1"/>
-            <p:nvPr/>
-          </p:nvSpPr>
-          <p:spPr>
-            <a:xfrm>
-              <a:off x="1582782" y="6493211"/>
-              <a:ext cx="1687468" cy="230832"/>
-            </a:xfrm>
-            <a:prstGeom prst="rect">
-              <a:avLst/>
-            </a:prstGeom>
-            <a:noFill/>
-          </p:spPr>
-          <p:txBody>
-            <a:bodyPr wrap="square" rtlCol="0">
-              <a:spAutoFit/>
-            </a:bodyPr>
-            <a:lstStyle/>
-            <a:p>
-              <a:r>
-                <a:rPr lang="en-US" sz="900" dirty="0" smtClean="0">
-                  <a:solidFill>
-                    <a:srgbClr val="0B8043"/>
-                  </a:solidFill>
-                </a:rPr>
-                <a:t>https:</a:t>
-              </a:r>
-              <a:r>
-                <a:rPr lang="en-US" sz="900" dirty="0" smtClean="0">
-                  <a:solidFill>
-                    <a:schemeClr val="bg1">
-                      <a:lumMod val="50000"/>
-                    </a:schemeClr>
-                  </a:solidFill>
-                </a:rPr>
-                <a:t>//www.veribilimi.co</a:t>
-              </a:r>
-              <a:endParaRPr lang="en-US" sz="900" dirty="0">
-                <a:solidFill>
-                  <a:schemeClr val="bg1">
-                    <a:lumMod val="50000"/>
-                  </a:schemeClr>
-                </a:solidFill>
-              </a:endParaRPr>
-            </a:p>
-          </p:txBody>
-        </p:sp>
-      </p:grpSp>
-      <p:grpSp>
-        <p:nvGrpSpPr>
-          <p:cNvPr id="11" name="Grup 10"/>
-          <p:cNvGrpSpPr/>
-          <p:nvPr/>
-        </p:nvGrpSpPr>
-        <p:grpSpPr>
-          <a:xfrm>
-            <a:off x="9194796" y="6231467"/>
-            <a:ext cx="2802471" cy="457084"/>
-            <a:chOff x="184993" y="5905369"/>
-            <a:chExt cx="5156200" cy="838200"/>
-          </a:xfrm>
-        </p:grpSpPr>
-        <p:sp>
-          <p:nvSpPr>
-            <p:cNvPr id="13" name="Dikdörtgen 12"/>
-            <p:cNvSpPr/>
-            <p:nvPr/>
-          </p:nvSpPr>
-          <p:spPr>
-            <a:xfrm>
-              <a:off x="184993" y="5905369"/>
-              <a:ext cx="5156200" cy="838200"/>
-            </a:xfrm>
-            <a:prstGeom prst="rect">
-              <a:avLst/>
-            </a:prstGeom>
-            <a:solidFill>
-              <a:schemeClr val="bg1">
-                <a:lumMod val="95000"/>
-              </a:schemeClr>
-            </a:solidFill>
-            <a:ln>
-              <a:noFill/>
-            </a:ln>
-          </p:spPr>
-          <p:style>
-            <a:lnRef idx="2">
-              <a:schemeClr val="accent1">
-                <a:shade val="50000"/>
-              </a:schemeClr>
-            </a:lnRef>
-            <a:fillRef idx="1">
-              <a:schemeClr val="accent1"/>
-            </a:fillRef>
-            <a:effectRef idx="0">
-              <a:schemeClr val="accent1"/>
-            </a:effectRef>
-            <a:fontRef idx="minor">
-              <a:schemeClr val="lt1"/>
-            </a:fontRef>
-          </p:style>
-          <p:txBody>
-            <a:bodyPr rtlCol="0" anchor="ctr"/>
-            <a:lstStyle/>
-            <a:p>
-              <a:pPr algn="ctr"/>
-              <a:endParaRPr lang="en-US" sz="2000"/>
-            </a:p>
-          </p:txBody>
-        </p:sp>
-        <p:sp>
-          <p:nvSpPr>
-            <p:cNvPr id="14" name="Unvan 1"/>
-            <p:cNvSpPr txBox="1">
-              <a:spLocks/>
-            </p:cNvSpPr>
-            <p:nvPr/>
-          </p:nvSpPr>
-          <p:spPr>
-            <a:xfrm>
-              <a:off x="302252" y="6024023"/>
-              <a:ext cx="4921678" cy="600892"/>
-            </a:xfrm>
-            <a:prstGeom prst="rect">
-              <a:avLst/>
-            </a:prstGeom>
-          </p:spPr>
-          <p:txBody>
-            <a:bodyPr vert="horz" lIns="91440" tIns="45720" rIns="91440" bIns="45720" rtlCol="0" anchor="b">
-              <a:noAutofit/>
-            </a:bodyPr>
-            <a:lstStyle>
-              <a:lvl1pPr algn="ctr" defTabSz="914400" rtl="0" eaLnBrk="1" latinLnBrk="0" hangingPunct="1">
-                <a:lnSpc>
-                  <a:spcPct val="90000"/>
-                </a:lnSpc>
-                <a:spcBef>
-                  <a:spcPct val="0"/>
-                </a:spcBef>
-                <a:buNone/>
-                <a:defRPr sz="6000" kern="1200">
-                  <a:solidFill>
-                    <a:schemeClr val="tx1"/>
-                  </a:solidFill>
-                  <a:latin typeface="+mj-lt"/>
-                  <a:ea typeface="+mj-ea"/>
-                  <a:cs typeface="+mj-cs"/>
-                </a:defRPr>
-              </a:lvl1pPr>
-            </a:lstStyle>
-            <a:p>
-              <a:pPr algn="l"/>
-              <a:r>
-                <a:rPr lang="tr-TR" sz="2000" dirty="0">
-                  <a:solidFill>
-                    <a:srgbClr val="CB171F"/>
-                  </a:solidFill>
-                  <a:latin typeface="Constantia" panose="02030602050306030303" pitchFamily="18" charset="0"/>
-                  <a:ea typeface="Verdana" panose="020B0604030504040204" pitchFamily="34" charset="0"/>
-                  <a:cs typeface="Arial" panose="020B0604020202020204" pitchFamily="34" charset="0"/>
-                </a:rPr>
-                <a:t>A’dan Z’ye Büyük Veri</a:t>
-              </a:r>
-              <a:endParaRPr lang="en-US" sz="2000" dirty="0">
-                <a:solidFill>
-                  <a:srgbClr val="CB171F"/>
-                </a:solidFill>
-                <a:latin typeface="Constantia" panose="02030602050306030303" pitchFamily="18" charset="0"/>
-                <a:ea typeface="Verdana" panose="020B0604030504040204" pitchFamily="34" charset="0"/>
-                <a:cs typeface="Arial" panose="020B0604020202020204" pitchFamily="34" charset="0"/>
-              </a:endParaRPr>
-            </a:p>
-          </p:txBody>
-        </p:sp>
-      </p:grpSp>
       <p:sp>
         <p:nvSpPr>
           <p:cNvPr id="16" name="Unvan 1"/>
@@ -12074,7 +9398,7 @@
           <a:lstStyle/>
           <a:p>
             <a:r>
-              <a:rPr lang="tr-TR" sz="4200" b="1" dirty="0" err="1" smtClean="0">
+              <a:rPr lang="tr-TR" sz="4200" b="1" dirty="0" err="1">
                 <a:solidFill>
                   <a:srgbClr val="CD1F26"/>
                 </a:solidFill>
@@ -12085,7 +9409,7 @@
               <a:t>Apache</a:t>
             </a:r>
             <a:r>
-              <a:rPr lang="tr-TR" sz="4200" b="1" dirty="0" smtClean="0">
+              <a:rPr lang="tr-TR" sz="4200" b="1" dirty="0">
                 <a:solidFill>
                   <a:srgbClr val="CD1F26"/>
                 </a:solidFill>
@@ -12096,7 +9420,7 @@
               <a:t> </a:t>
             </a:r>
             <a:r>
-              <a:rPr lang="tr-TR" sz="4200" b="1" dirty="0" err="1" smtClean="0">
+              <a:rPr lang="tr-TR" sz="4200" b="1" dirty="0" err="1">
                 <a:solidFill>
                   <a:srgbClr val="CD1F26"/>
                 </a:solidFill>
@@ -12146,7 +9470,7 @@
               <a:buChar char="ü"/>
             </a:pPr>
             <a:r>
-              <a:rPr lang="tr-TR" sz="2400" dirty="0" smtClean="0">
+              <a:rPr lang="tr-TR" sz="2400" dirty="0">
                 <a:solidFill>
                   <a:srgbClr val="404041"/>
                 </a:solidFill>
@@ -12162,22 +9486,13 @@
               </a:lnSpc>
             </a:pPr>
             <a:r>
-              <a:rPr lang="tr-TR" sz="2400" dirty="0" smtClean="0">
-                <a:solidFill>
-                  <a:srgbClr val="404041"/>
-                </a:solidFill>
-                <a:latin typeface="Roboto"/>
-              </a:rPr>
-              <a:t>    Binlerce </a:t>
-            </a:r>
-            <a:r>
               <a:rPr lang="tr-TR" sz="2400" dirty="0">
                 <a:solidFill>
                   <a:srgbClr val="404041"/>
                 </a:solidFill>
                 <a:latin typeface="Roboto"/>
               </a:rPr>
-              <a:t>sunucu üzerinde </a:t>
+              <a:t>    Binlerce sunucu üzerinde </a:t>
             </a:r>
             <a:r>
               <a:rPr lang="tr-TR" sz="2400" dirty="0" err="1">
@@ -12195,16 +9510,7 @@
                 </a:solidFill>
                 <a:latin typeface="Roboto"/>
               </a:rPr>
-              <a:t> </a:t>
-            </a:r>
-            <a:r>
-              <a:rPr lang="tr-TR" sz="2400" dirty="0" smtClean="0">
-                <a:solidFill>
-                  <a:srgbClr val="404041"/>
-                </a:solidFill>
-                <a:latin typeface="Roboto"/>
-              </a:rPr>
-              <a:t>ölçeğinde</a:t>
+              <a:t> ölçeğinde</a:t>
             </a:r>
           </a:p>
           <a:p>
@@ -12216,7 +9522,7 @@
               <a:buChar char="ü"/>
             </a:pPr>
             <a:r>
-              <a:rPr lang="tr-TR" sz="2400" dirty="0" err="1" smtClean="0">
+              <a:rPr lang="tr-TR" sz="2400" dirty="0" err="1">
                 <a:solidFill>
                   <a:srgbClr val="404041"/>
                 </a:solidFill>
@@ -12225,7 +9531,7 @@
               <a:t>MapReduce’un</a:t>
             </a:r>
             <a:r>
-              <a:rPr lang="tr-TR" sz="2400" dirty="0" smtClean="0">
+              <a:rPr lang="tr-TR" sz="2400" dirty="0">
                 <a:solidFill>
                   <a:srgbClr val="404041"/>
                 </a:solidFill>
@@ -12234,7 +9540,7 @@
               <a:t> alternatifi, </a:t>
             </a:r>
             <a:r>
-              <a:rPr lang="tr-TR" sz="2400" dirty="0" err="1" smtClean="0">
+              <a:rPr lang="tr-TR" sz="2400" dirty="0" err="1">
                 <a:solidFill>
                   <a:srgbClr val="404041"/>
                 </a:solidFill>
@@ -12243,7 +9549,7 @@
               <a:t>Hadoop’un</a:t>
             </a:r>
             <a:r>
-              <a:rPr lang="tr-TR" sz="2400" dirty="0" smtClean="0">
+              <a:rPr lang="tr-TR" sz="2400" dirty="0">
                 <a:solidFill>
                   <a:srgbClr val="404041"/>
                 </a:solidFill>
@@ -12261,7 +9567,7 @@
               <a:buChar char="ü"/>
             </a:pPr>
             <a:r>
-              <a:rPr lang="tr-TR" sz="2400" dirty="0" smtClean="0">
+              <a:rPr lang="tr-TR" sz="2400" dirty="0">
                 <a:solidFill>
                   <a:srgbClr val="404041"/>
                 </a:solidFill>
@@ -12283,19 +9589,10 @@
                 </a:solidFill>
                 <a:latin typeface="Roboto"/>
               </a:rPr>
-              <a:t> </a:t>
-            </a:r>
-            <a:r>
-              <a:rPr lang="tr-TR" sz="2400" dirty="0" smtClean="0">
-                <a:solidFill>
-                  <a:srgbClr val="404041"/>
-                </a:solidFill>
-                <a:latin typeface="Roboto"/>
-              </a:rPr>
-              <a:t>   Güçlü bir topluluk, </a:t>
-            </a:r>
-            <a:r>
-              <a:rPr lang="tr-TR" sz="2400" dirty="0" err="1" smtClean="0">
+              <a:t>    Güçlü bir topluluk, </a:t>
+            </a:r>
+            <a:r>
+              <a:rPr lang="tr-TR" sz="2400" dirty="0" err="1">
                 <a:solidFill>
                   <a:srgbClr val="404041"/>
                 </a:solidFill>
@@ -12304,7 +9601,7 @@
               <a:t>Databricks</a:t>
             </a:r>
             <a:r>
-              <a:rPr lang="tr-TR" sz="2400" dirty="0" smtClean="0">
+              <a:rPr lang="tr-TR" sz="2400" dirty="0">
                 <a:solidFill>
                   <a:srgbClr val="404041"/>
                 </a:solidFill>
@@ -12322,7 +9619,7 @@
               <a:t>UC Berkeley, Hortonworks </a:t>
             </a:r>
             <a:r>
-              <a:rPr lang="tr-TR" sz="2400" dirty="0" smtClean="0">
+              <a:rPr lang="tr-TR" sz="2400" dirty="0">
                 <a:solidFill>
                   <a:srgbClr val="404041"/>
                 </a:solidFill>
@@ -12331,7 +9628,7 @@
               <a:t>ve </a:t>
             </a:r>
             <a:r>
-              <a:rPr lang="en-US" sz="2400" dirty="0" smtClean="0">
+              <a:rPr lang="en-US" sz="2400" dirty="0">
                 <a:solidFill>
                   <a:srgbClr val="404041"/>
                 </a:solidFill>
@@ -12339,7 +9636,7 @@
               </a:rPr>
               <a:t>Cloudera</a:t>
             </a:r>
-            <a:endParaRPr lang="tr-TR" sz="2400" dirty="0" smtClean="0">
+            <a:endParaRPr lang="tr-TR" sz="2400" dirty="0">
               <a:solidFill>
                 <a:srgbClr val="404041"/>
               </a:solidFill>
@@ -12355,7 +9652,7 @@
               <a:buChar char="ü"/>
             </a:pPr>
             <a:r>
-              <a:rPr lang="tr-TR" sz="2400" dirty="0" smtClean="0">
+              <a:rPr lang="tr-TR" sz="2400" dirty="0">
                 <a:solidFill>
                   <a:srgbClr val="404041"/>
                 </a:solidFill>
@@ -12373,7 +9670,7 @@
               <a:buChar char="ü"/>
             </a:pPr>
             <a:r>
-              <a:rPr lang="tr-TR" sz="2400" dirty="0" smtClean="0">
+              <a:rPr lang="tr-TR" sz="2400" dirty="0">
                 <a:solidFill>
                   <a:srgbClr val="404041"/>
                 </a:solidFill>
@@ -12382,7 +9679,7 @@
               <a:t>Hadoop YARN üzerinde hem MapReduce hem de </a:t>
             </a:r>
             <a:r>
-              <a:rPr lang="tr-TR" sz="2400" dirty="0" err="1" smtClean="0">
+              <a:rPr lang="tr-TR" sz="2400" dirty="0" err="1">
                 <a:solidFill>
                   <a:srgbClr val="404041"/>
                 </a:solidFill>
@@ -12391,7 +9688,7 @@
               <a:t>Spark</a:t>
             </a:r>
             <a:r>
-              <a:rPr lang="tr-TR" sz="2400" dirty="0" smtClean="0">
+              <a:rPr lang="tr-TR" sz="2400" dirty="0">
                 <a:solidFill>
                   <a:srgbClr val="404041"/>
                 </a:solidFill>
@@ -12408,7 +9705,7 @@
               <a:buFont typeface="Wingdings" panose="05000000000000000000" pitchFamily="2" charset="2"/>
               <a:buChar char="ü"/>
             </a:pPr>
-            <a:endParaRPr lang="tr-TR" sz="2400" dirty="0" smtClean="0">
+            <a:endParaRPr lang="tr-TR" sz="2400" dirty="0">
               <a:solidFill>
                 <a:srgbClr val="404041"/>
               </a:solidFill>
@@ -12427,13 +9724,6 @@
   <p:clrMapOvr>
     <a:masterClrMapping/>
   </p:clrMapOvr>
-  <p:timing>
-    <p:tnLst>
-      <p:par>
-        <p:cTn id="1" dur="indefinite" restart="never" nodeType="tmRoot"/>
-      </p:par>
-    </p:tnLst>
-  </p:timing>
 </p:sld>
 </file>
 
@@ -12491,369 +9781,6 @@
           </a:fontRef>
         </p:style>
       </p:cxnSp>
-      <p:grpSp>
-        <p:nvGrpSpPr>
-          <p:cNvPr id="15" name="Grup 14"/>
-          <p:cNvGrpSpPr/>
-          <p:nvPr/>
-        </p:nvGrpSpPr>
-        <p:grpSpPr>
-          <a:xfrm>
-            <a:off x="228596" y="6231467"/>
-            <a:ext cx="3041654" cy="492576"/>
-            <a:chOff x="228596" y="6231467"/>
-            <a:chExt cx="3041654" cy="492576"/>
-          </a:xfrm>
-        </p:grpSpPr>
-        <p:grpSp>
-          <p:nvGrpSpPr>
-            <p:cNvPr id="8" name="Grup 7"/>
-            <p:cNvGrpSpPr/>
-            <p:nvPr/>
-          </p:nvGrpSpPr>
-          <p:grpSpPr>
-            <a:xfrm>
-              <a:off x="228596" y="6231467"/>
-              <a:ext cx="2802471" cy="457084"/>
-              <a:chOff x="127000" y="5901146"/>
-              <a:chExt cx="5156200" cy="838200"/>
-            </a:xfrm>
-          </p:grpSpPr>
-          <p:sp>
-            <p:nvSpPr>
-              <p:cNvPr id="7" name="Dikdörtgen 6"/>
-              <p:cNvSpPr/>
-              <p:nvPr/>
-            </p:nvSpPr>
-            <p:spPr>
-              <a:xfrm>
-                <a:off x="127000" y="5901146"/>
-                <a:ext cx="5156200" cy="838200"/>
-              </a:xfrm>
-              <a:prstGeom prst="rect">
-                <a:avLst/>
-              </a:prstGeom>
-              <a:solidFill>
-                <a:schemeClr val="bg1">
-                  <a:lumMod val="95000"/>
-                </a:schemeClr>
-              </a:solidFill>
-              <a:ln>
-                <a:noFill/>
-              </a:ln>
-            </p:spPr>
-            <p:style>
-              <a:lnRef idx="2">
-                <a:schemeClr val="accent1">
-                  <a:shade val="50000"/>
-                </a:schemeClr>
-              </a:lnRef>
-              <a:fillRef idx="1">
-                <a:schemeClr val="accent1"/>
-              </a:fillRef>
-              <a:effectRef idx="0">
-                <a:schemeClr val="accent1"/>
-              </a:effectRef>
-              <a:fontRef idx="minor">
-                <a:schemeClr val="lt1"/>
-              </a:fontRef>
-            </p:style>
-            <p:txBody>
-              <a:bodyPr rtlCol="0" anchor="ctr"/>
-              <a:lstStyle/>
-              <a:p>
-                <a:pPr algn="ctr"/>
-                <a:endParaRPr lang="en-US" sz="2000"/>
-              </a:p>
-            </p:txBody>
-          </p:sp>
-          <p:grpSp>
-            <p:nvGrpSpPr>
-              <p:cNvPr id="6" name="Grup 5"/>
-              <p:cNvGrpSpPr/>
-              <p:nvPr/>
-            </p:nvGrpSpPr>
-            <p:grpSpPr>
-              <a:xfrm>
-                <a:off x="211667" y="6019800"/>
-                <a:ext cx="5012266" cy="605115"/>
-                <a:chOff x="211667" y="6019800"/>
-                <a:chExt cx="5012266" cy="605115"/>
-              </a:xfrm>
-            </p:grpSpPr>
-            <p:pic>
-              <p:nvPicPr>
-                <p:cNvPr id="4" name="Resim 3"/>
-                <p:cNvPicPr>
-                  <a:picLocks noChangeAspect="1"/>
-                </p:cNvPicPr>
-                <p:nvPr/>
-              </p:nvPicPr>
-              <p:blipFill rotWithShape="1">
-                <a:blip r:embed="rId2" cstate="print">
-                  <a:extLst>
-                    <a:ext uri="{28A0092B-C50C-407E-A947-70E740481C1C}">
-                      <a14:useLocalDpi xmlns:a14="http://schemas.microsoft.com/office/drawing/2010/main" val="0"/>
-                    </a:ext>
-                  </a:extLst>
-                </a:blip>
-                <a:srcRect l="24387" t="8319" r="18355" b="50150"/>
-                <a:stretch/>
-              </p:blipFill>
-              <p:spPr>
-                <a:xfrm>
-                  <a:off x="211667" y="6019800"/>
-                  <a:ext cx="1072095" cy="600892"/>
-                </a:xfrm>
-                <a:prstGeom prst="rect">
-                  <a:avLst/>
-                </a:prstGeom>
-              </p:spPr>
-            </p:pic>
-            <p:sp>
-              <p:nvSpPr>
-                <p:cNvPr id="5" name="Unvan 1"/>
-                <p:cNvSpPr txBox="1">
-                  <a:spLocks/>
-                </p:cNvSpPr>
-                <p:nvPr/>
-              </p:nvSpPr>
-              <p:spPr>
-                <a:xfrm>
-                  <a:off x="1283763" y="6024023"/>
-                  <a:ext cx="3940170" cy="600892"/>
-                </a:xfrm>
-                <a:prstGeom prst="rect">
-                  <a:avLst/>
-                </a:prstGeom>
-              </p:spPr>
-              <p:txBody>
-                <a:bodyPr vert="horz" lIns="91440" tIns="45720" rIns="91440" bIns="45720" rtlCol="0" anchor="b">
-                  <a:noAutofit/>
-                </a:bodyPr>
-                <a:lstStyle>
-                  <a:lvl1pPr algn="ctr" defTabSz="914400" rtl="0" eaLnBrk="1" latinLnBrk="0" hangingPunct="1">
-                    <a:lnSpc>
-                      <a:spcPct val="90000"/>
-                    </a:lnSpc>
-                    <a:spcBef>
-                      <a:spcPct val="0"/>
-                    </a:spcBef>
-                    <a:buNone/>
-                    <a:defRPr sz="6000" kern="1200">
-                      <a:solidFill>
-                        <a:schemeClr val="tx1"/>
-                      </a:solidFill>
-                      <a:latin typeface="+mj-lt"/>
-                      <a:ea typeface="+mj-ea"/>
-                      <a:cs typeface="+mj-cs"/>
-                    </a:defRPr>
-                  </a:lvl1pPr>
-                </a:lstStyle>
-                <a:p>
-                  <a:pPr algn="l"/>
-                  <a:r>
-                    <a:rPr lang="tr-TR" sz="2000" dirty="0" smtClean="0">
-                      <a:solidFill>
-                        <a:srgbClr val="CB171F"/>
-                      </a:solidFill>
-                      <a:latin typeface="Constantia" panose="02030602050306030303" pitchFamily="18" charset="0"/>
-                      <a:ea typeface="Verdana" panose="020B0604030504040204" pitchFamily="34" charset="0"/>
-                      <a:cs typeface="Arial" panose="020B0604020202020204" pitchFamily="34" charset="0"/>
-                    </a:rPr>
-                    <a:t>Veri Bilimi Okulu</a:t>
-                  </a:r>
-                  <a:endParaRPr lang="en-US" sz="2000" dirty="0">
-                    <a:solidFill>
-                      <a:srgbClr val="CB171F"/>
-                    </a:solidFill>
-                    <a:latin typeface="Constantia" panose="02030602050306030303" pitchFamily="18" charset="0"/>
-                    <a:ea typeface="Verdana" panose="020B0604030504040204" pitchFamily="34" charset="0"/>
-                    <a:cs typeface="Arial" panose="020B0604020202020204" pitchFamily="34" charset="0"/>
-                  </a:endParaRPr>
-                </a:p>
-              </p:txBody>
-            </p:sp>
-          </p:grpSp>
-        </p:grpSp>
-        <p:sp>
-          <p:nvSpPr>
-            <p:cNvPr id="12" name="Metin kutusu 11"/>
-            <p:cNvSpPr txBox="1"/>
-            <p:nvPr/>
-          </p:nvSpPr>
-          <p:spPr>
-            <a:xfrm>
-              <a:off x="1582782" y="6493211"/>
-              <a:ext cx="1687468" cy="230832"/>
-            </a:xfrm>
-            <a:prstGeom prst="rect">
-              <a:avLst/>
-            </a:prstGeom>
-            <a:noFill/>
-          </p:spPr>
-          <p:txBody>
-            <a:bodyPr wrap="square" rtlCol="0">
-              <a:spAutoFit/>
-            </a:bodyPr>
-            <a:lstStyle/>
-            <a:p>
-              <a:r>
-                <a:rPr lang="en-US" sz="900" dirty="0" smtClean="0">
-                  <a:solidFill>
-                    <a:srgbClr val="0B8043"/>
-                  </a:solidFill>
-                </a:rPr>
-                <a:t>https:</a:t>
-              </a:r>
-              <a:r>
-                <a:rPr lang="en-US" sz="900" dirty="0" smtClean="0">
-                  <a:solidFill>
-                    <a:schemeClr val="bg1">
-                      <a:lumMod val="50000"/>
-                    </a:schemeClr>
-                  </a:solidFill>
-                </a:rPr>
-                <a:t>//www.veribilimi.co</a:t>
-              </a:r>
-              <a:endParaRPr lang="en-US" sz="900" dirty="0">
-                <a:solidFill>
-                  <a:schemeClr val="bg1">
-                    <a:lumMod val="50000"/>
-                  </a:schemeClr>
-                </a:solidFill>
-              </a:endParaRPr>
-            </a:p>
-          </p:txBody>
-        </p:sp>
-      </p:grpSp>
-      <p:grpSp>
-        <p:nvGrpSpPr>
-          <p:cNvPr id="11" name="Grup 10"/>
-          <p:cNvGrpSpPr/>
-          <p:nvPr/>
-        </p:nvGrpSpPr>
-        <p:grpSpPr>
-          <a:xfrm>
-            <a:off x="9194796" y="6231467"/>
-            <a:ext cx="2802471" cy="457084"/>
-            <a:chOff x="184993" y="5905369"/>
-            <a:chExt cx="5156200" cy="838200"/>
-          </a:xfrm>
-        </p:grpSpPr>
-        <p:sp>
-          <p:nvSpPr>
-            <p:cNvPr id="13" name="Dikdörtgen 12"/>
-            <p:cNvSpPr/>
-            <p:nvPr/>
-          </p:nvSpPr>
-          <p:spPr>
-            <a:xfrm>
-              <a:off x="184993" y="5905369"/>
-              <a:ext cx="5156200" cy="838200"/>
-            </a:xfrm>
-            <a:prstGeom prst="rect">
-              <a:avLst/>
-            </a:prstGeom>
-            <a:solidFill>
-              <a:schemeClr val="bg1">
-                <a:lumMod val="95000"/>
-              </a:schemeClr>
-            </a:solidFill>
-            <a:ln>
-              <a:noFill/>
-            </a:ln>
-          </p:spPr>
-          <p:style>
-            <a:lnRef idx="2">
-              <a:schemeClr val="accent1">
-                <a:shade val="50000"/>
-              </a:schemeClr>
-            </a:lnRef>
-            <a:fillRef idx="1">
-              <a:schemeClr val="accent1"/>
-            </a:fillRef>
-            <a:effectRef idx="0">
-              <a:schemeClr val="accent1"/>
-            </a:effectRef>
-            <a:fontRef idx="minor">
-              <a:schemeClr val="lt1"/>
-            </a:fontRef>
-          </p:style>
-          <p:txBody>
-            <a:bodyPr rtlCol="0" anchor="ctr"/>
-            <a:lstStyle/>
-            <a:p>
-              <a:pPr algn="ctr"/>
-              <a:endParaRPr lang="en-US" sz="2000"/>
-            </a:p>
-          </p:txBody>
-        </p:sp>
-        <p:sp>
-          <p:nvSpPr>
-            <p:cNvPr id="14" name="Unvan 1"/>
-            <p:cNvSpPr txBox="1">
-              <a:spLocks/>
-            </p:cNvSpPr>
-            <p:nvPr/>
-          </p:nvSpPr>
-          <p:spPr>
-            <a:xfrm>
-              <a:off x="302252" y="6024023"/>
-              <a:ext cx="4921678" cy="600892"/>
-            </a:xfrm>
-            <a:prstGeom prst="rect">
-              <a:avLst/>
-            </a:prstGeom>
-          </p:spPr>
-          <p:txBody>
-            <a:bodyPr vert="horz" lIns="91440" tIns="45720" rIns="91440" bIns="45720" rtlCol="0" anchor="b">
-              <a:noAutofit/>
-            </a:bodyPr>
-            <a:lstStyle>
-              <a:lvl1pPr algn="ctr" defTabSz="914400" rtl="0" eaLnBrk="1" latinLnBrk="0" hangingPunct="1">
-                <a:lnSpc>
-                  <a:spcPct val="90000"/>
-                </a:lnSpc>
-                <a:spcBef>
-                  <a:spcPct val="0"/>
-                </a:spcBef>
-                <a:buNone/>
-                <a:defRPr sz="6000" kern="1200">
-                  <a:solidFill>
-                    <a:schemeClr val="tx1"/>
-                  </a:solidFill>
-                  <a:latin typeface="+mj-lt"/>
-                  <a:ea typeface="+mj-ea"/>
-                  <a:cs typeface="+mj-cs"/>
-                </a:defRPr>
-              </a:lvl1pPr>
-            </a:lstStyle>
-            <a:p>
-              <a:pPr algn="l"/>
-              <a:r>
-                <a:rPr lang="tr-TR" sz="2000" dirty="0">
-                  <a:solidFill>
-                    <a:srgbClr val="CB171F"/>
-                  </a:solidFill>
-                  <a:latin typeface="Constantia" panose="02030602050306030303" pitchFamily="18" charset="0"/>
-                  <a:ea typeface="Verdana" panose="020B0604030504040204" pitchFamily="34" charset="0"/>
-                  <a:cs typeface="Arial" panose="020B0604020202020204" pitchFamily="34" charset="0"/>
-                </a:rPr>
-                <a:t>A’dan Z’ye Büyük Veri</a:t>
-              </a:r>
-              <a:endParaRPr lang="en-US" sz="2000" dirty="0">
-                <a:solidFill>
-                  <a:srgbClr val="CB171F"/>
-                </a:solidFill>
-                <a:latin typeface="Constantia" panose="02030602050306030303" pitchFamily="18" charset="0"/>
-                <a:ea typeface="Verdana" panose="020B0604030504040204" pitchFamily="34" charset="0"/>
-                <a:cs typeface="Arial" panose="020B0604020202020204" pitchFamily="34" charset="0"/>
-              </a:endParaRPr>
-            </a:p>
-          </p:txBody>
-        </p:sp>
-      </p:grpSp>
       <p:sp>
         <p:nvSpPr>
           <p:cNvPr id="16" name="Unvan 1"/>
@@ -12877,7 +9804,7 @@
           <a:lstStyle/>
           <a:p>
             <a:r>
-              <a:rPr lang="tr-TR" sz="4200" b="1" dirty="0" smtClean="0">
+              <a:rPr lang="tr-TR" sz="4200" b="1" dirty="0">
                 <a:solidFill>
                   <a:srgbClr val="CD1F26"/>
                 </a:solidFill>
@@ -12927,7 +9854,7 @@
               <a:buChar char="ü"/>
             </a:pPr>
             <a:r>
-              <a:rPr lang="tr-TR" sz="2800" dirty="0" smtClean="0">
+              <a:rPr lang="tr-TR" sz="2800" dirty="0">
                 <a:solidFill>
                   <a:srgbClr val="404041"/>
                 </a:solidFill>
@@ -12951,7 +9878,7 @@
               <a:buChar char="ü"/>
             </a:pPr>
             <a:r>
-              <a:rPr lang="tr-TR" sz="2800" dirty="0" err="1" smtClean="0">
+              <a:rPr lang="tr-TR" sz="2800" dirty="0" err="1">
                 <a:solidFill>
                   <a:srgbClr val="404041"/>
                 </a:solidFill>
@@ -12960,7 +9887,7 @@
               <a:t>Hadoop’a</a:t>
             </a:r>
             <a:r>
-              <a:rPr lang="tr-TR" sz="2800" dirty="0" smtClean="0">
+              <a:rPr lang="tr-TR" sz="2800" dirty="0">
                 <a:solidFill>
                   <a:srgbClr val="404041"/>
                 </a:solidFill>
@@ -12968,7 +9895,7 @@
               </a:rPr>
               <a:t> bağımlı değil</a:t>
             </a:r>
-            <a:endParaRPr lang="en-US" sz="2800" dirty="0" smtClean="0">
+            <a:endParaRPr lang="en-US" sz="2800" dirty="0">
               <a:solidFill>
                 <a:srgbClr val="404041"/>
               </a:solidFill>
@@ -12984,22 +9911,13 @@
               <a:buChar char="ü"/>
             </a:pPr>
             <a:r>
-              <a:rPr lang="tr-TR" sz="2800" dirty="0" smtClean="0">
-                <a:solidFill>
-                  <a:srgbClr val="404041"/>
-                </a:solidFill>
-                <a:latin typeface="Roboto"/>
-              </a:rPr>
-              <a:t>Belleği </a:t>
-            </a:r>
-            <a:r>
-              <a:rPr lang="tr-TR" sz="2800" dirty="0" smtClean="0">
-                <a:solidFill>
-                  <a:srgbClr val="404041"/>
-                </a:solidFill>
-                <a:latin typeface="Roboto"/>
-              </a:rPr>
-              <a:t>kullanma gücü, MapReduce diski kullanır.</a:t>
+              <a:rPr lang="tr-TR" sz="2800" dirty="0">
+                <a:solidFill>
+                  <a:srgbClr val="404041"/>
+                </a:solidFill>
+                <a:latin typeface="Roboto"/>
+              </a:rPr>
+              <a:t>Belleği kullanma gücü, MapReduce diski kullanır.</a:t>
             </a:r>
           </a:p>
           <a:p>
@@ -13009,7 +9927,7 @@
               </a:lnSpc>
             </a:pPr>
             <a:r>
-              <a:rPr lang="tr-TR" sz="2800" dirty="0" smtClean="0">
+              <a:rPr lang="tr-TR" sz="2800" dirty="0">
                 <a:solidFill>
                   <a:srgbClr val="404041"/>
                 </a:solidFill>
@@ -13018,7 +9936,7 @@
               <a:t>Özellikle makine öğrenmesinde (</a:t>
             </a:r>
             <a:r>
-              <a:rPr lang="tr-TR" sz="2800" dirty="0" err="1" smtClean="0">
+              <a:rPr lang="tr-TR" sz="2800" dirty="0" err="1">
                 <a:solidFill>
                   <a:srgbClr val="404041"/>
                 </a:solidFill>
@@ -13027,7 +9945,7 @@
               <a:t>iterative</a:t>
             </a:r>
             <a:r>
-              <a:rPr lang="tr-TR" sz="2800" dirty="0" smtClean="0">
+              <a:rPr lang="tr-TR" sz="2800" dirty="0">
                 <a:solidFill>
                   <a:srgbClr val="404041"/>
                 </a:solidFill>
@@ -13051,7 +9969,7 @@
               <a:buChar char="ü"/>
             </a:pPr>
             <a:r>
-              <a:rPr lang="tr-TR" sz="2800" dirty="0" err="1" smtClean="0">
+              <a:rPr lang="tr-TR" sz="2800" dirty="0" err="1">
                 <a:solidFill>
                   <a:srgbClr val="404041"/>
                 </a:solidFill>
@@ -13060,7 +9978,7 @@
               <a:t>Shuffle</a:t>
             </a:r>
             <a:r>
-              <a:rPr lang="tr-TR" sz="2800" dirty="0" smtClean="0">
+              <a:rPr lang="tr-TR" sz="2800" dirty="0">
                 <a:solidFill>
                   <a:srgbClr val="404041"/>
                 </a:solidFill>
@@ -13084,7 +10002,7 @@
               <a:buChar char="ü"/>
             </a:pPr>
             <a:r>
-              <a:rPr lang="tr-TR" sz="2800" dirty="0" smtClean="0">
+              <a:rPr lang="tr-TR" sz="2800" dirty="0">
                 <a:solidFill>
                   <a:srgbClr val="404041"/>
                 </a:solidFill>
@@ -13102,7 +10020,7 @@
               <a:buChar char="ü"/>
             </a:pPr>
             <a:r>
-              <a:rPr lang="tr-TR" sz="2800" dirty="0" err="1" smtClean="0">
+              <a:rPr lang="tr-TR" sz="2800" dirty="0" err="1">
                 <a:solidFill>
                   <a:srgbClr val="404041"/>
                 </a:solidFill>
@@ -13111,7 +10029,7 @@
               <a:t>Spark</a:t>
             </a:r>
             <a:r>
-              <a:rPr lang="tr-TR" sz="2800" dirty="0" smtClean="0">
+              <a:rPr lang="tr-TR" sz="2800" dirty="0">
                 <a:solidFill>
                   <a:srgbClr val="404041"/>
                 </a:solidFill>
@@ -13132,13 +10050,6 @@
   <p:clrMapOvr>
     <a:masterClrMapping/>
   </p:clrMapOvr>
-  <p:timing>
-    <p:tnLst>
-      <p:par>
-        <p:cTn id="1" dur="indefinite" restart="never" nodeType="tmRoot"/>
-      </p:par>
-    </p:tnLst>
-  </p:timing>
 </p:sld>
 </file>
 
@@ -13196,369 +10107,6 @@
           </a:fontRef>
         </p:style>
       </p:cxnSp>
-      <p:grpSp>
-        <p:nvGrpSpPr>
-          <p:cNvPr id="15" name="Grup 14"/>
-          <p:cNvGrpSpPr/>
-          <p:nvPr/>
-        </p:nvGrpSpPr>
-        <p:grpSpPr>
-          <a:xfrm>
-            <a:off x="228596" y="6231467"/>
-            <a:ext cx="3041654" cy="492576"/>
-            <a:chOff x="228596" y="6231467"/>
-            <a:chExt cx="3041654" cy="492576"/>
-          </a:xfrm>
-        </p:grpSpPr>
-        <p:grpSp>
-          <p:nvGrpSpPr>
-            <p:cNvPr id="8" name="Grup 7"/>
-            <p:cNvGrpSpPr/>
-            <p:nvPr/>
-          </p:nvGrpSpPr>
-          <p:grpSpPr>
-            <a:xfrm>
-              <a:off x="228596" y="6231467"/>
-              <a:ext cx="2802471" cy="457084"/>
-              <a:chOff x="127000" y="5901146"/>
-              <a:chExt cx="5156200" cy="838200"/>
-            </a:xfrm>
-          </p:grpSpPr>
-          <p:sp>
-            <p:nvSpPr>
-              <p:cNvPr id="7" name="Dikdörtgen 6"/>
-              <p:cNvSpPr/>
-              <p:nvPr/>
-            </p:nvSpPr>
-            <p:spPr>
-              <a:xfrm>
-                <a:off x="127000" y="5901146"/>
-                <a:ext cx="5156200" cy="838200"/>
-              </a:xfrm>
-              <a:prstGeom prst="rect">
-                <a:avLst/>
-              </a:prstGeom>
-              <a:solidFill>
-                <a:schemeClr val="bg1">
-                  <a:lumMod val="95000"/>
-                </a:schemeClr>
-              </a:solidFill>
-              <a:ln>
-                <a:noFill/>
-              </a:ln>
-            </p:spPr>
-            <p:style>
-              <a:lnRef idx="2">
-                <a:schemeClr val="accent1">
-                  <a:shade val="50000"/>
-                </a:schemeClr>
-              </a:lnRef>
-              <a:fillRef idx="1">
-                <a:schemeClr val="accent1"/>
-              </a:fillRef>
-              <a:effectRef idx="0">
-                <a:schemeClr val="accent1"/>
-              </a:effectRef>
-              <a:fontRef idx="minor">
-                <a:schemeClr val="lt1"/>
-              </a:fontRef>
-            </p:style>
-            <p:txBody>
-              <a:bodyPr rtlCol="0" anchor="ctr"/>
-              <a:lstStyle/>
-              <a:p>
-                <a:pPr algn="ctr"/>
-                <a:endParaRPr lang="en-US" sz="2000"/>
-              </a:p>
-            </p:txBody>
-          </p:sp>
-          <p:grpSp>
-            <p:nvGrpSpPr>
-              <p:cNvPr id="6" name="Grup 5"/>
-              <p:cNvGrpSpPr/>
-              <p:nvPr/>
-            </p:nvGrpSpPr>
-            <p:grpSpPr>
-              <a:xfrm>
-                <a:off x="211667" y="6019800"/>
-                <a:ext cx="5012266" cy="605115"/>
-                <a:chOff x="211667" y="6019800"/>
-                <a:chExt cx="5012266" cy="605115"/>
-              </a:xfrm>
-            </p:grpSpPr>
-            <p:pic>
-              <p:nvPicPr>
-                <p:cNvPr id="4" name="Resim 3"/>
-                <p:cNvPicPr>
-                  <a:picLocks noChangeAspect="1"/>
-                </p:cNvPicPr>
-                <p:nvPr/>
-              </p:nvPicPr>
-              <p:blipFill rotWithShape="1">
-                <a:blip r:embed="rId2" cstate="print">
-                  <a:extLst>
-                    <a:ext uri="{28A0092B-C50C-407E-A947-70E740481C1C}">
-                      <a14:useLocalDpi xmlns:a14="http://schemas.microsoft.com/office/drawing/2010/main" val="0"/>
-                    </a:ext>
-                  </a:extLst>
-                </a:blip>
-                <a:srcRect l="24387" t="8319" r="18355" b="50150"/>
-                <a:stretch/>
-              </p:blipFill>
-              <p:spPr>
-                <a:xfrm>
-                  <a:off x="211667" y="6019800"/>
-                  <a:ext cx="1072095" cy="600892"/>
-                </a:xfrm>
-                <a:prstGeom prst="rect">
-                  <a:avLst/>
-                </a:prstGeom>
-              </p:spPr>
-            </p:pic>
-            <p:sp>
-              <p:nvSpPr>
-                <p:cNvPr id="5" name="Unvan 1"/>
-                <p:cNvSpPr txBox="1">
-                  <a:spLocks/>
-                </p:cNvSpPr>
-                <p:nvPr/>
-              </p:nvSpPr>
-              <p:spPr>
-                <a:xfrm>
-                  <a:off x="1283763" y="6024023"/>
-                  <a:ext cx="3940170" cy="600892"/>
-                </a:xfrm>
-                <a:prstGeom prst="rect">
-                  <a:avLst/>
-                </a:prstGeom>
-              </p:spPr>
-              <p:txBody>
-                <a:bodyPr vert="horz" lIns="91440" tIns="45720" rIns="91440" bIns="45720" rtlCol="0" anchor="b">
-                  <a:noAutofit/>
-                </a:bodyPr>
-                <a:lstStyle>
-                  <a:lvl1pPr algn="ctr" defTabSz="914400" rtl="0" eaLnBrk="1" latinLnBrk="0" hangingPunct="1">
-                    <a:lnSpc>
-                      <a:spcPct val="90000"/>
-                    </a:lnSpc>
-                    <a:spcBef>
-                      <a:spcPct val="0"/>
-                    </a:spcBef>
-                    <a:buNone/>
-                    <a:defRPr sz="6000" kern="1200">
-                      <a:solidFill>
-                        <a:schemeClr val="tx1"/>
-                      </a:solidFill>
-                      <a:latin typeface="+mj-lt"/>
-                      <a:ea typeface="+mj-ea"/>
-                      <a:cs typeface="+mj-cs"/>
-                    </a:defRPr>
-                  </a:lvl1pPr>
-                </a:lstStyle>
-                <a:p>
-                  <a:pPr algn="l"/>
-                  <a:r>
-                    <a:rPr lang="tr-TR" sz="2000" dirty="0" smtClean="0">
-                      <a:solidFill>
-                        <a:srgbClr val="CB171F"/>
-                      </a:solidFill>
-                      <a:latin typeface="Constantia" panose="02030602050306030303" pitchFamily="18" charset="0"/>
-                      <a:ea typeface="Verdana" panose="020B0604030504040204" pitchFamily="34" charset="0"/>
-                      <a:cs typeface="Arial" panose="020B0604020202020204" pitchFamily="34" charset="0"/>
-                    </a:rPr>
-                    <a:t>Veri Bilimi Okulu</a:t>
-                  </a:r>
-                  <a:endParaRPr lang="en-US" sz="2000" dirty="0">
-                    <a:solidFill>
-                      <a:srgbClr val="CB171F"/>
-                    </a:solidFill>
-                    <a:latin typeface="Constantia" panose="02030602050306030303" pitchFamily="18" charset="0"/>
-                    <a:ea typeface="Verdana" panose="020B0604030504040204" pitchFamily="34" charset="0"/>
-                    <a:cs typeface="Arial" panose="020B0604020202020204" pitchFamily="34" charset="0"/>
-                  </a:endParaRPr>
-                </a:p>
-              </p:txBody>
-            </p:sp>
-          </p:grpSp>
-        </p:grpSp>
-        <p:sp>
-          <p:nvSpPr>
-            <p:cNvPr id="12" name="Metin kutusu 11"/>
-            <p:cNvSpPr txBox="1"/>
-            <p:nvPr/>
-          </p:nvSpPr>
-          <p:spPr>
-            <a:xfrm>
-              <a:off x="1582782" y="6493211"/>
-              <a:ext cx="1687468" cy="230832"/>
-            </a:xfrm>
-            <a:prstGeom prst="rect">
-              <a:avLst/>
-            </a:prstGeom>
-            <a:noFill/>
-          </p:spPr>
-          <p:txBody>
-            <a:bodyPr wrap="square" rtlCol="0">
-              <a:spAutoFit/>
-            </a:bodyPr>
-            <a:lstStyle/>
-            <a:p>
-              <a:r>
-                <a:rPr lang="en-US" sz="900" dirty="0" smtClean="0">
-                  <a:solidFill>
-                    <a:srgbClr val="0B8043"/>
-                  </a:solidFill>
-                </a:rPr>
-                <a:t>https:</a:t>
-              </a:r>
-              <a:r>
-                <a:rPr lang="en-US" sz="900" dirty="0" smtClean="0">
-                  <a:solidFill>
-                    <a:schemeClr val="bg1">
-                      <a:lumMod val="50000"/>
-                    </a:schemeClr>
-                  </a:solidFill>
-                </a:rPr>
-                <a:t>//www.veribilimi.co</a:t>
-              </a:r>
-              <a:endParaRPr lang="en-US" sz="900" dirty="0">
-                <a:solidFill>
-                  <a:schemeClr val="bg1">
-                    <a:lumMod val="50000"/>
-                  </a:schemeClr>
-                </a:solidFill>
-              </a:endParaRPr>
-            </a:p>
-          </p:txBody>
-        </p:sp>
-      </p:grpSp>
-      <p:grpSp>
-        <p:nvGrpSpPr>
-          <p:cNvPr id="11" name="Grup 10"/>
-          <p:cNvGrpSpPr/>
-          <p:nvPr/>
-        </p:nvGrpSpPr>
-        <p:grpSpPr>
-          <a:xfrm>
-            <a:off x="9194796" y="6231467"/>
-            <a:ext cx="2802471" cy="457084"/>
-            <a:chOff x="184993" y="5905369"/>
-            <a:chExt cx="5156200" cy="838200"/>
-          </a:xfrm>
-        </p:grpSpPr>
-        <p:sp>
-          <p:nvSpPr>
-            <p:cNvPr id="13" name="Dikdörtgen 12"/>
-            <p:cNvSpPr/>
-            <p:nvPr/>
-          </p:nvSpPr>
-          <p:spPr>
-            <a:xfrm>
-              <a:off x="184993" y="5905369"/>
-              <a:ext cx="5156200" cy="838200"/>
-            </a:xfrm>
-            <a:prstGeom prst="rect">
-              <a:avLst/>
-            </a:prstGeom>
-            <a:solidFill>
-              <a:schemeClr val="bg1">
-                <a:lumMod val="95000"/>
-              </a:schemeClr>
-            </a:solidFill>
-            <a:ln>
-              <a:noFill/>
-            </a:ln>
-          </p:spPr>
-          <p:style>
-            <a:lnRef idx="2">
-              <a:schemeClr val="accent1">
-                <a:shade val="50000"/>
-              </a:schemeClr>
-            </a:lnRef>
-            <a:fillRef idx="1">
-              <a:schemeClr val="accent1"/>
-            </a:fillRef>
-            <a:effectRef idx="0">
-              <a:schemeClr val="accent1"/>
-            </a:effectRef>
-            <a:fontRef idx="minor">
-              <a:schemeClr val="lt1"/>
-            </a:fontRef>
-          </p:style>
-          <p:txBody>
-            <a:bodyPr rtlCol="0" anchor="ctr"/>
-            <a:lstStyle/>
-            <a:p>
-              <a:pPr algn="ctr"/>
-              <a:endParaRPr lang="en-US" sz="2000"/>
-            </a:p>
-          </p:txBody>
-        </p:sp>
-        <p:sp>
-          <p:nvSpPr>
-            <p:cNvPr id="14" name="Unvan 1"/>
-            <p:cNvSpPr txBox="1">
-              <a:spLocks/>
-            </p:cNvSpPr>
-            <p:nvPr/>
-          </p:nvSpPr>
-          <p:spPr>
-            <a:xfrm>
-              <a:off x="302252" y="6024023"/>
-              <a:ext cx="4921678" cy="600892"/>
-            </a:xfrm>
-            <a:prstGeom prst="rect">
-              <a:avLst/>
-            </a:prstGeom>
-          </p:spPr>
-          <p:txBody>
-            <a:bodyPr vert="horz" lIns="91440" tIns="45720" rIns="91440" bIns="45720" rtlCol="0" anchor="b">
-              <a:noAutofit/>
-            </a:bodyPr>
-            <a:lstStyle>
-              <a:lvl1pPr algn="ctr" defTabSz="914400" rtl="0" eaLnBrk="1" latinLnBrk="0" hangingPunct="1">
-                <a:lnSpc>
-                  <a:spcPct val="90000"/>
-                </a:lnSpc>
-                <a:spcBef>
-                  <a:spcPct val="0"/>
-                </a:spcBef>
-                <a:buNone/>
-                <a:defRPr sz="6000" kern="1200">
-                  <a:solidFill>
-                    <a:schemeClr val="tx1"/>
-                  </a:solidFill>
-                  <a:latin typeface="+mj-lt"/>
-                  <a:ea typeface="+mj-ea"/>
-                  <a:cs typeface="+mj-cs"/>
-                </a:defRPr>
-              </a:lvl1pPr>
-            </a:lstStyle>
-            <a:p>
-              <a:pPr algn="l"/>
-              <a:r>
-                <a:rPr lang="tr-TR" sz="2000" dirty="0">
-                  <a:solidFill>
-                    <a:srgbClr val="CB171F"/>
-                  </a:solidFill>
-                  <a:latin typeface="Constantia" panose="02030602050306030303" pitchFamily="18" charset="0"/>
-                  <a:ea typeface="Verdana" panose="020B0604030504040204" pitchFamily="34" charset="0"/>
-                  <a:cs typeface="Arial" panose="020B0604020202020204" pitchFamily="34" charset="0"/>
-                </a:rPr>
-                <a:t>A’dan Z’ye Büyük Veri</a:t>
-              </a:r>
-              <a:endParaRPr lang="en-US" sz="2000" dirty="0">
-                <a:solidFill>
-                  <a:srgbClr val="CB171F"/>
-                </a:solidFill>
-                <a:latin typeface="Constantia" panose="02030602050306030303" pitchFamily="18" charset="0"/>
-                <a:ea typeface="Verdana" panose="020B0604030504040204" pitchFamily="34" charset="0"/>
-                <a:cs typeface="Arial" panose="020B0604020202020204" pitchFamily="34" charset="0"/>
-              </a:endParaRPr>
-            </a:p>
-          </p:txBody>
-        </p:sp>
-      </p:grpSp>
       <p:sp>
         <p:nvSpPr>
           <p:cNvPr id="16" name="Unvan 1"/>
@@ -13582,7 +10130,7 @@
           <a:lstStyle/>
           <a:p>
             <a:r>
-              <a:rPr lang="tr-TR" sz="4200" b="1" dirty="0" smtClean="0">
+              <a:rPr lang="tr-TR" sz="4200" b="1" dirty="0">
                 <a:solidFill>
                   <a:srgbClr val="CD1F26"/>
                 </a:solidFill>
@@ -13632,7 +10180,7 @@
               <a:buChar char="ü"/>
             </a:pPr>
             <a:r>
-              <a:rPr lang="tr-TR" sz="2800" dirty="0" smtClean="0">
+              <a:rPr lang="tr-TR" sz="2800" dirty="0">
                 <a:solidFill>
                   <a:srgbClr val="404041"/>
                 </a:solidFill>
@@ -13650,7 +10198,7 @@
               <a:buChar char="ü"/>
             </a:pPr>
             <a:r>
-              <a:rPr lang="tr-TR" sz="2800" dirty="0" err="1" smtClean="0">
+              <a:rPr lang="tr-TR" sz="2800" dirty="0" err="1">
                 <a:solidFill>
                   <a:srgbClr val="404041"/>
                 </a:solidFill>
@@ -13659,7 +10207,7 @@
               <a:t>Erilşilebilirliği</a:t>
             </a:r>
             <a:r>
-              <a:rPr lang="tr-TR" sz="2800" dirty="0" smtClean="0">
+              <a:rPr lang="tr-TR" sz="2800" dirty="0">
                 <a:solidFill>
                   <a:srgbClr val="404041"/>
                 </a:solidFill>
@@ -13668,7 +10216,7 @@
               <a:t> daha yüksek: </a:t>
             </a:r>
             <a:r>
-              <a:rPr lang="tr-TR" sz="2800" dirty="0" err="1" smtClean="0">
+              <a:rPr lang="tr-TR" sz="2800" dirty="0" err="1">
                 <a:solidFill>
                   <a:srgbClr val="404041"/>
                 </a:solidFill>
@@ -13677,7 +10225,7 @@
               <a:t>Scala</a:t>
             </a:r>
             <a:r>
-              <a:rPr lang="tr-TR" sz="2800" dirty="0" smtClean="0">
+              <a:rPr lang="tr-TR" sz="2800" dirty="0">
                 <a:solidFill>
                   <a:srgbClr val="404041"/>
                 </a:solidFill>
@@ -13686,7 +10234,7 @@
               <a:t>, Java, </a:t>
             </a:r>
             <a:r>
-              <a:rPr lang="tr-TR" sz="2800" dirty="0" err="1" smtClean="0">
+              <a:rPr lang="tr-TR" sz="2800" dirty="0" err="1">
                 <a:solidFill>
                   <a:srgbClr val="404041"/>
                 </a:solidFill>
@@ -13695,7 +10243,7 @@
               <a:t>Python</a:t>
             </a:r>
             <a:r>
-              <a:rPr lang="tr-TR" sz="2800" dirty="0" smtClean="0">
+              <a:rPr lang="tr-TR" sz="2800" dirty="0">
                 <a:solidFill>
                   <a:srgbClr val="404041"/>
                 </a:solidFill>
@@ -13713,7 +10261,7 @@
               <a:buChar char="ü"/>
             </a:pPr>
             <a:r>
-              <a:rPr lang="tr-TR" sz="2800" dirty="0" smtClean="0">
+              <a:rPr lang="tr-TR" sz="2800" dirty="0">
                 <a:solidFill>
                   <a:srgbClr val="404041"/>
                 </a:solidFill>
@@ -13734,13 +10282,6 @@
   <p:clrMapOvr>
     <a:masterClrMapping/>
   </p:clrMapOvr>
-  <p:timing>
-    <p:tnLst>
-      <p:par>
-        <p:cTn id="1" dur="indefinite" restart="never" nodeType="tmRoot"/>
-      </p:par>
-    </p:tnLst>
-  </p:timing>
 </p:sld>
 </file>
 
@@ -13798,369 +10339,6 @@
           </a:fontRef>
         </p:style>
       </p:cxnSp>
-      <p:grpSp>
-        <p:nvGrpSpPr>
-          <p:cNvPr id="15" name="Grup 14"/>
-          <p:cNvGrpSpPr/>
-          <p:nvPr/>
-        </p:nvGrpSpPr>
-        <p:grpSpPr>
-          <a:xfrm>
-            <a:off x="228596" y="6231467"/>
-            <a:ext cx="3041654" cy="492576"/>
-            <a:chOff x="228596" y="6231467"/>
-            <a:chExt cx="3041654" cy="492576"/>
-          </a:xfrm>
-        </p:grpSpPr>
-        <p:grpSp>
-          <p:nvGrpSpPr>
-            <p:cNvPr id="8" name="Grup 7"/>
-            <p:cNvGrpSpPr/>
-            <p:nvPr/>
-          </p:nvGrpSpPr>
-          <p:grpSpPr>
-            <a:xfrm>
-              <a:off x="228596" y="6231467"/>
-              <a:ext cx="2802471" cy="457084"/>
-              <a:chOff x="127000" y="5901146"/>
-              <a:chExt cx="5156200" cy="838200"/>
-            </a:xfrm>
-          </p:grpSpPr>
-          <p:sp>
-            <p:nvSpPr>
-              <p:cNvPr id="7" name="Dikdörtgen 6"/>
-              <p:cNvSpPr/>
-              <p:nvPr/>
-            </p:nvSpPr>
-            <p:spPr>
-              <a:xfrm>
-                <a:off x="127000" y="5901146"/>
-                <a:ext cx="5156200" cy="838200"/>
-              </a:xfrm>
-              <a:prstGeom prst="rect">
-                <a:avLst/>
-              </a:prstGeom>
-              <a:solidFill>
-                <a:schemeClr val="bg1">
-                  <a:lumMod val="95000"/>
-                </a:schemeClr>
-              </a:solidFill>
-              <a:ln>
-                <a:noFill/>
-              </a:ln>
-            </p:spPr>
-            <p:style>
-              <a:lnRef idx="2">
-                <a:schemeClr val="accent1">
-                  <a:shade val="50000"/>
-                </a:schemeClr>
-              </a:lnRef>
-              <a:fillRef idx="1">
-                <a:schemeClr val="accent1"/>
-              </a:fillRef>
-              <a:effectRef idx="0">
-                <a:schemeClr val="accent1"/>
-              </a:effectRef>
-              <a:fontRef idx="minor">
-                <a:schemeClr val="lt1"/>
-              </a:fontRef>
-            </p:style>
-            <p:txBody>
-              <a:bodyPr rtlCol="0" anchor="ctr"/>
-              <a:lstStyle/>
-              <a:p>
-                <a:pPr algn="ctr"/>
-                <a:endParaRPr lang="en-US" sz="2000"/>
-              </a:p>
-            </p:txBody>
-          </p:sp>
-          <p:grpSp>
-            <p:nvGrpSpPr>
-              <p:cNvPr id="6" name="Grup 5"/>
-              <p:cNvGrpSpPr/>
-              <p:nvPr/>
-            </p:nvGrpSpPr>
-            <p:grpSpPr>
-              <a:xfrm>
-                <a:off x="211667" y="6019800"/>
-                <a:ext cx="5012266" cy="605115"/>
-                <a:chOff x="211667" y="6019800"/>
-                <a:chExt cx="5012266" cy="605115"/>
-              </a:xfrm>
-            </p:grpSpPr>
-            <p:pic>
-              <p:nvPicPr>
-                <p:cNvPr id="4" name="Resim 3"/>
-                <p:cNvPicPr>
-                  <a:picLocks noChangeAspect="1"/>
-                </p:cNvPicPr>
-                <p:nvPr/>
-              </p:nvPicPr>
-              <p:blipFill rotWithShape="1">
-                <a:blip r:embed="rId2" cstate="print">
-                  <a:extLst>
-                    <a:ext uri="{28A0092B-C50C-407E-A947-70E740481C1C}">
-                      <a14:useLocalDpi xmlns:a14="http://schemas.microsoft.com/office/drawing/2010/main" val="0"/>
-                    </a:ext>
-                  </a:extLst>
-                </a:blip>
-                <a:srcRect l="24387" t="8319" r="18355" b="50150"/>
-                <a:stretch/>
-              </p:blipFill>
-              <p:spPr>
-                <a:xfrm>
-                  <a:off x="211667" y="6019800"/>
-                  <a:ext cx="1072095" cy="600892"/>
-                </a:xfrm>
-                <a:prstGeom prst="rect">
-                  <a:avLst/>
-                </a:prstGeom>
-              </p:spPr>
-            </p:pic>
-            <p:sp>
-              <p:nvSpPr>
-                <p:cNvPr id="5" name="Unvan 1"/>
-                <p:cNvSpPr txBox="1">
-                  <a:spLocks/>
-                </p:cNvSpPr>
-                <p:nvPr/>
-              </p:nvSpPr>
-              <p:spPr>
-                <a:xfrm>
-                  <a:off x="1283763" y="6024023"/>
-                  <a:ext cx="3940170" cy="600892"/>
-                </a:xfrm>
-                <a:prstGeom prst="rect">
-                  <a:avLst/>
-                </a:prstGeom>
-              </p:spPr>
-              <p:txBody>
-                <a:bodyPr vert="horz" lIns="91440" tIns="45720" rIns="91440" bIns="45720" rtlCol="0" anchor="b">
-                  <a:noAutofit/>
-                </a:bodyPr>
-                <a:lstStyle>
-                  <a:lvl1pPr algn="ctr" defTabSz="914400" rtl="0" eaLnBrk="1" latinLnBrk="0" hangingPunct="1">
-                    <a:lnSpc>
-                      <a:spcPct val="90000"/>
-                    </a:lnSpc>
-                    <a:spcBef>
-                      <a:spcPct val="0"/>
-                    </a:spcBef>
-                    <a:buNone/>
-                    <a:defRPr sz="6000" kern="1200">
-                      <a:solidFill>
-                        <a:schemeClr val="tx1"/>
-                      </a:solidFill>
-                      <a:latin typeface="+mj-lt"/>
-                      <a:ea typeface="+mj-ea"/>
-                      <a:cs typeface="+mj-cs"/>
-                    </a:defRPr>
-                  </a:lvl1pPr>
-                </a:lstStyle>
-                <a:p>
-                  <a:pPr algn="l"/>
-                  <a:r>
-                    <a:rPr lang="tr-TR" sz="2000" dirty="0" smtClean="0">
-                      <a:solidFill>
-                        <a:srgbClr val="CB171F"/>
-                      </a:solidFill>
-                      <a:latin typeface="Constantia" panose="02030602050306030303" pitchFamily="18" charset="0"/>
-                      <a:ea typeface="Verdana" panose="020B0604030504040204" pitchFamily="34" charset="0"/>
-                      <a:cs typeface="Arial" panose="020B0604020202020204" pitchFamily="34" charset="0"/>
-                    </a:rPr>
-                    <a:t>Veri Bilimi Okulu</a:t>
-                  </a:r>
-                  <a:endParaRPr lang="en-US" sz="2000" dirty="0">
-                    <a:solidFill>
-                      <a:srgbClr val="CB171F"/>
-                    </a:solidFill>
-                    <a:latin typeface="Constantia" panose="02030602050306030303" pitchFamily="18" charset="0"/>
-                    <a:ea typeface="Verdana" panose="020B0604030504040204" pitchFamily="34" charset="0"/>
-                    <a:cs typeface="Arial" panose="020B0604020202020204" pitchFamily="34" charset="0"/>
-                  </a:endParaRPr>
-                </a:p>
-              </p:txBody>
-            </p:sp>
-          </p:grpSp>
-        </p:grpSp>
-        <p:sp>
-          <p:nvSpPr>
-            <p:cNvPr id="12" name="Metin kutusu 11"/>
-            <p:cNvSpPr txBox="1"/>
-            <p:nvPr/>
-          </p:nvSpPr>
-          <p:spPr>
-            <a:xfrm>
-              <a:off x="1582782" y="6493211"/>
-              <a:ext cx="1687468" cy="230832"/>
-            </a:xfrm>
-            <a:prstGeom prst="rect">
-              <a:avLst/>
-            </a:prstGeom>
-            <a:noFill/>
-          </p:spPr>
-          <p:txBody>
-            <a:bodyPr wrap="square" rtlCol="0">
-              <a:spAutoFit/>
-            </a:bodyPr>
-            <a:lstStyle/>
-            <a:p>
-              <a:r>
-                <a:rPr lang="en-US" sz="900" dirty="0" smtClean="0">
-                  <a:solidFill>
-                    <a:srgbClr val="0B8043"/>
-                  </a:solidFill>
-                </a:rPr>
-                <a:t>https:</a:t>
-              </a:r>
-              <a:r>
-                <a:rPr lang="en-US" sz="900" dirty="0" smtClean="0">
-                  <a:solidFill>
-                    <a:schemeClr val="bg1">
-                      <a:lumMod val="50000"/>
-                    </a:schemeClr>
-                  </a:solidFill>
-                </a:rPr>
-                <a:t>//www.veribilimi.co</a:t>
-              </a:r>
-              <a:endParaRPr lang="en-US" sz="900" dirty="0">
-                <a:solidFill>
-                  <a:schemeClr val="bg1">
-                    <a:lumMod val="50000"/>
-                  </a:schemeClr>
-                </a:solidFill>
-              </a:endParaRPr>
-            </a:p>
-          </p:txBody>
-        </p:sp>
-      </p:grpSp>
-      <p:grpSp>
-        <p:nvGrpSpPr>
-          <p:cNvPr id="11" name="Grup 10"/>
-          <p:cNvGrpSpPr/>
-          <p:nvPr/>
-        </p:nvGrpSpPr>
-        <p:grpSpPr>
-          <a:xfrm>
-            <a:off x="9194796" y="6231467"/>
-            <a:ext cx="2802471" cy="457084"/>
-            <a:chOff x="184993" y="5905369"/>
-            <a:chExt cx="5156200" cy="838200"/>
-          </a:xfrm>
-        </p:grpSpPr>
-        <p:sp>
-          <p:nvSpPr>
-            <p:cNvPr id="13" name="Dikdörtgen 12"/>
-            <p:cNvSpPr/>
-            <p:nvPr/>
-          </p:nvSpPr>
-          <p:spPr>
-            <a:xfrm>
-              <a:off x="184993" y="5905369"/>
-              <a:ext cx="5156200" cy="838200"/>
-            </a:xfrm>
-            <a:prstGeom prst="rect">
-              <a:avLst/>
-            </a:prstGeom>
-            <a:solidFill>
-              <a:schemeClr val="bg1">
-                <a:lumMod val="95000"/>
-              </a:schemeClr>
-            </a:solidFill>
-            <a:ln>
-              <a:noFill/>
-            </a:ln>
-          </p:spPr>
-          <p:style>
-            <a:lnRef idx="2">
-              <a:schemeClr val="accent1">
-                <a:shade val="50000"/>
-              </a:schemeClr>
-            </a:lnRef>
-            <a:fillRef idx="1">
-              <a:schemeClr val="accent1"/>
-            </a:fillRef>
-            <a:effectRef idx="0">
-              <a:schemeClr val="accent1"/>
-            </a:effectRef>
-            <a:fontRef idx="minor">
-              <a:schemeClr val="lt1"/>
-            </a:fontRef>
-          </p:style>
-          <p:txBody>
-            <a:bodyPr rtlCol="0" anchor="ctr"/>
-            <a:lstStyle/>
-            <a:p>
-              <a:pPr algn="ctr"/>
-              <a:endParaRPr lang="en-US" sz="2000"/>
-            </a:p>
-          </p:txBody>
-        </p:sp>
-        <p:sp>
-          <p:nvSpPr>
-            <p:cNvPr id="14" name="Unvan 1"/>
-            <p:cNvSpPr txBox="1">
-              <a:spLocks/>
-            </p:cNvSpPr>
-            <p:nvPr/>
-          </p:nvSpPr>
-          <p:spPr>
-            <a:xfrm>
-              <a:off x="302252" y="6024023"/>
-              <a:ext cx="4921678" cy="600892"/>
-            </a:xfrm>
-            <a:prstGeom prst="rect">
-              <a:avLst/>
-            </a:prstGeom>
-          </p:spPr>
-          <p:txBody>
-            <a:bodyPr vert="horz" lIns="91440" tIns="45720" rIns="91440" bIns="45720" rtlCol="0" anchor="b">
-              <a:noAutofit/>
-            </a:bodyPr>
-            <a:lstStyle>
-              <a:lvl1pPr algn="ctr" defTabSz="914400" rtl="0" eaLnBrk="1" latinLnBrk="0" hangingPunct="1">
-                <a:lnSpc>
-                  <a:spcPct val="90000"/>
-                </a:lnSpc>
-                <a:spcBef>
-                  <a:spcPct val="0"/>
-                </a:spcBef>
-                <a:buNone/>
-                <a:defRPr sz="6000" kern="1200">
-                  <a:solidFill>
-                    <a:schemeClr val="tx1"/>
-                  </a:solidFill>
-                  <a:latin typeface="+mj-lt"/>
-                  <a:ea typeface="+mj-ea"/>
-                  <a:cs typeface="+mj-cs"/>
-                </a:defRPr>
-              </a:lvl1pPr>
-            </a:lstStyle>
-            <a:p>
-              <a:pPr algn="l"/>
-              <a:r>
-                <a:rPr lang="tr-TR" sz="2000" dirty="0">
-                  <a:solidFill>
-                    <a:srgbClr val="CB171F"/>
-                  </a:solidFill>
-                  <a:latin typeface="Constantia" panose="02030602050306030303" pitchFamily="18" charset="0"/>
-                  <a:ea typeface="Verdana" panose="020B0604030504040204" pitchFamily="34" charset="0"/>
-                  <a:cs typeface="Arial" panose="020B0604020202020204" pitchFamily="34" charset="0"/>
-                </a:rPr>
-                <a:t>A’dan Z’ye Büyük Veri</a:t>
-              </a:r>
-              <a:endParaRPr lang="en-US" sz="2000" dirty="0">
-                <a:solidFill>
-                  <a:srgbClr val="CB171F"/>
-                </a:solidFill>
-                <a:latin typeface="Constantia" panose="02030602050306030303" pitchFamily="18" charset="0"/>
-                <a:ea typeface="Verdana" panose="020B0604030504040204" pitchFamily="34" charset="0"/>
-                <a:cs typeface="Arial" panose="020B0604020202020204" pitchFamily="34" charset="0"/>
-              </a:endParaRPr>
-            </a:p>
-          </p:txBody>
-        </p:sp>
-      </p:grpSp>
       <p:sp>
         <p:nvSpPr>
           <p:cNvPr id="16" name="Unvan 1"/>
@@ -14184,7 +10362,7 @@
           <a:lstStyle/>
           <a:p>
             <a:r>
-              <a:rPr lang="tr-TR" sz="4200" b="1" dirty="0" smtClean="0">
+              <a:rPr lang="tr-TR" sz="4200" b="1" dirty="0">
                 <a:solidFill>
                   <a:srgbClr val="CD1F26"/>
                 </a:solidFill>
@@ -14195,7 +10373,7 @@
               <a:t>Genel Maksat Veri İşleme Motoru &amp;</a:t>
             </a:r>
             <a:br>
-              <a:rPr lang="tr-TR" sz="4200" b="1" dirty="0" smtClean="0">
+              <a:rPr lang="tr-TR" sz="4200" b="1" dirty="0">
                 <a:solidFill>
                   <a:srgbClr val="CD1F26"/>
                 </a:solidFill>
@@ -14205,7 +10383,7 @@
               </a:rPr>
             </a:br>
             <a:r>
-              <a:rPr lang="tr-TR" sz="4200" b="1" dirty="0" smtClean="0">
+              <a:rPr lang="tr-TR" sz="4200" b="1" dirty="0">
                 <a:solidFill>
                   <a:srgbClr val="CD1F26"/>
                 </a:solidFill>
@@ -14273,22 +10451,13 @@
               <a:buChar char="ü"/>
             </a:pPr>
             <a:r>
-              <a:rPr lang="en-US" sz="2800" dirty="0" smtClean="0">
-                <a:solidFill>
-                  <a:srgbClr val="404041"/>
-                </a:solidFill>
-                <a:latin typeface="Roboto"/>
-              </a:rPr>
-              <a:t>Interactive </a:t>
-            </a:r>
-            <a:r>
               <a:rPr lang="en-US" sz="2800" dirty="0">
                 <a:solidFill>
                   <a:srgbClr val="404041"/>
                 </a:solidFill>
                 <a:latin typeface="Roboto"/>
               </a:rPr>
-              <a:t>analysis</a:t>
+              <a:t>Interactive analysis</a:t>
             </a:r>
           </a:p>
           <a:p>
@@ -14300,22 +10469,13 @@
               <a:buChar char="ü"/>
             </a:pPr>
             <a:r>
-              <a:rPr lang="en-US" sz="2800" dirty="0" smtClean="0">
-                <a:solidFill>
-                  <a:srgbClr val="404041"/>
-                </a:solidFill>
-                <a:latin typeface="Roboto"/>
-              </a:rPr>
-              <a:t>Stream </a:t>
-            </a:r>
-            <a:r>
               <a:rPr lang="en-US" sz="2800" dirty="0">
                 <a:solidFill>
                   <a:srgbClr val="404041"/>
                 </a:solidFill>
                 <a:latin typeface="Roboto"/>
               </a:rPr>
-              <a:t>processing</a:t>
+              <a:t>Stream processing</a:t>
             </a:r>
           </a:p>
           <a:p>
@@ -14327,22 +10487,13 @@
               <a:buChar char="ü"/>
             </a:pPr>
             <a:r>
-              <a:rPr lang="en-US" sz="2800" dirty="0" smtClean="0">
-                <a:solidFill>
-                  <a:srgbClr val="404041"/>
-                </a:solidFill>
-                <a:latin typeface="Roboto"/>
-              </a:rPr>
-              <a:t>Machine </a:t>
-            </a:r>
-            <a:r>
               <a:rPr lang="en-US" sz="2800" dirty="0">
                 <a:solidFill>
                   <a:srgbClr val="404041"/>
                 </a:solidFill>
                 <a:latin typeface="Roboto"/>
               </a:rPr>
-              <a:t>learning</a:t>
+              <a:t>Machine learning</a:t>
             </a:r>
           </a:p>
           <a:p>
@@ -14354,7 +10505,7 @@
               <a:buChar char="ü"/>
             </a:pPr>
             <a:r>
-              <a:rPr lang="en-US" sz="2800" dirty="0" smtClean="0">
+              <a:rPr lang="en-US" sz="2800" dirty="0">
                 <a:solidFill>
                   <a:srgbClr val="404041"/>
                 </a:solidFill>
@@ -14362,7 +10513,7 @@
               </a:rPr>
               <a:t>Graph computing</a:t>
             </a:r>
-            <a:endParaRPr lang="tr-TR" sz="2800" dirty="0" smtClean="0">
+            <a:endParaRPr lang="tr-TR" sz="2800" dirty="0">
               <a:solidFill>
                 <a:srgbClr val="404041"/>
               </a:solidFill>
@@ -14381,13 +10532,6 @@
   <p:clrMapOvr>
     <a:masterClrMapping/>
   </p:clrMapOvr>
-  <p:timing>
-    <p:tnLst>
-      <p:par>
-        <p:cTn id="1" dur="indefinite" restart="never" nodeType="tmRoot"/>
-      </p:par>
-    </p:tnLst>
-  </p:timing>
 </p:sld>
 </file>
 
@@ -14445,369 +10589,6 @@
           </a:fontRef>
         </p:style>
       </p:cxnSp>
-      <p:grpSp>
-        <p:nvGrpSpPr>
-          <p:cNvPr id="15" name="Grup 14"/>
-          <p:cNvGrpSpPr/>
-          <p:nvPr/>
-        </p:nvGrpSpPr>
-        <p:grpSpPr>
-          <a:xfrm>
-            <a:off x="228596" y="6231467"/>
-            <a:ext cx="3041654" cy="492576"/>
-            <a:chOff x="228596" y="6231467"/>
-            <a:chExt cx="3041654" cy="492576"/>
-          </a:xfrm>
-        </p:grpSpPr>
-        <p:grpSp>
-          <p:nvGrpSpPr>
-            <p:cNvPr id="8" name="Grup 7"/>
-            <p:cNvGrpSpPr/>
-            <p:nvPr/>
-          </p:nvGrpSpPr>
-          <p:grpSpPr>
-            <a:xfrm>
-              <a:off x="228596" y="6231467"/>
-              <a:ext cx="2802471" cy="457084"/>
-              <a:chOff x="127000" y="5901146"/>
-              <a:chExt cx="5156200" cy="838200"/>
-            </a:xfrm>
-          </p:grpSpPr>
-          <p:sp>
-            <p:nvSpPr>
-              <p:cNvPr id="7" name="Dikdörtgen 6"/>
-              <p:cNvSpPr/>
-              <p:nvPr/>
-            </p:nvSpPr>
-            <p:spPr>
-              <a:xfrm>
-                <a:off x="127000" y="5901146"/>
-                <a:ext cx="5156200" cy="838200"/>
-              </a:xfrm>
-              <a:prstGeom prst="rect">
-                <a:avLst/>
-              </a:prstGeom>
-              <a:solidFill>
-                <a:schemeClr val="bg1">
-                  <a:lumMod val="95000"/>
-                </a:schemeClr>
-              </a:solidFill>
-              <a:ln>
-                <a:noFill/>
-              </a:ln>
-            </p:spPr>
-            <p:style>
-              <a:lnRef idx="2">
-                <a:schemeClr val="accent1">
-                  <a:shade val="50000"/>
-                </a:schemeClr>
-              </a:lnRef>
-              <a:fillRef idx="1">
-                <a:schemeClr val="accent1"/>
-              </a:fillRef>
-              <a:effectRef idx="0">
-                <a:schemeClr val="accent1"/>
-              </a:effectRef>
-              <a:fontRef idx="minor">
-                <a:schemeClr val="lt1"/>
-              </a:fontRef>
-            </p:style>
-            <p:txBody>
-              <a:bodyPr rtlCol="0" anchor="ctr"/>
-              <a:lstStyle/>
-              <a:p>
-                <a:pPr algn="ctr"/>
-                <a:endParaRPr lang="en-US" sz="2000"/>
-              </a:p>
-            </p:txBody>
-          </p:sp>
-          <p:grpSp>
-            <p:nvGrpSpPr>
-              <p:cNvPr id="6" name="Grup 5"/>
-              <p:cNvGrpSpPr/>
-              <p:nvPr/>
-            </p:nvGrpSpPr>
-            <p:grpSpPr>
-              <a:xfrm>
-                <a:off x="211667" y="6019800"/>
-                <a:ext cx="5012266" cy="605115"/>
-                <a:chOff x="211667" y="6019800"/>
-                <a:chExt cx="5012266" cy="605115"/>
-              </a:xfrm>
-            </p:grpSpPr>
-            <p:pic>
-              <p:nvPicPr>
-                <p:cNvPr id="4" name="Resim 3"/>
-                <p:cNvPicPr>
-                  <a:picLocks noChangeAspect="1"/>
-                </p:cNvPicPr>
-                <p:nvPr/>
-              </p:nvPicPr>
-              <p:blipFill rotWithShape="1">
-                <a:blip r:embed="rId2" cstate="print">
-                  <a:extLst>
-                    <a:ext uri="{28A0092B-C50C-407E-A947-70E740481C1C}">
-                      <a14:useLocalDpi xmlns:a14="http://schemas.microsoft.com/office/drawing/2010/main" val="0"/>
-                    </a:ext>
-                  </a:extLst>
-                </a:blip>
-                <a:srcRect l="24387" t="8319" r="18355" b="50150"/>
-                <a:stretch/>
-              </p:blipFill>
-              <p:spPr>
-                <a:xfrm>
-                  <a:off x="211667" y="6019800"/>
-                  <a:ext cx="1072095" cy="600892"/>
-                </a:xfrm>
-                <a:prstGeom prst="rect">
-                  <a:avLst/>
-                </a:prstGeom>
-              </p:spPr>
-            </p:pic>
-            <p:sp>
-              <p:nvSpPr>
-                <p:cNvPr id="5" name="Unvan 1"/>
-                <p:cNvSpPr txBox="1">
-                  <a:spLocks/>
-                </p:cNvSpPr>
-                <p:nvPr/>
-              </p:nvSpPr>
-              <p:spPr>
-                <a:xfrm>
-                  <a:off x="1283763" y="6024023"/>
-                  <a:ext cx="3940170" cy="600892"/>
-                </a:xfrm>
-                <a:prstGeom prst="rect">
-                  <a:avLst/>
-                </a:prstGeom>
-              </p:spPr>
-              <p:txBody>
-                <a:bodyPr vert="horz" lIns="91440" tIns="45720" rIns="91440" bIns="45720" rtlCol="0" anchor="b">
-                  <a:noAutofit/>
-                </a:bodyPr>
-                <a:lstStyle>
-                  <a:lvl1pPr algn="ctr" defTabSz="914400" rtl="0" eaLnBrk="1" latinLnBrk="0" hangingPunct="1">
-                    <a:lnSpc>
-                      <a:spcPct val="90000"/>
-                    </a:lnSpc>
-                    <a:spcBef>
-                      <a:spcPct val="0"/>
-                    </a:spcBef>
-                    <a:buNone/>
-                    <a:defRPr sz="6000" kern="1200">
-                      <a:solidFill>
-                        <a:schemeClr val="tx1"/>
-                      </a:solidFill>
-                      <a:latin typeface="+mj-lt"/>
-                      <a:ea typeface="+mj-ea"/>
-                      <a:cs typeface="+mj-cs"/>
-                    </a:defRPr>
-                  </a:lvl1pPr>
-                </a:lstStyle>
-                <a:p>
-                  <a:pPr algn="l"/>
-                  <a:r>
-                    <a:rPr lang="tr-TR" sz="2000" dirty="0" smtClean="0">
-                      <a:solidFill>
-                        <a:srgbClr val="CB171F"/>
-                      </a:solidFill>
-                      <a:latin typeface="Constantia" panose="02030602050306030303" pitchFamily="18" charset="0"/>
-                      <a:ea typeface="Verdana" panose="020B0604030504040204" pitchFamily="34" charset="0"/>
-                      <a:cs typeface="Arial" panose="020B0604020202020204" pitchFamily="34" charset="0"/>
-                    </a:rPr>
-                    <a:t>Veri Bilimi Okulu</a:t>
-                  </a:r>
-                  <a:endParaRPr lang="en-US" sz="2000" dirty="0">
-                    <a:solidFill>
-                      <a:srgbClr val="CB171F"/>
-                    </a:solidFill>
-                    <a:latin typeface="Constantia" panose="02030602050306030303" pitchFamily="18" charset="0"/>
-                    <a:ea typeface="Verdana" panose="020B0604030504040204" pitchFamily="34" charset="0"/>
-                    <a:cs typeface="Arial" panose="020B0604020202020204" pitchFamily="34" charset="0"/>
-                  </a:endParaRPr>
-                </a:p>
-              </p:txBody>
-            </p:sp>
-          </p:grpSp>
-        </p:grpSp>
-        <p:sp>
-          <p:nvSpPr>
-            <p:cNvPr id="12" name="Metin kutusu 11"/>
-            <p:cNvSpPr txBox="1"/>
-            <p:nvPr/>
-          </p:nvSpPr>
-          <p:spPr>
-            <a:xfrm>
-              <a:off x="1582782" y="6493211"/>
-              <a:ext cx="1687468" cy="230832"/>
-            </a:xfrm>
-            <a:prstGeom prst="rect">
-              <a:avLst/>
-            </a:prstGeom>
-            <a:noFill/>
-          </p:spPr>
-          <p:txBody>
-            <a:bodyPr wrap="square" rtlCol="0">
-              <a:spAutoFit/>
-            </a:bodyPr>
-            <a:lstStyle/>
-            <a:p>
-              <a:r>
-                <a:rPr lang="en-US" sz="900" dirty="0" smtClean="0">
-                  <a:solidFill>
-                    <a:srgbClr val="0B8043"/>
-                  </a:solidFill>
-                </a:rPr>
-                <a:t>https:</a:t>
-              </a:r>
-              <a:r>
-                <a:rPr lang="en-US" sz="900" dirty="0" smtClean="0">
-                  <a:solidFill>
-                    <a:schemeClr val="bg1">
-                      <a:lumMod val="50000"/>
-                    </a:schemeClr>
-                  </a:solidFill>
-                </a:rPr>
-                <a:t>//www.veribilimi.co</a:t>
-              </a:r>
-              <a:endParaRPr lang="en-US" sz="900" dirty="0">
-                <a:solidFill>
-                  <a:schemeClr val="bg1">
-                    <a:lumMod val="50000"/>
-                  </a:schemeClr>
-                </a:solidFill>
-              </a:endParaRPr>
-            </a:p>
-          </p:txBody>
-        </p:sp>
-      </p:grpSp>
-      <p:grpSp>
-        <p:nvGrpSpPr>
-          <p:cNvPr id="11" name="Grup 10"/>
-          <p:cNvGrpSpPr/>
-          <p:nvPr/>
-        </p:nvGrpSpPr>
-        <p:grpSpPr>
-          <a:xfrm>
-            <a:off x="9194796" y="6231467"/>
-            <a:ext cx="2802471" cy="457084"/>
-            <a:chOff x="184993" y="5905369"/>
-            <a:chExt cx="5156200" cy="838200"/>
-          </a:xfrm>
-        </p:grpSpPr>
-        <p:sp>
-          <p:nvSpPr>
-            <p:cNvPr id="13" name="Dikdörtgen 12"/>
-            <p:cNvSpPr/>
-            <p:nvPr/>
-          </p:nvSpPr>
-          <p:spPr>
-            <a:xfrm>
-              <a:off x="184993" y="5905369"/>
-              <a:ext cx="5156200" cy="838200"/>
-            </a:xfrm>
-            <a:prstGeom prst="rect">
-              <a:avLst/>
-            </a:prstGeom>
-            <a:solidFill>
-              <a:schemeClr val="bg1">
-                <a:lumMod val="95000"/>
-              </a:schemeClr>
-            </a:solidFill>
-            <a:ln>
-              <a:noFill/>
-            </a:ln>
-          </p:spPr>
-          <p:style>
-            <a:lnRef idx="2">
-              <a:schemeClr val="accent1">
-                <a:shade val="50000"/>
-              </a:schemeClr>
-            </a:lnRef>
-            <a:fillRef idx="1">
-              <a:schemeClr val="accent1"/>
-            </a:fillRef>
-            <a:effectRef idx="0">
-              <a:schemeClr val="accent1"/>
-            </a:effectRef>
-            <a:fontRef idx="minor">
-              <a:schemeClr val="lt1"/>
-            </a:fontRef>
-          </p:style>
-          <p:txBody>
-            <a:bodyPr rtlCol="0" anchor="ctr"/>
-            <a:lstStyle/>
-            <a:p>
-              <a:pPr algn="ctr"/>
-              <a:endParaRPr lang="en-US" sz="2000"/>
-            </a:p>
-          </p:txBody>
-        </p:sp>
-        <p:sp>
-          <p:nvSpPr>
-            <p:cNvPr id="14" name="Unvan 1"/>
-            <p:cNvSpPr txBox="1">
-              <a:spLocks/>
-            </p:cNvSpPr>
-            <p:nvPr/>
-          </p:nvSpPr>
-          <p:spPr>
-            <a:xfrm>
-              <a:off x="302252" y="6024023"/>
-              <a:ext cx="4921678" cy="600892"/>
-            </a:xfrm>
-            <a:prstGeom prst="rect">
-              <a:avLst/>
-            </a:prstGeom>
-          </p:spPr>
-          <p:txBody>
-            <a:bodyPr vert="horz" lIns="91440" tIns="45720" rIns="91440" bIns="45720" rtlCol="0" anchor="b">
-              <a:noAutofit/>
-            </a:bodyPr>
-            <a:lstStyle>
-              <a:lvl1pPr algn="ctr" defTabSz="914400" rtl="0" eaLnBrk="1" latinLnBrk="0" hangingPunct="1">
-                <a:lnSpc>
-                  <a:spcPct val="90000"/>
-                </a:lnSpc>
-                <a:spcBef>
-                  <a:spcPct val="0"/>
-                </a:spcBef>
-                <a:buNone/>
-                <a:defRPr sz="6000" kern="1200">
-                  <a:solidFill>
-                    <a:schemeClr val="tx1"/>
-                  </a:solidFill>
-                  <a:latin typeface="+mj-lt"/>
-                  <a:ea typeface="+mj-ea"/>
-                  <a:cs typeface="+mj-cs"/>
-                </a:defRPr>
-              </a:lvl1pPr>
-            </a:lstStyle>
-            <a:p>
-              <a:pPr algn="l"/>
-              <a:r>
-                <a:rPr lang="tr-TR" sz="2000" dirty="0">
-                  <a:solidFill>
-                    <a:srgbClr val="CB171F"/>
-                  </a:solidFill>
-                  <a:latin typeface="Constantia" panose="02030602050306030303" pitchFamily="18" charset="0"/>
-                  <a:ea typeface="Verdana" panose="020B0604030504040204" pitchFamily="34" charset="0"/>
-                  <a:cs typeface="Arial" panose="020B0604020202020204" pitchFamily="34" charset="0"/>
-                </a:rPr>
-                <a:t>A’dan Z’ye Büyük Veri</a:t>
-              </a:r>
-              <a:endParaRPr lang="en-US" sz="2000" dirty="0">
-                <a:solidFill>
-                  <a:srgbClr val="CB171F"/>
-                </a:solidFill>
-                <a:latin typeface="Constantia" panose="02030602050306030303" pitchFamily="18" charset="0"/>
-                <a:ea typeface="Verdana" panose="020B0604030504040204" pitchFamily="34" charset="0"/>
-                <a:cs typeface="Arial" panose="020B0604020202020204" pitchFamily="34" charset="0"/>
-              </a:endParaRPr>
-            </a:p>
-          </p:txBody>
-        </p:sp>
-      </p:grpSp>
       <p:sp>
         <p:nvSpPr>
           <p:cNvPr id="16" name="Unvan 1"/>
@@ -14831,7 +10612,7 @@
           <a:lstStyle/>
           <a:p>
             <a:r>
-              <a:rPr lang="tr-TR" sz="4200" b="1" dirty="0" err="1" smtClean="0">
+              <a:rPr lang="tr-TR" sz="4200" b="1" dirty="0" err="1">
                 <a:solidFill>
                   <a:srgbClr val="CD1F26"/>
                 </a:solidFill>
@@ -14842,7 +10623,7 @@
               <a:t>Spark</a:t>
             </a:r>
             <a:r>
-              <a:rPr lang="tr-TR" sz="4200" b="1" dirty="0" smtClean="0">
+              <a:rPr lang="tr-TR" sz="4200" b="1" dirty="0">
                 <a:solidFill>
                   <a:srgbClr val="CD1F26"/>
                 </a:solidFill>
@@ -14853,7 +10634,7 @@
               <a:t> </a:t>
             </a:r>
             <a:r>
-              <a:rPr lang="tr-TR" sz="4200" b="1" dirty="0" err="1" smtClean="0">
+              <a:rPr lang="tr-TR" sz="4200" b="1" dirty="0" err="1">
                 <a:solidFill>
                   <a:srgbClr val="CD1F26"/>
                 </a:solidFill>
@@ -15025,7 +10806,7 @@
               <a:p>
                 <a:pPr algn="ctr"/>
                 <a:r>
-                  <a:rPr lang="tr-TR" sz="2400" b="1" dirty="0" err="1" smtClean="0">
+                  <a:rPr lang="tr-TR" sz="2400" b="1" dirty="0" err="1">
                     <a:solidFill>
                       <a:srgbClr val="CD1F26"/>
                     </a:solidFill>
@@ -15035,7 +10816,7 @@
                   <a:t>Spark</a:t>
                 </a:r>
                 <a:r>
-                  <a:rPr lang="tr-TR" sz="2400" b="1" dirty="0" smtClean="0">
+                  <a:rPr lang="tr-TR" sz="2400" b="1" dirty="0">
                     <a:solidFill>
                       <a:srgbClr val="CD1F26"/>
                     </a:solidFill>
@@ -15045,7 +10826,7 @@
                   <a:t> </a:t>
                 </a:r>
                 <a:r>
-                  <a:rPr lang="tr-TR" sz="2400" b="1" dirty="0" err="1" smtClean="0">
+                  <a:rPr lang="tr-TR" sz="2400" b="1" dirty="0" err="1">
                     <a:solidFill>
                       <a:srgbClr val="CD1F26"/>
                     </a:solidFill>
@@ -15055,7 +10836,7 @@
                   <a:t>Core</a:t>
                 </a:r>
                 <a:r>
-                  <a:rPr lang="tr-TR" sz="2400" dirty="0" smtClean="0">
+                  <a:rPr lang="tr-TR" sz="2400" dirty="0">
                     <a:latin typeface="Arial" panose="020B0604020202020204" pitchFamily="34" charset="0"/>
                     <a:cs typeface="Arial" panose="020B0604020202020204" pitchFamily="34" charset="0"/>
                   </a:rPr>
@@ -15065,21 +10846,21 @@
               <a:p>
                 <a:pPr algn="ctr"/>
                 <a:r>
-                  <a:rPr lang="tr-TR" b="1" dirty="0" err="1" smtClean="0">
+                  <a:rPr lang="tr-TR" b="1" dirty="0" err="1">
                     <a:latin typeface="Arial" panose="020B0604020202020204" pitchFamily="34" charset="0"/>
                     <a:cs typeface="Arial" panose="020B0604020202020204" pitchFamily="34" charset="0"/>
                   </a:rPr>
                   <a:t>Unstructured</a:t>
                 </a:r>
                 <a:r>
-                  <a:rPr lang="tr-TR" b="1" dirty="0" smtClean="0">
+                  <a:rPr lang="tr-TR" b="1" dirty="0">
                     <a:latin typeface="Arial" panose="020B0604020202020204" pitchFamily="34" charset="0"/>
                     <a:cs typeface="Arial" panose="020B0604020202020204" pitchFamily="34" charset="0"/>
                   </a:rPr>
                   <a:t>:</a:t>
                 </a:r>
                 <a:r>
-                  <a:rPr lang="tr-TR" dirty="0" smtClean="0">
+                  <a:rPr lang="tr-TR" dirty="0">
                     <a:latin typeface="Arial" panose="020B0604020202020204" pitchFamily="34" charset="0"/>
                     <a:cs typeface="Arial" panose="020B0604020202020204" pitchFamily="34" charset="0"/>
                   </a:rPr>
@@ -15106,36 +10887,36 @@
                   <a:t> Broadcast </a:t>
                 </a:r>
                 <a:r>
-                  <a:rPr lang="tr-TR" dirty="0" err="1" smtClean="0"/>
+                  <a:rPr lang="tr-TR" dirty="0" err="1"/>
                   <a:t>variables</a:t>
                 </a:r>
-                <a:endParaRPr lang="tr-TR" dirty="0" smtClean="0"/>
+                <a:endParaRPr lang="tr-TR" dirty="0"/>
               </a:p>
               <a:p>
                 <a:pPr algn="ctr"/>
                 <a:r>
-                  <a:rPr lang="tr-TR" b="1" dirty="0" err="1" smtClean="0">
+                  <a:rPr lang="tr-TR" b="1" dirty="0" err="1">
                     <a:latin typeface="Arial" panose="020B0604020202020204" pitchFamily="34" charset="0"/>
                     <a:cs typeface="Arial" panose="020B0604020202020204" pitchFamily="34" charset="0"/>
                   </a:rPr>
                   <a:t>Structured</a:t>
                 </a:r>
                 <a:r>
-                  <a:rPr lang="tr-TR" b="1" dirty="0" smtClean="0">
+                  <a:rPr lang="tr-TR" b="1" dirty="0">
                     <a:latin typeface="Arial" panose="020B0604020202020204" pitchFamily="34" charset="0"/>
                     <a:cs typeface="Arial" panose="020B0604020202020204" pitchFamily="34" charset="0"/>
                   </a:rPr>
                   <a:t>:</a:t>
                 </a:r>
                 <a:r>
-                  <a:rPr lang="tr-TR" dirty="0" smtClean="0">
+                  <a:rPr lang="tr-TR" dirty="0">
                     <a:latin typeface="Arial" panose="020B0604020202020204" pitchFamily="34" charset="0"/>
                     <a:cs typeface="Arial" panose="020B0604020202020204" pitchFamily="34" charset="0"/>
                   </a:rPr>
                   <a:t> </a:t>
                 </a:r>
                 <a:r>
-                  <a:rPr lang="tr-TR" dirty="0" err="1" smtClean="0"/>
+                  <a:rPr lang="tr-TR" dirty="0" err="1"/>
                   <a:t>DataFrames</a:t>
                 </a:r>
                 <a:r>
@@ -15303,7 +11084,7 @@
               <a:p>
                 <a:pPr algn="ctr"/>
                 <a:r>
-                  <a:rPr lang="tr-TR" b="1" dirty="0" err="1" smtClean="0">
+                  <a:rPr lang="tr-TR" b="1" dirty="0" err="1">
                     <a:solidFill>
                       <a:srgbClr val="CD1F26"/>
                     </a:solidFill>
@@ -15313,7 +11094,7 @@
                   <a:t>Spark</a:t>
                 </a:r>
                 <a:r>
-                  <a:rPr lang="tr-TR" b="1" dirty="0" smtClean="0">
+                  <a:rPr lang="tr-TR" b="1" dirty="0">
                     <a:solidFill>
                       <a:srgbClr val="CD1F26"/>
                     </a:solidFill>
@@ -15470,7 +11251,7 @@
               <a:p>
                 <a:pPr algn="ctr"/>
                 <a:r>
-                  <a:rPr lang="tr-TR" b="1" dirty="0" err="1" smtClean="0">
+                  <a:rPr lang="tr-TR" b="1" dirty="0" err="1">
                     <a:solidFill>
                       <a:srgbClr val="CD1F26"/>
                     </a:solidFill>
@@ -15480,7 +11261,7 @@
                   <a:t>Spark</a:t>
                 </a:r>
                 <a:r>
-                  <a:rPr lang="tr-TR" b="1" dirty="0" smtClean="0">
+                  <a:rPr lang="tr-TR" b="1" dirty="0">
                     <a:solidFill>
                       <a:srgbClr val="CD1F26"/>
                     </a:solidFill>
@@ -15490,7 +11271,7 @@
                   <a:t> </a:t>
                 </a:r>
                 <a:r>
-                  <a:rPr lang="tr-TR" b="1" dirty="0" err="1" smtClean="0">
+                  <a:rPr lang="tr-TR" b="1" dirty="0" err="1">
                     <a:solidFill>
                       <a:srgbClr val="CD1F26"/>
                     </a:solidFill>
@@ -15647,7 +11428,7 @@
               <a:p>
                 <a:pPr algn="ctr"/>
                 <a:r>
-                  <a:rPr lang="tr-TR" b="1" dirty="0" err="1" smtClean="0">
+                  <a:rPr lang="tr-TR" b="1" dirty="0" err="1">
                     <a:solidFill>
                       <a:srgbClr val="CD1F26"/>
                     </a:solidFill>
@@ -15657,7 +11438,7 @@
                   <a:t>Spark</a:t>
                 </a:r>
                 <a:r>
-                  <a:rPr lang="tr-TR" b="1" dirty="0" smtClean="0">
+                  <a:rPr lang="tr-TR" b="1" dirty="0">
                     <a:solidFill>
                       <a:srgbClr val="CD1F26"/>
                     </a:solidFill>
@@ -15667,7 +11448,7 @@
                   <a:t> </a:t>
                 </a:r>
                 <a:r>
-                  <a:rPr lang="tr-TR" b="1" dirty="0" err="1" smtClean="0">
+                  <a:rPr lang="tr-TR" b="1" dirty="0" err="1">
                     <a:solidFill>
                       <a:srgbClr val="CD1F26"/>
                     </a:solidFill>
@@ -15824,7 +11605,7 @@
               <a:p>
                 <a:pPr algn="ctr"/>
                 <a:r>
-                  <a:rPr lang="tr-TR" b="1" dirty="0" err="1" smtClean="0">
+                  <a:rPr lang="tr-TR" b="1" dirty="0" err="1">
                     <a:solidFill>
                       <a:srgbClr val="CD1F26"/>
                     </a:solidFill>
@@ -15834,7 +11615,7 @@
                   <a:t>Spark</a:t>
                 </a:r>
                 <a:r>
-                  <a:rPr lang="tr-TR" b="1" dirty="0" smtClean="0">
+                  <a:rPr lang="tr-TR" b="1" dirty="0">
                     <a:solidFill>
                       <a:srgbClr val="CD1F26"/>
                     </a:solidFill>
@@ -15844,7 +11625,7 @@
                   <a:t> </a:t>
                 </a:r>
                 <a:r>
-                  <a:rPr lang="tr-TR" b="1" dirty="0" err="1" smtClean="0">
+                  <a:rPr lang="tr-TR" b="1" dirty="0" err="1">
                     <a:solidFill>
                       <a:srgbClr val="CD1F26"/>
                     </a:solidFill>
@@ -15875,13 +11656,6 @@
   <p:clrMapOvr>
     <a:masterClrMapping/>
   </p:clrMapOvr>
-  <p:timing>
-    <p:tnLst>
-      <p:par>
-        <p:cTn id="1" dur="indefinite" restart="never" nodeType="tmRoot"/>
-      </p:par>
-    </p:tnLst>
-  </p:timing>
 </p:sld>
 </file>
 
@@ -15939,369 +11713,6 @@
           </a:fontRef>
         </p:style>
       </p:cxnSp>
-      <p:grpSp>
-        <p:nvGrpSpPr>
-          <p:cNvPr id="15" name="Grup 14"/>
-          <p:cNvGrpSpPr/>
-          <p:nvPr/>
-        </p:nvGrpSpPr>
-        <p:grpSpPr>
-          <a:xfrm>
-            <a:off x="228596" y="6231467"/>
-            <a:ext cx="3041654" cy="492576"/>
-            <a:chOff x="228596" y="6231467"/>
-            <a:chExt cx="3041654" cy="492576"/>
-          </a:xfrm>
-        </p:grpSpPr>
-        <p:grpSp>
-          <p:nvGrpSpPr>
-            <p:cNvPr id="8" name="Grup 7"/>
-            <p:cNvGrpSpPr/>
-            <p:nvPr/>
-          </p:nvGrpSpPr>
-          <p:grpSpPr>
-            <a:xfrm>
-              <a:off x="228596" y="6231467"/>
-              <a:ext cx="2802471" cy="457084"/>
-              <a:chOff x="127000" y="5901146"/>
-              <a:chExt cx="5156200" cy="838200"/>
-            </a:xfrm>
-          </p:grpSpPr>
-          <p:sp>
-            <p:nvSpPr>
-              <p:cNvPr id="7" name="Dikdörtgen 6"/>
-              <p:cNvSpPr/>
-              <p:nvPr/>
-            </p:nvSpPr>
-            <p:spPr>
-              <a:xfrm>
-                <a:off x="127000" y="5901146"/>
-                <a:ext cx="5156200" cy="838200"/>
-              </a:xfrm>
-              <a:prstGeom prst="rect">
-                <a:avLst/>
-              </a:prstGeom>
-              <a:solidFill>
-                <a:schemeClr val="bg1">
-                  <a:lumMod val="95000"/>
-                </a:schemeClr>
-              </a:solidFill>
-              <a:ln>
-                <a:noFill/>
-              </a:ln>
-            </p:spPr>
-            <p:style>
-              <a:lnRef idx="2">
-                <a:schemeClr val="accent1">
-                  <a:shade val="50000"/>
-                </a:schemeClr>
-              </a:lnRef>
-              <a:fillRef idx="1">
-                <a:schemeClr val="accent1"/>
-              </a:fillRef>
-              <a:effectRef idx="0">
-                <a:schemeClr val="accent1"/>
-              </a:effectRef>
-              <a:fontRef idx="minor">
-                <a:schemeClr val="lt1"/>
-              </a:fontRef>
-            </p:style>
-            <p:txBody>
-              <a:bodyPr rtlCol="0" anchor="ctr"/>
-              <a:lstStyle/>
-              <a:p>
-                <a:pPr algn="ctr"/>
-                <a:endParaRPr lang="en-US" sz="2000"/>
-              </a:p>
-            </p:txBody>
-          </p:sp>
-          <p:grpSp>
-            <p:nvGrpSpPr>
-              <p:cNvPr id="6" name="Grup 5"/>
-              <p:cNvGrpSpPr/>
-              <p:nvPr/>
-            </p:nvGrpSpPr>
-            <p:grpSpPr>
-              <a:xfrm>
-                <a:off x="211667" y="6019800"/>
-                <a:ext cx="5012266" cy="605115"/>
-                <a:chOff x="211667" y="6019800"/>
-                <a:chExt cx="5012266" cy="605115"/>
-              </a:xfrm>
-            </p:grpSpPr>
-            <p:pic>
-              <p:nvPicPr>
-                <p:cNvPr id="4" name="Resim 3"/>
-                <p:cNvPicPr>
-                  <a:picLocks noChangeAspect="1"/>
-                </p:cNvPicPr>
-                <p:nvPr/>
-              </p:nvPicPr>
-              <p:blipFill rotWithShape="1">
-                <a:blip r:embed="rId2" cstate="print">
-                  <a:extLst>
-                    <a:ext uri="{28A0092B-C50C-407E-A947-70E740481C1C}">
-                      <a14:useLocalDpi xmlns:a14="http://schemas.microsoft.com/office/drawing/2010/main" val="0"/>
-                    </a:ext>
-                  </a:extLst>
-                </a:blip>
-                <a:srcRect l="24387" t="8319" r="18355" b="50150"/>
-                <a:stretch/>
-              </p:blipFill>
-              <p:spPr>
-                <a:xfrm>
-                  <a:off x="211667" y="6019800"/>
-                  <a:ext cx="1072095" cy="600892"/>
-                </a:xfrm>
-                <a:prstGeom prst="rect">
-                  <a:avLst/>
-                </a:prstGeom>
-              </p:spPr>
-            </p:pic>
-            <p:sp>
-              <p:nvSpPr>
-                <p:cNvPr id="5" name="Unvan 1"/>
-                <p:cNvSpPr txBox="1">
-                  <a:spLocks/>
-                </p:cNvSpPr>
-                <p:nvPr/>
-              </p:nvSpPr>
-              <p:spPr>
-                <a:xfrm>
-                  <a:off x="1283763" y="6024023"/>
-                  <a:ext cx="3940170" cy="600892"/>
-                </a:xfrm>
-                <a:prstGeom prst="rect">
-                  <a:avLst/>
-                </a:prstGeom>
-              </p:spPr>
-              <p:txBody>
-                <a:bodyPr vert="horz" lIns="91440" tIns="45720" rIns="91440" bIns="45720" rtlCol="0" anchor="b">
-                  <a:noAutofit/>
-                </a:bodyPr>
-                <a:lstStyle>
-                  <a:lvl1pPr algn="ctr" defTabSz="914400" rtl="0" eaLnBrk="1" latinLnBrk="0" hangingPunct="1">
-                    <a:lnSpc>
-                      <a:spcPct val="90000"/>
-                    </a:lnSpc>
-                    <a:spcBef>
-                      <a:spcPct val="0"/>
-                    </a:spcBef>
-                    <a:buNone/>
-                    <a:defRPr sz="6000" kern="1200">
-                      <a:solidFill>
-                        <a:schemeClr val="tx1"/>
-                      </a:solidFill>
-                      <a:latin typeface="+mj-lt"/>
-                      <a:ea typeface="+mj-ea"/>
-                      <a:cs typeface="+mj-cs"/>
-                    </a:defRPr>
-                  </a:lvl1pPr>
-                </a:lstStyle>
-                <a:p>
-                  <a:pPr algn="l"/>
-                  <a:r>
-                    <a:rPr lang="tr-TR" sz="2000" dirty="0" smtClean="0">
-                      <a:solidFill>
-                        <a:srgbClr val="CB171F"/>
-                      </a:solidFill>
-                      <a:latin typeface="Constantia" panose="02030602050306030303" pitchFamily="18" charset="0"/>
-                      <a:ea typeface="Verdana" panose="020B0604030504040204" pitchFamily="34" charset="0"/>
-                      <a:cs typeface="Arial" panose="020B0604020202020204" pitchFamily="34" charset="0"/>
-                    </a:rPr>
-                    <a:t>Veri Bilimi Okulu</a:t>
-                  </a:r>
-                  <a:endParaRPr lang="en-US" sz="2000" dirty="0">
-                    <a:solidFill>
-                      <a:srgbClr val="CB171F"/>
-                    </a:solidFill>
-                    <a:latin typeface="Constantia" panose="02030602050306030303" pitchFamily="18" charset="0"/>
-                    <a:ea typeface="Verdana" panose="020B0604030504040204" pitchFamily="34" charset="0"/>
-                    <a:cs typeface="Arial" panose="020B0604020202020204" pitchFamily="34" charset="0"/>
-                  </a:endParaRPr>
-                </a:p>
-              </p:txBody>
-            </p:sp>
-          </p:grpSp>
-        </p:grpSp>
-        <p:sp>
-          <p:nvSpPr>
-            <p:cNvPr id="12" name="Metin kutusu 11"/>
-            <p:cNvSpPr txBox="1"/>
-            <p:nvPr/>
-          </p:nvSpPr>
-          <p:spPr>
-            <a:xfrm>
-              <a:off x="1582782" y="6493211"/>
-              <a:ext cx="1687468" cy="230832"/>
-            </a:xfrm>
-            <a:prstGeom prst="rect">
-              <a:avLst/>
-            </a:prstGeom>
-            <a:noFill/>
-          </p:spPr>
-          <p:txBody>
-            <a:bodyPr wrap="square" rtlCol="0">
-              <a:spAutoFit/>
-            </a:bodyPr>
-            <a:lstStyle/>
-            <a:p>
-              <a:r>
-                <a:rPr lang="en-US" sz="900" dirty="0" smtClean="0">
-                  <a:solidFill>
-                    <a:srgbClr val="0B8043"/>
-                  </a:solidFill>
-                </a:rPr>
-                <a:t>https:</a:t>
-              </a:r>
-              <a:r>
-                <a:rPr lang="en-US" sz="900" dirty="0" smtClean="0">
-                  <a:solidFill>
-                    <a:schemeClr val="bg1">
-                      <a:lumMod val="50000"/>
-                    </a:schemeClr>
-                  </a:solidFill>
-                </a:rPr>
-                <a:t>//www.veribilimi.co</a:t>
-              </a:r>
-              <a:endParaRPr lang="en-US" sz="900" dirty="0">
-                <a:solidFill>
-                  <a:schemeClr val="bg1">
-                    <a:lumMod val="50000"/>
-                  </a:schemeClr>
-                </a:solidFill>
-              </a:endParaRPr>
-            </a:p>
-          </p:txBody>
-        </p:sp>
-      </p:grpSp>
-      <p:grpSp>
-        <p:nvGrpSpPr>
-          <p:cNvPr id="11" name="Grup 10"/>
-          <p:cNvGrpSpPr/>
-          <p:nvPr/>
-        </p:nvGrpSpPr>
-        <p:grpSpPr>
-          <a:xfrm>
-            <a:off x="9194796" y="6231467"/>
-            <a:ext cx="2802471" cy="457084"/>
-            <a:chOff x="184993" y="5905369"/>
-            <a:chExt cx="5156200" cy="838200"/>
-          </a:xfrm>
-        </p:grpSpPr>
-        <p:sp>
-          <p:nvSpPr>
-            <p:cNvPr id="13" name="Dikdörtgen 12"/>
-            <p:cNvSpPr/>
-            <p:nvPr/>
-          </p:nvSpPr>
-          <p:spPr>
-            <a:xfrm>
-              <a:off x="184993" y="5905369"/>
-              <a:ext cx="5156200" cy="838200"/>
-            </a:xfrm>
-            <a:prstGeom prst="rect">
-              <a:avLst/>
-            </a:prstGeom>
-            <a:solidFill>
-              <a:schemeClr val="bg1">
-                <a:lumMod val="95000"/>
-              </a:schemeClr>
-            </a:solidFill>
-            <a:ln>
-              <a:noFill/>
-            </a:ln>
-          </p:spPr>
-          <p:style>
-            <a:lnRef idx="2">
-              <a:schemeClr val="accent1">
-                <a:shade val="50000"/>
-              </a:schemeClr>
-            </a:lnRef>
-            <a:fillRef idx="1">
-              <a:schemeClr val="accent1"/>
-            </a:fillRef>
-            <a:effectRef idx="0">
-              <a:schemeClr val="accent1"/>
-            </a:effectRef>
-            <a:fontRef idx="minor">
-              <a:schemeClr val="lt1"/>
-            </a:fontRef>
-          </p:style>
-          <p:txBody>
-            <a:bodyPr rtlCol="0" anchor="ctr"/>
-            <a:lstStyle/>
-            <a:p>
-              <a:pPr algn="ctr"/>
-              <a:endParaRPr lang="en-US" sz="2000"/>
-            </a:p>
-          </p:txBody>
-        </p:sp>
-        <p:sp>
-          <p:nvSpPr>
-            <p:cNvPr id="14" name="Unvan 1"/>
-            <p:cNvSpPr txBox="1">
-              <a:spLocks/>
-            </p:cNvSpPr>
-            <p:nvPr/>
-          </p:nvSpPr>
-          <p:spPr>
-            <a:xfrm>
-              <a:off x="302252" y="6024023"/>
-              <a:ext cx="4921678" cy="600892"/>
-            </a:xfrm>
-            <a:prstGeom prst="rect">
-              <a:avLst/>
-            </a:prstGeom>
-          </p:spPr>
-          <p:txBody>
-            <a:bodyPr vert="horz" lIns="91440" tIns="45720" rIns="91440" bIns="45720" rtlCol="0" anchor="b">
-              <a:noAutofit/>
-            </a:bodyPr>
-            <a:lstStyle>
-              <a:lvl1pPr algn="ctr" defTabSz="914400" rtl="0" eaLnBrk="1" latinLnBrk="0" hangingPunct="1">
-                <a:lnSpc>
-                  <a:spcPct val="90000"/>
-                </a:lnSpc>
-                <a:spcBef>
-                  <a:spcPct val="0"/>
-                </a:spcBef>
-                <a:buNone/>
-                <a:defRPr sz="6000" kern="1200">
-                  <a:solidFill>
-                    <a:schemeClr val="tx1"/>
-                  </a:solidFill>
-                  <a:latin typeface="+mj-lt"/>
-                  <a:ea typeface="+mj-ea"/>
-                  <a:cs typeface="+mj-cs"/>
-                </a:defRPr>
-              </a:lvl1pPr>
-            </a:lstStyle>
-            <a:p>
-              <a:pPr algn="l"/>
-              <a:r>
-                <a:rPr lang="tr-TR" sz="2000" dirty="0">
-                  <a:solidFill>
-                    <a:srgbClr val="CB171F"/>
-                  </a:solidFill>
-                  <a:latin typeface="Constantia" panose="02030602050306030303" pitchFamily="18" charset="0"/>
-                  <a:ea typeface="Verdana" panose="020B0604030504040204" pitchFamily="34" charset="0"/>
-                  <a:cs typeface="Arial" panose="020B0604020202020204" pitchFamily="34" charset="0"/>
-                </a:rPr>
-                <a:t>A’dan Z’ye Büyük Veri</a:t>
-              </a:r>
-              <a:endParaRPr lang="en-US" sz="2000" dirty="0">
-                <a:solidFill>
-                  <a:srgbClr val="CB171F"/>
-                </a:solidFill>
-                <a:latin typeface="Constantia" panose="02030602050306030303" pitchFamily="18" charset="0"/>
-                <a:ea typeface="Verdana" panose="020B0604030504040204" pitchFamily="34" charset="0"/>
-                <a:cs typeface="Arial" panose="020B0604020202020204" pitchFamily="34" charset="0"/>
-              </a:endParaRPr>
-            </a:p>
-          </p:txBody>
-        </p:sp>
-      </p:grpSp>
       <p:sp>
         <p:nvSpPr>
           <p:cNvPr id="16" name="Unvan 1"/>
@@ -16325,7 +11736,7 @@
           <a:lstStyle/>
           <a:p>
             <a:r>
-              <a:rPr lang="tr-TR" sz="4200" b="1" dirty="0" err="1" smtClean="0">
+              <a:rPr lang="tr-TR" sz="4200" b="1" dirty="0" err="1">
                 <a:solidFill>
                   <a:srgbClr val="CD1F26"/>
                 </a:solidFill>
@@ -16336,7 +11747,7 @@
               <a:t>Spark</a:t>
             </a:r>
             <a:r>
-              <a:rPr lang="tr-TR" sz="4200" b="1" dirty="0" smtClean="0">
+              <a:rPr lang="tr-TR" sz="4200" b="1" dirty="0">
                 <a:solidFill>
                   <a:srgbClr val="CD1F26"/>
                 </a:solidFill>
@@ -16386,7 +11797,7 @@
               <a:buChar char="ü"/>
             </a:pPr>
             <a:r>
-              <a:rPr lang="tr-TR" sz="2400" dirty="0" err="1" smtClean="0">
+              <a:rPr lang="tr-TR" sz="2400" dirty="0" err="1">
                 <a:solidFill>
                   <a:srgbClr val="404041"/>
                 </a:solidFill>
@@ -16395,7 +11806,7 @@
               <a:t>Scala</a:t>
             </a:r>
             <a:r>
-              <a:rPr lang="tr-TR" sz="2400" dirty="0" smtClean="0">
+              <a:rPr lang="tr-TR" sz="2400" dirty="0">
                 <a:solidFill>
                   <a:srgbClr val="404041"/>
                 </a:solidFill>
@@ -16413,7 +11824,7 @@
               <a:buChar char="ü"/>
             </a:pPr>
             <a:r>
-              <a:rPr lang="tr-TR" sz="2400" dirty="0" err="1" smtClean="0">
+              <a:rPr lang="tr-TR" sz="2400" dirty="0" err="1">
                 <a:solidFill>
                   <a:srgbClr val="404041"/>
                 </a:solidFill>
@@ -16422,7 +11833,7 @@
               <a:t>Python</a:t>
             </a:r>
             <a:r>
-              <a:rPr lang="tr-TR" sz="2400" dirty="0" smtClean="0">
+              <a:rPr lang="tr-TR" sz="2400" dirty="0">
                 <a:solidFill>
                   <a:srgbClr val="404041"/>
                 </a:solidFill>
@@ -16431,7 +11842,7 @@
               <a:t>: 	</a:t>
             </a:r>
             <a:r>
-              <a:rPr lang="tr-TR" sz="2400" dirty="0" err="1" smtClean="0">
+              <a:rPr lang="tr-TR" sz="2400" dirty="0" err="1">
                 <a:solidFill>
                   <a:srgbClr val="404041"/>
                 </a:solidFill>
@@ -16440,7 +11851,7 @@
               <a:t>PySpark</a:t>
             </a:r>
             <a:r>
-              <a:rPr lang="tr-TR" sz="2400" dirty="0" smtClean="0">
+              <a:rPr lang="tr-TR" sz="2400" dirty="0">
                 <a:solidFill>
                   <a:srgbClr val="404041"/>
                 </a:solidFill>
@@ -16458,7 +11869,7 @@
               <a:buChar char="ü"/>
             </a:pPr>
             <a:r>
-              <a:rPr lang="tr-TR" sz="2400" dirty="0" smtClean="0">
+              <a:rPr lang="tr-TR" sz="2400" dirty="0">
                 <a:solidFill>
                   <a:srgbClr val="404041"/>
                 </a:solidFill>
@@ -16476,7 +11887,7 @@
               <a:buChar char="ü"/>
             </a:pPr>
             <a:r>
-              <a:rPr lang="tr-TR" sz="2400" dirty="0" smtClean="0">
+              <a:rPr lang="tr-TR" sz="2400" dirty="0">
                 <a:solidFill>
                   <a:srgbClr val="404041"/>
                 </a:solidFill>
@@ -16494,7 +11905,7 @@
               <a:buChar char="ü"/>
             </a:pPr>
             <a:r>
-              <a:rPr lang="tr-TR" sz="2400" dirty="0" smtClean="0">
+              <a:rPr lang="tr-TR" sz="2400" dirty="0">
                 <a:solidFill>
                   <a:srgbClr val="404041"/>
                 </a:solidFill>
@@ -16503,7 +11914,7 @@
               <a:t>R: 		</a:t>
             </a:r>
             <a:r>
-              <a:rPr lang="tr-TR" sz="2400" dirty="0" err="1" smtClean="0">
+              <a:rPr lang="tr-TR" sz="2400" dirty="0" err="1">
                 <a:solidFill>
                   <a:srgbClr val="404041"/>
                 </a:solidFill>
@@ -16512,7 +11923,7 @@
               <a:t>SparkR</a:t>
             </a:r>
             <a:r>
-              <a:rPr lang="tr-TR" sz="2400" dirty="0" smtClean="0">
+              <a:rPr lang="tr-TR" sz="2400" dirty="0">
                 <a:solidFill>
                   <a:srgbClr val="404041"/>
                 </a:solidFill>
@@ -16521,7 +11932,7 @@
               <a:t> = </a:t>
             </a:r>
             <a:r>
-              <a:rPr lang="tr-TR" sz="2400" dirty="0" err="1" smtClean="0">
+              <a:rPr lang="tr-TR" sz="2400" dirty="0" err="1">
                 <a:solidFill>
                   <a:srgbClr val="404041"/>
                 </a:solidFill>
@@ -16529,7 +11940,7 @@
               </a:rPr>
               <a:t>Sparklyr</a:t>
             </a:r>
-            <a:endParaRPr lang="tr-TR" sz="2400" dirty="0" smtClean="0">
+            <a:endParaRPr lang="tr-TR" sz="2400" dirty="0">
               <a:solidFill>
                 <a:srgbClr val="404041"/>
               </a:solidFill>
@@ -16544,7 +11955,7 @@
               <a:buFont typeface="Wingdings" panose="05000000000000000000" pitchFamily="2" charset="2"/>
               <a:buChar char="ü"/>
             </a:pPr>
-            <a:endParaRPr lang="tr-TR" sz="2400" dirty="0" smtClean="0">
+            <a:endParaRPr lang="tr-TR" sz="2400" dirty="0">
               <a:solidFill>
                 <a:srgbClr val="404041"/>
               </a:solidFill>
@@ -16559,7 +11970,7 @@
               <a:buFont typeface="Wingdings" panose="05000000000000000000" pitchFamily="2" charset="2"/>
               <a:buChar char="ü"/>
             </a:pPr>
-            <a:endParaRPr lang="tr-TR" sz="2400" dirty="0" smtClean="0">
+            <a:endParaRPr lang="tr-TR" sz="2400" dirty="0">
               <a:solidFill>
                 <a:srgbClr val="404041"/>
               </a:solidFill>
@@ -16578,13 +11989,6 @@
   <p:clrMapOvr>
     <a:masterClrMapping/>
   </p:clrMapOvr>
-  <p:timing>
-    <p:tnLst>
-      <p:par>
-        <p:cTn id="1" dur="indefinite" restart="never" nodeType="tmRoot"/>
-      </p:par>
-    </p:tnLst>
-  </p:timing>
 </p:sld>
 </file>
 
@@ -16642,369 +12046,6 @@
           </a:fontRef>
         </p:style>
       </p:cxnSp>
-      <p:grpSp>
-        <p:nvGrpSpPr>
-          <p:cNvPr id="15" name="Grup 14"/>
-          <p:cNvGrpSpPr/>
-          <p:nvPr/>
-        </p:nvGrpSpPr>
-        <p:grpSpPr>
-          <a:xfrm>
-            <a:off x="228596" y="6231467"/>
-            <a:ext cx="3041654" cy="492576"/>
-            <a:chOff x="228596" y="6231467"/>
-            <a:chExt cx="3041654" cy="492576"/>
-          </a:xfrm>
-        </p:grpSpPr>
-        <p:grpSp>
-          <p:nvGrpSpPr>
-            <p:cNvPr id="8" name="Grup 7"/>
-            <p:cNvGrpSpPr/>
-            <p:nvPr/>
-          </p:nvGrpSpPr>
-          <p:grpSpPr>
-            <a:xfrm>
-              <a:off x="228596" y="6231467"/>
-              <a:ext cx="2802471" cy="457084"/>
-              <a:chOff x="127000" y="5901146"/>
-              <a:chExt cx="5156200" cy="838200"/>
-            </a:xfrm>
-          </p:grpSpPr>
-          <p:sp>
-            <p:nvSpPr>
-              <p:cNvPr id="7" name="Dikdörtgen 6"/>
-              <p:cNvSpPr/>
-              <p:nvPr/>
-            </p:nvSpPr>
-            <p:spPr>
-              <a:xfrm>
-                <a:off x="127000" y="5901146"/>
-                <a:ext cx="5156200" cy="838200"/>
-              </a:xfrm>
-              <a:prstGeom prst="rect">
-                <a:avLst/>
-              </a:prstGeom>
-              <a:solidFill>
-                <a:schemeClr val="bg1">
-                  <a:lumMod val="95000"/>
-                </a:schemeClr>
-              </a:solidFill>
-              <a:ln>
-                <a:noFill/>
-              </a:ln>
-            </p:spPr>
-            <p:style>
-              <a:lnRef idx="2">
-                <a:schemeClr val="accent1">
-                  <a:shade val="50000"/>
-                </a:schemeClr>
-              </a:lnRef>
-              <a:fillRef idx="1">
-                <a:schemeClr val="accent1"/>
-              </a:fillRef>
-              <a:effectRef idx="0">
-                <a:schemeClr val="accent1"/>
-              </a:effectRef>
-              <a:fontRef idx="minor">
-                <a:schemeClr val="lt1"/>
-              </a:fontRef>
-            </p:style>
-            <p:txBody>
-              <a:bodyPr rtlCol="0" anchor="ctr"/>
-              <a:lstStyle/>
-              <a:p>
-                <a:pPr algn="ctr"/>
-                <a:endParaRPr lang="en-US" sz="2000"/>
-              </a:p>
-            </p:txBody>
-          </p:sp>
-          <p:grpSp>
-            <p:nvGrpSpPr>
-              <p:cNvPr id="6" name="Grup 5"/>
-              <p:cNvGrpSpPr/>
-              <p:nvPr/>
-            </p:nvGrpSpPr>
-            <p:grpSpPr>
-              <a:xfrm>
-                <a:off x="211667" y="6019800"/>
-                <a:ext cx="5012266" cy="605115"/>
-                <a:chOff x="211667" y="6019800"/>
-                <a:chExt cx="5012266" cy="605115"/>
-              </a:xfrm>
-            </p:grpSpPr>
-            <p:pic>
-              <p:nvPicPr>
-                <p:cNvPr id="4" name="Resim 3"/>
-                <p:cNvPicPr>
-                  <a:picLocks noChangeAspect="1"/>
-                </p:cNvPicPr>
-                <p:nvPr/>
-              </p:nvPicPr>
-              <p:blipFill rotWithShape="1">
-                <a:blip r:embed="rId2" cstate="print">
-                  <a:extLst>
-                    <a:ext uri="{28A0092B-C50C-407E-A947-70E740481C1C}">
-                      <a14:useLocalDpi xmlns:a14="http://schemas.microsoft.com/office/drawing/2010/main" val="0"/>
-                    </a:ext>
-                  </a:extLst>
-                </a:blip>
-                <a:srcRect l="24387" t="8319" r="18355" b="50150"/>
-                <a:stretch/>
-              </p:blipFill>
-              <p:spPr>
-                <a:xfrm>
-                  <a:off x="211667" y="6019800"/>
-                  <a:ext cx="1072095" cy="600892"/>
-                </a:xfrm>
-                <a:prstGeom prst="rect">
-                  <a:avLst/>
-                </a:prstGeom>
-              </p:spPr>
-            </p:pic>
-            <p:sp>
-              <p:nvSpPr>
-                <p:cNvPr id="5" name="Unvan 1"/>
-                <p:cNvSpPr txBox="1">
-                  <a:spLocks/>
-                </p:cNvSpPr>
-                <p:nvPr/>
-              </p:nvSpPr>
-              <p:spPr>
-                <a:xfrm>
-                  <a:off x="1283763" y="6024023"/>
-                  <a:ext cx="3940170" cy="600892"/>
-                </a:xfrm>
-                <a:prstGeom prst="rect">
-                  <a:avLst/>
-                </a:prstGeom>
-              </p:spPr>
-              <p:txBody>
-                <a:bodyPr vert="horz" lIns="91440" tIns="45720" rIns="91440" bIns="45720" rtlCol="0" anchor="b">
-                  <a:noAutofit/>
-                </a:bodyPr>
-                <a:lstStyle>
-                  <a:lvl1pPr algn="ctr" defTabSz="914400" rtl="0" eaLnBrk="1" latinLnBrk="0" hangingPunct="1">
-                    <a:lnSpc>
-                      <a:spcPct val="90000"/>
-                    </a:lnSpc>
-                    <a:spcBef>
-                      <a:spcPct val="0"/>
-                    </a:spcBef>
-                    <a:buNone/>
-                    <a:defRPr sz="6000" kern="1200">
-                      <a:solidFill>
-                        <a:schemeClr val="tx1"/>
-                      </a:solidFill>
-                      <a:latin typeface="+mj-lt"/>
-                      <a:ea typeface="+mj-ea"/>
-                      <a:cs typeface="+mj-cs"/>
-                    </a:defRPr>
-                  </a:lvl1pPr>
-                </a:lstStyle>
-                <a:p>
-                  <a:pPr algn="l"/>
-                  <a:r>
-                    <a:rPr lang="tr-TR" sz="2000" dirty="0" smtClean="0">
-                      <a:solidFill>
-                        <a:srgbClr val="CB171F"/>
-                      </a:solidFill>
-                      <a:latin typeface="Constantia" panose="02030602050306030303" pitchFamily="18" charset="0"/>
-                      <a:ea typeface="Verdana" panose="020B0604030504040204" pitchFamily="34" charset="0"/>
-                      <a:cs typeface="Arial" panose="020B0604020202020204" pitchFamily="34" charset="0"/>
-                    </a:rPr>
-                    <a:t>Veri Bilimi Okulu</a:t>
-                  </a:r>
-                  <a:endParaRPr lang="en-US" sz="2000" dirty="0">
-                    <a:solidFill>
-                      <a:srgbClr val="CB171F"/>
-                    </a:solidFill>
-                    <a:latin typeface="Constantia" panose="02030602050306030303" pitchFamily="18" charset="0"/>
-                    <a:ea typeface="Verdana" panose="020B0604030504040204" pitchFamily="34" charset="0"/>
-                    <a:cs typeface="Arial" panose="020B0604020202020204" pitchFamily="34" charset="0"/>
-                  </a:endParaRPr>
-                </a:p>
-              </p:txBody>
-            </p:sp>
-          </p:grpSp>
-        </p:grpSp>
-        <p:sp>
-          <p:nvSpPr>
-            <p:cNvPr id="12" name="Metin kutusu 11"/>
-            <p:cNvSpPr txBox="1"/>
-            <p:nvPr/>
-          </p:nvSpPr>
-          <p:spPr>
-            <a:xfrm>
-              <a:off x="1582782" y="6493211"/>
-              <a:ext cx="1687468" cy="230832"/>
-            </a:xfrm>
-            <a:prstGeom prst="rect">
-              <a:avLst/>
-            </a:prstGeom>
-            <a:noFill/>
-          </p:spPr>
-          <p:txBody>
-            <a:bodyPr wrap="square" rtlCol="0">
-              <a:spAutoFit/>
-            </a:bodyPr>
-            <a:lstStyle/>
-            <a:p>
-              <a:r>
-                <a:rPr lang="en-US" sz="900" dirty="0" smtClean="0">
-                  <a:solidFill>
-                    <a:srgbClr val="0B8043"/>
-                  </a:solidFill>
-                </a:rPr>
-                <a:t>https:</a:t>
-              </a:r>
-              <a:r>
-                <a:rPr lang="en-US" sz="900" dirty="0" smtClean="0">
-                  <a:solidFill>
-                    <a:schemeClr val="bg1">
-                      <a:lumMod val="50000"/>
-                    </a:schemeClr>
-                  </a:solidFill>
-                </a:rPr>
-                <a:t>//www.veribilimi.co</a:t>
-              </a:r>
-              <a:endParaRPr lang="en-US" sz="900" dirty="0">
-                <a:solidFill>
-                  <a:schemeClr val="bg1">
-                    <a:lumMod val="50000"/>
-                  </a:schemeClr>
-                </a:solidFill>
-              </a:endParaRPr>
-            </a:p>
-          </p:txBody>
-        </p:sp>
-      </p:grpSp>
-      <p:grpSp>
-        <p:nvGrpSpPr>
-          <p:cNvPr id="11" name="Grup 10"/>
-          <p:cNvGrpSpPr/>
-          <p:nvPr/>
-        </p:nvGrpSpPr>
-        <p:grpSpPr>
-          <a:xfrm>
-            <a:off x="9194796" y="6231467"/>
-            <a:ext cx="2802471" cy="457084"/>
-            <a:chOff x="184993" y="5905369"/>
-            <a:chExt cx="5156200" cy="838200"/>
-          </a:xfrm>
-        </p:grpSpPr>
-        <p:sp>
-          <p:nvSpPr>
-            <p:cNvPr id="13" name="Dikdörtgen 12"/>
-            <p:cNvSpPr/>
-            <p:nvPr/>
-          </p:nvSpPr>
-          <p:spPr>
-            <a:xfrm>
-              <a:off x="184993" y="5905369"/>
-              <a:ext cx="5156200" cy="838200"/>
-            </a:xfrm>
-            <a:prstGeom prst="rect">
-              <a:avLst/>
-            </a:prstGeom>
-            <a:solidFill>
-              <a:schemeClr val="bg1">
-                <a:lumMod val="95000"/>
-              </a:schemeClr>
-            </a:solidFill>
-            <a:ln>
-              <a:noFill/>
-            </a:ln>
-          </p:spPr>
-          <p:style>
-            <a:lnRef idx="2">
-              <a:schemeClr val="accent1">
-                <a:shade val="50000"/>
-              </a:schemeClr>
-            </a:lnRef>
-            <a:fillRef idx="1">
-              <a:schemeClr val="accent1"/>
-            </a:fillRef>
-            <a:effectRef idx="0">
-              <a:schemeClr val="accent1"/>
-            </a:effectRef>
-            <a:fontRef idx="minor">
-              <a:schemeClr val="lt1"/>
-            </a:fontRef>
-          </p:style>
-          <p:txBody>
-            <a:bodyPr rtlCol="0" anchor="ctr"/>
-            <a:lstStyle/>
-            <a:p>
-              <a:pPr algn="ctr"/>
-              <a:endParaRPr lang="en-US" sz="2000"/>
-            </a:p>
-          </p:txBody>
-        </p:sp>
-        <p:sp>
-          <p:nvSpPr>
-            <p:cNvPr id="14" name="Unvan 1"/>
-            <p:cNvSpPr txBox="1">
-              <a:spLocks/>
-            </p:cNvSpPr>
-            <p:nvPr/>
-          </p:nvSpPr>
-          <p:spPr>
-            <a:xfrm>
-              <a:off x="302252" y="6024023"/>
-              <a:ext cx="4921678" cy="600892"/>
-            </a:xfrm>
-            <a:prstGeom prst="rect">
-              <a:avLst/>
-            </a:prstGeom>
-          </p:spPr>
-          <p:txBody>
-            <a:bodyPr vert="horz" lIns="91440" tIns="45720" rIns="91440" bIns="45720" rtlCol="0" anchor="b">
-              <a:noAutofit/>
-            </a:bodyPr>
-            <a:lstStyle>
-              <a:lvl1pPr algn="ctr" defTabSz="914400" rtl="0" eaLnBrk="1" latinLnBrk="0" hangingPunct="1">
-                <a:lnSpc>
-                  <a:spcPct val="90000"/>
-                </a:lnSpc>
-                <a:spcBef>
-                  <a:spcPct val="0"/>
-                </a:spcBef>
-                <a:buNone/>
-                <a:defRPr sz="6000" kern="1200">
-                  <a:solidFill>
-                    <a:schemeClr val="tx1"/>
-                  </a:solidFill>
-                  <a:latin typeface="+mj-lt"/>
-                  <a:ea typeface="+mj-ea"/>
-                  <a:cs typeface="+mj-cs"/>
-                </a:defRPr>
-              </a:lvl1pPr>
-            </a:lstStyle>
-            <a:p>
-              <a:pPr algn="l"/>
-              <a:r>
-                <a:rPr lang="tr-TR" sz="2000" dirty="0">
-                  <a:solidFill>
-                    <a:srgbClr val="CB171F"/>
-                  </a:solidFill>
-                  <a:latin typeface="Constantia" panose="02030602050306030303" pitchFamily="18" charset="0"/>
-                  <a:ea typeface="Verdana" panose="020B0604030504040204" pitchFamily="34" charset="0"/>
-                  <a:cs typeface="Arial" panose="020B0604020202020204" pitchFamily="34" charset="0"/>
-                </a:rPr>
-                <a:t>A’dan Z’ye Büyük Veri</a:t>
-              </a:r>
-              <a:endParaRPr lang="en-US" sz="2000" dirty="0">
-                <a:solidFill>
-                  <a:srgbClr val="CB171F"/>
-                </a:solidFill>
-                <a:latin typeface="Constantia" panose="02030602050306030303" pitchFamily="18" charset="0"/>
-                <a:ea typeface="Verdana" panose="020B0604030504040204" pitchFamily="34" charset="0"/>
-                <a:cs typeface="Arial" panose="020B0604020202020204" pitchFamily="34" charset="0"/>
-              </a:endParaRPr>
-            </a:p>
-          </p:txBody>
-        </p:sp>
-      </p:grpSp>
       <p:sp>
         <p:nvSpPr>
           <p:cNvPr id="16" name="Unvan 1"/>
@@ -17028,7 +12069,7 @@
           <a:lstStyle/>
           <a:p>
             <a:r>
-              <a:rPr lang="tr-TR" sz="4200" b="1" dirty="0" smtClean="0">
+              <a:rPr lang="tr-TR" sz="4200" b="1" dirty="0">
                 <a:solidFill>
                   <a:srgbClr val="CD1F26"/>
                 </a:solidFill>
@@ -17039,7 +12080,7 @@
               <a:t>Çalışma </a:t>
             </a:r>
             <a:r>
-              <a:rPr lang="tr-TR" sz="4200" b="1" dirty="0" err="1" smtClean="0">
+              <a:rPr lang="tr-TR" sz="4200" b="1" dirty="0" err="1">
                 <a:solidFill>
                   <a:srgbClr val="CD1F26"/>
                 </a:solidFill>
@@ -17089,7 +12130,7 @@
               <a:buChar char="ü"/>
             </a:pPr>
             <a:r>
-              <a:rPr lang="tr-TR" sz="3600" dirty="0" smtClean="0">
+              <a:rPr lang="tr-TR" sz="3600" dirty="0">
                 <a:solidFill>
                   <a:srgbClr val="404041"/>
                 </a:solidFill>
@@ -17098,7 +12139,7 @@
               <a:t>Cluster </a:t>
             </a:r>
             <a:r>
-              <a:rPr lang="tr-TR" sz="3600" dirty="0" err="1" smtClean="0">
+              <a:rPr lang="tr-TR" sz="3600" dirty="0" err="1">
                 <a:solidFill>
                   <a:srgbClr val="404041"/>
                 </a:solidFill>
@@ -17106,7 +12147,7 @@
               </a:rPr>
               <a:t>Mode</a:t>
             </a:r>
-            <a:endParaRPr lang="tr-TR" sz="3600" dirty="0" smtClean="0">
+            <a:endParaRPr lang="tr-TR" sz="3600" dirty="0">
               <a:solidFill>
                 <a:srgbClr val="404041"/>
               </a:solidFill>
@@ -17120,7 +12161,7 @@
               </a:lnSpc>
             </a:pPr>
             <a:r>
-              <a:rPr lang="tr-TR" sz="2800" dirty="0" err="1" smtClean="0">
+              <a:rPr lang="tr-TR" sz="2800" dirty="0" err="1">
                 <a:solidFill>
                   <a:srgbClr val="404041"/>
                 </a:solidFill>
@@ -17129,7 +12170,7 @@
               <a:t>Spark</a:t>
             </a:r>
             <a:r>
-              <a:rPr lang="tr-TR" sz="2800" dirty="0" smtClean="0">
+              <a:rPr lang="tr-TR" sz="2800" dirty="0">
                 <a:solidFill>
                   <a:srgbClr val="404041"/>
                 </a:solidFill>
@@ -17138,7 +12179,7 @@
               <a:t> </a:t>
             </a:r>
             <a:r>
-              <a:rPr lang="tr-TR" sz="2800" dirty="0" err="1" smtClean="0">
+              <a:rPr lang="tr-TR" sz="2800" dirty="0" err="1">
                 <a:solidFill>
                   <a:srgbClr val="404041"/>
                 </a:solidFill>
@@ -17147,7 +12188,7 @@
               <a:t>Standalone</a:t>
             </a:r>
             <a:r>
-              <a:rPr lang="tr-TR" sz="2800" dirty="0" smtClean="0">
+              <a:rPr lang="tr-TR" sz="2800" dirty="0">
                 <a:solidFill>
                   <a:srgbClr val="404041"/>
                 </a:solidFill>
@@ -17163,7 +12204,7 @@
               </a:lnSpc>
             </a:pPr>
             <a:r>
-              <a:rPr lang="tr-TR" sz="2800" dirty="0" err="1" smtClean="0">
+              <a:rPr lang="tr-TR" sz="2800" dirty="0" err="1">
                 <a:solidFill>
                   <a:srgbClr val="404041"/>
                 </a:solidFill>
@@ -17172,7 +12213,7 @@
               <a:t>Apache</a:t>
             </a:r>
             <a:r>
-              <a:rPr lang="tr-TR" sz="2800" dirty="0" smtClean="0">
+              <a:rPr lang="tr-TR" sz="2800" dirty="0">
                 <a:solidFill>
                   <a:srgbClr val="404041"/>
                 </a:solidFill>
@@ -17181,7 +12222,7 @@
               <a:t> </a:t>
             </a:r>
             <a:r>
-              <a:rPr lang="tr-TR" sz="2800" dirty="0" err="1" smtClean="0">
+              <a:rPr lang="tr-TR" sz="2800" dirty="0" err="1">
                 <a:solidFill>
                   <a:srgbClr val="404041"/>
                 </a:solidFill>
@@ -17189,7 +12230,7 @@
               </a:rPr>
               <a:t>Mesos</a:t>
             </a:r>
-            <a:endParaRPr lang="tr-TR" sz="2800" dirty="0" smtClean="0">
+            <a:endParaRPr lang="tr-TR" sz="2800" dirty="0">
               <a:solidFill>
                 <a:srgbClr val="404041"/>
               </a:solidFill>
@@ -17203,7 +12244,7 @@
               </a:lnSpc>
             </a:pPr>
             <a:r>
-              <a:rPr lang="tr-TR" sz="2800" dirty="0" smtClean="0">
+              <a:rPr lang="tr-TR" sz="2800" dirty="0">
                 <a:solidFill>
                   <a:srgbClr val="404041"/>
                 </a:solidFill>
@@ -17221,7 +12262,7 @@
               <a:buChar char="ü"/>
             </a:pPr>
             <a:r>
-              <a:rPr lang="tr-TR" sz="3600" dirty="0" err="1" smtClean="0">
+              <a:rPr lang="tr-TR" sz="3600" dirty="0" err="1">
                 <a:solidFill>
                   <a:srgbClr val="404041"/>
                 </a:solidFill>
@@ -17230,7 +12271,7 @@
               <a:t>Local</a:t>
             </a:r>
             <a:r>
-              <a:rPr lang="tr-TR" sz="3600" dirty="0" smtClean="0">
+              <a:rPr lang="tr-TR" sz="3600" dirty="0">
                 <a:solidFill>
                   <a:srgbClr val="404041"/>
                 </a:solidFill>
@@ -17239,7 +12280,7 @@
               <a:t> </a:t>
             </a:r>
             <a:r>
-              <a:rPr lang="tr-TR" sz="3600" dirty="0" err="1" smtClean="0">
+              <a:rPr lang="tr-TR" sz="3600" dirty="0" err="1">
                 <a:solidFill>
                   <a:srgbClr val="404041"/>
                 </a:solidFill>
@@ -17247,7 +12288,7 @@
               </a:rPr>
               <a:t>Mode</a:t>
             </a:r>
-            <a:endParaRPr lang="tr-TR" sz="3600" dirty="0" smtClean="0">
+            <a:endParaRPr lang="tr-TR" sz="3600" dirty="0">
               <a:solidFill>
                 <a:srgbClr val="404041"/>
               </a:solidFill>
@@ -17266,13 +12307,6 @@
   <p:clrMapOvr>
     <a:masterClrMapping/>
   </p:clrMapOvr>
-  <p:timing>
-    <p:tnLst>
-      <p:par>
-        <p:cTn id="1" dur="indefinite" restart="never" nodeType="tmRoot"/>
-      </p:par>
-    </p:tnLst>
-  </p:timing>
 </p:sld>
 </file>
 
@@ -17330,369 +12364,6 @@
           </a:fontRef>
         </p:style>
       </p:cxnSp>
-      <p:grpSp>
-        <p:nvGrpSpPr>
-          <p:cNvPr id="15" name="Grup 14"/>
-          <p:cNvGrpSpPr/>
-          <p:nvPr/>
-        </p:nvGrpSpPr>
-        <p:grpSpPr>
-          <a:xfrm>
-            <a:off x="228596" y="6231467"/>
-            <a:ext cx="3041654" cy="492576"/>
-            <a:chOff x="228596" y="6231467"/>
-            <a:chExt cx="3041654" cy="492576"/>
-          </a:xfrm>
-        </p:grpSpPr>
-        <p:grpSp>
-          <p:nvGrpSpPr>
-            <p:cNvPr id="8" name="Grup 7"/>
-            <p:cNvGrpSpPr/>
-            <p:nvPr/>
-          </p:nvGrpSpPr>
-          <p:grpSpPr>
-            <a:xfrm>
-              <a:off x="228596" y="6231467"/>
-              <a:ext cx="2802471" cy="457084"/>
-              <a:chOff x="127000" y="5901146"/>
-              <a:chExt cx="5156200" cy="838200"/>
-            </a:xfrm>
-          </p:grpSpPr>
-          <p:sp>
-            <p:nvSpPr>
-              <p:cNvPr id="7" name="Dikdörtgen 6"/>
-              <p:cNvSpPr/>
-              <p:nvPr/>
-            </p:nvSpPr>
-            <p:spPr>
-              <a:xfrm>
-                <a:off x="127000" y="5901146"/>
-                <a:ext cx="5156200" cy="838200"/>
-              </a:xfrm>
-              <a:prstGeom prst="rect">
-                <a:avLst/>
-              </a:prstGeom>
-              <a:solidFill>
-                <a:schemeClr val="bg1">
-                  <a:lumMod val="95000"/>
-                </a:schemeClr>
-              </a:solidFill>
-              <a:ln>
-                <a:noFill/>
-              </a:ln>
-            </p:spPr>
-            <p:style>
-              <a:lnRef idx="2">
-                <a:schemeClr val="accent1">
-                  <a:shade val="50000"/>
-                </a:schemeClr>
-              </a:lnRef>
-              <a:fillRef idx="1">
-                <a:schemeClr val="accent1"/>
-              </a:fillRef>
-              <a:effectRef idx="0">
-                <a:schemeClr val="accent1"/>
-              </a:effectRef>
-              <a:fontRef idx="minor">
-                <a:schemeClr val="lt1"/>
-              </a:fontRef>
-            </p:style>
-            <p:txBody>
-              <a:bodyPr rtlCol="0" anchor="ctr"/>
-              <a:lstStyle/>
-              <a:p>
-                <a:pPr algn="ctr"/>
-                <a:endParaRPr lang="en-US" sz="2000"/>
-              </a:p>
-            </p:txBody>
-          </p:sp>
-          <p:grpSp>
-            <p:nvGrpSpPr>
-              <p:cNvPr id="6" name="Grup 5"/>
-              <p:cNvGrpSpPr/>
-              <p:nvPr/>
-            </p:nvGrpSpPr>
-            <p:grpSpPr>
-              <a:xfrm>
-                <a:off x="211667" y="6019800"/>
-                <a:ext cx="5012266" cy="605115"/>
-                <a:chOff x="211667" y="6019800"/>
-                <a:chExt cx="5012266" cy="605115"/>
-              </a:xfrm>
-            </p:grpSpPr>
-            <p:pic>
-              <p:nvPicPr>
-                <p:cNvPr id="4" name="Resim 3"/>
-                <p:cNvPicPr>
-                  <a:picLocks noChangeAspect="1"/>
-                </p:cNvPicPr>
-                <p:nvPr/>
-              </p:nvPicPr>
-              <p:blipFill rotWithShape="1">
-                <a:blip r:embed="rId2" cstate="print">
-                  <a:extLst>
-                    <a:ext uri="{28A0092B-C50C-407E-A947-70E740481C1C}">
-                      <a14:useLocalDpi xmlns:a14="http://schemas.microsoft.com/office/drawing/2010/main" val="0"/>
-                    </a:ext>
-                  </a:extLst>
-                </a:blip>
-                <a:srcRect l="24387" t="8319" r="18355" b="50150"/>
-                <a:stretch/>
-              </p:blipFill>
-              <p:spPr>
-                <a:xfrm>
-                  <a:off x="211667" y="6019800"/>
-                  <a:ext cx="1072095" cy="600892"/>
-                </a:xfrm>
-                <a:prstGeom prst="rect">
-                  <a:avLst/>
-                </a:prstGeom>
-              </p:spPr>
-            </p:pic>
-            <p:sp>
-              <p:nvSpPr>
-                <p:cNvPr id="5" name="Unvan 1"/>
-                <p:cNvSpPr txBox="1">
-                  <a:spLocks/>
-                </p:cNvSpPr>
-                <p:nvPr/>
-              </p:nvSpPr>
-              <p:spPr>
-                <a:xfrm>
-                  <a:off x="1283763" y="6024023"/>
-                  <a:ext cx="3940170" cy="600892"/>
-                </a:xfrm>
-                <a:prstGeom prst="rect">
-                  <a:avLst/>
-                </a:prstGeom>
-              </p:spPr>
-              <p:txBody>
-                <a:bodyPr vert="horz" lIns="91440" tIns="45720" rIns="91440" bIns="45720" rtlCol="0" anchor="b">
-                  <a:noAutofit/>
-                </a:bodyPr>
-                <a:lstStyle>
-                  <a:lvl1pPr algn="ctr" defTabSz="914400" rtl="0" eaLnBrk="1" latinLnBrk="0" hangingPunct="1">
-                    <a:lnSpc>
-                      <a:spcPct val="90000"/>
-                    </a:lnSpc>
-                    <a:spcBef>
-                      <a:spcPct val="0"/>
-                    </a:spcBef>
-                    <a:buNone/>
-                    <a:defRPr sz="6000" kern="1200">
-                      <a:solidFill>
-                        <a:schemeClr val="tx1"/>
-                      </a:solidFill>
-                      <a:latin typeface="+mj-lt"/>
-                      <a:ea typeface="+mj-ea"/>
-                      <a:cs typeface="+mj-cs"/>
-                    </a:defRPr>
-                  </a:lvl1pPr>
-                </a:lstStyle>
-                <a:p>
-                  <a:pPr algn="l"/>
-                  <a:r>
-                    <a:rPr lang="tr-TR" sz="2000" dirty="0" smtClean="0">
-                      <a:solidFill>
-                        <a:srgbClr val="CB171F"/>
-                      </a:solidFill>
-                      <a:latin typeface="Constantia" panose="02030602050306030303" pitchFamily="18" charset="0"/>
-                      <a:ea typeface="Verdana" panose="020B0604030504040204" pitchFamily="34" charset="0"/>
-                      <a:cs typeface="Arial" panose="020B0604020202020204" pitchFamily="34" charset="0"/>
-                    </a:rPr>
-                    <a:t>Veri Bilimi Okulu</a:t>
-                  </a:r>
-                  <a:endParaRPr lang="en-US" sz="2000" dirty="0">
-                    <a:solidFill>
-                      <a:srgbClr val="CB171F"/>
-                    </a:solidFill>
-                    <a:latin typeface="Constantia" panose="02030602050306030303" pitchFamily="18" charset="0"/>
-                    <a:ea typeface="Verdana" panose="020B0604030504040204" pitchFamily="34" charset="0"/>
-                    <a:cs typeface="Arial" panose="020B0604020202020204" pitchFamily="34" charset="0"/>
-                  </a:endParaRPr>
-                </a:p>
-              </p:txBody>
-            </p:sp>
-          </p:grpSp>
-        </p:grpSp>
-        <p:sp>
-          <p:nvSpPr>
-            <p:cNvPr id="12" name="Metin kutusu 11"/>
-            <p:cNvSpPr txBox="1"/>
-            <p:nvPr/>
-          </p:nvSpPr>
-          <p:spPr>
-            <a:xfrm>
-              <a:off x="1582782" y="6493211"/>
-              <a:ext cx="1687468" cy="230832"/>
-            </a:xfrm>
-            <a:prstGeom prst="rect">
-              <a:avLst/>
-            </a:prstGeom>
-            <a:noFill/>
-          </p:spPr>
-          <p:txBody>
-            <a:bodyPr wrap="square" rtlCol="0">
-              <a:spAutoFit/>
-            </a:bodyPr>
-            <a:lstStyle/>
-            <a:p>
-              <a:r>
-                <a:rPr lang="en-US" sz="900" dirty="0" smtClean="0">
-                  <a:solidFill>
-                    <a:srgbClr val="0B8043"/>
-                  </a:solidFill>
-                </a:rPr>
-                <a:t>https:</a:t>
-              </a:r>
-              <a:r>
-                <a:rPr lang="en-US" sz="900" dirty="0" smtClean="0">
-                  <a:solidFill>
-                    <a:schemeClr val="bg1">
-                      <a:lumMod val="50000"/>
-                    </a:schemeClr>
-                  </a:solidFill>
-                </a:rPr>
-                <a:t>//www.veribilimi.co</a:t>
-              </a:r>
-              <a:endParaRPr lang="en-US" sz="900" dirty="0">
-                <a:solidFill>
-                  <a:schemeClr val="bg1">
-                    <a:lumMod val="50000"/>
-                  </a:schemeClr>
-                </a:solidFill>
-              </a:endParaRPr>
-            </a:p>
-          </p:txBody>
-        </p:sp>
-      </p:grpSp>
-      <p:grpSp>
-        <p:nvGrpSpPr>
-          <p:cNvPr id="11" name="Grup 10"/>
-          <p:cNvGrpSpPr/>
-          <p:nvPr/>
-        </p:nvGrpSpPr>
-        <p:grpSpPr>
-          <a:xfrm>
-            <a:off x="9194796" y="6231467"/>
-            <a:ext cx="2802471" cy="457084"/>
-            <a:chOff x="184993" y="5905369"/>
-            <a:chExt cx="5156200" cy="838200"/>
-          </a:xfrm>
-        </p:grpSpPr>
-        <p:sp>
-          <p:nvSpPr>
-            <p:cNvPr id="13" name="Dikdörtgen 12"/>
-            <p:cNvSpPr/>
-            <p:nvPr/>
-          </p:nvSpPr>
-          <p:spPr>
-            <a:xfrm>
-              <a:off x="184993" y="5905369"/>
-              <a:ext cx="5156200" cy="838200"/>
-            </a:xfrm>
-            <a:prstGeom prst="rect">
-              <a:avLst/>
-            </a:prstGeom>
-            <a:solidFill>
-              <a:schemeClr val="bg1">
-                <a:lumMod val="95000"/>
-              </a:schemeClr>
-            </a:solidFill>
-            <a:ln>
-              <a:noFill/>
-            </a:ln>
-          </p:spPr>
-          <p:style>
-            <a:lnRef idx="2">
-              <a:schemeClr val="accent1">
-                <a:shade val="50000"/>
-              </a:schemeClr>
-            </a:lnRef>
-            <a:fillRef idx="1">
-              <a:schemeClr val="accent1"/>
-            </a:fillRef>
-            <a:effectRef idx="0">
-              <a:schemeClr val="accent1"/>
-            </a:effectRef>
-            <a:fontRef idx="minor">
-              <a:schemeClr val="lt1"/>
-            </a:fontRef>
-          </p:style>
-          <p:txBody>
-            <a:bodyPr rtlCol="0" anchor="ctr"/>
-            <a:lstStyle/>
-            <a:p>
-              <a:pPr algn="ctr"/>
-              <a:endParaRPr lang="en-US" sz="2000"/>
-            </a:p>
-          </p:txBody>
-        </p:sp>
-        <p:sp>
-          <p:nvSpPr>
-            <p:cNvPr id="14" name="Unvan 1"/>
-            <p:cNvSpPr txBox="1">
-              <a:spLocks/>
-            </p:cNvSpPr>
-            <p:nvPr/>
-          </p:nvSpPr>
-          <p:spPr>
-            <a:xfrm>
-              <a:off x="302252" y="6024023"/>
-              <a:ext cx="4921678" cy="600892"/>
-            </a:xfrm>
-            <a:prstGeom prst="rect">
-              <a:avLst/>
-            </a:prstGeom>
-          </p:spPr>
-          <p:txBody>
-            <a:bodyPr vert="horz" lIns="91440" tIns="45720" rIns="91440" bIns="45720" rtlCol="0" anchor="b">
-              <a:noAutofit/>
-            </a:bodyPr>
-            <a:lstStyle>
-              <a:lvl1pPr algn="ctr" defTabSz="914400" rtl="0" eaLnBrk="1" latinLnBrk="0" hangingPunct="1">
-                <a:lnSpc>
-                  <a:spcPct val="90000"/>
-                </a:lnSpc>
-                <a:spcBef>
-                  <a:spcPct val="0"/>
-                </a:spcBef>
-                <a:buNone/>
-                <a:defRPr sz="6000" kern="1200">
-                  <a:solidFill>
-                    <a:schemeClr val="tx1"/>
-                  </a:solidFill>
-                  <a:latin typeface="+mj-lt"/>
-                  <a:ea typeface="+mj-ea"/>
-                  <a:cs typeface="+mj-cs"/>
-                </a:defRPr>
-              </a:lvl1pPr>
-            </a:lstStyle>
-            <a:p>
-              <a:pPr algn="l"/>
-              <a:r>
-                <a:rPr lang="tr-TR" sz="2000" dirty="0">
-                  <a:solidFill>
-                    <a:srgbClr val="CB171F"/>
-                  </a:solidFill>
-                  <a:latin typeface="Constantia" panose="02030602050306030303" pitchFamily="18" charset="0"/>
-                  <a:ea typeface="Verdana" panose="020B0604030504040204" pitchFamily="34" charset="0"/>
-                  <a:cs typeface="Arial" panose="020B0604020202020204" pitchFamily="34" charset="0"/>
-                </a:rPr>
-                <a:t>A’dan Z’ye Büyük Veri</a:t>
-              </a:r>
-              <a:endParaRPr lang="en-US" sz="2000" dirty="0">
-                <a:solidFill>
-                  <a:srgbClr val="CB171F"/>
-                </a:solidFill>
-                <a:latin typeface="Constantia" panose="02030602050306030303" pitchFamily="18" charset="0"/>
-                <a:ea typeface="Verdana" panose="020B0604030504040204" pitchFamily="34" charset="0"/>
-                <a:cs typeface="Arial" panose="020B0604020202020204" pitchFamily="34" charset="0"/>
-              </a:endParaRPr>
-            </a:p>
-          </p:txBody>
-        </p:sp>
-      </p:grpSp>
       <p:sp>
         <p:nvSpPr>
           <p:cNvPr id="16" name="Unvan 1"/>
@@ -17716,7 +12387,7 @@
           <a:lstStyle/>
           <a:p>
             <a:r>
-              <a:rPr lang="tr-TR" sz="4200" b="1" dirty="0" smtClean="0">
+              <a:rPr lang="tr-TR" sz="4200" b="1" dirty="0">
                 <a:solidFill>
                   <a:srgbClr val="CD1F26"/>
                 </a:solidFill>
@@ -17976,7 +12647,7 @@
             <p:nvPr/>
           </p:nvPicPr>
           <p:blipFill>
-            <a:blip r:embed="rId3" cstate="print">
+            <a:blip r:embed="rId2" cstate="print">
               <a:extLst>
                 <a:ext uri="{28A0092B-C50C-407E-A947-70E740481C1C}">
                   <a14:useLocalDpi xmlns:a14="http://schemas.microsoft.com/office/drawing/2010/main" val="0"/>
@@ -18063,7 +12734,7 @@
             <p:nvPr/>
           </p:nvPicPr>
           <p:blipFill>
-            <a:blip r:embed="rId3" cstate="print">
+            <a:blip r:embed="rId2" cstate="print">
               <a:extLst>
                 <a:ext uri="{28A0092B-C50C-407E-A947-70E740481C1C}">
                   <a14:useLocalDpi xmlns:a14="http://schemas.microsoft.com/office/drawing/2010/main" val="0"/>
@@ -18150,7 +12821,7 @@
             <p:nvPr/>
           </p:nvPicPr>
           <p:blipFill>
-            <a:blip r:embed="rId3" cstate="print">
+            <a:blip r:embed="rId2" cstate="print">
               <a:extLst>
                 <a:ext uri="{28A0092B-C50C-407E-A947-70E740481C1C}">
                   <a14:useLocalDpi xmlns:a14="http://schemas.microsoft.com/office/drawing/2010/main" val="0"/>
@@ -18200,7 +12871,7 @@
             <a:p>
               <a:pPr algn="ctr"/>
               <a:r>
-                <a:rPr lang="tr-TR" sz="1000" b="1" dirty="0" smtClean="0">
+                <a:rPr lang="tr-TR" sz="1000" b="1" dirty="0">
                   <a:latin typeface="Arial" panose="020B0604020202020204" pitchFamily="34" charset="0"/>
                   <a:cs typeface="Arial" panose="020B0604020202020204" pitchFamily="34" charset="0"/>
                 </a:rPr>
@@ -18223,7 +12894,7 @@
           <p:nvPr/>
         </p:nvPicPr>
         <p:blipFill rotWithShape="1">
-          <a:blip r:embed="rId4" cstate="print">
+          <a:blip r:embed="rId3" cstate="print">
             <a:extLst>
               <a:ext uri="{28A0092B-C50C-407E-A947-70E740481C1C}">
                 <a14:useLocalDpi xmlns:a14="http://schemas.microsoft.com/office/drawing/2010/main" val="0"/>
@@ -18266,7 +12937,7 @@
             <p:nvPr/>
           </p:nvPicPr>
           <p:blipFill>
-            <a:blip r:embed="rId3" cstate="print">
+            <a:blip r:embed="rId2" cstate="print">
               <a:extLst>
                 <a:ext uri="{28A0092B-C50C-407E-A947-70E740481C1C}">
                   <a14:useLocalDpi xmlns:a14="http://schemas.microsoft.com/office/drawing/2010/main" val="0"/>
@@ -18375,7 +13046,7 @@
           <p:nvPr/>
         </p:nvPicPr>
         <p:blipFill>
-          <a:blip r:embed="rId5" cstate="print">
+          <a:blip r:embed="rId4" cstate="print">
             <a:extLst>
               <a:ext uri="{28A0092B-C50C-407E-A947-70E740481C1C}">
                 <a14:useLocalDpi xmlns:a14="http://schemas.microsoft.com/office/drawing/2010/main" val="0"/>
@@ -18434,41 +13105,34 @@
             <a:p>
               <a:pPr algn="ctr"/>
               <a:r>
-                <a:rPr lang="tr-TR" sz="1000" b="1" dirty="0" err="1" smtClean="0">
+                <a:rPr lang="tr-TR" sz="1000" b="1" dirty="0" err="1">
                   <a:latin typeface="Arial" panose="020B0604020202020204" pitchFamily="34" charset="0"/>
                   <a:cs typeface="Arial" panose="020B0604020202020204" pitchFamily="34" charset="0"/>
                 </a:rPr>
                 <a:t>Secondary</a:t>
               </a:r>
               <a:r>
-                <a:rPr lang="tr-TR" sz="1000" b="1" dirty="0" smtClean="0">
+                <a:rPr lang="tr-TR" sz="1000" b="1" dirty="0">
                   <a:latin typeface="Arial" panose="020B0604020202020204" pitchFamily="34" charset="0"/>
                   <a:cs typeface="Arial" panose="020B0604020202020204" pitchFamily="34" charset="0"/>
                 </a:rPr>
                 <a:t>/</a:t>
               </a:r>
               <a:r>
-                <a:rPr lang="tr-TR" sz="1000" b="1" dirty="0" err="1" smtClean="0">
+                <a:rPr lang="tr-TR" sz="1000" b="1" dirty="0" err="1">
                   <a:latin typeface="Arial" panose="020B0604020202020204" pitchFamily="34" charset="0"/>
                   <a:cs typeface="Arial" panose="020B0604020202020204" pitchFamily="34" charset="0"/>
                 </a:rPr>
                 <a:t>Standby</a:t>
               </a:r>
-              <a:r>
-                <a:rPr lang="tr-TR" sz="1000" b="1" dirty="0" smtClean="0">
-                  <a:latin typeface="Arial" panose="020B0604020202020204" pitchFamily="34" charset="0"/>
-                  <a:cs typeface="Arial" panose="020B0604020202020204" pitchFamily="34" charset="0"/>
-                </a:rPr>
-                <a:t/>
-              </a:r>
               <a:br>
-                <a:rPr lang="tr-TR" sz="1000" b="1" dirty="0" smtClean="0">
+                <a:rPr lang="tr-TR" sz="1000" b="1" dirty="0">
                   <a:latin typeface="Arial" panose="020B0604020202020204" pitchFamily="34" charset="0"/>
                   <a:cs typeface="Arial" panose="020B0604020202020204" pitchFamily="34" charset="0"/>
                 </a:rPr>
               </a:br>
               <a:r>
-                <a:rPr lang="tr-TR" sz="1000" b="1" dirty="0" err="1" smtClean="0">
+                <a:rPr lang="tr-TR" sz="1000" b="1" dirty="0" err="1">
                   <a:latin typeface="Arial" panose="020B0604020202020204" pitchFamily="34" charset="0"/>
                   <a:cs typeface="Arial" panose="020B0604020202020204" pitchFamily="34" charset="0"/>
                 </a:rPr>
@@ -18490,7 +13154,7 @@
             <p:nvPr/>
           </p:nvPicPr>
           <p:blipFill>
-            <a:blip r:embed="rId6" cstate="print">
+            <a:blip r:embed="rId5" cstate="print">
               <a:extLst>
                 <a:ext uri="{28A0092B-C50C-407E-A947-70E740481C1C}">
                   <a14:useLocalDpi xmlns:a14="http://schemas.microsoft.com/office/drawing/2010/main" val="0"/>
@@ -18550,21 +13214,21 @@
             <a:p>
               <a:pPr algn="ctr"/>
               <a:r>
-                <a:rPr lang="tr-TR" sz="1000" b="1" dirty="0" err="1" smtClean="0">
+                <a:rPr lang="tr-TR" sz="1000" b="1" dirty="0" err="1">
                   <a:latin typeface="Arial" panose="020B0604020202020204" pitchFamily="34" charset="0"/>
                   <a:cs typeface="Arial" panose="020B0604020202020204" pitchFamily="34" charset="0"/>
                 </a:rPr>
                 <a:t>Edge</a:t>
               </a:r>
               <a:r>
-                <a:rPr lang="tr-TR" sz="1000" b="1" dirty="0" smtClean="0">
+                <a:rPr lang="tr-TR" sz="1000" b="1" dirty="0">
                   <a:latin typeface="Arial" panose="020B0604020202020204" pitchFamily="34" charset="0"/>
                   <a:cs typeface="Arial" panose="020B0604020202020204" pitchFamily="34" charset="0"/>
                 </a:rPr>
                 <a:t> </a:t>
               </a:r>
               <a:r>
-                <a:rPr lang="tr-TR" sz="1000" b="1" dirty="0" err="1" smtClean="0">
+                <a:rPr lang="tr-TR" sz="1000" b="1" dirty="0" err="1">
                   <a:latin typeface="Arial" panose="020B0604020202020204" pitchFamily="34" charset="0"/>
                   <a:cs typeface="Arial" panose="020B0604020202020204" pitchFamily="34" charset="0"/>
                 </a:rPr>
@@ -18586,7 +13250,7 @@
             <p:nvPr/>
           </p:nvPicPr>
           <p:blipFill>
-            <a:blip r:embed="rId6" cstate="print">
+            <a:blip r:embed="rId5" cstate="print">
               <a:extLst>
                 <a:ext uri="{28A0092B-C50C-407E-A947-70E740481C1C}">
                   <a14:useLocalDpi xmlns:a14="http://schemas.microsoft.com/office/drawing/2010/main" val="0"/>
@@ -18646,7 +13310,7 @@
             <a:p>
               <a:pPr algn="ctr"/>
               <a:r>
-                <a:rPr lang="tr-TR" sz="1000" b="1" dirty="0" err="1" smtClean="0">
+                <a:rPr lang="tr-TR" sz="1000" b="1" dirty="0" err="1">
                   <a:latin typeface="Arial" panose="020B0604020202020204" pitchFamily="34" charset="0"/>
                   <a:cs typeface="Arial" panose="020B0604020202020204" pitchFamily="34" charset="0"/>
                 </a:rPr>
@@ -18668,7 +13332,7 @@
             <p:nvPr/>
           </p:nvPicPr>
           <p:blipFill>
-            <a:blip r:embed="rId6" cstate="print">
+            <a:blip r:embed="rId5" cstate="print">
               <a:extLst>
                 <a:ext uri="{28A0092B-C50C-407E-A947-70E740481C1C}">
                   <a14:useLocalDpi xmlns:a14="http://schemas.microsoft.com/office/drawing/2010/main" val="0"/>
@@ -18800,21 +13464,21 @@
             <a:p>
               <a:pPr algn="ctr"/>
               <a:r>
-                <a:rPr lang="tr-TR" sz="1000" b="1" dirty="0" smtClean="0">
+                <a:rPr lang="tr-TR" sz="1000" b="1" dirty="0">
                   <a:latin typeface="Arial" panose="020B0604020202020204" pitchFamily="34" charset="0"/>
                   <a:cs typeface="Arial" panose="020B0604020202020204" pitchFamily="34" charset="0"/>
                 </a:rPr>
                 <a:t>YARN </a:t>
               </a:r>
               <a:r>
-                <a:rPr lang="tr-TR" sz="1000" b="1" dirty="0" err="1" smtClean="0">
+                <a:rPr lang="tr-TR" sz="1000" b="1" dirty="0" err="1">
                   <a:latin typeface="Arial" panose="020B0604020202020204" pitchFamily="34" charset="0"/>
                   <a:cs typeface="Arial" panose="020B0604020202020204" pitchFamily="34" charset="0"/>
                 </a:rPr>
                 <a:t>Resourse</a:t>
               </a:r>
               <a:r>
-                <a:rPr lang="tr-TR" sz="1000" b="1" dirty="0" smtClean="0">
+                <a:rPr lang="tr-TR" sz="1000" b="1" dirty="0">
                   <a:latin typeface="Arial" panose="020B0604020202020204" pitchFamily="34" charset="0"/>
                   <a:cs typeface="Arial" panose="020B0604020202020204" pitchFamily="34" charset="0"/>
                 </a:rPr>
@@ -18836,7 +13500,7 @@
             <p:nvPr/>
           </p:nvPicPr>
           <p:blipFill>
-            <a:blip r:embed="rId6" cstate="print">
+            <a:blip r:embed="rId5" cstate="print">
               <a:extLst>
                 <a:ext uri="{28A0092B-C50C-407E-A947-70E740481C1C}">
                   <a14:useLocalDpi xmlns:a14="http://schemas.microsoft.com/office/drawing/2010/main" val="0"/>
@@ -18868,13 +13532,6 @@
   <p:clrMapOvr>
     <a:masterClrMapping/>
   </p:clrMapOvr>
-  <p:timing>
-    <p:tnLst>
-      <p:par>
-        <p:cTn id="1" dur="indefinite" restart="never" nodeType="tmRoot"/>
-      </p:par>
-    </p:tnLst>
-  </p:timing>
 </p:sld>
 </file>
 
